--- a/First Review/First Oral Presentation.pptx
+++ b/First Review/First Oral Presentation.pptx
@@ -9778,14 +9778,14 @@
           <p:nvPr>
             <p:extLst>
               <p:ext uri="{D42A27DB-BD31-4B8C-83A1-F6EECF244321}">
-                <p14:modId xmlns:p14="http://schemas.microsoft.com/office/powerpoint/2010/main" val="3988875954"/>
+                <p14:modId xmlns:p14="http://schemas.microsoft.com/office/powerpoint/2010/main" val="3330023891"/>
               </p:ext>
             </p:extLst>
           </p:nvPr>
         </p:nvGraphicFramePr>
         <p:xfrm>
-          <a:off x="838200" y="719666"/>
-          <a:ext cx="10515600" cy="6056316"/>
+          <a:off x="843378" y="719091"/>
+          <a:ext cx="10510421" cy="6056892"/>
         </p:xfrm>
         <a:graphic>
           <a:graphicData uri="http://schemas.openxmlformats.org/drawingml/2006/table">
@@ -9794,14 +9794,14 @@
                 <a:tableStyleId>{2D5ABB26-0587-4C30-8999-92F81FD0307C}</a:tableStyleId>
               </a:tblPr>
               <a:tblGrid>
-                <a:gridCol w="662126">
+                <a:gridCol w="661800">
                   <a:extLst>
                     <a:ext uri="{9D8B030D-6E8A-4147-A177-3AD203B41FA5}">
                       <a16:colId xmlns:a16="http://schemas.microsoft.com/office/drawing/2014/main" val="3448325611"/>
                     </a:ext>
                   </a:extLst>
                 </a:gridCol>
-                <a:gridCol w="9853474">
+                <a:gridCol w="9848621">
                   <a:extLst>
                     <a:ext uri="{9D8B030D-6E8A-4147-A177-3AD203B41FA5}">
                       <a16:colId xmlns:a16="http://schemas.microsoft.com/office/drawing/2014/main" val="393581948"/>
@@ -9809,52 +9809,55 @@
                   </a:extLst>
                 </a:gridCol>
               </a:tblGrid>
-              <a:tr h="704586">
+              <a:tr h="704653">
                 <a:tc>
                   <a:txBody>
                     <a:bodyPr/>
                     <a:lstStyle/>
                     <a:p>
-                      <a:endParaRPr lang="en-US"/>
+                      <a:r>
+                        <a:rPr lang="en-US" dirty="0"/>
+                        <a:t>[1]</a:t>
+                      </a:r>
                     </a:p>
                   </a:txBody>
                   <a:tcPr>
                     <a:lnL w="12700" cap="flat" cmpd="sng" algn="ctr">
-                      <a:solidFill>
-                        <a:schemeClr val="tx1"/>
-                      </a:solidFill>
+                      <a:noFill/>
                       <a:prstDash val="solid"/>
                       <a:round/>
                       <a:headEnd type="none" w="med" len="med"/>
                       <a:tailEnd type="none" w="med" len="med"/>
                     </a:lnL>
                     <a:lnR w="12700" cap="flat" cmpd="sng" algn="ctr">
-                      <a:solidFill>
-                        <a:schemeClr val="tx1"/>
-                      </a:solidFill>
+                      <a:noFill/>
                       <a:prstDash val="solid"/>
                       <a:round/>
                       <a:headEnd type="none" w="med" len="med"/>
                       <a:tailEnd type="none" w="med" len="med"/>
                     </a:lnR>
                     <a:lnT w="12700" cap="flat" cmpd="sng" algn="ctr">
-                      <a:solidFill>
-                        <a:schemeClr val="tx1"/>
-                      </a:solidFill>
+                      <a:noFill/>
                       <a:prstDash val="solid"/>
                       <a:round/>
                       <a:headEnd type="none" w="med" len="med"/>
                       <a:tailEnd type="none" w="med" len="med"/>
                     </a:lnT>
                     <a:lnB w="12700" cap="flat" cmpd="sng" algn="ctr">
-                      <a:solidFill>
-                        <a:schemeClr val="tx1"/>
-                      </a:solidFill>
+                      <a:noFill/>
                       <a:prstDash val="solid"/>
                       <a:round/>
                       <a:headEnd type="none" w="med" len="med"/>
                       <a:tailEnd type="none" w="med" len="med"/>
                     </a:lnB>
+                    <a:lnTlToBr w="12700" cmpd="sng">
+                      <a:noFill/>
+                      <a:prstDash val="solid"/>
+                    </a:lnTlToBr>
+                    <a:lnBlToTr w="12700" cmpd="sng">
+                      <a:noFill/>
+                      <a:prstDash val="solid"/>
+                    </a:lnBlToTr>
                   </a:tcPr>
                 </a:tc>
                 <a:tc>
@@ -9862,6 +9865,7 @@
                     <a:bodyPr/>
                     <a:lstStyle/>
                     <a:p>
+                      <a:pPr algn="just"/>
                       <a:r>
                         <a:rPr lang="en-IN" sz="1800" kern="1200" dirty="0">
                           <a:solidFill>
@@ -9903,41 +9907,41 @@
                   </a:txBody>
                   <a:tcPr>
                     <a:lnL w="12700" cap="flat" cmpd="sng" algn="ctr">
-                      <a:solidFill>
-                        <a:schemeClr val="tx1"/>
-                      </a:solidFill>
+                      <a:noFill/>
                       <a:prstDash val="solid"/>
                       <a:round/>
                       <a:headEnd type="none" w="med" len="med"/>
                       <a:tailEnd type="none" w="med" len="med"/>
                     </a:lnL>
                     <a:lnR w="12700" cap="flat" cmpd="sng" algn="ctr">
-                      <a:solidFill>
-                        <a:schemeClr val="tx1"/>
-                      </a:solidFill>
+                      <a:noFill/>
                       <a:prstDash val="solid"/>
                       <a:round/>
                       <a:headEnd type="none" w="med" len="med"/>
                       <a:tailEnd type="none" w="med" len="med"/>
                     </a:lnR>
                     <a:lnT w="12700" cap="flat" cmpd="sng" algn="ctr">
-                      <a:solidFill>
-                        <a:schemeClr val="tx1"/>
-                      </a:solidFill>
+                      <a:noFill/>
                       <a:prstDash val="solid"/>
                       <a:round/>
                       <a:headEnd type="none" w="med" len="med"/>
                       <a:tailEnd type="none" w="med" len="med"/>
                     </a:lnT>
                     <a:lnB w="12700" cap="flat" cmpd="sng" algn="ctr">
-                      <a:solidFill>
-                        <a:schemeClr val="tx1"/>
-                      </a:solidFill>
+                      <a:noFill/>
                       <a:prstDash val="solid"/>
                       <a:round/>
                       <a:headEnd type="none" w="med" len="med"/>
                       <a:tailEnd type="none" w="med" len="med"/>
                     </a:lnB>
+                    <a:lnTlToBr w="12700" cmpd="sng">
+                      <a:noFill/>
+                      <a:prstDash val="solid"/>
+                    </a:lnTlToBr>
+                    <a:lnBlToTr w="12700" cmpd="sng">
+                      <a:noFill/>
+                      <a:prstDash val="solid"/>
+                    </a:lnBlToTr>
                   </a:tcPr>
                 </a:tc>
                 <a:extLst>
@@ -9946,52 +9950,55 @@
                   </a:ext>
                 </a:extLst>
               </a:tr>
-              <a:tr h="704586">
+              <a:tr h="704653">
                 <a:tc>
                   <a:txBody>
                     <a:bodyPr/>
                     <a:lstStyle/>
                     <a:p>
-                      <a:endParaRPr lang="en-US"/>
+                      <a:r>
+                        <a:rPr lang="en-US" dirty="0"/>
+                        <a:t>[2]</a:t>
+                      </a:r>
                     </a:p>
                   </a:txBody>
                   <a:tcPr>
                     <a:lnL w="12700" cap="flat" cmpd="sng" algn="ctr">
-                      <a:solidFill>
-                        <a:schemeClr val="tx1"/>
-                      </a:solidFill>
+                      <a:noFill/>
                       <a:prstDash val="solid"/>
                       <a:round/>
                       <a:headEnd type="none" w="med" len="med"/>
                       <a:tailEnd type="none" w="med" len="med"/>
                     </a:lnL>
                     <a:lnR w="12700" cap="flat" cmpd="sng" algn="ctr">
-                      <a:solidFill>
-                        <a:schemeClr val="tx1"/>
-                      </a:solidFill>
+                      <a:noFill/>
                       <a:prstDash val="solid"/>
                       <a:round/>
                       <a:headEnd type="none" w="med" len="med"/>
                       <a:tailEnd type="none" w="med" len="med"/>
                     </a:lnR>
                     <a:lnT w="12700" cap="flat" cmpd="sng" algn="ctr">
-                      <a:solidFill>
-                        <a:schemeClr val="tx1"/>
-                      </a:solidFill>
+                      <a:noFill/>
                       <a:prstDash val="solid"/>
                       <a:round/>
                       <a:headEnd type="none" w="med" len="med"/>
                       <a:tailEnd type="none" w="med" len="med"/>
                     </a:lnT>
                     <a:lnB w="12700" cap="flat" cmpd="sng" algn="ctr">
-                      <a:solidFill>
-                        <a:schemeClr val="tx1"/>
-                      </a:solidFill>
+                      <a:noFill/>
                       <a:prstDash val="solid"/>
                       <a:round/>
                       <a:headEnd type="none" w="med" len="med"/>
                       <a:tailEnd type="none" w="med" len="med"/>
                     </a:lnB>
+                    <a:lnTlToBr w="12700" cmpd="sng">
+                      <a:noFill/>
+                      <a:prstDash val="solid"/>
+                    </a:lnTlToBr>
+                    <a:lnBlToTr w="12700" cmpd="sng">
+                      <a:noFill/>
+                      <a:prstDash val="solid"/>
+                    </a:lnBlToTr>
                   </a:tcPr>
                 </a:tc>
                 <a:tc>
@@ -9999,6 +10006,7 @@
                     <a:bodyPr/>
                     <a:lstStyle/>
                     <a:p>
+                      <a:pPr algn="just"/>
                       <a:r>
                         <a:rPr lang="en-US" sz="1800" kern="1200" dirty="0" err="1">
                           <a:solidFill>
@@ -10052,41 +10060,41 @@
                   </a:txBody>
                   <a:tcPr>
                     <a:lnL w="12700" cap="flat" cmpd="sng" algn="ctr">
-                      <a:solidFill>
-                        <a:schemeClr val="tx1"/>
-                      </a:solidFill>
+                      <a:noFill/>
                       <a:prstDash val="solid"/>
                       <a:round/>
                       <a:headEnd type="none" w="med" len="med"/>
                       <a:tailEnd type="none" w="med" len="med"/>
                     </a:lnL>
                     <a:lnR w="12700" cap="flat" cmpd="sng" algn="ctr">
-                      <a:solidFill>
-                        <a:schemeClr val="tx1"/>
-                      </a:solidFill>
+                      <a:noFill/>
                       <a:prstDash val="solid"/>
                       <a:round/>
                       <a:headEnd type="none" w="med" len="med"/>
                       <a:tailEnd type="none" w="med" len="med"/>
                     </a:lnR>
                     <a:lnT w="12700" cap="flat" cmpd="sng" algn="ctr">
-                      <a:solidFill>
-                        <a:schemeClr val="tx1"/>
-                      </a:solidFill>
+                      <a:noFill/>
                       <a:prstDash val="solid"/>
                       <a:round/>
                       <a:headEnd type="none" w="med" len="med"/>
                       <a:tailEnd type="none" w="med" len="med"/>
                     </a:lnT>
                     <a:lnB w="12700" cap="flat" cmpd="sng" algn="ctr">
-                      <a:solidFill>
-                        <a:schemeClr val="tx1"/>
-                      </a:solidFill>
+                      <a:noFill/>
                       <a:prstDash val="solid"/>
                       <a:round/>
                       <a:headEnd type="none" w="med" len="med"/>
                       <a:tailEnd type="none" w="med" len="med"/>
                     </a:lnB>
+                    <a:lnTlToBr w="12700" cmpd="sng">
+                      <a:noFill/>
+                      <a:prstDash val="solid"/>
+                    </a:lnTlToBr>
+                    <a:lnBlToTr w="12700" cmpd="sng">
+                      <a:noFill/>
+                      <a:prstDash val="solid"/>
+                    </a:lnBlToTr>
                   </a:tcPr>
                 </a:tc>
                 <a:extLst>
@@ -10095,52 +10103,55 @@
                   </a:ext>
                 </a:extLst>
               </a:tr>
-              <a:tr h="704586">
+              <a:tr h="914487">
                 <a:tc>
                   <a:txBody>
                     <a:bodyPr/>
                     <a:lstStyle/>
                     <a:p>
-                      <a:endParaRPr lang="en-US"/>
+                      <a:r>
+                        <a:rPr lang="en-US" dirty="0"/>
+                        <a:t>[3]</a:t>
+                      </a:r>
                     </a:p>
                   </a:txBody>
                   <a:tcPr>
                     <a:lnL w="12700" cap="flat" cmpd="sng" algn="ctr">
-                      <a:solidFill>
-                        <a:schemeClr val="tx1"/>
-                      </a:solidFill>
+                      <a:noFill/>
                       <a:prstDash val="solid"/>
                       <a:round/>
                       <a:headEnd type="none" w="med" len="med"/>
                       <a:tailEnd type="none" w="med" len="med"/>
                     </a:lnL>
                     <a:lnR w="12700" cap="flat" cmpd="sng" algn="ctr">
-                      <a:solidFill>
-                        <a:schemeClr val="tx1"/>
-                      </a:solidFill>
+                      <a:noFill/>
                       <a:prstDash val="solid"/>
                       <a:round/>
                       <a:headEnd type="none" w="med" len="med"/>
                       <a:tailEnd type="none" w="med" len="med"/>
                     </a:lnR>
                     <a:lnT w="12700" cap="flat" cmpd="sng" algn="ctr">
-                      <a:solidFill>
-                        <a:schemeClr val="tx1"/>
-                      </a:solidFill>
+                      <a:noFill/>
                       <a:prstDash val="solid"/>
                       <a:round/>
                       <a:headEnd type="none" w="med" len="med"/>
                       <a:tailEnd type="none" w="med" len="med"/>
                     </a:lnT>
                     <a:lnB w="12700" cap="flat" cmpd="sng" algn="ctr">
-                      <a:solidFill>
-                        <a:schemeClr val="tx1"/>
-                      </a:solidFill>
+                      <a:noFill/>
                       <a:prstDash val="solid"/>
                       <a:round/>
                       <a:headEnd type="none" w="med" len="med"/>
                       <a:tailEnd type="none" w="med" len="med"/>
                     </a:lnB>
+                    <a:lnTlToBr w="12700" cmpd="sng">
+                      <a:noFill/>
+                      <a:prstDash val="solid"/>
+                    </a:lnTlToBr>
+                    <a:lnBlToTr w="12700" cmpd="sng">
+                      <a:noFill/>
+                      <a:prstDash val="solid"/>
+                    </a:lnBlToTr>
                   </a:tcPr>
                 </a:tc>
                 <a:tc>
@@ -10148,6 +10159,7 @@
                     <a:bodyPr/>
                     <a:lstStyle/>
                     <a:p>
+                      <a:pPr algn="just"/>
                       <a:r>
                         <a:rPr lang="en-IN" sz="1800" kern="1200" dirty="0">
                           <a:solidFill>
@@ -10213,41 +10225,41 @@
                   </a:txBody>
                   <a:tcPr>
                     <a:lnL w="12700" cap="flat" cmpd="sng" algn="ctr">
-                      <a:solidFill>
-                        <a:schemeClr val="tx1"/>
-                      </a:solidFill>
+                      <a:noFill/>
                       <a:prstDash val="solid"/>
                       <a:round/>
                       <a:headEnd type="none" w="med" len="med"/>
                       <a:tailEnd type="none" w="med" len="med"/>
                     </a:lnL>
                     <a:lnR w="12700" cap="flat" cmpd="sng" algn="ctr">
-                      <a:solidFill>
-                        <a:schemeClr val="tx1"/>
-                      </a:solidFill>
+                      <a:noFill/>
                       <a:prstDash val="solid"/>
                       <a:round/>
                       <a:headEnd type="none" w="med" len="med"/>
                       <a:tailEnd type="none" w="med" len="med"/>
                     </a:lnR>
                     <a:lnT w="12700" cap="flat" cmpd="sng" algn="ctr">
-                      <a:solidFill>
-                        <a:schemeClr val="tx1"/>
-                      </a:solidFill>
+                      <a:noFill/>
                       <a:prstDash val="solid"/>
                       <a:round/>
                       <a:headEnd type="none" w="med" len="med"/>
                       <a:tailEnd type="none" w="med" len="med"/>
                     </a:lnT>
                     <a:lnB w="12700" cap="flat" cmpd="sng" algn="ctr">
-                      <a:solidFill>
-                        <a:schemeClr val="tx1"/>
-                      </a:solidFill>
+                      <a:noFill/>
                       <a:prstDash val="solid"/>
                       <a:round/>
                       <a:headEnd type="none" w="med" len="med"/>
                       <a:tailEnd type="none" w="med" len="med"/>
                     </a:lnB>
+                    <a:lnTlToBr w="12700" cmpd="sng">
+                      <a:noFill/>
+                      <a:prstDash val="solid"/>
+                    </a:lnTlToBr>
+                    <a:lnBlToTr w="12700" cmpd="sng">
+                      <a:noFill/>
+                      <a:prstDash val="solid"/>
+                    </a:lnBlToTr>
                   </a:tcPr>
                 </a:tc>
                 <a:extLst>
@@ -10256,52 +10268,55 @@
                   </a:ext>
                 </a:extLst>
               </a:tr>
-              <a:tr h="704586">
+              <a:tr h="704653">
                 <a:tc>
                   <a:txBody>
                     <a:bodyPr/>
                     <a:lstStyle/>
                     <a:p>
-                      <a:endParaRPr lang="en-US"/>
+                      <a:r>
+                        <a:rPr lang="en-US" dirty="0"/>
+                        <a:t>[4]</a:t>
+                      </a:r>
                     </a:p>
                   </a:txBody>
                   <a:tcPr>
                     <a:lnL w="12700" cap="flat" cmpd="sng" algn="ctr">
-                      <a:solidFill>
-                        <a:schemeClr val="tx1"/>
-                      </a:solidFill>
+                      <a:noFill/>
                       <a:prstDash val="solid"/>
                       <a:round/>
                       <a:headEnd type="none" w="med" len="med"/>
                       <a:tailEnd type="none" w="med" len="med"/>
                     </a:lnL>
                     <a:lnR w="12700" cap="flat" cmpd="sng" algn="ctr">
-                      <a:solidFill>
-                        <a:schemeClr val="tx1"/>
-                      </a:solidFill>
+                      <a:noFill/>
                       <a:prstDash val="solid"/>
                       <a:round/>
                       <a:headEnd type="none" w="med" len="med"/>
                       <a:tailEnd type="none" w="med" len="med"/>
                     </a:lnR>
                     <a:lnT w="12700" cap="flat" cmpd="sng" algn="ctr">
-                      <a:solidFill>
-                        <a:schemeClr val="tx1"/>
-                      </a:solidFill>
+                      <a:noFill/>
                       <a:prstDash val="solid"/>
                       <a:round/>
                       <a:headEnd type="none" w="med" len="med"/>
                       <a:tailEnd type="none" w="med" len="med"/>
                     </a:lnT>
                     <a:lnB w="12700" cap="flat" cmpd="sng" algn="ctr">
-                      <a:solidFill>
-                        <a:schemeClr val="tx1"/>
-                      </a:solidFill>
+                      <a:noFill/>
                       <a:prstDash val="solid"/>
                       <a:round/>
                       <a:headEnd type="none" w="med" len="med"/>
                       <a:tailEnd type="none" w="med" len="med"/>
                     </a:lnB>
+                    <a:lnTlToBr w="12700" cmpd="sng">
+                      <a:noFill/>
+                      <a:prstDash val="solid"/>
+                    </a:lnTlToBr>
+                    <a:lnBlToTr w="12700" cmpd="sng">
+                      <a:noFill/>
+                      <a:prstDash val="solid"/>
+                    </a:lnBlToTr>
                   </a:tcPr>
                 </a:tc>
                 <a:tc>
@@ -10309,6 +10324,7 @@
                     <a:bodyPr/>
                     <a:lstStyle/>
                     <a:p>
+                      <a:pPr algn="just"/>
                       <a:r>
                         <a:rPr lang="en-IN" sz="1800" kern="1200" dirty="0">
                           <a:solidFill>
@@ -10350,41 +10366,41 @@
                   </a:txBody>
                   <a:tcPr>
                     <a:lnL w="12700" cap="flat" cmpd="sng" algn="ctr">
-                      <a:solidFill>
-                        <a:schemeClr val="tx1"/>
-                      </a:solidFill>
+                      <a:noFill/>
                       <a:prstDash val="solid"/>
                       <a:round/>
                       <a:headEnd type="none" w="med" len="med"/>
                       <a:tailEnd type="none" w="med" len="med"/>
                     </a:lnL>
                     <a:lnR w="12700" cap="flat" cmpd="sng" algn="ctr">
-                      <a:solidFill>
-                        <a:schemeClr val="tx1"/>
-                      </a:solidFill>
+                      <a:noFill/>
                       <a:prstDash val="solid"/>
                       <a:round/>
                       <a:headEnd type="none" w="med" len="med"/>
                       <a:tailEnd type="none" w="med" len="med"/>
                     </a:lnR>
                     <a:lnT w="12700" cap="flat" cmpd="sng" algn="ctr">
-                      <a:solidFill>
-                        <a:schemeClr val="tx1"/>
-                      </a:solidFill>
+                      <a:noFill/>
                       <a:prstDash val="solid"/>
                       <a:round/>
                       <a:headEnd type="none" w="med" len="med"/>
                       <a:tailEnd type="none" w="med" len="med"/>
                     </a:lnT>
                     <a:lnB w="12700" cap="flat" cmpd="sng" algn="ctr">
-                      <a:solidFill>
-                        <a:schemeClr val="tx1"/>
-                      </a:solidFill>
+                      <a:noFill/>
                       <a:prstDash val="solid"/>
                       <a:round/>
                       <a:headEnd type="none" w="med" len="med"/>
                       <a:tailEnd type="none" w="med" len="med"/>
                     </a:lnB>
+                    <a:lnTlToBr w="12700" cmpd="sng">
+                      <a:noFill/>
+                      <a:prstDash val="solid"/>
+                    </a:lnTlToBr>
+                    <a:lnBlToTr w="12700" cmpd="sng">
+                      <a:noFill/>
+                      <a:prstDash val="solid"/>
+                    </a:lnBlToTr>
                   </a:tcPr>
                 </a:tc>
                 <a:extLst>
@@ -10393,52 +10409,55 @@
                   </a:ext>
                 </a:extLst>
               </a:tr>
-              <a:tr h="704586">
+              <a:tr h="914487">
                 <a:tc>
                   <a:txBody>
                     <a:bodyPr/>
                     <a:lstStyle/>
                     <a:p>
-                      <a:endParaRPr lang="en-US"/>
+                      <a:r>
+                        <a:rPr lang="en-US" dirty="0"/>
+                        <a:t>[5]</a:t>
+                      </a:r>
                     </a:p>
                   </a:txBody>
                   <a:tcPr>
                     <a:lnL w="12700" cap="flat" cmpd="sng" algn="ctr">
-                      <a:solidFill>
-                        <a:schemeClr val="tx1"/>
-                      </a:solidFill>
+                      <a:noFill/>
                       <a:prstDash val="solid"/>
                       <a:round/>
                       <a:headEnd type="none" w="med" len="med"/>
                       <a:tailEnd type="none" w="med" len="med"/>
                     </a:lnL>
                     <a:lnR w="12700" cap="flat" cmpd="sng" algn="ctr">
-                      <a:solidFill>
-                        <a:schemeClr val="tx1"/>
-                      </a:solidFill>
+                      <a:noFill/>
                       <a:prstDash val="solid"/>
                       <a:round/>
                       <a:headEnd type="none" w="med" len="med"/>
                       <a:tailEnd type="none" w="med" len="med"/>
                     </a:lnR>
                     <a:lnT w="12700" cap="flat" cmpd="sng" algn="ctr">
-                      <a:solidFill>
-                        <a:schemeClr val="tx1"/>
-                      </a:solidFill>
+                      <a:noFill/>
                       <a:prstDash val="solid"/>
                       <a:round/>
                       <a:headEnd type="none" w="med" len="med"/>
                       <a:tailEnd type="none" w="med" len="med"/>
                     </a:lnT>
                     <a:lnB w="12700" cap="flat" cmpd="sng" algn="ctr">
-                      <a:solidFill>
-                        <a:schemeClr val="tx1"/>
-                      </a:solidFill>
+                      <a:noFill/>
                       <a:prstDash val="solid"/>
                       <a:round/>
                       <a:headEnd type="none" w="med" len="med"/>
                       <a:tailEnd type="none" w="med" len="med"/>
                     </a:lnB>
+                    <a:lnTlToBr w="12700" cmpd="sng">
+                      <a:noFill/>
+                      <a:prstDash val="solid"/>
+                    </a:lnTlToBr>
+                    <a:lnBlToTr w="12700" cmpd="sng">
+                      <a:noFill/>
+                      <a:prstDash val="solid"/>
+                    </a:lnBlToTr>
                   </a:tcPr>
                 </a:tc>
                 <a:tc>
@@ -10446,6 +10465,7 @@
                     <a:bodyPr/>
                     <a:lstStyle/>
                     <a:p>
+                      <a:pPr algn="just"/>
                       <a:r>
                         <a:rPr lang="en-IN" sz="1800" kern="1200" dirty="0">
                           <a:solidFill>
@@ -10583,41 +10603,41 @@
                   </a:txBody>
                   <a:tcPr>
                     <a:lnL w="12700" cap="flat" cmpd="sng" algn="ctr">
-                      <a:solidFill>
-                        <a:schemeClr val="tx1"/>
-                      </a:solidFill>
+                      <a:noFill/>
                       <a:prstDash val="solid"/>
                       <a:round/>
                       <a:headEnd type="none" w="med" len="med"/>
                       <a:tailEnd type="none" w="med" len="med"/>
                     </a:lnL>
                     <a:lnR w="12700" cap="flat" cmpd="sng" algn="ctr">
-                      <a:solidFill>
-                        <a:schemeClr val="tx1"/>
-                      </a:solidFill>
+                      <a:noFill/>
                       <a:prstDash val="solid"/>
                       <a:round/>
                       <a:headEnd type="none" w="med" len="med"/>
                       <a:tailEnd type="none" w="med" len="med"/>
                     </a:lnR>
                     <a:lnT w="12700" cap="flat" cmpd="sng" algn="ctr">
-                      <a:solidFill>
-                        <a:schemeClr val="tx1"/>
-                      </a:solidFill>
+                      <a:noFill/>
                       <a:prstDash val="solid"/>
                       <a:round/>
                       <a:headEnd type="none" w="med" len="med"/>
                       <a:tailEnd type="none" w="med" len="med"/>
                     </a:lnT>
                     <a:lnB w="12700" cap="flat" cmpd="sng" algn="ctr">
-                      <a:solidFill>
-                        <a:schemeClr val="tx1"/>
-                      </a:solidFill>
+                      <a:noFill/>
                       <a:prstDash val="solid"/>
                       <a:round/>
                       <a:headEnd type="none" w="med" len="med"/>
                       <a:tailEnd type="none" w="med" len="med"/>
                     </a:lnB>
+                    <a:lnTlToBr w="12700" cmpd="sng">
+                      <a:noFill/>
+                      <a:prstDash val="solid"/>
+                    </a:lnTlToBr>
+                    <a:lnBlToTr w="12700" cmpd="sng">
+                      <a:noFill/>
+                      <a:prstDash val="solid"/>
+                    </a:lnBlToTr>
                   </a:tcPr>
                 </a:tc>
                 <a:extLst>
@@ -10626,52 +10646,55 @@
                   </a:ext>
                 </a:extLst>
               </a:tr>
-              <a:tr h="704586">
+              <a:tr h="704653">
                 <a:tc>
                   <a:txBody>
                     <a:bodyPr/>
                     <a:lstStyle/>
                     <a:p>
-                      <a:endParaRPr lang="en-US"/>
+                      <a:r>
+                        <a:rPr lang="en-US" dirty="0"/>
+                        <a:t>[6]</a:t>
+                      </a:r>
                     </a:p>
                   </a:txBody>
                   <a:tcPr>
                     <a:lnL w="12700" cap="flat" cmpd="sng" algn="ctr">
-                      <a:solidFill>
-                        <a:schemeClr val="tx1"/>
-                      </a:solidFill>
+                      <a:noFill/>
                       <a:prstDash val="solid"/>
                       <a:round/>
                       <a:headEnd type="none" w="med" len="med"/>
                       <a:tailEnd type="none" w="med" len="med"/>
                     </a:lnL>
                     <a:lnR w="12700" cap="flat" cmpd="sng" algn="ctr">
-                      <a:solidFill>
-                        <a:schemeClr val="tx1"/>
-                      </a:solidFill>
+                      <a:noFill/>
                       <a:prstDash val="solid"/>
                       <a:round/>
                       <a:headEnd type="none" w="med" len="med"/>
                       <a:tailEnd type="none" w="med" len="med"/>
                     </a:lnR>
                     <a:lnT w="12700" cap="flat" cmpd="sng" algn="ctr">
-                      <a:solidFill>
-                        <a:schemeClr val="tx1"/>
-                      </a:solidFill>
+                      <a:noFill/>
                       <a:prstDash val="solid"/>
                       <a:round/>
                       <a:headEnd type="none" w="med" len="med"/>
                       <a:tailEnd type="none" w="med" len="med"/>
                     </a:lnT>
                     <a:lnB w="12700" cap="flat" cmpd="sng" algn="ctr">
-                      <a:solidFill>
-                        <a:schemeClr val="tx1"/>
-                      </a:solidFill>
+                      <a:noFill/>
                       <a:prstDash val="solid"/>
                       <a:round/>
                       <a:headEnd type="none" w="med" len="med"/>
                       <a:tailEnd type="none" w="med" len="med"/>
                     </a:lnB>
+                    <a:lnTlToBr w="12700" cmpd="sng">
+                      <a:noFill/>
+                      <a:prstDash val="solid"/>
+                    </a:lnTlToBr>
+                    <a:lnBlToTr w="12700" cmpd="sng">
+                      <a:noFill/>
+                      <a:prstDash val="solid"/>
+                    </a:lnBlToTr>
                   </a:tcPr>
                 </a:tc>
                 <a:tc>
@@ -10679,46 +10702,47 @@
                     <a:bodyPr/>
                     <a:lstStyle/>
                     <a:p>
+                      <a:pPr algn="just"/>
                       <a:endParaRPr lang="en-US"/>
                     </a:p>
                   </a:txBody>
                   <a:tcPr>
                     <a:lnL w="12700" cap="flat" cmpd="sng" algn="ctr">
-                      <a:solidFill>
-                        <a:schemeClr val="tx1"/>
-                      </a:solidFill>
+                      <a:noFill/>
                       <a:prstDash val="solid"/>
                       <a:round/>
                       <a:headEnd type="none" w="med" len="med"/>
                       <a:tailEnd type="none" w="med" len="med"/>
                     </a:lnL>
                     <a:lnR w="12700" cap="flat" cmpd="sng" algn="ctr">
-                      <a:solidFill>
-                        <a:schemeClr val="tx1"/>
-                      </a:solidFill>
+                      <a:noFill/>
                       <a:prstDash val="solid"/>
                       <a:round/>
                       <a:headEnd type="none" w="med" len="med"/>
                       <a:tailEnd type="none" w="med" len="med"/>
                     </a:lnR>
                     <a:lnT w="12700" cap="flat" cmpd="sng" algn="ctr">
-                      <a:solidFill>
-                        <a:schemeClr val="tx1"/>
-                      </a:solidFill>
+                      <a:noFill/>
                       <a:prstDash val="solid"/>
                       <a:round/>
                       <a:headEnd type="none" w="med" len="med"/>
                       <a:tailEnd type="none" w="med" len="med"/>
                     </a:lnT>
                     <a:lnB w="12700" cap="flat" cmpd="sng" algn="ctr">
-                      <a:solidFill>
-                        <a:schemeClr val="tx1"/>
-                      </a:solidFill>
+                      <a:noFill/>
                       <a:prstDash val="solid"/>
                       <a:round/>
                       <a:headEnd type="none" w="med" len="med"/>
                       <a:tailEnd type="none" w="med" len="med"/>
                     </a:lnB>
+                    <a:lnTlToBr w="12700" cmpd="sng">
+                      <a:noFill/>
+                      <a:prstDash val="solid"/>
+                    </a:lnTlToBr>
+                    <a:lnBlToTr w="12700" cmpd="sng">
+                      <a:noFill/>
+                      <a:prstDash val="solid"/>
+                    </a:lnBlToTr>
                   </a:tcPr>
                 </a:tc>
                 <a:extLst>
@@ -10727,52 +10751,55 @@
                   </a:ext>
                 </a:extLst>
               </a:tr>
-              <a:tr h="704586">
+              <a:tr h="704653">
                 <a:tc>
                   <a:txBody>
                     <a:bodyPr/>
                     <a:lstStyle/>
                     <a:p>
-                      <a:endParaRPr lang="en-US"/>
+                      <a:r>
+                        <a:rPr lang="en-US" dirty="0"/>
+                        <a:t>[7]</a:t>
+                      </a:r>
                     </a:p>
                   </a:txBody>
                   <a:tcPr>
                     <a:lnL w="12700" cap="flat" cmpd="sng" algn="ctr">
-                      <a:solidFill>
-                        <a:schemeClr val="tx1"/>
-                      </a:solidFill>
+                      <a:noFill/>
                       <a:prstDash val="solid"/>
                       <a:round/>
                       <a:headEnd type="none" w="med" len="med"/>
                       <a:tailEnd type="none" w="med" len="med"/>
                     </a:lnL>
                     <a:lnR w="12700" cap="flat" cmpd="sng" algn="ctr">
-                      <a:solidFill>
-                        <a:schemeClr val="tx1"/>
-                      </a:solidFill>
+                      <a:noFill/>
                       <a:prstDash val="solid"/>
                       <a:round/>
                       <a:headEnd type="none" w="med" len="med"/>
                       <a:tailEnd type="none" w="med" len="med"/>
                     </a:lnR>
                     <a:lnT w="12700" cap="flat" cmpd="sng" algn="ctr">
-                      <a:solidFill>
-                        <a:schemeClr val="tx1"/>
-                      </a:solidFill>
+                      <a:noFill/>
                       <a:prstDash val="solid"/>
                       <a:round/>
                       <a:headEnd type="none" w="med" len="med"/>
                       <a:tailEnd type="none" w="med" len="med"/>
                     </a:lnT>
                     <a:lnB w="12700" cap="flat" cmpd="sng" algn="ctr">
-                      <a:solidFill>
-                        <a:schemeClr val="tx1"/>
-                      </a:solidFill>
+                      <a:noFill/>
                       <a:prstDash val="solid"/>
                       <a:round/>
                       <a:headEnd type="none" w="med" len="med"/>
                       <a:tailEnd type="none" w="med" len="med"/>
                     </a:lnB>
+                    <a:lnTlToBr w="12700" cmpd="sng">
+                      <a:noFill/>
+                      <a:prstDash val="solid"/>
+                    </a:lnTlToBr>
+                    <a:lnBlToTr w="12700" cmpd="sng">
+                      <a:noFill/>
+                      <a:prstDash val="solid"/>
+                    </a:lnBlToTr>
                   </a:tcPr>
                 </a:tc>
                 <a:tc>
@@ -10780,46 +10807,47 @@
                     <a:bodyPr/>
                     <a:lstStyle/>
                     <a:p>
+                      <a:pPr algn="just"/>
                       <a:endParaRPr lang="en-US"/>
                     </a:p>
                   </a:txBody>
                   <a:tcPr>
                     <a:lnL w="12700" cap="flat" cmpd="sng" algn="ctr">
-                      <a:solidFill>
-                        <a:schemeClr val="tx1"/>
-                      </a:solidFill>
+                      <a:noFill/>
                       <a:prstDash val="solid"/>
                       <a:round/>
                       <a:headEnd type="none" w="med" len="med"/>
                       <a:tailEnd type="none" w="med" len="med"/>
                     </a:lnL>
                     <a:lnR w="12700" cap="flat" cmpd="sng" algn="ctr">
-                      <a:solidFill>
-                        <a:schemeClr val="tx1"/>
-                      </a:solidFill>
+                      <a:noFill/>
                       <a:prstDash val="solid"/>
                       <a:round/>
                       <a:headEnd type="none" w="med" len="med"/>
                       <a:tailEnd type="none" w="med" len="med"/>
                     </a:lnR>
                     <a:lnT w="12700" cap="flat" cmpd="sng" algn="ctr">
-                      <a:solidFill>
-                        <a:schemeClr val="tx1"/>
-                      </a:solidFill>
+                      <a:noFill/>
                       <a:prstDash val="solid"/>
                       <a:round/>
                       <a:headEnd type="none" w="med" len="med"/>
                       <a:tailEnd type="none" w="med" len="med"/>
                     </a:lnT>
                     <a:lnB w="12700" cap="flat" cmpd="sng" algn="ctr">
-                      <a:solidFill>
-                        <a:schemeClr val="tx1"/>
-                      </a:solidFill>
+                      <a:noFill/>
                       <a:prstDash val="solid"/>
                       <a:round/>
                       <a:headEnd type="none" w="med" len="med"/>
                       <a:tailEnd type="none" w="med" len="med"/>
                     </a:lnB>
+                    <a:lnTlToBr w="12700" cmpd="sng">
+                      <a:noFill/>
+                      <a:prstDash val="solid"/>
+                    </a:lnTlToBr>
+                    <a:lnBlToTr w="12700" cmpd="sng">
+                      <a:noFill/>
+                      <a:prstDash val="solid"/>
+                    </a:lnBlToTr>
                   </a:tcPr>
                 </a:tc>
                 <a:extLst>
@@ -10828,52 +10856,55 @@
                   </a:ext>
                 </a:extLst>
               </a:tr>
-              <a:tr h="704586">
+              <a:tr h="704653">
                 <a:tc>
                   <a:txBody>
                     <a:bodyPr/>
                     <a:lstStyle/>
                     <a:p>
-                      <a:endParaRPr lang="en-US"/>
+                      <a:r>
+                        <a:rPr lang="en-US" dirty="0"/>
+                        <a:t>[8]</a:t>
+                      </a:r>
                     </a:p>
                   </a:txBody>
                   <a:tcPr>
                     <a:lnL w="12700" cap="flat" cmpd="sng" algn="ctr">
-                      <a:solidFill>
-                        <a:schemeClr val="tx1"/>
-                      </a:solidFill>
+                      <a:noFill/>
                       <a:prstDash val="solid"/>
                       <a:round/>
                       <a:headEnd type="none" w="med" len="med"/>
                       <a:tailEnd type="none" w="med" len="med"/>
                     </a:lnL>
                     <a:lnR w="12700" cap="flat" cmpd="sng" algn="ctr">
-                      <a:solidFill>
-                        <a:schemeClr val="tx1"/>
-                      </a:solidFill>
+                      <a:noFill/>
                       <a:prstDash val="solid"/>
                       <a:round/>
                       <a:headEnd type="none" w="med" len="med"/>
                       <a:tailEnd type="none" w="med" len="med"/>
                     </a:lnR>
                     <a:lnT w="12700" cap="flat" cmpd="sng" algn="ctr">
-                      <a:solidFill>
-                        <a:schemeClr val="tx1"/>
-                      </a:solidFill>
+                      <a:noFill/>
                       <a:prstDash val="solid"/>
                       <a:round/>
                       <a:headEnd type="none" w="med" len="med"/>
                       <a:tailEnd type="none" w="med" len="med"/>
                     </a:lnT>
                     <a:lnB w="12700" cap="flat" cmpd="sng" algn="ctr">
-                      <a:solidFill>
-                        <a:schemeClr val="tx1"/>
-                      </a:solidFill>
+                      <a:noFill/>
                       <a:prstDash val="solid"/>
                       <a:round/>
                       <a:headEnd type="none" w="med" len="med"/>
                       <a:tailEnd type="none" w="med" len="med"/>
                     </a:lnB>
+                    <a:lnTlToBr w="12700" cmpd="sng">
+                      <a:noFill/>
+                      <a:prstDash val="solid"/>
+                    </a:lnTlToBr>
+                    <a:lnBlToTr w="12700" cmpd="sng">
+                      <a:noFill/>
+                      <a:prstDash val="solid"/>
+                    </a:lnBlToTr>
                   </a:tcPr>
                 </a:tc>
                 <a:tc>
@@ -10881,46 +10912,47 @@
                     <a:bodyPr/>
                     <a:lstStyle/>
                     <a:p>
+                      <a:pPr algn="just"/>
                       <a:endParaRPr lang="en-US" dirty="0"/>
                     </a:p>
                   </a:txBody>
                   <a:tcPr>
                     <a:lnL w="12700" cap="flat" cmpd="sng" algn="ctr">
-                      <a:solidFill>
-                        <a:schemeClr val="tx1"/>
-                      </a:solidFill>
+                      <a:noFill/>
                       <a:prstDash val="solid"/>
                       <a:round/>
                       <a:headEnd type="none" w="med" len="med"/>
                       <a:tailEnd type="none" w="med" len="med"/>
                     </a:lnL>
                     <a:lnR w="12700" cap="flat" cmpd="sng" algn="ctr">
-                      <a:solidFill>
-                        <a:schemeClr val="tx1"/>
-                      </a:solidFill>
+                      <a:noFill/>
                       <a:prstDash val="solid"/>
                       <a:round/>
                       <a:headEnd type="none" w="med" len="med"/>
                       <a:tailEnd type="none" w="med" len="med"/>
                     </a:lnR>
                     <a:lnT w="12700" cap="flat" cmpd="sng" algn="ctr">
-                      <a:solidFill>
-                        <a:schemeClr val="tx1"/>
-                      </a:solidFill>
+                      <a:noFill/>
                       <a:prstDash val="solid"/>
                       <a:round/>
                       <a:headEnd type="none" w="med" len="med"/>
                       <a:tailEnd type="none" w="med" len="med"/>
                     </a:lnT>
                     <a:lnB w="12700" cap="flat" cmpd="sng" algn="ctr">
-                      <a:solidFill>
-                        <a:schemeClr val="tx1"/>
-                      </a:solidFill>
+                      <a:noFill/>
                       <a:prstDash val="solid"/>
                       <a:round/>
                       <a:headEnd type="none" w="med" len="med"/>
                       <a:tailEnd type="none" w="med" len="med"/>
                     </a:lnB>
+                    <a:lnTlToBr w="12700" cmpd="sng">
+                      <a:noFill/>
+                      <a:prstDash val="solid"/>
+                    </a:lnTlToBr>
+                    <a:lnBlToTr w="12700" cmpd="sng">
+                      <a:noFill/>
+                      <a:prstDash val="solid"/>
+                    </a:lnBlToTr>
                   </a:tcPr>
                 </a:tc>
                 <a:extLst>

--- a/First Review/First Oral Presentation.pptx
+++ b/First Review/First Oral Presentation.pptx
@@ -5,38 +5,19 @@
     <p:sldMasterId id="2147483684" r:id="rId1"/>
   </p:sldMasterIdLst>
   <p:notesMasterIdLst>
-    <p:notesMasterId r:id="rId31"/>
+    <p:notesMasterId r:id="rId12"/>
   </p:notesMasterIdLst>
   <p:sldIdLst>
     <p:sldId id="263" r:id="rId2"/>
     <p:sldId id="265" r:id="rId3"/>
-    <p:sldId id="264" r:id="rId4"/>
-    <p:sldId id="268" r:id="rId5"/>
-    <p:sldId id="266" r:id="rId6"/>
-    <p:sldId id="270" r:id="rId7"/>
-    <p:sldId id="288" r:id="rId8"/>
-    <p:sldId id="289" r:id="rId9"/>
-    <p:sldId id="290" r:id="rId10"/>
-    <p:sldId id="269" r:id="rId11"/>
-    <p:sldId id="271" r:id="rId12"/>
-    <p:sldId id="272" r:id="rId13"/>
-    <p:sldId id="273" r:id="rId14"/>
-    <p:sldId id="274" r:id="rId15"/>
-    <p:sldId id="275" r:id="rId16"/>
-    <p:sldId id="276" r:id="rId17"/>
-    <p:sldId id="287" r:id="rId18"/>
-    <p:sldId id="277" r:id="rId19"/>
-    <p:sldId id="278" r:id="rId20"/>
-    <p:sldId id="280" r:id="rId21"/>
-    <p:sldId id="279" r:id="rId22"/>
-    <p:sldId id="281" r:id="rId23"/>
-    <p:sldId id="282" r:id="rId24"/>
-    <p:sldId id="283" r:id="rId25"/>
-    <p:sldId id="284" r:id="rId26"/>
-    <p:sldId id="261" r:id="rId27"/>
-    <p:sldId id="262" r:id="rId28"/>
-    <p:sldId id="285" r:id="rId29"/>
-    <p:sldId id="286" r:id="rId30"/>
+    <p:sldId id="291" r:id="rId4"/>
+    <p:sldId id="264" r:id="rId5"/>
+    <p:sldId id="292" r:id="rId6"/>
+    <p:sldId id="293" r:id="rId7"/>
+    <p:sldId id="294" r:id="rId8"/>
+    <p:sldId id="261" r:id="rId9"/>
+    <p:sldId id="285" r:id="rId10"/>
+    <p:sldId id="286" r:id="rId11"/>
   </p:sldIdLst>
   <p:sldSz cx="12192000" cy="6858000"/>
   <p:notesSz cx="6858000" cy="9144000"/>
@@ -596,7 +577,7 @@
             <a:fld id="{3D8249B7-5670-4B09-86B3-71E93B280144}" type="datetimeFigureOut">
               <a:rPr lang="en-IN" smtClean="0"/>
               <a:pPr/>
-              <a:t>17-12-2019</a:t>
+              <a:t>18-12-2019</a:t>
             </a:fld>
             <a:endParaRPr lang="en-IN"/>
           </a:p>
@@ -995,7 +976,7 @@
             <a:fld id="{7D1AF1CA-FD27-4437-9CAD-DD56B5418F4E}" type="datetime1">
               <a:rPr lang="en-US" smtClean="0"/>
               <a:pPr/>
-              <a:t>17-Dec-19</a:t>
+              <a:t>18-Dec-19</a:t>
             </a:fld>
             <a:endParaRPr lang="en-US"/>
           </a:p>
@@ -1168,7 +1149,7 @@
             <a:fld id="{B8BB03FA-AEC6-496F-8A81-D8B322B5D797}" type="datetime1">
               <a:rPr lang="en-US" smtClean="0"/>
               <a:pPr/>
-              <a:t>17-Dec-19</a:t>
+              <a:t>18-Dec-19</a:t>
             </a:fld>
             <a:endParaRPr lang="en-US"/>
           </a:p>
@@ -1351,7 +1332,7 @@
             <a:fld id="{0E6D40E8-755A-4A9E-8203-7D540D0C4D6C}" type="datetime1">
               <a:rPr lang="en-US" smtClean="0"/>
               <a:pPr/>
-              <a:t>17-Dec-19</a:t>
+              <a:t>18-Dec-19</a:t>
             </a:fld>
             <a:endParaRPr lang="en-US"/>
           </a:p>
@@ -1524,7 +1505,7 @@
             <a:fld id="{7E3FDB0B-B014-4C47-949F-40696701F18D}" type="datetime1">
               <a:rPr lang="en-US" smtClean="0"/>
               <a:pPr/>
-              <a:t>17-Dec-19</a:t>
+              <a:t>18-Dec-19</a:t>
             </a:fld>
             <a:endParaRPr lang="en-US"/>
           </a:p>
@@ -1774,7 +1755,7 @@
             <a:fld id="{56A4027D-C39B-4028-B8BF-317DD87D366F}" type="datetime1">
               <a:rPr lang="en-US" smtClean="0"/>
               <a:pPr/>
-              <a:t>17-Dec-19</a:t>
+              <a:t>18-Dec-19</a:t>
             </a:fld>
             <a:endParaRPr lang="en-US"/>
           </a:p>
@@ -2008,7 +1989,7 @@
             <a:fld id="{F929062A-9710-4020-9B03-34EA22284D0C}" type="datetime1">
               <a:rPr lang="en-US" smtClean="0"/>
               <a:pPr/>
-              <a:t>17-Dec-19</a:t>
+              <a:t>18-Dec-19</a:t>
             </a:fld>
             <a:endParaRPr lang="en-US"/>
           </a:p>
@@ -2377,7 +2358,7 @@
             <a:fld id="{4B2152DA-6FB1-4EDE-8BB4-888167B9355B}" type="datetime1">
               <a:rPr lang="en-US" smtClean="0"/>
               <a:pPr/>
-              <a:t>17-Dec-19</a:t>
+              <a:t>18-Dec-19</a:t>
             </a:fld>
             <a:endParaRPr lang="en-US"/>
           </a:p>
@@ -2499,7 +2480,7 @@
             <a:fld id="{55429E5B-FFDD-47CA-AE66-D39F45E52B55}" type="datetime1">
               <a:rPr lang="en-US" smtClean="0"/>
               <a:pPr/>
-              <a:t>17-Dec-19</a:t>
+              <a:t>18-Dec-19</a:t>
             </a:fld>
             <a:endParaRPr lang="en-US"/>
           </a:p>
@@ -2599,7 +2580,7 @@
             <a:fld id="{3C36C040-CCB1-4266-9346-A8F110B24665}" type="datetime1">
               <a:rPr lang="en-US" smtClean="0"/>
               <a:pPr/>
-              <a:t>17-Dec-19</a:t>
+              <a:t>18-Dec-19</a:t>
             </a:fld>
             <a:endParaRPr lang="en-US"/>
           </a:p>
@@ -2879,7 +2860,7 @@
             <a:fld id="{DDD8B0CE-3257-4B5B-B2F0-94303DB42A1F}" type="datetime1">
               <a:rPr lang="en-US" smtClean="0"/>
               <a:pPr/>
-              <a:t>17-Dec-19</a:t>
+              <a:t>18-Dec-19</a:t>
             </a:fld>
             <a:endParaRPr lang="en-US"/>
           </a:p>
@@ -3139,7 +3120,7 @@
             <a:fld id="{FCF577C3-74B1-42E7-853A-25836E4163F3}" type="datetime1">
               <a:rPr lang="en-US" smtClean="0"/>
               <a:pPr/>
-              <a:t>17-Dec-19</a:t>
+              <a:t>18-Dec-19</a:t>
             </a:fld>
             <a:endParaRPr lang="en-US"/>
           </a:p>
@@ -3358,7 +3339,7 @@
             <a:fld id="{AC29328E-BEF7-443D-BAE5-BD9F671E0CEA}" type="datetime1">
               <a:rPr lang="en-US" smtClean="0"/>
               <a:pPr/>
-              <a:t>17-Dec-19</a:t>
+              <a:t>18-Dec-19</a:t>
             </a:fld>
             <a:endParaRPr lang="en-US"/>
           </a:p>
@@ -4171,7 +4152,7 @@
             <a:fld id="{5631755A-7F1F-43D1-B420-8FE5AAB03653}" type="datetime1">
               <a:rPr lang="en-US" smtClean="0"/>
               <a:pPr/>
-              <a:t>17-Dec-19</a:t>
+              <a:t>18-Dec-19</a:t>
             </a:fld>
             <a:endParaRPr lang="en-US"/>
           </a:p>
@@ -4849,10 +4830,10 @@
       </p:grpSpPr>
       <p:sp>
         <p:nvSpPr>
-          <p:cNvPr id="5" name="Title 4">
+          <p:cNvPr id="2" name="Date Placeholder 1">
             <a:extLst>
               <a:ext uri="{FF2B5EF4-FFF2-40B4-BE49-F238E27FC236}">
-                <a16:creationId xmlns:a16="http://schemas.microsoft.com/office/drawing/2014/main" id="{02546983-FC17-44F2-A5E8-F35E8709F6A9}"/>
+                <a16:creationId xmlns:a16="http://schemas.microsoft.com/office/drawing/2014/main" id="{76BBC1CA-AF0C-4C92-98AB-EACE49AFF103}"/>
               </a:ext>
             </a:extLst>
           </p:cNvPr>
@@ -4860,233 +4841,6 @@
             <a:spLocks noGrp="1"/>
           </p:cNvSpPr>
           <p:nvPr>
-            <p:ph type="ctrTitle"/>
-          </p:nvPr>
-        </p:nvSpPr>
-        <p:spPr>
-          <a:xfrm>
-            <a:off x="1524000" y="230819"/>
-            <a:ext cx="9144000" cy="772357"/>
-          </a:xfrm>
-        </p:spPr>
-        <p:txBody>
-          <a:bodyPr>
-            <a:noAutofit/>
-          </a:bodyPr>
-          <a:lstStyle/>
-          <a:p>
-            <a:r>
-              <a:rPr lang="en-IN" sz="3600" b="1" u="sng" dirty="0">
-                <a:solidFill>
-                  <a:srgbClr val="FF0000"/>
-                </a:solidFill>
-              </a:rPr>
-              <a:t>Working Principle of Thermoelectric Modules</a:t>
-            </a:r>
-          </a:p>
-        </p:txBody>
-      </p:sp>
-      <p:sp>
-        <p:nvSpPr>
-          <p:cNvPr id="6" name="Subtitle 5">
-            <a:extLst>
-              <a:ext uri="{FF2B5EF4-FFF2-40B4-BE49-F238E27FC236}">
-                <a16:creationId xmlns:a16="http://schemas.microsoft.com/office/drawing/2014/main" id="{1FAD516D-2C28-4399-96EB-F4083701149F}"/>
-              </a:ext>
-            </a:extLst>
-          </p:cNvPr>
-          <p:cNvSpPr>
-            <a:spLocks noGrp="1"/>
-          </p:cNvSpPr>
-          <p:nvPr>
-            <p:ph type="subTitle" idx="1"/>
-          </p:nvPr>
-        </p:nvSpPr>
-        <p:spPr>
-          <a:xfrm>
-            <a:off x="701335" y="1100831"/>
-            <a:ext cx="10777491" cy="4935985"/>
-          </a:xfrm>
-        </p:spPr>
-        <p:txBody>
-          <a:bodyPr>
-            <a:normAutofit/>
-          </a:bodyPr>
-          <a:lstStyle/>
-          <a:p>
-            <a:pPr marL="342900" indent="-342900" algn="l">
-              <a:lnSpc>
-                <a:spcPct val="150000"/>
-              </a:lnSpc>
-              <a:buFont typeface="Wingdings" panose="05000000000000000000" pitchFamily="2" charset="2"/>
-              <a:buChar char="Ø"/>
-            </a:pPr>
-            <a:r>
-              <a:rPr lang="en-IN" dirty="0"/>
-              <a:t>Thermoelectric Modules are working based on the thermoelectric effect</a:t>
-            </a:r>
-          </a:p>
-          <a:p>
-            <a:pPr marL="342900" indent="-342900" algn="l">
-              <a:lnSpc>
-                <a:spcPct val="150000"/>
-              </a:lnSpc>
-              <a:buFont typeface="Wingdings" panose="05000000000000000000" pitchFamily="2" charset="2"/>
-              <a:buChar char="Ø"/>
-            </a:pPr>
-            <a:r>
-              <a:rPr lang="en-IN" dirty="0"/>
-              <a:t>Thermoelectric effect is made up of three different effects</a:t>
-            </a:r>
-          </a:p>
-          <a:p>
-            <a:pPr marL="342900" indent="-342900" algn="l">
-              <a:lnSpc>
-                <a:spcPct val="150000"/>
-              </a:lnSpc>
-              <a:buFont typeface="Wingdings" panose="05000000000000000000" pitchFamily="2" charset="2"/>
-              <a:buChar char="Ø"/>
-            </a:pPr>
-            <a:endParaRPr lang="en-IN" dirty="0"/>
-          </a:p>
-          <a:p>
-            <a:pPr marL="342900" indent="-342900" algn="l">
-              <a:lnSpc>
-                <a:spcPct val="150000"/>
-              </a:lnSpc>
-              <a:buFont typeface="Wingdings" panose="05000000000000000000" pitchFamily="2" charset="2"/>
-              <a:buChar char="Ø"/>
-            </a:pPr>
-            <a:endParaRPr lang="en-IN" dirty="0"/>
-          </a:p>
-          <a:p>
-            <a:pPr marL="342900" indent="-342900" algn="l">
-              <a:lnSpc>
-                <a:spcPct val="150000"/>
-              </a:lnSpc>
-              <a:buFont typeface="Wingdings" panose="05000000000000000000" pitchFamily="2" charset="2"/>
-              <a:buChar char="Ø"/>
-            </a:pPr>
-            <a:r>
-              <a:rPr lang="en-IN" dirty="0"/>
-              <a:t>In the operation of Thermoelectric modules </a:t>
-            </a:r>
-            <a:r>
-              <a:rPr lang="en-IN" b="1" dirty="0"/>
-              <a:t>Seebeck Effect</a:t>
-            </a:r>
-            <a:r>
-              <a:rPr lang="en-IN" dirty="0"/>
-              <a:t> and </a:t>
-            </a:r>
-            <a:r>
-              <a:rPr lang="en-IN" b="1" dirty="0"/>
-              <a:t>Peltier Effect</a:t>
-            </a:r>
-            <a:r>
-              <a:rPr lang="en-IN" dirty="0"/>
-              <a:t> will play a major role and </a:t>
-            </a:r>
-            <a:r>
-              <a:rPr lang="en-IN" b="1" dirty="0"/>
-              <a:t>Thomson Effect</a:t>
-            </a:r>
-            <a:r>
-              <a:rPr lang="en-IN" dirty="0"/>
-              <a:t> is used for the direction of the heat flow only.</a:t>
-            </a:r>
-          </a:p>
-          <a:p>
-            <a:pPr algn="l">
-              <a:lnSpc>
-                <a:spcPct val="150000"/>
-              </a:lnSpc>
-            </a:pPr>
-            <a:endParaRPr lang="en-IN" dirty="0"/>
-          </a:p>
-        </p:txBody>
-      </p:sp>
-      <p:sp>
-        <p:nvSpPr>
-          <p:cNvPr id="7" name="TextBox 6">
-            <a:extLst>
-              <a:ext uri="{FF2B5EF4-FFF2-40B4-BE49-F238E27FC236}">
-                <a16:creationId xmlns:a16="http://schemas.microsoft.com/office/drawing/2014/main" id="{30AF7C7B-7E45-46BE-9129-2FD081598A1E}"/>
-              </a:ext>
-            </a:extLst>
-          </p:cNvPr>
-          <p:cNvSpPr txBox="1"/>
-          <p:nvPr/>
-        </p:nvSpPr>
-        <p:spPr>
-          <a:xfrm>
-            <a:off x="2236433" y="2212707"/>
-            <a:ext cx="2689934" cy="1697068"/>
-          </a:xfrm>
-          <a:prstGeom prst="rect">
-            <a:avLst/>
-          </a:prstGeom>
-          <a:noFill/>
-        </p:spPr>
-        <p:txBody>
-          <a:bodyPr wrap="square" rtlCol="0">
-            <a:spAutoFit/>
-          </a:bodyPr>
-          <a:lstStyle/>
-          <a:p>
-            <a:pPr marL="342900" indent="-342900">
-              <a:lnSpc>
-                <a:spcPct val="150000"/>
-              </a:lnSpc>
-              <a:buFont typeface="+mj-lt"/>
-              <a:buAutoNum type="arabicPeriod"/>
-            </a:pPr>
-            <a:r>
-              <a:rPr lang="en-IN" sz="2400" dirty="0"/>
-              <a:t>Seebeck Effect</a:t>
-            </a:r>
-          </a:p>
-          <a:p>
-            <a:pPr marL="342900" indent="-342900">
-              <a:lnSpc>
-                <a:spcPct val="150000"/>
-              </a:lnSpc>
-              <a:buFont typeface="+mj-lt"/>
-              <a:buAutoNum type="arabicPeriod"/>
-            </a:pPr>
-            <a:r>
-              <a:rPr lang="en-IN" sz="2400" dirty="0"/>
-              <a:t>Peltier Effect</a:t>
-            </a:r>
-          </a:p>
-          <a:p>
-            <a:pPr marL="342900" indent="-342900">
-              <a:lnSpc>
-                <a:spcPct val="150000"/>
-              </a:lnSpc>
-              <a:buFont typeface="+mj-lt"/>
-              <a:buAutoNum type="arabicPeriod"/>
-            </a:pPr>
-            <a:r>
-              <a:rPr lang="en-IN" sz="2400" dirty="0"/>
-              <a:t>Thomson Effect</a:t>
-            </a:r>
-          </a:p>
-        </p:txBody>
-      </p:sp>
-      <p:sp>
-        <p:nvSpPr>
-          <p:cNvPr id="2" name="Date Placeholder 1">
-            <a:extLst>
-              <a:ext uri="{FF2B5EF4-FFF2-40B4-BE49-F238E27FC236}">
-                <a16:creationId xmlns:a16="http://schemas.microsoft.com/office/drawing/2014/main" id="{08C43F57-7F61-43A0-9714-B9A4740629E1}"/>
-              </a:ext>
-            </a:extLst>
-          </p:cNvPr>
-          <p:cNvSpPr>
-            <a:spLocks noGrp="1"/>
-          </p:cNvSpPr>
-          <p:nvPr>
             <p:ph type="dt" sz="half" idx="10"/>
           </p:nvPr>
         </p:nvSpPr>
@@ -5095,10 +4849,10 @@
           <a:bodyPr/>
           <a:lstStyle/>
           <a:p>
-            <a:fld id="{FD74BD90-E428-4E3D-BD51-A6803F450CEA}" type="datetime1">
+            <a:fld id="{3C36C040-CCB1-4266-9346-A8F110B24665}" type="datetime1">
               <a:rPr lang="en-US" smtClean="0"/>
               <a:pPr/>
-              <a:t>17-Dec-19</a:t>
+              <a:t>18-Dec-19</a:t>
             </a:fld>
             <a:endParaRPr lang="en-US"/>
           </a:p>
@@ -5109,7 +4863,7 @@
           <p:cNvPr id="3" name="Slide Number Placeholder 2">
             <a:extLst>
               <a:ext uri="{FF2B5EF4-FFF2-40B4-BE49-F238E27FC236}">
-                <a16:creationId xmlns:a16="http://schemas.microsoft.com/office/drawing/2014/main" id="{7D42A65D-EADD-4AA5-87BA-DE0F7357034B}"/>
+                <a16:creationId xmlns:a16="http://schemas.microsoft.com/office/drawing/2014/main" id="{9F242FC4-3A0D-4E7A-B0CD-53E533F83BDB}"/>
               </a:ext>
             </a:extLst>
           </p:cNvPr>
@@ -5134,404 +4888,12 @@
           </a:p>
         </p:txBody>
       </p:sp>
-    </p:spTree>
-    <p:extLst>
-      <p:ext uri="{BB962C8B-B14F-4D97-AF65-F5344CB8AC3E}">
-        <p14:creationId xmlns:p14="http://schemas.microsoft.com/office/powerpoint/2010/main" val="3757178239"/>
-      </p:ext>
-    </p:extLst>
-  </p:cSld>
-  <p:clrMapOvr>
-    <a:masterClrMapping/>
-  </p:clrMapOvr>
-</p:sld>
-</file>
-
-<file path=ppt/slides/slide11.xml><?xml version="1.0" encoding="utf-8"?>
-<p:sld xmlns:a="http://schemas.openxmlformats.org/drawingml/2006/main" xmlns:r="http://schemas.openxmlformats.org/officeDocument/2006/relationships" xmlns:p="http://schemas.openxmlformats.org/presentationml/2006/main">
-  <p:cSld>
-    <p:spTree>
-      <p:nvGrpSpPr>
-        <p:cNvPr id="1" name=""/>
-        <p:cNvGrpSpPr/>
-        <p:nvPr/>
-      </p:nvGrpSpPr>
-      <p:grpSpPr>
-        <a:xfrm>
-          <a:off x="0" y="0"/>
-          <a:ext cx="0" cy="0"/>
-          <a:chOff x="0" y="0"/>
-          <a:chExt cx="0" cy="0"/>
-        </a:xfrm>
-      </p:grpSpPr>
-      <p:sp>
-        <p:nvSpPr>
-          <p:cNvPr id="3" name="Content Placeholder 2">
+      <p:pic>
+        <p:nvPicPr>
+          <p:cNvPr id="5" name="Picture 4">
             <a:extLst>
               <a:ext uri="{FF2B5EF4-FFF2-40B4-BE49-F238E27FC236}">
-                <a16:creationId xmlns:a16="http://schemas.microsoft.com/office/drawing/2014/main" id="{3B3E0DB8-671E-4C2E-8722-61B86569258F}"/>
-              </a:ext>
-            </a:extLst>
-          </p:cNvPr>
-          <p:cNvSpPr>
-            <a:spLocks noGrp="1"/>
-          </p:cNvSpPr>
-          <p:nvPr>
-            <p:ph idx="1"/>
-          </p:nvPr>
-        </p:nvSpPr>
-        <p:spPr>
-          <a:xfrm>
-            <a:off x="838200" y="550416"/>
-            <a:ext cx="10515600" cy="5626547"/>
-          </a:xfrm>
-        </p:spPr>
-        <p:txBody>
-          <a:bodyPr>
-            <a:normAutofit fontScale="92500"/>
-          </a:bodyPr>
-          <a:lstStyle/>
-          <a:p>
-            <a:pPr>
-              <a:lnSpc>
-                <a:spcPct val="150000"/>
-              </a:lnSpc>
-              <a:buFont typeface="Wingdings" panose="05000000000000000000" pitchFamily="2" charset="2"/>
-              <a:buChar char="Ø"/>
-            </a:pPr>
-            <a:r>
-              <a:rPr lang="en-IN" dirty="0"/>
-              <a:t>Thermoelectric Modules can be operated in two modes.</a:t>
-            </a:r>
-          </a:p>
-          <a:p>
-            <a:pPr marL="0" indent="0">
-              <a:lnSpc>
-                <a:spcPct val="150000"/>
-              </a:lnSpc>
-              <a:buNone/>
-            </a:pPr>
-            <a:endParaRPr lang="en-IN" dirty="0"/>
-          </a:p>
-          <a:p>
-            <a:pPr>
-              <a:lnSpc>
-                <a:spcPct val="150000"/>
-              </a:lnSpc>
-              <a:buFont typeface="Wingdings" panose="05000000000000000000" pitchFamily="2" charset="2"/>
-              <a:buChar char="Ø"/>
-            </a:pPr>
-            <a:endParaRPr lang="en-IN" dirty="0"/>
-          </a:p>
-          <a:p>
-            <a:pPr>
-              <a:lnSpc>
-                <a:spcPct val="150000"/>
-              </a:lnSpc>
-              <a:buFont typeface="Wingdings" panose="05000000000000000000" pitchFamily="2" charset="2"/>
-              <a:buChar char="Ø"/>
-            </a:pPr>
-            <a:r>
-              <a:rPr lang="en-IN" dirty="0"/>
-              <a:t>In Generator Mode Temperature difference will be converted into Direct Current (DC) and module is called as Thermoelectric Generator (TEG).</a:t>
-            </a:r>
-          </a:p>
-          <a:p>
-            <a:pPr>
-              <a:lnSpc>
-                <a:spcPct val="150000"/>
-              </a:lnSpc>
-              <a:buFont typeface="Wingdings" panose="05000000000000000000" pitchFamily="2" charset="2"/>
-              <a:buChar char="Ø"/>
-            </a:pPr>
-            <a:r>
-              <a:rPr lang="en-IN" dirty="0"/>
-              <a:t>In Heater/Cooler mode electricity will be converted into heat energy.</a:t>
-            </a:r>
-          </a:p>
-          <a:p>
-            <a:pPr>
-              <a:lnSpc>
-                <a:spcPct val="150000"/>
-              </a:lnSpc>
-              <a:buFont typeface="Wingdings" panose="05000000000000000000" pitchFamily="2" charset="2"/>
-              <a:buChar char="Ø"/>
-            </a:pPr>
-            <a:r>
-              <a:rPr lang="en-IN" dirty="0"/>
-              <a:t>One side will be heated up and another side will be cooled   simultaneously.</a:t>
-            </a:r>
-          </a:p>
-          <a:p>
-            <a:pPr>
-              <a:lnSpc>
-                <a:spcPct val="150000"/>
-              </a:lnSpc>
-              <a:buFont typeface="Wingdings" panose="05000000000000000000" pitchFamily="2" charset="2"/>
-              <a:buChar char="Ø"/>
-            </a:pPr>
-            <a:endParaRPr lang="en-IN" dirty="0"/>
-          </a:p>
-          <a:p>
-            <a:pPr>
-              <a:lnSpc>
-                <a:spcPct val="150000"/>
-              </a:lnSpc>
-              <a:buFont typeface="Wingdings" panose="05000000000000000000" pitchFamily="2" charset="2"/>
-              <a:buChar char="Ø"/>
-            </a:pPr>
-            <a:endParaRPr lang="en-IN" dirty="0"/>
-          </a:p>
-          <a:p>
-            <a:pPr>
-              <a:lnSpc>
-                <a:spcPct val="150000"/>
-              </a:lnSpc>
-              <a:buFont typeface="Wingdings" panose="05000000000000000000" pitchFamily="2" charset="2"/>
-              <a:buChar char="Ø"/>
-            </a:pPr>
-            <a:endParaRPr lang="en-IN" dirty="0"/>
-          </a:p>
-          <a:p>
-            <a:pPr>
-              <a:lnSpc>
-                <a:spcPct val="150000"/>
-              </a:lnSpc>
-              <a:buFont typeface="Wingdings" panose="05000000000000000000" pitchFamily="2" charset="2"/>
-              <a:buChar char="Ø"/>
-            </a:pPr>
-            <a:endParaRPr lang="en-IN" dirty="0"/>
-          </a:p>
-          <a:p>
-            <a:pPr>
-              <a:lnSpc>
-                <a:spcPct val="150000"/>
-              </a:lnSpc>
-              <a:buFont typeface="Wingdings" panose="05000000000000000000" pitchFamily="2" charset="2"/>
-              <a:buChar char="Ø"/>
-            </a:pPr>
-            <a:endParaRPr lang="en-IN" dirty="0"/>
-          </a:p>
-        </p:txBody>
-      </p:sp>
-      <p:sp>
-        <p:nvSpPr>
-          <p:cNvPr id="4" name="TextBox 3">
-            <a:extLst>
-              <a:ext uri="{FF2B5EF4-FFF2-40B4-BE49-F238E27FC236}">
-                <a16:creationId xmlns:a16="http://schemas.microsoft.com/office/drawing/2014/main" id="{9AB962DA-896F-4965-A2B7-5C22C570DA95}"/>
-              </a:ext>
-            </a:extLst>
-          </p:cNvPr>
-          <p:cNvSpPr txBox="1"/>
-          <p:nvPr/>
-        </p:nvSpPr>
-        <p:spPr>
-          <a:xfrm>
-            <a:off x="5637320" y="2974019"/>
-            <a:ext cx="914400" cy="914400"/>
-          </a:xfrm>
-          <a:prstGeom prst="rect">
-            <a:avLst/>
-          </a:prstGeom>
-          <a:noFill/>
-        </p:spPr>
-        <p:txBody>
-          <a:bodyPr wrap="square" rtlCol="0">
-            <a:spAutoFit/>
-          </a:bodyPr>
-          <a:lstStyle/>
-          <a:p>
-            <a:endParaRPr lang="en-IN" dirty="0"/>
-          </a:p>
-        </p:txBody>
-      </p:sp>
-      <p:sp>
-        <p:nvSpPr>
-          <p:cNvPr id="5" name="TextBox 4">
-            <a:extLst>
-              <a:ext uri="{FF2B5EF4-FFF2-40B4-BE49-F238E27FC236}">
-                <a16:creationId xmlns:a16="http://schemas.microsoft.com/office/drawing/2014/main" id="{FD03EE44-96DF-43F2-AB2B-D084FCCACCD4}"/>
-              </a:ext>
-            </a:extLst>
-          </p:cNvPr>
-          <p:cNvSpPr txBox="1"/>
-          <p:nvPr/>
-        </p:nvSpPr>
-        <p:spPr>
-          <a:xfrm>
-            <a:off x="1845076" y="1251751"/>
-            <a:ext cx="4249444" cy="1318181"/>
-          </a:xfrm>
-          <a:prstGeom prst="rect">
-            <a:avLst/>
-          </a:prstGeom>
-          <a:noFill/>
-        </p:spPr>
-        <p:txBody>
-          <a:bodyPr wrap="square" rtlCol="0">
-            <a:spAutoFit/>
-          </a:bodyPr>
-          <a:lstStyle/>
-          <a:p>
-            <a:pPr marL="342900" indent="-342900">
-              <a:lnSpc>
-                <a:spcPct val="150000"/>
-              </a:lnSpc>
-              <a:buFont typeface="+mj-lt"/>
-              <a:buAutoNum type="arabicPeriod"/>
-            </a:pPr>
-            <a:r>
-              <a:rPr lang="en-IN" sz="2800" dirty="0"/>
-              <a:t>Generator Mode</a:t>
-            </a:r>
-          </a:p>
-          <a:p>
-            <a:pPr marL="342900" indent="-342900">
-              <a:lnSpc>
-                <a:spcPct val="150000"/>
-              </a:lnSpc>
-              <a:buFont typeface="+mj-lt"/>
-              <a:buAutoNum type="arabicPeriod"/>
-            </a:pPr>
-            <a:r>
-              <a:rPr lang="en-IN" sz="2800" dirty="0"/>
-              <a:t>Heater/Cooler mode</a:t>
-            </a:r>
-          </a:p>
-        </p:txBody>
-      </p:sp>
-      <p:sp>
-        <p:nvSpPr>
-          <p:cNvPr id="2" name="Date Placeholder 1">
-            <a:extLst>
-              <a:ext uri="{FF2B5EF4-FFF2-40B4-BE49-F238E27FC236}">
-                <a16:creationId xmlns:a16="http://schemas.microsoft.com/office/drawing/2014/main" id="{BD301C5E-848E-486B-B789-9964EC77470C}"/>
-              </a:ext>
-            </a:extLst>
-          </p:cNvPr>
-          <p:cNvSpPr>
-            <a:spLocks noGrp="1"/>
-          </p:cNvSpPr>
-          <p:nvPr>
-            <p:ph type="dt" sz="half" idx="10"/>
-          </p:nvPr>
-        </p:nvSpPr>
-        <p:spPr/>
-        <p:txBody>
-          <a:bodyPr/>
-          <a:lstStyle/>
-          <a:p>
-            <a:fld id="{F40EFB08-E93E-4DDC-9C62-85426B7C16C0}" type="datetime1">
-              <a:rPr lang="en-US" smtClean="0"/>
-              <a:pPr/>
-              <a:t>17-Dec-19</a:t>
-            </a:fld>
-            <a:endParaRPr lang="en-US"/>
-          </a:p>
-        </p:txBody>
-      </p:sp>
-      <p:sp>
-        <p:nvSpPr>
-          <p:cNvPr id="6" name="Slide Number Placeholder 5">
-            <a:extLst>
-              <a:ext uri="{FF2B5EF4-FFF2-40B4-BE49-F238E27FC236}">
-                <a16:creationId xmlns:a16="http://schemas.microsoft.com/office/drawing/2014/main" id="{E6B836A6-06F5-427F-926B-7F01FA820A2A}"/>
-              </a:ext>
-            </a:extLst>
-          </p:cNvPr>
-          <p:cNvSpPr>
-            <a:spLocks noGrp="1"/>
-          </p:cNvSpPr>
-          <p:nvPr>
-            <p:ph type="sldNum" sz="quarter" idx="12"/>
-          </p:nvPr>
-        </p:nvSpPr>
-        <p:spPr/>
-        <p:txBody>
-          <a:bodyPr/>
-          <a:lstStyle/>
-          <a:p>
-            <a:fld id="{330EA680-D336-4FF7-8B7A-9848BB0A1C32}" type="slidenum">
-              <a:rPr lang="en-US" smtClean="0"/>
-              <a:pPr/>
-              <a:t>11</a:t>
-            </a:fld>
-            <a:endParaRPr lang="en-US"/>
-          </a:p>
-        </p:txBody>
-      </p:sp>
-      <p:sp>
-        <p:nvSpPr>
-          <p:cNvPr id="7" name="TextBox 6">
-            <a:extLst>
-              <a:ext uri="{FF2B5EF4-FFF2-40B4-BE49-F238E27FC236}">
-                <a16:creationId xmlns:a16="http://schemas.microsoft.com/office/drawing/2014/main" id="{1C74CF54-1CB6-404B-B9FA-6EF7905E14D1}"/>
-              </a:ext>
-            </a:extLst>
-          </p:cNvPr>
-          <p:cNvSpPr txBox="1"/>
-          <p:nvPr/>
-        </p:nvSpPr>
-        <p:spPr>
-          <a:xfrm>
-            <a:off x="10520039" y="204186"/>
-            <a:ext cx="883062" cy="369332"/>
-          </a:xfrm>
-          <a:prstGeom prst="rect">
-            <a:avLst/>
-          </a:prstGeom>
-          <a:noFill/>
-        </p:spPr>
-        <p:txBody>
-          <a:bodyPr wrap="none" rtlCol="0">
-            <a:spAutoFit/>
-          </a:bodyPr>
-          <a:lstStyle/>
-          <a:p>
-            <a:r>
-              <a:rPr lang="en-IN" dirty="0"/>
-              <a:t>(Cont..)</a:t>
-            </a:r>
-          </a:p>
-        </p:txBody>
-      </p:sp>
-    </p:spTree>
-    <p:extLst>
-      <p:ext uri="{BB962C8B-B14F-4D97-AF65-F5344CB8AC3E}">
-        <p14:creationId xmlns:p14="http://schemas.microsoft.com/office/powerpoint/2010/main" val="3129956979"/>
-      </p:ext>
-    </p:extLst>
-  </p:cSld>
-  <p:clrMapOvr>
-    <a:masterClrMapping/>
-  </p:clrMapOvr>
-</p:sld>
-</file>
-
-<file path=ppt/slides/slide12.xml><?xml version="1.0" encoding="utf-8"?>
-<p:sld xmlns:a="http://schemas.openxmlformats.org/drawingml/2006/main" xmlns:r="http://schemas.openxmlformats.org/officeDocument/2006/relationships" xmlns:p="http://schemas.openxmlformats.org/presentationml/2006/main">
-  <p:cSld>
-    <p:spTree>
-      <p:nvGrpSpPr>
-        <p:cNvPr id="1" name=""/>
-        <p:cNvGrpSpPr/>
-        <p:nvPr/>
-      </p:nvGrpSpPr>
-      <p:grpSpPr>
-        <a:xfrm>
-          <a:off x="0" y="0"/>
-          <a:ext cx="0" cy="0"/>
-          <a:chOff x="0" y="0"/>
-          <a:chExt cx="0" cy="0"/>
-        </a:xfrm>
-      </p:grpSpPr>
-      <p:pic>
-        <p:nvPicPr>
-          <p:cNvPr id="3" name="Picture 2">
-            <a:extLst>
-              <a:ext uri="{FF2B5EF4-FFF2-40B4-BE49-F238E27FC236}">
-                <a16:creationId xmlns:a16="http://schemas.microsoft.com/office/drawing/2014/main" id="{6E833C2F-6B76-4AF6-B5F3-36B2670DACDF}"/>
+                <a16:creationId xmlns:a16="http://schemas.microsoft.com/office/drawing/2014/main" id="{8A51EAC4-A04B-4D0B-B796-664B52135BA8}"/>
               </a:ext>
             </a:extLst>
           </p:cNvPr>
@@ -5546,207 +4908,8 @@
               <a:ext uri="{28A0092B-C50C-407E-A947-70E740481C1C}">
                 <a14:useLocalDpi xmlns:a14="http://schemas.microsoft.com/office/drawing/2010/main" val="0"/>
               </a:ext>
-            </a:extLst>
-          </a:blip>
-          <a:stretch>
-            <a:fillRect/>
-          </a:stretch>
-        </p:blipFill>
-        <p:spPr>
-          <a:xfrm>
-            <a:off x="2320449" y="1147439"/>
-            <a:ext cx="7546020" cy="4563122"/>
-          </a:xfrm>
-          <a:prstGeom prst="rect">
-            <a:avLst/>
-          </a:prstGeom>
-        </p:spPr>
-      </p:pic>
-      <p:sp>
-        <p:nvSpPr>
-          <p:cNvPr id="2" name="TextBox 1">
-            <a:extLst>
-              <a:ext uri="{FF2B5EF4-FFF2-40B4-BE49-F238E27FC236}">
-                <a16:creationId xmlns:a16="http://schemas.microsoft.com/office/drawing/2014/main" id="{B168EB90-FA9A-4AFF-8EEF-7A94C2407679}"/>
-              </a:ext>
-            </a:extLst>
-          </p:cNvPr>
-          <p:cNvSpPr txBox="1"/>
-          <p:nvPr/>
-        </p:nvSpPr>
-        <p:spPr>
-          <a:xfrm>
-            <a:off x="3242038" y="5294590"/>
-            <a:ext cx="5702843" cy="646331"/>
-          </a:xfrm>
-          <a:prstGeom prst="rect">
-            <a:avLst/>
-          </a:prstGeom>
-          <a:noFill/>
-        </p:spPr>
-        <p:txBody>
-          <a:bodyPr wrap="none" rtlCol="0">
-            <a:spAutoFit/>
-          </a:bodyPr>
-          <a:lstStyle/>
-          <a:p>
-            <a:r>
-              <a:rPr lang="en-IN" dirty="0"/>
-              <a:t>Fig. 2. Basic Building Block Of TEM (Semiconductor Couple)</a:t>
-            </a:r>
-          </a:p>
-          <a:p>
-            <a:r>
-              <a:rPr lang="en-IN" dirty="0"/>
-              <a:t> </a:t>
-            </a:r>
-          </a:p>
-        </p:txBody>
-      </p:sp>
-      <p:sp>
-        <p:nvSpPr>
-          <p:cNvPr id="5" name="Date Placeholder 4">
-            <a:extLst>
-              <a:ext uri="{FF2B5EF4-FFF2-40B4-BE49-F238E27FC236}">
-                <a16:creationId xmlns:a16="http://schemas.microsoft.com/office/drawing/2014/main" id="{FE0A1625-3F97-48D9-A8C3-42C89D6AD7B3}"/>
-              </a:ext>
-            </a:extLst>
-          </p:cNvPr>
-          <p:cNvSpPr>
-            <a:spLocks noGrp="1"/>
-          </p:cNvSpPr>
-          <p:nvPr>
-            <p:ph type="dt" sz="half" idx="10"/>
-          </p:nvPr>
-        </p:nvSpPr>
-        <p:spPr/>
-        <p:txBody>
-          <a:bodyPr/>
-          <a:lstStyle/>
-          <a:p>
-            <a:fld id="{7772C590-A6FC-4957-8899-6BAE3963F8C4}" type="datetime1">
-              <a:rPr lang="en-US" smtClean="0"/>
-              <a:pPr/>
-              <a:t>17-Dec-19</a:t>
-            </a:fld>
-            <a:endParaRPr lang="en-US"/>
-          </a:p>
-        </p:txBody>
-      </p:sp>
-      <p:sp>
-        <p:nvSpPr>
-          <p:cNvPr id="6" name="Slide Number Placeholder 5">
-            <a:extLst>
-              <a:ext uri="{FF2B5EF4-FFF2-40B4-BE49-F238E27FC236}">
-                <a16:creationId xmlns:a16="http://schemas.microsoft.com/office/drawing/2014/main" id="{076860E7-523B-419D-9738-8CFFAAEEA6FC}"/>
-              </a:ext>
-            </a:extLst>
-          </p:cNvPr>
-          <p:cNvSpPr>
-            <a:spLocks noGrp="1"/>
-          </p:cNvSpPr>
-          <p:nvPr>
-            <p:ph type="sldNum" sz="quarter" idx="12"/>
-          </p:nvPr>
-        </p:nvSpPr>
-        <p:spPr/>
-        <p:txBody>
-          <a:bodyPr/>
-          <a:lstStyle/>
-          <a:p>
-            <a:fld id="{330EA680-D336-4FF7-8B7A-9848BB0A1C32}" type="slidenum">
-              <a:rPr lang="en-US" smtClean="0"/>
-              <a:pPr/>
-              <a:t>12</a:t>
-            </a:fld>
-            <a:endParaRPr lang="en-US"/>
-          </a:p>
-        </p:txBody>
-      </p:sp>
-      <p:sp>
-        <p:nvSpPr>
-          <p:cNvPr id="4" name="TextBox 3">
-            <a:extLst>
-              <a:ext uri="{FF2B5EF4-FFF2-40B4-BE49-F238E27FC236}">
-                <a16:creationId xmlns:a16="http://schemas.microsoft.com/office/drawing/2014/main" id="{E434F90A-1CEF-4BD9-8DB4-09F2858427E6}"/>
-              </a:ext>
-            </a:extLst>
-          </p:cNvPr>
-          <p:cNvSpPr txBox="1"/>
-          <p:nvPr/>
-        </p:nvSpPr>
-        <p:spPr>
-          <a:xfrm>
-            <a:off x="10253709" y="266330"/>
-            <a:ext cx="994299" cy="369332"/>
-          </a:xfrm>
-          <a:prstGeom prst="rect">
-            <a:avLst/>
-          </a:prstGeom>
-          <a:noFill/>
-        </p:spPr>
-        <p:txBody>
-          <a:bodyPr wrap="square" rtlCol="0">
-            <a:spAutoFit/>
-          </a:bodyPr>
-          <a:lstStyle/>
-          <a:p>
-            <a:r>
-              <a:rPr lang="en-IN" dirty="0"/>
-              <a:t>(Cont..)</a:t>
-            </a:r>
-          </a:p>
-        </p:txBody>
-      </p:sp>
-    </p:spTree>
-    <p:extLst>
-      <p:ext uri="{BB962C8B-B14F-4D97-AF65-F5344CB8AC3E}">
-        <p14:creationId xmlns:p14="http://schemas.microsoft.com/office/powerpoint/2010/main" val="4050469631"/>
-      </p:ext>
-    </p:extLst>
-  </p:cSld>
-  <p:clrMapOvr>
-    <a:masterClrMapping/>
-  </p:clrMapOvr>
-</p:sld>
-</file>
-
-<file path=ppt/slides/slide13.xml><?xml version="1.0" encoding="utf-8"?>
-<p:sld xmlns:a="http://schemas.openxmlformats.org/drawingml/2006/main" xmlns:r="http://schemas.openxmlformats.org/officeDocument/2006/relationships" xmlns:p="http://schemas.openxmlformats.org/presentationml/2006/main">
-  <p:cSld>
-    <p:spTree>
-      <p:nvGrpSpPr>
-        <p:cNvPr id="1" name=""/>
-        <p:cNvGrpSpPr/>
-        <p:nvPr/>
-      </p:nvGrpSpPr>
-      <p:grpSpPr>
-        <a:xfrm>
-          <a:off x="0" y="0"/>
-          <a:ext cx="0" cy="0"/>
-          <a:chOff x="0" y="0"/>
-          <a:chExt cx="0" cy="0"/>
-        </a:xfrm>
-      </p:grpSpPr>
-      <p:pic>
-        <p:nvPicPr>
-          <p:cNvPr id="3" name="Picture 2">
-            <a:extLst>
-              <a:ext uri="{FF2B5EF4-FFF2-40B4-BE49-F238E27FC236}">
-                <a16:creationId xmlns:a16="http://schemas.microsoft.com/office/drawing/2014/main" id="{4ABDFE6B-E99F-422E-9100-9ABE0059EBB1}"/>
-              </a:ext>
-            </a:extLst>
-          </p:cNvPr>
-          <p:cNvPicPr>
-            <a:picLocks noChangeAspect="1"/>
-          </p:cNvPicPr>
-          <p:nvPr/>
-        </p:nvPicPr>
-        <p:blipFill>
-          <a:blip r:embed="rId2" cstate="print">
-            <a:extLst>
-              <a:ext uri="{28A0092B-C50C-407E-A947-70E740481C1C}">
-                <a14:useLocalDpi xmlns:a14="http://schemas.microsoft.com/office/drawing/2010/main" val="0"/>
+              <a:ext uri="{837473B0-CC2E-450A-ABE3-18F120FF3D39}">
+                <a1611:picAttrSrcUrl xmlns:a1611="http://schemas.microsoft.com/office/drawing/2016/11/main" r:id="rId3"/>
               </a:ext>
             </a:extLst>
           </a:blip>
@@ -5756,389 +4919,8 @@
         </p:blipFill>
         <p:spPr>
           <a:xfrm>
-            <a:off x="470517" y="1219519"/>
-            <a:ext cx="4847207" cy="4355658"/>
-          </a:xfrm>
-          <a:prstGeom prst="rect">
-            <a:avLst/>
-          </a:prstGeom>
-        </p:spPr>
-      </p:pic>
-      <p:pic>
-        <p:nvPicPr>
-          <p:cNvPr id="5" name="Picture 4">
-            <a:extLst>
-              <a:ext uri="{FF2B5EF4-FFF2-40B4-BE49-F238E27FC236}">
-                <a16:creationId xmlns:a16="http://schemas.microsoft.com/office/drawing/2014/main" id="{764A6345-AD10-464F-B352-BAC445B550E5}"/>
-              </a:ext>
-            </a:extLst>
-          </p:cNvPr>
-          <p:cNvPicPr>
-            <a:picLocks noChangeAspect="1"/>
-          </p:cNvPicPr>
-          <p:nvPr/>
-        </p:nvPicPr>
-        <p:blipFill>
-          <a:blip r:embed="rId3" cstate="print">
-            <a:extLst>
-              <a:ext uri="{28A0092B-C50C-407E-A947-70E740481C1C}">
-                <a14:useLocalDpi xmlns:a14="http://schemas.microsoft.com/office/drawing/2010/main" val="0"/>
-              </a:ext>
-            </a:extLst>
-          </a:blip>
-          <a:stretch>
-            <a:fillRect/>
-          </a:stretch>
-        </p:blipFill>
-        <p:spPr>
-          <a:xfrm>
-            <a:off x="6874278" y="1219519"/>
-            <a:ext cx="4847205" cy="4355658"/>
-          </a:xfrm>
-          <a:prstGeom prst="rect">
-            <a:avLst/>
-          </a:prstGeom>
-        </p:spPr>
-      </p:pic>
-      <p:sp>
-        <p:nvSpPr>
-          <p:cNvPr id="2" name="TextBox 1">
-            <a:extLst>
-              <a:ext uri="{FF2B5EF4-FFF2-40B4-BE49-F238E27FC236}">
-                <a16:creationId xmlns:a16="http://schemas.microsoft.com/office/drawing/2014/main" id="{E37B8DDD-3F4A-473B-83AF-4EEBF4865715}"/>
-              </a:ext>
-            </a:extLst>
-          </p:cNvPr>
-          <p:cNvSpPr txBox="1"/>
-          <p:nvPr/>
-        </p:nvSpPr>
-        <p:spPr>
-          <a:xfrm>
-            <a:off x="1722268" y="5805996"/>
-            <a:ext cx="2358851" cy="369332"/>
-          </a:xfrm>
-          <a:prstGeom prst="rect">
-            <a:avLst/>
-          </a:prstGeom>
-          <a:noFill/>
-        </p:spPr>
-        <p:txBody>
-          <a:bodyPr wrap="none" rtlCol="0">
-            <a:spAutoFit/>
-          </a:bodyPr>
-          <a:lstStyle/>
-          <a:p>
-            <a:r>
-              <a:rPr lang="en-IN" dirty="0"/>
-              <a:t>Fig. 3. Generator Mode</a:t>
-            </a:r>
-          </a:p>
-        </p:txBody>
-      </p:sp>
-      <p:sp>
-        <p:nvSpPr>
-          <p:cNvPr id="4" name="TextBox 3">
-            <a:extLst>
-              <a:ext uri="{FF2B5EF4-FFF2-40B4-BE49-F238E27FC236}">
-                <a16:creationId xmlns:a16="http://schemas.microsoft.com/office/drawing/2014/main" id="{D672AD1E-F65F-4D9B-8451-E06B8D48CC09}"/>
-              </a:ext>
-            </a:extLst>
-          </p:cNvPr>
-          <p:cNvSpPr txBox="1"/>
-          <p:nvPr/>
-        </p:nvSpPr>
-        <p:spPr>
-          <a:xfrm>
-            <a:off x="8110883" y="5805996"/>
-            <a:ext cx="1958100" cy="369332"/>
-          </a:xfrm>
-          <a:prstGeom prst="rect">
-            <a:avLst/>
-          </a:prstGeom>
-          <a:noFill/>
-        </p:spPr>
-        <p:txBody>
-          <a:bodyPr wrap="square" rtlCol="0">
-            <a:spAutoFit/>
-          </a:bodyPr>
-          <a:lstStyle/>
-          <a:p>
-            <a:r>
-              <a:rPr lang="en-IN" dirty="0"/>
-              <a:t>Fig. 4.Cooler Mode</a:t>
-            </a:r>
-          </a:p>
-        </p:txBody>
-      </p:sp>
-      <p:sp>
-        <p:nvSpPr>
-          <p:cNvPr id="6" name="Date Placeholder 5">
-            <a:extLst>
-              <a:ext uri="{FF2B5EF4-FFF2-40B4-BE49-F238E27FC236}">
-                <a16:creationId xmlns:a16="http://schemas.microsoft.com/office/drawing/2014/main" id="{8A4FDCD1-8222-4106-B309-3EAAAF0AAE3A}"/>
-              </a:ext>
-            </a:extLst>
-          </p:cNvPr>
-          <p:cNvSpPr>
-            <a:spLocks noGrp="1"/>
-          </p:cNvSpPr>
-          <p:nvPr>
-            <p:ph type="dt" sz="half" idx="10"/>
-          </p:nvPr>
-        </p:nvSpPr>
-        <p:spPr/>
-        <p:txBody>
-          <a:bodyPr/>
-          <a:lstStyle/>
-          <a:p>
-            <a:fld id="{0B6DC488-F46F-43CB-A5DC-C6F442A46011}" type="datetime1">
-              <a:rPr lang="en-US" smtClean="0"/>
-              <a:pPr/>
-              <a:t>17-Dec-19</a:t>
-            </a:fld>
-            <a:endParaRPr lang="en-US"/>
-          </a:p>
-        </p:txBody>
-      </p:sp>
-      <p:sp>
-        <p:nvSpPr>
-          <p:cNvPr id="7" name="Slide Number Placeholder 6">
-            <a:extLst>
-              <a:ext uri="{FF2B5EF4-FFF2-40B4-BE49-F238E27FC236}">
-                <a16:creationId xmlns:a16="http://schemas.microsoft.com/office/drawing/2014/main" id="{48C115B0-05CF-4A41-8121-1A0A3A3D7E35}"/>
-              </a:ext>
-            </a:extLst>
-          </p:cNvPr>
-          <p:cNvSpPr>
-            <a:spLocks noGrp="1"/>
-          </p:cNvSpPr>
-          <p:nvPr>
-            <p:ph type="sldNum" sz="quarter" idx="12"/>
-          </p:nvPr>
-        </p:nvSpPr>
-        <p:spPr/>
-        <p:txBody>
-          <a:bodyPr/>
-          <a:lstStyle/>
-          <a:p>
-            <a:fld id="{330EA680-D336-4FF7-8B7A-9848BB0A1C32}" type="slidenum">
-              <a:rPr lang="en-US" smtClean="0"/>
-              <a:pPr/>
-              <a:t>13</a:t>
-            </a:fld>
-            <a:endParaRPr lang="en-US"/>
-          </a:p>
-        </p:txBody>
-      </p:sp>
-      <p:sp>
-        <p:nvSpPr>
-          <p:cNvPr id="8" name="TextBox 7">
-            <a:extLst>
-              <a:ext uri="{FF2B5EF4-FFF2-40B4-BE49-F238E27FC236}">
-                <a16:creationId xmlns:a16="http://schemas.microsoft.com/office/drawing/2014/main" id="{F2DD60D5-9103-440B-9357-977334283647}"/>
-              </a:ext>
-            </a:extLst>
-          </p:cNvPr>
-          <p:cNvSpPr txBox="1"/>
-          <p:nvPr/>
-        </p:nvSpPr>
-        <p:spPr>
-          <a:xfrm>
-            <a:off x="10315852" y="221942"/>
-            <a:ext cx="883062" cy="369332"/>
-          </a:xfrm>
-          <a:prstGeom prst="rect">
-            <a:avLst/>
-          </a:prstGeom>
-          <a:noFill/>
-        </p:spPr>
-        <p:txBody>
-          <a:bodyPr wrap="none" rtlCol="0">
-            <a:spAutoFit/>
-          </a:bodyPr>
-          <a:lstStyle/>
-          <a:p>
-            <a:r>
-              <a:rPr lang="en-IN" dirty="0"/>
-              <a:t>(Cont..)</a:t>
-            </a:r>
-          </a:p>
-        </p:txBody>
-      </p:sp>
-      <p:pic>
-        <p:nvPicPr>
-          <p:cNvPr id="10" name="Picture 9">
-            <a:extLst>
-              <a:ext uri="{FF2B5EF4-FFF2-40B4-BE49-F238E27FC236}">
-                <a16:creationId xmlns:a16="http://schemas.microsoft.com/office/drawing/2014/main" id="{75486BF5-09B2-48EB-93A1-D61604DFA1C5}"/>
-              </a:ext>
-            </a:extLst>
-          </p:cNvPr>
-          <p:cNvPicPr>
-            <a:picLocks noChangeAspect="1"/>
-          </p:cNvPicPr>
-          <p:nvPr/>
-        </p:nvPicPr>
-        <p:blipFill>
-          <a:blip r:embed="rId4">
-            <a:extLst>
-              <a:ext uri="{28A0092B-C50C-407E-A947-70E740481C1C}">
-                <a14:useLocalDpi xmlns:a14="http://schemas.microsoft.com/office/drawing/2010/main" val="0"/>
-              </a:ext>
-            </a:extLst>
-          </a:blip>
-          <a:stretch>
-            <a:fillRect/>
-          </a:stretch>
-        </p:blipFill>
-        <p:spPr>
-          <a:xfrm>
-            <a:off x="2209800" y="1882066"/>
-            <a:ext cx="2202371" cy="548078"/>
-          </a:xfrm>
-          <a:prstGeom prst="rect">
-            <a:avLst/>
-          </a:prstGeom>
-        </p:spPr>
-      </p:pic>
-      <p:pic>
-        <p:nvPicPr>
-          <p:cNvPr id="12" name="Picture 11">
-            <a:extLst>
-              <a:ext uri="{FF2B5EF4-FFF2-40B4-BE49-F238E27FC236}">
-                <a16:creationId xmlns:a16="http://schemas.microsoft.com/office/drawing/2014/main" id="{B37840BC-63EB-458D-B2B1-CCA6113FC6A5}"/>
-              </a:ext>
-            </a:extLst>
-          </p:cNvPr>
-          <p:cNvPicPr>
-            <a:picLocks noChangeAspect="1"/>
-          </p:cNvPicPr>
-          <p:nvPr/>
-        </p:nvPicPr>
-        <p:blipFill>
-          <a:blip r:embed="rId4">
-            <a:extLst>
-              <a:ext uri="{28A0092B-C50C-407E-A947-70E740481C1C}">
-                <a14:useLocalDpi xmlns:a14="http://schemas.microsoft.com/office/drawing/2010/main" val="0"/>
-              </a:ext>
-            </a:extLst>
-          </a:blip>
-          <a:stretch>
-            <a:fillRect/>
-          </a:stretch>
-        </p:blipFill>
-        <p:spPr>
-          <a:xfrm>
-            <a:off x="2082938" y="4312446"/>
-            <a:ext cx="2202371" cy="445986"/>
-          </a:xfrm>
-          <a:prstGeom prst="rect">
-            <a:avLst/>
-          </a:prstGeom>
-        </p:spPr>
-      </p:pic>
-      <p:pic>
-        <p:nvPicPr>
-          <p:cNvPr id="13" name="Picture 12">
-            <a:extLst>
-              <a:ext uri="{FF2B5EF4-FFF2-40B4-BE49-F238E27FC236}">
-                <a16:creationId xmlns:a16="http://schemas.microsoft.com/office/drawing/2014/main" id="{070B7F39-B4A8-46F9-A69A-5D0DC59CD79F}"/>
-              </a:ext>
-            </a:extLst>
-          </p:cNvPr>
-          <p:cNvPicPr>
-            <a:picLocks noChangeAspect="1"/>
-          </p:cNvPicPr>
-          <p:nvPr/>
-        </p:nvPicPr>
-        <p:blipFill>
-          <a:blip r:embed="rId4">
-            <a:extLst>
-              <a:ext uri="{28A0092B-C50C-407E-A947-70E740481C1C}">
-                <a14:useLocalDpi xmlns:a14="http://schemas.microsoft.com/office/drawing/2010/main" val="0"/>
-              </a:ext>
-            </a:extLst>
-          </a:blip>
-          <a:stretch>
-            <a:fillRect/>
-          </a:stretch>
-        </p:blipFill>
-        <p:spPr>
-          <a:xfrm>
-            <a:off x="8610600" y="1944210"/>
-            <a:ext cx="2202371" cy="548078"/>
-          </a:xfrm>
-          <a:prstGeom prst="rect">
-            <a:avLst/>
-          </a:prstGeom>
-        </p:spPr>
-      </p:pic>
-      <p:pic>
-        <p:nvPicPr>
-          <p:cNvPr id="14" name="Picture 13">
-            <a:extLst>
-              <a:ext uri="{FF2B5EF4-FFF2-40B4-BE49-F238E27FC236}">
-                <a16:creationId xmlns:a16="http://schemas.microsoft.com/office/drawing/2014/main" id="{D9AD0E67-45F9-4EEC-A03C-1F31C43889DA}"/>
-              </a:ext>
-            </a:extLst>
-          </p:cNvPr>
-          <p:cNvPicPr>
-            <a:picLocks noChangeAspect="1"/>
-          </p:cNvPicPr>
-          <p:nvPr/>
-        </p:nvPicPr>
-        <p:blipFill>
-          <a:blip r:embed="rId4">
-            <a:extLst>
-              <a:ext uri="{28A0092B-C50C-407E-A947-70E740481C1C}">
-                <a14:useLocalDpi xmlns:a14="http://schemas.microsoft.com/office/drawing/2010/main" val="0"/>
-              </a:ext>
-            </a:extLst>
-          </a:blip>
-          <a:stretch>
-            <a:fillRect/>
-          </a:stretch>
-        </p:blipFill>
-        <p:spPr>
-          <a:xfrm>
-            <a:off x="8752579" y="4454489"/>
-            <a:ext cx="310720" cy="445986"/>
-          </a:xfrm>
-          <a:prstGeom prst="rect">
-            <a:avLst/>
-          </a:prstGeom>
-        </p:spPr>
-      </p:pic>
-      <p:pic>
-        <p:nvPicPr>
-          <p:cNvPr id="15" name="Picture 14">
-            <a:extLst>
-              <a:ext uri="{FF2B5EF4-FFF2-40B4-BE49-F238E27FC236}">
-                <a16:creationId xmlns:a16="http://schemas.microsoft.com/office/drawing/2014/main" id="{B2918C42-9ACC-4127-BBDF-749AD725F1AD}"/>
-              </a:ext>
-            </a:extLst>
-          </p:cNvPr>
-          <p:cNvPicPr>
-            <a:picLocks noChangeAspect="1"/>
-          </p:cNvPicPr>
-          <p:nvPr/>
-        </p:nvPicPr>
-        <p:blipFill>
-          <a:blip r:embed="rId4">
-            <a:extLst>
-              <a:ext uri="{28A0092B-C50C-407E-A947-70E740481C1C}">
-                <a14:useLocalDpi xmlns:a14="http://schemas.microsoft.com/office/drawing/2010/main" val="0"/>
-              </a:ext>
-            </a:extLst>
-          </a:blip>
-          <a:stretch>
-            <a:fillRect/>
-          </a:stretch>
-        </p:blipFill>
-        <p:spPr>
-          <a:xfrm>
-            <a:off x="10050427" y="4454489"/>
-            <a:ext cx="310720" cy="445986"/>
+            <a:off x="0" y="1"/>
+            <a:ext cx="12191999" cy="6858000"/>
           </a:xfrm>
           <a:prstGeom prst="rect">
             <a:avLst/>
@@ -6148,1604 +4930,7 @@
     </p:spTree>
     <p:extLst>
       <p:ext uri="{BB962C8B-B14F-4D97-AF65-F5344CB8AC3E}">
-        <p14:creationId xmlns:p14="http://schemas.microsoft.com/office/powerpoint/2010/main" val="2338296824"/>
-      </p:ext>
-    </p:extLst>
-  </p:cSld>
-  <p:clrMapOvr>
-    <a:masterClrMapping/>
-  </p:clrMapOvr>
-</p:sld>
-</file>
-
-<file path=ppt/slides/slide14.xml><?xml version="1.0" encoding="utf-8"?>
-<p:sld xmlns:a="http://schemas.openxmlformats.org/drawingml/2006/main" xmlns:r="http://schemas.openxmlformats.org/officeDocument/2006/relationships" xmlns:p="http://schemas.openxmlformats.org/presentationml/2006/main">
-  <p:cSld>
-    <p:spTree>
-      <p:nvGrpSpPr>
-        <p:cNvPr id="1" name=""/>
-        <p:cNvGrpSpPr/>
-        <p:nvPr/>
-      </p:nvGrpSpPr>
-      <p:grpSpPr>
-        <a:xfrm>
-          <a:off x="0" y="0"/>
-          <a:ext cx="0" cy="0"/>
-          <a:chOff x="0" y="0"/>
-          <a:chExt cx="0" cy="0"/>
-        </a:xfrm>
-      </p:grpSpPr>
-      <p:pic>
-        <p:nvPicPr>
-          <p:cNvPr id="3" name="Picture 2">
-            <a:extLst>
-              <a:ext uri="{FF2B5EF4-FFF2-40B4-BE49-F238E27FC236}">
-                <a16:creationId xmlns:a16="http://schemas.microsoft.com/office/drawing/2014/main" id="{00398B44-23A5-42F8-A244-AC75754DE9FC}"/>
-              </a:ext>
-            </a:extLst>
-          </p:cNvPr>
-          <p:cNvPicPr>
-            <a:picLocks noChangeAspect="1"/>
-          </p:cNvPicPr>
-          <p:nvPr/>
-        </p:nvPicPr>
-        <p:blipFill>
-          <a:blip r:embed="rId2" cstate="print">
-            <a:extLst>
-              <a:ext uri="{28A0092B-C50C-407E-A947-70E740481C1C}">
-                <a14:useLocalDpi xmlns:a14="http://schemas.microsoft.com/office/drawing/2010/main" val="0"/>
-              </a:ext>
-            </a:extLst>
-          </a:blip>
-          <a:stretch>
-            <a:fillRect/>
-          </a:stretch>
-        </p:blipFill>
-        <p:spPr>
-          <a:xfrm>
-            <a:off x="1642368" y="230819"/>
-            <a:ext cx="8513687" cy="4296794"/>
-          </a:xfrm>
-          <a:prstGeom prst="rect">
-            <a:avLst/>
-          </a:prstGeom>
-        </p:spPr>
-      </p:pic>
-      <p:sp>
-        <p:nvSpPr>
-          <p:cNvPr id="5" name="Content Placeholder 4">
-            <a:extLst>
-              <a:ext uri="{FF2B5EF4-FFF2-40B4-BE49-F238E27FC236}">
-                <a16:creationId xmlns:a16="http://schemas.microsoft.com/office/drawing/2014/main" id="{4D802481-78BA-464A-A1BD-A3ADF917E9DB}"/>
-              </a:ext>
-            </a:extLst>
-          </p:cNvPr>
-          <p:cNvSpPr>
-            <a:spLocks noGrp="1"/>
-          </p:cNvSpPr>
-          <p:nvPr>
-            <p:ph idx="1"/>
-          </p:nvPr>
-        </p:nvSpPr>
-        <p:spPr>
-          <a:xfrm>
-            <a:off x="838200" y="5770485"/>
-            <a:ext cx="10515600" cy="994299"/>
-          </a:xfrm>
-        </p:spPr>
-        <p:txBody>
-          <a:bodyPr>
-            <a:normAutofit fontScale="92500"/>
-          </a:bodyPr>
-          <a:lstStyle/>
-          <a:p>
-            <a:pPr marL="0" indent="0">
-              <a:buNone/>
-            </a:pPr>
-            <a:r>
-              <a:rPr lang="en-IN" dirty="0">
-                <a:solidFill>
-                  <a:srgbClr val="C00000"/>
-                </a:solidFill>
-              </a:rPr>
-              <a:t>Thermoelectric Module is an integrated component of Semiconductor Couples that are connected electrically in Series and Thermally in Parallel.</a:t>
-            </a:r>
-          </a:p>
-        </p:txBody>
-      </p:sp>
-      <p:sp>
-        <p:nvSpPr>
-          <p:cNvPr id="6" name="TextBox 5">
-            <a:extLst>
-              <a:ext uri="{FF2B5EF4-FFF2-40B4-BE49-F238E27FC236}">
-                <a16:creationId xmlns:a16="http://schemas.microsoft.com/office/drawing/2014/main" id="{5A2B64DE-8A7A-4F68-9B71-C90AB0EC2875}"/>
-              </a:ext>
-            </a:extLst>
-          </p:cNvPr>
-          <p:cNvSpPr txBox="1"/>
-          <p:nvPr/>
-        </p:nvSpPr>
-        <p:spPr>
-          <a:xfrm>
-            <a:off x="4518734" y="5086905"/>
-            <a:ext cx="2999539" cy="369332"/>
-          </a:xfrm>
-          <a:prstGeom prst="rect">
-            <a:avLst/>
-          </a:prstGeom>
-          <a:noFill/>
-        </p:spPr>
-        <p:txBody>
-          <a:bodyPr wrap="none" rtlCol="0">
-            <a:spAutoFit/>
-          </a:bodyPr>
-          <a:lstStyle/>
-          <a:p>
-            <a:r>
-              <a:rPr lang="en-IN" dirty="0"/>
-              <a:t>Fig. 5. Thermoelectric Module</a:t>
-            </a:r>
-          </a:p>
-        </p:txBody>
-      </p:sp>
-      <p:sp>
-        <p:nvSpPr>
-          <p:cNvPr id="7" name="Date Placeholder 6">
-            <a:extLst>
-              <a:ext uri="{FF2B5EF4-FFF2-40B4-BE49-F238E27FC236}">
-                <a16:creationId xmlns:a16="http://schemas.microsoft.com/office/drawing/2014/main" id="{F790B052-3367-4F32-8E96-0476E3229F57}"/>
-              </a:ext>
-            </a:extLst>
-          </p:cNvPr>
-          <p:cNvSpPr>
-            <a:spLocks noGrp="1"/>
-          </p:cNvSpPr>
-          <p:nvPr>
-            <p:ph type="dt" sz="half" idx="10"/>
-          </p:nvPr>
-        </p:nvSpPr>
-        <p:spPr/>
-        <p:txBody>
-          <a:bodyPr/>
-          <a:lstStyle/>
-          <a:p>
-            <a:fld id="{7094BA6A-74C5-43DD-ABAE-FB7D5E05554B}" type="datetime1">
-              <a:rPr lang="en-US" smtClean="0"/>
-              <a:pPr/>
-              <a:t>17-Dec-19</a:t>
-            </a:fld>
-            <a:endParaRPr lang="en-US"/>
-          </a:p>
-        </p:txBody>
-      </p:sp>
-      <p:sp>
-        <p:nvSpPr>
-          <p:cNvPr id="8" name="Slide Number Placeholder 7">
-            <a:extLst>
-              <a:ext uri="{FF2B5EF4-FFF2-40B4-BE49-F238E27FC236}">
-                <a16:creationId xmlns:a16="http://schemas.microsoft.com/office/drawing/2014/main" id="{7423591D-884E-41DD-8972-8DC2F14E3D32}"/>
-              </a:ext>
-            </a:extLst>
-          </p:cNvPr>
-          <p:cNvSpPr>
-            <a:spLocks noGrp="1"/>
-          </p:cNvSpPr>
-          <p:nvPr>
-            <p:ph type="sldNum" sz="quarter" idx="12"/>
-          </p:nvPr>
-        </p:nvSpPr>
-        <p:spPr/>
-        <p:txBody>
-          <a:bodyPr/>
-          <a:lstStyle/>
-          <a:p>
-            <a:fld id="{330EA680-D336-4FF7-8B7A-9848BB0A1C32}" type="slidenum">
-              <a:rPr lang="en-US" smtClean="0"/>
-              <a:pPr/>
-              <a:t>14</a:t>
-            </a:fld>
-            <a:endParaRPr lang="en-US"/>
-          </a:p>
-        </p:txBody>
-      </p:sp>
-      <p:sp>
-        <p:nvSpPr>
-          <p:cNvPr id="2" name="TextBox 1">
-            <a:extLst>
-              <a:ext uri="{FF2B5EF4-FFF2-40B4-BE49-F238E27FC236}">
-                <a16:creationId xmlns:a16="http://schemas.microsoft.com/office/drawing/2014/main" id="{67EC2853-D6B5-4856-A067-AAC23455A03C}"/>
-              </a:ext>
-            </a:extLst>
-          </p:cNvPr>
-          <p:cNvSpPr txBox="1"/>
-          <p:nvPr/>
-        </p:nvSpPr>
-        <p:spPr>
-          <a:xfrm>
-            <a:off x="10369118" y="97654"/>
-            <a:ext cx="883062" cy="369332"/>
-          </a:xfrm>
-          <a:prstGeom prst="rect">
-            <a:avLst/>
-          </a:prstGeom>
-          <a:noFill/>
-        </p:spPr>
-        <p:txBody>
-          <a:bodyPr wrap="none" rtlCol="0">
-            <a:spAutoFit/>
-          </a:bodyPr>
-          <a:lstStyle/>
-          <a:p>
-            <a:r>
-              <a:rPr lang="en-IN" dirty="0"/>
-              <a:t>(Cont..)</a:t>
-            </a:r>
-          </a:p>
-        </p:txBody>
-      </p:sp>
-    </p:spTree>
-    <p:extLst>
-      <p:ext uri="{BB962C8B-B14F-4D97-AF65-F5344CB8AC3E}">
-        <p14:creationId xmlns:p14="http://schemas.microsoft.com/office/powerpoint/2010/main" val="2172623522"/>
-      </p:ext>
-    </p:extLst>
-  </p:cSld>
-  <p:clrMapOvr>
-    <a:masterClrMapping/>
-  </p:clrMapOvr>
-</p:sld>
-</file>
-
-<file path=ppt/slides/slide15.xml><?xml version="1.0" encoding="utf-8"?>
-<p:sld xmlns:a="http://schemas.openxmlformats.org/drawingml/2006/main" xmlns:r="http://schemas.openxmlformats.org/officeDocument/2006/relationships" xmlns:p="http://schemas.openxmlformats.org/presentationml/2006/main">
-  <p:cSld>
-    <p:spTree>
-      <p:nvGrpSpPr>
-        <p:cNvPr id="1" name=""/>
-        <p:cNvGrpSpPr/>
-        <p:nvPr/>
-      </p:nvGrpSpPr>
-      <p:grpSpPr>
-        <a:xfrm>
-          <a:off x="0" y="0"/>
-          <a:ext cx="0" cy="0"/>
-          <a:chOff x="0" y="0"/>
-          <a:chExt cx="0" cy="0"/>
-        </a:xfrm>
-      </p:grpSpPr>
-      <p:sp>
-        <p:nvSpPr>
-          <p:cNvPr id="2" name="Title 1">
-            <a:extLst>
-              <a:ext uri="{FF2B5EF4-FFF2-40B4-BE49-F238E27FC236}">
-                <a16:creationId xmlns:a16="http://schemas.microsoft.com/office/drawing/2014/main" id="{700FDE16-CFBA-4B54-9982-F1C3CF9C761F}"/>
-              </a:ext>
-            </a:extLst>
-          </p:cNvPr>
-          <p:cNvSpPr>
-            <a:spLocks noGrp="1"/>
-          </p:cNvSpPr>
-          <p:nvPr>
-            <p:ph type="ctrTitle"/>
-          </p:nvPr>
-        </p:nvSpPr>
-        <p:spPr>
-          <a:xfrm>
-            <a:off x="1524000" y="177553"/>
-            <a:ext cx="9144000" cy="727969"/>
-          </a:xfrm>
-        </p:spPr>
-        <p:txBody>
-          <a:bodyPr>
-            <a:normAutofit/>
-          </a:bodyPr>
-          <a:lstStyle/>
-          <a:p>
-            <a:r>
-              <a:rPr lang="en-IN" sz="4000" b="1" u="sng" dirty="0">
-                <a:solidFill>
-                  <a:srgbClr val="FF0000"/>
-                </a:solidFill>
-              </a:rPr>
-              <a:t>Special Features of Thermoelectric Modules</a:t>
-            </a:r>
-          </a:p>
-        </p:txBody>
-      </p:sp>
-      <p:sp>
-        <p:nvSpPr>
-          <p:cNvPr id="3" name="Subtitle 2">
-            <a:extLst>
-              <a:ext uri="{FF2B5EF4-FFF2-40B4-BE49-F238E27FC236}">
-                <a16:creationId xmlns:a16="http://schemas.microsoft.com/office/drawing/2014/main" id="{C5E15D79-0EAA-40A2-AD10-F2C7E3BDFC77}"/>
-              </a:ext>
-            </a:extLst>
-          </p:cNvPr>
-          <p:cNvSpPr>
-            <a:spLocks noGrp="1"/>
-          </p:cNvSpPr>
-          <p:nvPr>
-            <p:ph type="subTitle" idx="1"/>
-          </p:nvPr>
-        </p:nvSpPr>
-        <p:spPr>
-          <a:xfrm>
-            <a:off x="1175551" y="1008124"/>
-            <a:ext cx="8806649" cy="5530788"/>
-          </a:xfrm>
-        </p:spPr>
-        <p:txBody>
-          <a:bodyPr>
-            <a:normAutofit/>
-          </a:bodyPr>
-          <a:lstStyle/>
-          <a:p>
-            <a:pPr marL="342900" indent="-342900" algn="l">
-              <a:lnSpc>
-                <a:spcPct val="150000"/>
-              </a:lnSpc>
-              <a:buFont typeface="Wingdings" panose="05000000000000000000" pitchFamily="2" charset="2"/>
-              <a:buChar char="Ø"/>
-            </a:pPr>
-            <a:r>
-              <a:rPr lang="en-IN" dirty="0"/>
-              <a:t>No moving parts</a:t>
-            </a:r>
-          </a:p>
-          <a:p>
-            <a:pPr marL="342900" indent="-342900" algn="l">
-              <a:lnSpc>
-                <a:spcPct val="150000"/>
-              </a:lnSpc>
-              <a:buFont typeface="Wingdings" panose="05000000000000000000" pitchFamily="2" charset="2"/>
-              <a:buChar char="Ø"/>
-            </a:pPr>
-            <a:r>
-              <a:rPr lang="en-IN" dirty="0"/>
-              <a:t>Small size and Weight</a:t>
-            </a:r>
-          </a:p>
-          <a:p>
-            <a:pPr marL="342900" indent="-342900" algn="l">
-              <a:lnSpc>
-                <a:spcPct val="150000"/>
-              </a:lnSpc>
-              <a:buFont typeface="Wingdings" panose="05000000000000000000" pitchFamily="2" charset="2"/>
-              <a:buChar char="Ø"/>
-            </a:pPr>
-            <a:r>
-              <a:rPr lang="en-IN" dirty="0"/>
-              <a:t>Ability to Cool below Ambient temperature</a:t>
-            </a:r>
-          </a:p>
-          <a:p>
-            <a:pPr marL="342900" indent="-342900" algn="l">
-              <a:lnSpc>
-                <a:spcPct val="150000"/>
-              </a:lnSpc>
-              <a:buFont typeface="Wingdings" panose="05000000000000000000" pitchFamily="2" charset="2"/>
-              <a:buChar char="Ø"/>
-            </a:pPr>
-            <a:r>
-              <a:rPr lang="en-IN" dirty="0"/>
-              <a:t>Cooling and heating will be possible with only one device</a:t>
-            </a:r>
-          </a:p>
-          <a:p>
-            <a:pPr marL="342900" indent="-342900" algn="l">
-              <a:lnSpc>
-                <a:spcPct val="150000"/>
-              </a:lnSpc>
-              <a:buFont typeface="Wingdings" panose="05000000000000000000" pitchFamily="2" charset="2"/>
-              <a:buChar char="Ø"/>
-            </a:pPr>
-            <a:r>
-              <a:rPr lang="en-IN" dirty="0"/>
-              <a:t>Precise temperature control</a:t>
-            </a:r>
-          </a:p>
-          <a:p>
-            <a:pPr marL="342900" indent="-342900" algn="l">
-              <a:lnSpc>
-                <a:spcPct val="150000"/>
-              </a:lnSpc>
-              <a:buFont typeface="Wingdings" panose="05000000000000000000" pitchFamily="2" charset="2"/>
-              <a:buChar char="Ø"/>
-            </a:pPr>
-            <a:r>
-              <a:rPr lang="en-IN" dirty="0"/>
-              <a:t>High reliability</a:t>
-            </a:r>
-          </a:p>
-          <a:p>
-            <a:pPr marL="342900" indent="-342900" algn="l">
-              <a:lnSpc>
-                <a:spcPct val="150000"/>
-              </a:lnSpc>
-              <a:buFont typeface="Wingdings" panose="05000000000000000000" pitchFamily="2" charset="2"/>
-              <a:buChar char="Ø"/>
-            </a:pPr>
-            <a:endParaRPr lang="en-IN" dirty="0"/>
-          </a:p>
-          <a:p>
-            <a:pPr algn="l">
-              <a:lnSpc>
-                <a:spcPct val="150000"/>
-              </a:lnSpc>
-            </a:pPr>
-            <a:endParaRPr lang="en-IN" dirty="0"/>
-          </a:p>
-          <a:p>
-            <a:pPr algn="l">
-              <a:lnSpc>
-                <a:spcPct val="150000"/>
-              </a:lnSpc>
-            </a:pPr>
-            <a:endParaRPr lang="en-IN" dirty="0"/>
-          </a:p>
-        </p:txBody>
-      </p:sp>
-      <p:sp>
-        <p:nvSpPr>
-          <p:cNvPr id="4" name="Date Placeholder 3">
-            <a:extLst>
-              <a:ext uri="{FF2B5EF4-FFF2-40B4-BE49-F238E27FC236}">
-                <a16:creationId xmlns:a16="http://schemas.microsoft.com/office/drawing/2014/main" id="{51D6547E-19EC-46C9-981F-2CF4C0D423E1}"/>
-              </a:ext>
-            </a:extLst>
-          </p:cNvPr>
-          <p:cNvSpPr>
-            <a:spLocks noGrp="1"/>
-          </p:cNvSpPr>
-          <p:nvPr>
-            <p:ph type="dt" sz="half" idx="10"/>
-          </p:nvPr>
-        </p:nvSpPr>
-        <p:spPr/>
-        <p:txBody>
-          <a:bodyPr/>
-          <a:lstStyle/>
-          <a:p>
-            <a:fld id="{2AF7CF19-6002-464E-A35B-F8E3793791C3}" type="datetime1">
-              <a:rPr lang="en-US" smtClean="0"/>
-              <a:pPr/>
-              <a:t>17-Dec-19</a:t>
-            </a:fld>
-            <a:endParaRPr lang="en-US"/>
-          </a:p>
-        </p:txBody>
-      </p:sp>
-      <p:sp>
-        <p:nvSpPr>
-          <p:cNvPr id="5" name="Slide Number Placeholder 4">
-            <a:extLst>
-              <a:ext uri="{FF2B5EF4-FFF2-40B4-BE49-F238E27FC236}">
-                <a16:creationId xmlns:a16="http://schemas.microsoft.com/office/drawing/2014/main" id="{5C1C73C1-CBF6-4408-B4BD-916F1A520D91}"/>
-              </a:ext>
-            </a:extLst>
-          </p:cNvPr>
-          <p:cNvSpPr>
-            <a:spLocks noGrp="1"/>
-          </p:cNvSpPr>
-          <p:nvPr>
-            <p:ph type="sldNum" sz="quarter" idx="12"/>
-          </p:nvPr>
-        </p:nvSpPr>
-        <p:spPr/>
-        <p:txBody>
-          <a:bodyPr/>
-          <a:lstStyle/>
-          <a:p>
-            <a:fld id="{330EA680-D336-4FF7-8B7A-9848BB0A1C32}" type="slidenum">
-              <a:rPr lang="en-US" smtClean="0"/>
-              <a:pPr/>
-              <a:t>15</a:t>
-            </a:fld>
-            <a:endParaRPr lang="en-US"/>
-          </a:p>
-        </p:txBody>
-      </p:sp>
-    </p:spTree>
-    <p:extLst>
-      <p:ext uri="{BB962C8B-B14F-4D97-AF65-F5344CB8AC3E}">
-        <p14:creationId xmlns:p14="http://schemas.microsoft.com/office/powerpoint/2010/main" val="1571101257"/>
-      </p:ext>
-    </p:extLst>
-  </p:cSld>
-  <p:clrMapOvr>
-    <a:masterClrMapping/>
-  </p:clrMapOvr>
-</p:sld>
-</file>
-
-<file path=ppt/slides/slide16.xml><?xml version="1.0" encoding="utf-8"?>
-<p:sld xmlns:a="http://schemas.openxmlformats.org/drawingml/2006/main" xmlns:r="http://schemas.openxmlformats.org/officeDocument/2006/relationships" xmlns:p="http://schemas.openxmlformats.org/presentationml/2006/main">
-  <p:cSld>
-    <p:spTree>
-      <p:nvGrpSpPr>
-        <p:cNvPr id="1" name=""/>
-        <p:cNvGrpSpPr/>
-        <p:nvPr/>
-      </p:nvGrpSpPr>
-      <p:grpSpPr>
-        <a:xfrm>
-          <a:off x="0" y="0"/>
-          <a:ext cx="0" cy="0"/>
-          <a:chOff x="0" y="0"/>
-          <a:chExt cx="0" cy="0"/>
-        </a:xfrm>
-      </p:grpSpPr>
-      <p:sp>
-        <p:nvSpPr>
-          <p:cNvPr id="3" name="Subtitle 2">
-            <a:extLst>
-              <a:ext uri="{FF2B5EF4-FFF2-40B4-BE49-F238E27FC236}">
-                <a16:creationId xmlns:a16="http://schemas.microsoft.com/office/drawing/2014/main" id="{822C75B4-39CC-4E68-B32F-7B7C35362F08}"/>
-              </a:ext>
-            </a:extLst>
-          </p:cNvPr>
-          <p:cNvSpPr>
-            <a:spLocks noGrp="1"/>
-          </p:cNvSpPr>
-          <p:nvPr>
-            <p:ph type="subTitle" idx="1"/>
-          </p:nvPr>
-        </p:nvSpPr>
-        <p:spPr>
-          <a:xfrm>
-            <a:off x="1118585" y="594805"/>
-            <a:ext cx="10253709" cy="5805996"/>
-          </a:xfrm>
-        </p:spPr>
-        <p:txBody>
-          <a:bodyPr/>
-          <a:lstStyle/>
-          <a:p>
-            <a:pPr marL="342900" indent="-342900" algn="l">
-              <a:lnSpc>
-                <a:spcPct val="150000"/>
-              </a:lnSpc>
-              <a:buFont typeface="Wingdings" panose="05000000000000000000" pitchFamily="2" charset="2"/>
-              <a:buChar char="Ø"/>
-            </a:pPr>
-            <a:r>
-              <a:rPr lang="en-IN" dirty="0"/>
-              <a:t>Electrically quite operation</a:t>
-            </a:r>
-          </a:p>
-          <a:p>
-            <a:pPr marL="342900" indent="-342900" algn="l">
-              <a:lnSpc>
-                <a:spcPct val="150000"/>
-              </a:lnSpc>
-              <a:buFont typeface="Wingdings" panose="05000000000000000000" pitchFamily="2" charset="2"/>
-              <a:buChar char="Ø"/>
-            </a:pPr>
-            <a:r>
-              <a:rPr lang="en-IN" dirty="0"/>
-              <a:t>Operation in any orientation</a:t>
-            </a:r>
-          </a:p>
-          <a:p>
-            <a:pPr marL="342900" indent="-342900" algn="l">
-              <a:lnSpc>
-                <a:spcPct val="150000"/>
-              </a:lnSpc>
-              <a:buFont typeface="Wingdings" panose="05000000000000000000" pitchFamily="2" charset="2"/>
-              <a:buChar char="Ø"/>
-            </a:pPr>
-            <a:r>
-              <a:rPr lang="en-IN" dirty="0"/>
-              <a:t>Spot cooling</a:t>
-            </a:r>
-          </a:p>
-          <a:p>
-            <a:pPr marL="342900" indent="-342900" algn="l">
-              <a:lnSpc>
-                <a:spcPct val="150000"/>
-              </a:lnSpc>
-              <a:buFont typeface="Wingdings" panose="05000000000000000000" pitchFamily="2" charset="2"/>
-              <a:buChar char="Ø"/>
-            </a:pPr>
-            <a:r>
-              <a:rPr lang="en-IN" dirty="0"/>
-              <a:t>Environmental friendly</a:t>
-            </a:r>
-          </a:p>
-          <a:p>
-            <a:pPr marL="342900" indent="-342900" algn="l">
-              <a:lnSpc>
-                <a:spcPct val="150000"/>
-              </a:lnSpc>
-              <a:buFont typeface="Wingdings" panose="05000000000000000000" pitchFamily="2" charset="2"/>
-              <a:buChar char="Ø"/>
-            </a:pPr>
-            <a:r>
-              <a:rPr lang="en-IN" dirty="0"/>
-              <a:t>Fast response time</a:t>
-            </a:r>
-          </a:p>
-          <a:p>
-            <a:pPr algn="l">
-              <a:lnSpc>
-                <a:spcPct val="150000"/>
-              </a:lnSpc>
-            </a:pPr>
-            <a:r>
-              <a:rPr lang="en-IN" dirty="0"/>
-              <a:t>Its main drawbacks are low power efficient, it can handle only a certain amount of heat flux.</a:t>
-            </a:r>
-          </a:p>
-          <a:p>
-            <a:pPr algn="l">
-              <a:lnSpc>
-                <a:spcPct val="150000"/>
-              </a:lnSpc>
-            </a:pPr>
-            <a:r>
-              <a:rPr lang="en-IN" dirty="0"/>
-              <a:t>Even though these devices are having drawbacks , due its special features these devices had been using in many fields.</a:t>
-            </a:r>
-          </a:p>
-          <a:p>
-            <a:pPr algn="l"/>
-            <a:endParaRPr lang="en-IN" dirty="0"/>
-          </a:p>
-        </p:txBody>
-      </p:sp>
-      <p:sp>
-        <p:nvSpPr>
-          <p:cNvPr id="2" name="Date Placeholder 1">
-            <a:extLst>
-              <a:ext uri="{FF2B5EF4-FFF2-40B4-BE49-F238E27FC236}">
-                <a16:creationId xmlns:a16="http://schemas.microsoft.com/office/drawing/2014/main" id="{7D4BD5B9-5738-4BE4-B69C-876165200CBD}"/>
-              </a:ext>
-            </a:extLst>
-          </p:cNvPr>
-          <p:cNvSpPr>
-            <a:spLocks noGrp="1"/>
-          </p:cNvSpPr>
-          <p:nvPr>
-            <p:ph type="dt" sz="half" idx="10"/>
-          </p:nvPr>
-        </p:nvSpPr>
-        <p:spPr/>
-        <p:txBody>
-          <a:bodyPr/>
-          <a:lstStyle/>
-          <a:p>
-            <a:fld id="{8248CD96-C1CE-489F-9247-95002B1BB67A}" type="datetime1">
-              <a:rPr lang="en-US" smtClean="0"/>
-              <a:pPr/>
-              <a:t>17-Dec-19</a:t>
-            </a:fld>
-            <a:endParaRPr lang="en-US"/>
-          </a:p>
-        </p:txBody>
-      </p:sp>
-      <p:sp>
-        <p:nvSpPr>
-          <p:cNvPr id="4" name="Slide Number Placeholder 3">
-            <a:extLst>
-              <a:ext uri="{FF2B5EF4-FFF2-40B4-BE49-F238E27FC236}">
-                <a16:creationId xmlns:a16="http://schemas.microsoft.com/office/drawing/2014/main" id="{113D7955-1A22-4B1E-AFC7-B3BDA9730B89}"/>
-              </a:ext>
-            </a:extLst>
-          </p:cNvPr>
-          <p:cNvSpPr>
-            <a:spLocks noGrp="1"/>
-          </p:cNvSpPr>
-          <p:nvPr>
-            <p:ph type="sldNum" sz="quarter" idx="12"/>
-          </p:nvPr>
-        </p:nvSpPr>
-        <p:spPr/>
-        <p:txBody>
-          <a:bodyPr/>
-          <a:lstStyle/>
-          <a:p>
-            <a:fld id="{330EA680-D336-4FF7-8B7A-9848BB0A1C32}" type="slidenum">
-              <a:rPr lang="en-US" smtClean="0"/>
-              <a:pPr/>
-              <a:t>16</a:t>
-            </a:fld>
-            <a:endParaRPr lang="en-US"/>
-          </a:p>
-        </p:txBody>
-      </p:sp>
-      <p:sp>
-        <p:nvSpPr>
-          <p:cNvPr id="5" name="TextBox 4">
-            <a:extLst>
-              <a:ext uri="{FF2B5EF4-FFF2-40B4-BE49-F238E27FC236}">
-                <a16:creationId xmlns:a16="http://schemas.microsoft.com/office/drawing/2014/main" id="{01547C81-7EF3-456D-8C9E-F2A82E71C992}"/>
-              </a:ext>
-            </a:extLst>
-          </p:cNvPr>
-          <p:cNvSpPr txBox="1"/>
-          <p:nvPr/>
-        </p:nvSpPr>
-        <p:spPr>
-          <a:xfrm>
-            <a:off x="10022889" y="204186"/>
-            <a:ext cx="883062" cy="369332"/>
-          </a:xfrm>
-          <a:prstGeom prst="rect">
-            <a:avLst/>
-          </a:prstGeom>
-          <a:noFill/>
-        </p:spPr>
-        <p:txBody>
-          <a:bodyPr wrap="none" rtlCol="0">
-            <a:spAutoFit/>
-          </a:bodyPr>
-          <a:lstStyle/>
-          <a:p>
-            <a:r>
-              <a:rPr lang="en-IN" dirty="0"/>
-              <a:t>(Cont..)</a:t>
-            </a:r>
-          </a:p>
-        </p:txBody>
-      </p:sp>
-    </p:spTree>
-    <p:extLst>
-      <p:ext uri="{BB962C8B-B14F-4D97-AF65-F5344CB8AC3E}">
-        <p14:creationId xmlns:p14="http://schemas.microsoft.com/office/powerpoint/2010/main" val="3726702643"/>
-      </p:ext>
-    </p:extLst>
-  </p:cSld>
-  <p:clrMapOvr>
-    <a:masterClrMapping/>
-  </p:clrMapOvr>
-</p:sld>
-</file>
-
-<file path=ppt/slides/slide17.xml><?xml version="1.0" encoding="utf-8"?>
-<p:sld xmlns:a="http://schemas.openxmlformats.org/drawingml/2006/main" xmlns:r="http://schemas.openxmlformats.org/officeDocument/2006/relationships" xmlns:p="http://schemas.openxmlformats.org/presentationml/2006/main">
-  <p:cSld>
-    <p:spTree>
-      <p:nvGrpSpPr>
-        <p:cNvPr id="1" name=""/>
-        <p:cNvGrpSpPr/>
-        <p:nvPr/>
-      </p:nvGrpSpPr>
-      <p:grpSpPr>
-        <a:xfrm>
-          <a:off x="0" y="0"/>
-          <a:ext cx="0" cy="0"/>
-          <a:chOff x="0" y="0"/>
-          <a:chExt cx="0" cy="0"/>
-        </a:xfrm>
-      </p:grpSpPr>
-      <p:sp>
-        <p:nvSpPr>
-          <p:cNvPr id="3" name="Content Placeholder 2">
-            <a:extLst>
-              <a:ext uri="{FF2B5EF4-FFF2-40B4-BE49-F238E27FC236}">
-                <a16:creationId xmlns:a16="http://schemas.microsoft.com/office/drawing/2014/main" id="{764CEF9A-FDCB-4F92-AAAB-5E275220361D}"/>
-              </a:ext>
-            </a:extLst>
-          </p:cNvPr>
-          <p:cNvSpPr>
-            <a:spLocks noGrp="1"/>
-          </p:cNvSpPr>
-          <p:nvPr>
-            <p:ph idx="1"/>
-          </p:nvPr>
-        </p:nvSpPr>
-        <p:spPr>
-          <a:xfrm>
-            <a:off x="838200" y="1020030"/>
-            <a:ext cx="7133948" cy="5156933"/>
-          </a:xfrm>
-        </p:spPr>
-        <p:txBody>
-          <a:bodyPr>
-            <a:normAutofit/>
-          </a:bodyPr>
-          <a:lstStyle/>
-          <a:p>
-            <a:pPr algn="just">
-              <a:lnSpc>
-                <a:spcPct val="150000"/>
-              </a:lnSpc>
-              <a:buFont typeface="Wingdings" panose="05000000000000000000" pitchFamily="2" charset="2"/>
-              <a:buChar char="Ø"/>
-            </a:pPr>
-            <a:r>
-              <a:rPr lang="en-IN" sz="2400" b="1" dirty="0"/>
-              <a:t>Deoxyribonucleic acid ( DNA ) </a:t>
-            </a:r>
-            <a:r>
-              <a:rPr lang="en-IN" sz="2400" dirty="0"/>
-              <a:t>is molecule composed of two chains that coiled around each other to form a double helix carrying structure.</a:t>
-            </a:r>
-          </a:p>
-          <a:p>
-            <a:pPr algn="just">
-              <a:lnSpc>
-                <a:spcPct val="150000"/>
-              </a:lnSpc>
-              <a:buFont typeface="Wingdings" panose="05000000000000000000" pitchFamily="2" charset="2"/>
-              <a:buChar char="Ø"/>
-            </a:pPr>
-            <a:r>
-              <a:rPr lang="en-IN" sz="2400" dirty="0"/>
-              <a:t>DNA is carrying our genetic instructions like growth , development , functioning and reproduction etc.</a:t>
-            </a:r>
-          </a:p>
-          <a:p>
-            <a:pPr algn="just">
-              <a:lnSpc>
-                <a:spcPct val="150000"/>
-              </a:lnSpc>
-              <a:buFont typeface="Wingdings" panose="05000000000000000000" pitchFamily="2" charset="2"/>
-              <a:buChar char="Ø"/>
-            </a:pPr>
-            <a:r>
-              <a:rPr lang="en-IN" sz="2400" dirty="0"/>
-              <a:t>DNA amplification is an essential tool for biologists, DNA forensic labs, and many other research labs for the study of genetic material.</a:t>
-            </a:r>
-          </a:p>
-          <a:p>
-            <a:pPr marL="0" indent="0" algn="just">
-              <a:lnSpc>
-                <a:spcPct val="150000"/>
-              </a:lnSpc>
-              <a:buNone/>
-            </a:pPr>
-            <a:endParaRPr lang="en-IN" sz="2400" dirty="0"/>
-          </a:p>
-        </p:txBody>
-      </p:sp>
-      <p:sp>
-        <p:nvSpPr>
-          <p:cNvPr id="4" name="Date Placeholder 3">
-            <a:extLst>
-              <a:ext uri="{FF2B5EF4-FFF2-40B4-BE49-F238E27FC236}">
-                <a16:creationId xmlns:a16="http://schemas.microsoft.com/office/drawing/2014/main" id="{1FAB3EB9-D803-4DD0-9DDE-79175D9338AD}"/>
-              </a:ext>
-            </a:extLst>
-          </p:cNvPr>
-          <p:cNvSpPr>
-            <a:spLocks noGrp="1"/>
-          </p:cNvSpPr>
-          <p:nvPr>
-            <p:ph type="dt" sz="half" idx="10"/>
-          </p:nvPr>
-        </p:nvSpPr>
-        <p:spPr/>
-        <p:txBody>
-          <a:bodyPr/>
-          <a:lstStyle/>
-          <a:p>
-            <a:fld id="{7E3FDB0B-B014-4C47-949F-40696701F18D}" type="datetime1">
-              <a:rPr lang="en-US" smtClean="0"/>
-              <a:pPr/>
-              <a:t>17-Dec-19</a:t>
-            </a:fld>
-            <a:endParaRPr lang="en-US"/>
-          </a:p>
-        </p:txBody>
-      </p:sp>
-      <p:sp>
-        <p:nvSpPr>
-          <p:cNvPr id="5" name="Slide Number Placeholder 4">
-            <a:extLst>
-              <a:ext uri="{FF2B5EF4-FFF2-40B4-BE49-F238E27FC236}">
-                <a16:creationId xmlns:a16="http://schemas.microsoft.com/office/drawing/2014/main" id="{74969FC7-9E27-4EC6-8A02-DA0AB5B5E777}"/>
-              </a:ext>
-            </a:extLst>
-          </p:cNvPr>
-          <p:cNvSpPr>
-            <a:spLocks noGrp="1"/>
-          </p:cNvSpPr>
-          <p:nvPr>
-            <p:ph type="sldNum" sz="quarter" idx="12"/>
-          </p:nvPr>
-        </p:nvSpPr>
-        <p:spPr/>
-        <p:txBody>
-          <a:bodyPr/>
-          <a:lstStyle/>
-          <a:p>
-            <a:fld id="{330EA680-D336-4FF7-8B7A-9848BB0A1C32}" type="slidenum">
-              <a:rPr lang="en-US" smtClean="0"/>
-              <a:pPr/>
-              <a:t>17</a:t>
-            </a:fld>
-            <a:endParaRPr lang="en-US"/>
-          </a:p>
-        </p:txBody>
-      </p:sp>
-      <p:sp>
-        <p:nvSpPr>
-          <p:cNvPr id="6" name="Title 1">
-            <a:extLst>
-              <a:ext uri="{FF2B5EF4-FFF2-40B4-BE49-F238E27FC236}">
-                <a16:creationId xmlns:a16="http://schemas.microsoft.com/office/drawing/2014/main" id="{83D31B6D-C1FC-43F7-8ECF-1791D887F5F9}"/>
-              </a:ext>
-            </a:extLst>
-          </p:cNvPr>
-          <p:cNvSpPr txBox="1">
-            <a:spLocks/>
-          </p:cNvSpPr>
-          <p:nvPr/>
-        </p:nvSpPr>
-        <p:spPr>
-          <a:xfrm>
-            <a:off x="1524000" y="342044"/>
-            <a:ext cx="9144000" cy="677986"/>
-          </a:xfrm>
-          <a:prstGeom prst="rect">
-            <a:avLst/>
-          </a:prstGeom>
-        </p:spPr>
-        <p:txBody>
-          <a:bodyPr vert="horz" lIns="91440" tIns="45720" rIns="91440" bIns="45720" rtlCol="0" anchor="ctr">
-            <a:normAutofit/>
-          </a:bodyPr>
-          <a:lstStyle>
-            <a:lvl1pPr algn="l" defTabSz="914400" rtl="0" eaLnBrk="1" latinLnBrk="0" hangingPunct="1">
-              <a:lnSpc>
-                <a:spcPct val="90000"/>
-              </a:lnSpc>
-              <a:spcBef>
-                <a:spcPct val="0"/>
-              </a:spcBef>
-              <a:buNone/>
-              <a:defRPr sz="4400" kern="1200">
-                <a:solidFill>
-                  <a:schemeClr val="tx1"/>
-                </a:solidFill>
-                <a:latin typeface="+mj-lt"/>
-                <a:ea typeface="+mj-ea"/>
-                <a:cs typeface="+mj-cs"/>
-              </a:defRPr>
-            </a:lvl1pPr>
-          </a:lstStyle>
-          <a:p>
-            <a:pPr algn="ctr"/>
-            <a:r>
-              <a:rPr lang="en-IN" sz="3600" b="1" u="sng" dirty="0">
-                <a:solidFill>
-                  <a:srgbClr val="FF0000"/>
-                </a:solidFill>
-              </a:rPr>
-              <a:t>DNA Amplification using TEM</a:t>
-            </a:r>
-          </a:p>
-        </p:txBody>
-      </p:sp>
-      <p:pic>
-        <p:nvPicPr>
-          <p:cNvPr id="10" name="Picture 9">
-            <a:extLst>
-              <a:ext uri="{FF2B5EF4-FFF2-40B4-BE49-F238E27FC236}">
-                <a16:creationId xmlns:a16="http://schemas.microsoft.com/office/drawing/2014/main" id="{21301540-E245-4460-AEF7-E5757357B0C0}"/>
-              </a:ext>
-            </a:extLst>
-          </p:cNvPr>
-          <p:cNvPicPr>
-            <a:picLocks noChangeAspect="1"/>
-          </p:cNvPicPr>
-          <p:nvPr/>
-        </p:nvPicPr>
-        <p:blipFill>
-          <a:blip r:embed="rId2" cstate="print">
-            <a:extLst>
-              <a:ext uri="{28A0092B-C50C-407E-A947-70E740481C1C}">
-                <a14:useLocalDpi xmlns:a14="http://schemas.microsoft.com/office/drawing/2010/main" val="0"/>
-              </a:ext>
-            </a:extLst>
-          </a:blip>
-          <a:stretch>
-            <a:fillRect/>
-          </a:stretch>
-        </p:blipFill>
-        <p:spPr>
-          <a:xfrm>
-            <a:off x="8382000" y="1524000"/>
-            <a:ext cx="3810000" cy="3810000"/>
-          </a:xfrm>
-          <a:prstGeom prst="rect">
-            <a:avLst/>
-          </a:prstGeom>
-        </p:spPr>
-      </p:pic>
-      <p:sp>
-        <p:nvSpPr>
-          <p:cNvPr id="11" name="TextBox 10">
-            <a:extLst>
-              <a:ext uri="{FF2B5EF4-FFF2-40B4-BE49-F238E27FC236}">
-                <a16:creationId xmlns:a16="http://schemas.microsoft.com/office/drawing/2014/main" id="{33179424-8230-41D1-8D5B-97B749B9FC14}"/>
-              </a:ext>
-            </a:extLst>
-          </p:cNvPr>
-          <p:cNvSpPr txBox="1"/>
-          <p:nvPr/>
-        </p:nvSpPr>
-        <p:spPr>
-          <a:xfrm flipH="1">
-            <a:off x="8745836" y="5610687"/>
-            <a:ext cx="2743200" cy="369332"/>
-          </a:xfrm>
-          <a:prstGeom prst="rect">
-            <a:avLst/>
-          </a:prstGeom>
-          <a:noFill/>
-        </p:spPr>
-        <p:txBody>
-          <a:bodyPr wrap="square" rtlCol="0">
-            <a:spAutoFit/>
-          </a:bodyPr>
-          <a:lstStyle/>
-          <a:p>
-            <a:r>
-              <a:rPr lang="en-IN" dirty="0"/>
-              <a:t>Fig.6. Structure of DNA </a:t>
-            </a:r>
-          </a:p>
-        </p:txBody>
-      </p:sp>
-    </p:spTree>
-    <p:extLst>
-      <p:ext uri="{BB962C8B-B14F-4D97-AF65-F5344CB8AC3E}">
-        <p14:creationId xmlns:p14="http://schemas.microsoft.com/office/powerpoint/2010/main" val="2514398980"/>
-      </p:ext>
-    </p:extLst>
-  </p:cSld>
-  <p:clrMapOvr>
-    <a:masterClrMapping/>
-  </p:clrMapOvr>
-</p:sld>
-</file>
-
-<file path=ppt/slides/slide18.xml><?xml version="1.0" encoding="utf-8"?>
-<p:sld xmlns:a="http://schemas.openxmlformats.org/drawingml/2006/main" xmlns:r="http://schemas.openxmlformats.org/officeDocument/2006/relationships" xmlns:p="http://schemas.openxmlformats.org/presentationml/2006/main">
-  <p:cSld>
-    <p:spTree>
-      <p:nvGrpSpPr>
-        <p:cNvPr id="1" name=""/>
-        <p:cNvGrpSpPr/>
-        <p:nvPr/>
-      </p:nvGrpSpPr>
-      <p:grpSpPr>
-        <a:xfrm>
-          <a:off x="0" y="0"/>
-          <a:ext cx="0" cy="0"/>
-          <a:chOff x="0" y="0"/>
-          <a:chExt cx="0" cy="0"/>
-        </a:xfrm>
-      </p:grpSpPr>
-      <mc:AlternateContent xmlns:mc="http://schemas.openxmlformats.org/markup-compatibility/2006" xmlns:a14="http://schemas.microsoft.com/office/drawing/2010/main">
-        <mc:Choice Requires="a14">
-          <p:sp>
-            <p:nvSpPr>
-              <p:cNvPr id="3" name="Subtitle 2">
-                <a:extLst>
-                  <a:ext uri="{FF2B5EF4-FFF2-40B4-BE49-F238E27FC236}">
-                    <a16:creationId xmlns:a16="http://schemas.microsoft.com/office/drawing/2014/main" id="{5D7A697A-4F61-4A8E-81A6-14D57BD78557}"/>
-                  </a:ext>
-                </a:extLst>
-              </p:cNvPr>
-              <p:cNvSpPr>
-                <a:spLocks noGrp="1"/>
-              </p:cNvSpPr>
-              <p:nvPr>
-                <p:ph type="subTitle" idx="1"/>
-              </p:nvPr>
-            </p:nvSpPr>
-            <p:spPr>
-              <a:xfrm>
-                <a:off x="764959" y="969885"/>
-                <a:ext cx="10662082" cy="4918229"/>
-              </a:xfrm>
-            </p:spPr>
-            <p:txBody>
-              <a:bodyPr/>
-              <a:lstStyle/>
-              <a:p>
-                <a:pPr marL="342900" indent="-342900" algn="l">
-                  <a:lnSpc>
-                    <a:spcPct val="150000"/>
-                  </a:lnSpc>
-                  <a:buFont typeface="Wingdings" panose="05000000000000000000" pitchFamily="2" charset="2"/>
-                  <a:buChar char="Ø"/>
-                </a:pPr>
-                <a:r>
-                  <a:rPr lang="en-IN" dirty="0"/>
-                  <a:t>DNA amplification is a process of creating billions of copies of DNA by using  one small Segment of DNA sample.</a:t>
-                </a:r>
-              </a:p>
-              <a:p>
-                <a:pPr marL="342900" indent="-342900" algn="l">
-                  <a:lnSpc>
-                    <a:spcPct val="150000"/>
-                  </a:lnSpc>
-                  <a:buFont typeface="Wingdings" panose="05000000000000000000" pitchFamily="2" charset="2"/>
-                  <a:buChar char="Ø"/>
-                </a:pPr>
-                <a:r>
-                  <a:rPr lang="en-IN" dirty="0"/>
-                  <a:t>In 1983 Kary Mullis developed this procedure and he got Noble Prize in chemistry</a:t>
-                </a:r>
-              </a:p>
-              <a:p>
-                <a:pPr algn="l">
-                  <a:lnSpc>
-                    <a:spcPct val="150000"/>
-                  </a:lnSpc>
-                </a:pPr>
-                <a:r>
-                  <a:rPr lang="en-IN" dirty="0"/>
-                  <a:t>     for developing this method.</a:t>
-                </a:r>
-              </a:p>
-              <a:p>
-                <a:pPr marL="342900" indent="-342900" algn="l">
-                  <a:lnSpc>
-                    <a:spcPct val="150000"/>
-                  </a:lnSpc>
-                  <a:buFont typeface="Wingdings" panose="05000000000000000000" pitchFamily="2" charset="2"/>
-                  <a:buChar char="Ø"/>
-                </a:pPr>
-                <a:r>
-                  <a:rPr lang="en-IN" dirty="0"/>
-                  <a:t>It is also called as DNA Polymerase Chain Reaction (DNA PCR).</a:t>
-                </a:r>
-              </a:p>
-              <a:p>
-                <a:pPr marL="342900" indent="-342900" algn="l">
-                  <a:lnSpc>
-                    <a:spcPct val="150000"/>
-                  </a:lnSpc>
-                  <a:buFont typeface="Wingdings" panose="05000000000000000000" pitchFamily="2" charset="2"/>
-                  <a:buChar char="Ø"/>
-                </a:pPr>
-                <a:r>
-                  <a:rPr lang="en-IN" dirty="0"/>
-                  <a:t>It is a cumulative process, for every cycle copies will be doubled </a:t>
-                </a:r>
-              </a:p>
-              <a:p>
-                <a:pPr marL="342900" indent="-342900" algn="l">
-                  <a:lnSpc>
-                    <a:spcPct val="150000"/>
-                  </a:lnSpc>
-                  <a:buFont typeface="Wingdings" panose="05000000000000000000" pitchFamily="2" charset="2"/>
-                  <a:buChar char="Ø"/>
-                </a:pPr>
-                <a:r>
-                  <a:rPr lang="en-IN" dirty="0"/>
-                  <a:t>For ‘n’ cycles it will produce </a:t>
-                </a:r>
-                <a14:m>
-                  <m:oMath xmlns:m="http://schemas.openxmlformats.org/officeDocument/2006/math">
-                    <m:sSup>
-                      <m:sSupPr>
-                        <m:ctrlPr>
-                          <a:rPr lang="en-IN" i="1" dirty="0" smtClean="0">
-                            <a:latin typeface="Cambria Math" panose="02040503050406030204" pitchFamily="18" charset="0"/>
-                          </a:rPr>
-                        </m:ctrlPr>
-                      </m:sSupPr>
-                      <m:e>
-                        <m:r>
-                          <a:rPr lang="en-IN" dirty="0">
-                            <a:latin typeface="Cambria Math" panose="02040503050406030204" pitchFamily="18" charset="0"/>
-                          </a:rPr>
-                          <m:t>2</m:t>
-                        </m:r>
-                      </m:e>
-                      <m:sup>
-                        <m:r>
-                          <a:rPr lang="en-IN" i="1" dirty="0">
-                            <a:latin typeface="Cambria Math" panose="02040503050406030204" pitchFamily="18" charset="0"/>
-                          </a:rPr>
-                          <m:t>𝑛</m:t>
-                        </m:r>
-                      </m:sup>
-                    </m:sSup>
-                  </m:oMath>
-                </a14:m>
-                <a:r>
-                  <a:rPr lang="en-IN" dirty="0"/>
-                  <a:t> copies.</a:t>
-                </a:r>
-              </a:p>
-              <a:p>
-                <a:pPr marL="342900" indent="-342900" algn="l">
-                  <a:lnSpc>
-                    <a:spcPct val="150000"/>
-                  </a:lnSpc>
-                  <a:buFont typeface="Wingdings" panose="05000000000000000000" pitchFamily="2" charset="2"/>
-                  <a:buChar char="Ø"/>
-                </a:pPr>
-                <a:endParaRPr lang="en-IN" dirty="0"/>
-              </a:p>
-              <a:p>
-                <a:pPr marL="342900" indent="-342900" algn="l">
-                  <a:lnSpc>
-                    <a:spcPct val="150000"/>
-                  </a:lnSpc>
-                  <a:buFont typeface="Wingdings" panose="05000000000000000000" pitchFamily="2" charset="2"/>
-                  <a:buChar char="Ø"/>
-                </a:pPr>
-                <a:endParaRPr lang="en-IN" dirty="0"/>
-              </a:p>
-            </p:txBody>
-          </p:sp>
-        </mc:Choice>
-        <mc:Fallback xmlns="">
-          <p:sp>
-            <p:nvSpPr>
-              <p:cNvPr id="3" name="Subtitle 2">
-                <a:extLst>
-                  <a:ext uri="{FF2B5EF4-FFF2-40B4-BE49-F238E27FC236}">
-                    <a16:creationId xmlns:a14="http://schemas.microsoft.com/office/drawing/2010/main" xmlns="" xmlns:a16="http://schemas.microsoft.com/office/drawing/2014/main" id="{5D7A697A-4F61-4A8E-81A6-14D57BD78557}"/>
-                  </a:ext>
-                </a:extLst>
-              </p:cNvPr>
-              <p:cNvSpPr>
-                <a:spLocks noGrp="1" noRot="1" noChangeAspect="1" noMove="1" noResize="1" noEditPoints="1" noAdjustHandles="1" noChangeArrowheads="1" noChangeShapeType="1" noTextEdit="1"/>
-              </p:cNvSpPr>
-              <p:nvPr>
-                <p:ph type="subTitle" idx="1"/>
-              </p:nvPr>
-            </p:nvSpPr>
-            <p:spPr>
-              <a:xfrm>
-                <a:off x="764959" y="969885"/>
-                <a:ext cx="10662082" cy="4918229"/>
-              </a:xfrm>
-              <a:blipFill>
-                <a:blip r:embed="rId2" cstate="print"/>
-                <a:stretch>
-                  <a:fillRect l="-743"/>
-                </a:stretch>
-              </a:blipFill>
-            </p:spPr>
-            <p:txBody>
-              <a:bodyPr/>
-              <a:lstStyle/>
-              <a:p>
-                <a:r>
-                  <a:rPr lang="en-IN">
-                    <a:noFill/>
-                  </a:rPr>
-                  <a:t> </a:t>
-                </a:r>
-              </a:p>
-            </p:txBody>
-          </p:sp>
-        </mc:Fallback>
-      </mc:AlternateContent>
-      <p:sp>
-        <p:nvSpPr>
-          <p:cNvPr id="4" name="Date Placeholder 3">
-            <a:extLst>
-              <a:ext uri="{FF2B5EF4-FFF2-40B4-BE49-F238E27FC236}">
-                <a16:creationId xmlns:a16="http://schemas.microsoft.com/office/drawing/2014/main" id="{DB9BE803-A226-4C72-A6DA-13271EF3E7A8}"/>
-              </a:ext>
-            </a:extLst>
-          </p:cNvPr>
-          <p:cNvSpPr>
-            <a:spLocks noGrp="1"/>
-          </p:cNvSpPr>
-          <p:nvPr>
-            <p:ph type="dt" sz="half" idx="10"/>
-          </p:nvPr>
-        </p:nvSpPr>
-        <p:spPr/>
-        <p:txBody>
-          <a:bodyPr/>
-          <a:lstStyle/>
-          <a:p>
-            <a:fld id="{EBCCB57E-0A0E-44E8-AE31-A41894D8F0BC}" type="datetime1">
-              <a:rPr lang="en-US" smtClean="0"/>
-              <a:pPr/>
-              <a:t>17-Dec-19</a:t>
-            </a:fld>
-            <a:endParaRPr lang="en-US"/>
-          </a:p>
-        </p:txBody>
-      </p:sp>
-      <p:sp>
-        <p:nvSpPr>
-          <p:cNvPr id="5" name="Slide Number Placeholder 4">
-            <a:extLst>
-              <a:ext uri="{FF2B5EF4-FFF2-40B4-BE49-F238E27FC236}">
-                <a16:creationId xmlns:a16="http://schemas.microsoft.com/office/drawing/2014/main" id="{BE7782A5-B7AF-47B5-9E4C-D2488C9694A3}"/>
-              </a:ext>
-            </a:extLst>
-          </p:cNvPr>
-          <p:cNvSpPr>
-            <a:spLocks noGrp="1"/>
-          </p:cNvSpPr>
-          <p:nvPr>
-            <p:ph type="sldNum" sz="quarter" idx="12"/>
-          </p:nvPr>
-        </p:nvSpPr>
-        <p:spPr/>
-        <p:txBody>
-          <a:bodyPr/>
-          <a:lstStyle/>
-          <a:p>
-            <a:fld id="{330EA680-D336-4FF7-8B7A-9848BB0A1C32}" type="slidenum">
-              <a:rPr lang="en-US" smtClean="0"/>
-              <a:pPr/>
-              <a:t>18</a:t>
-            </a:fld>
-            <a:endParaRPr lang="en-US"/>
-          </a:p>
-        </p:txBody>
-      </p:sp>
-    </p:spTree>
-    <p:extLst>
-      <p:ext uri="{BB962C8B-B14F-4D97-AF65-F5344CB8AC3E}">
-        <p14:creationId xmlns:p14="http://schemas.microsoft.com/office/powerpoint/2010/main" val="142300092"/>
-      </p:ext>
-    </p:extLst>
-  </p:cSld>
-  <p:clrMapOvr>
-    <a:masterClrMapping/>
-  </p:clrMapOvr>
-</p:sld>
-</file>
-
-<file path=ppt/slides/slide19.xml><?xml version="1.0" encoding="utf-8"?>
-<p:sld xmlns:a="http://schemas.openxmlformats.org/drawingml/2006/main" xmlns:r="http://schemas.openxmlformats.org/officeDocument/2006/relationships" xmlns:p="http://schemas.openxmlformats.org/presentationml/2006/main">
-  <p:cSld>
-    <p:spTree>
-      <p:nvGrpSpPr>
-        <p:cNvPr id="1" name=""/>
-        <p:cNvGrpSpPr/>
-        <p:nvPr/>
-      </p:nvGrpSpPr>
-      <p:grpSpPr>
-        <a:xfrm>
-          <a:off x="0" y="0"/>
-          <a:ext cx="0" cy="0"/>
-          <a:chOff x="0" y="0"/>
-          <a:chExt cx="0" cy="0"/>
-        </a:xfrm>
-      </p:grpSpPr>
-      <p:sp>
-        <p:nvSpPr>
-          <p:cNvPr id="3" name="Subtitle 2">
-            <a:extLst>
-              <a:ext uri="{FF2B5EF4-FFF2-40B4-BE49-F238E27FC236}">
-                <a16:creationId xmlns:a16="http://schemas.microsoft.com/office/drawing/2014/main" id="{C13D1FCD-8CC9-4E5B-9FF4-F1DE0E15B2D6}"/>
-              </a:ext>
-            </a:extLst>
-          </p:cNvPr>
-          <p:cNvSpPr>
-            <a:spLocks noGrp="1"/>
-          </p:cNvSpPr>
-          <p:nvPr>
-            <p:ph type="subTitle" idx="1"/>
-          </p:nvPr>
-        </p:nvSpPr>
-        <p:spPr>
-          <a:xfrm>
-            <a:off x="887767" y="399495"/>
-            <a:ext cx="10706469" cy="6001305"/>
-          </a:xfrm>
-        </p:spPr>
-        <p:txBody>
-          <a:bodyPr>
-            <a:normAutofit/>
-          </a:bodyPr>
-          <a:lstStyle/>
-          <a:p>
-            <a:pPr algn="l"/>
-            <a:r>
-              <a:rPr lang="en-IN" dirty="0"/>
-              <a:t>It consists of three stages</a:t>
-            </a:r>
-          </a:p>
-          <a:p>
-            <a:pPr marL="800100" lvl="1" indent="-342900" algn="l">
-              <a:buFont typeface="Wingdings" panose="05000000000000000000" pitchFamily="2" charset="2"/>
-              <a:buChar char="Ø"/>
-            </a:pPr>
-            <a:r>
-              <a:rPr lang="en-IN" sz="2400" dirty="0"/>
-              <a:t>Denaturation </a:t>
-            </a:r>
-          </a:p>
-          <a:p>
-            <a:pPr marL="800100" lvl="1" indent="-342900" algn="l">
-              <a:buFont typeface="Wingdings" panose="05000000000000000000" pitchFamily="2" charset="2"/>
-              <a:buChar char="Ø"/>
-            </a:pPr>
-            <a:r>
-              <a:rPr lang="en-IN" sz="2400" dirty="0"/>
-              <a:t>Annealing</a:t>
-            </a:r>
-          </a:p>
-          <a:p>
-            <a:pPr marL="800100" lvl="1" indent="-342900" algn="l">
-              <a:buFont typeface="Wingdings" panose="05000000000000000000" pitchFamily="2" charset="2"/>
-              <a:buChar char="Ø"/>
-            </a:pPr>
-            <a:r>
-              <a:rPr lang="en-IN" sz="2400" dirty="0"/>
-              <a:t>Extension/Elongation </a:t>
-            </a:r>
-          </a:p>
-          <a:p>
-            <a:pPr lvl="1" algn="l"/>
-            <a:endParaRPr lang="en-IN" b="1" dirty="0"/>
-          </a:p>
-          <a:p>
-            <a:pPr algn="l"/>
-            <a:r>
-              <a:rPr lang="en-IN" b="1" dirty="0"/>
-              <a:t>Applications of DNA </a:t>
-            </a:r>
-            <a:r>
-              <a:rPr lang="en-IN" b="1"/>
-              <a:t>PCR :</a:t>
-            </a:r>
-          </a:p>
-          <a:p>
-            <a:pPr algn="l"/>
-            <a:endParaRPr lang="en-IN" sz="2400" dirty="0"/>
-          </a:p>
-          <a:p>
-            <a:pPr marL="800100" lvl="1" indent="-342900" algn="l">
-              <a:buFont typeface="Wingdings" panose="05000000000000000000" pitchFamily="2" charset="2"/>
-              <a:buChar char="Ø"/>
-            </a:pPr>
-            <a:r>
-              <a:rPr lang="en-IN" sz="2400" dirty="0"/>
-              <a:t>Gene cloning and Manipulation</a:t>
-            </a:r>
-          </a:p>
-          <a:p>
-            <a:pPr marL="800100" lvl="1" indent="-342900" algn="l">
-              <a:buFont typeface="Wingdings" panose="05000000000000000000" pitchFamily="2" charset="2"/>
-              <a:buChar char="Ø"/>
-            </a:pPr>
-            <a:r>
-              <a:rPr lang="en-IN" sz="2400" dirty="0"/>
-              <a:t>Functional analysis of genes</a:t>
-            </a:r>
-          </a:p>
-          <a:p>
-            <a:pPr marL="800100" lvl="1" indent="-342900" algn="l">
-              <a:buFont typeface="Wingdings" panose="05000000000000000000" pitchFamily="2" charset="2"/>
-              <a:buChar char="Ø"/>
-            </a:pPr>
-            <a:r>
-              <a:rPr lang="en-IN" sz="2400" dirty="0"/>
-              <a:t>Diagnosis and monitoring hereditary diseases</a:t>
-            </a:r>
-          </a:p>
-          <a:p>
-            <a:pPr marL="800100" lvl="1" indent="-342900" algn="l">
-              <a:buFont typeface="Wingdings" panose="05000000000000000000" pitchFamily="2" charset="2"/>
-              <a:buChar char="Ø"/>
-            </a:pPr>
-            <a:r>
-              <a:rPr lang="en-IN" sz="2400" dirty="0"/>
-              <a:t>Amplification of ancient  DNA</a:t>
-            </a:r>
-          </a:p>
-          <a:p>
-            <a:pPr marL="800100" lvl="1" indent="-342900" algn="l">
-              <a:buFont typeface="Wingdings" panose="05000000000000000000" pitchFamily="2" charset="2"/>
-              <a:buChar char="Ø"/>
-            </a:pPr>
-            <a:r>
-              <a:rPr lang="en-IN" sz="2400" dirty="0"/>
-              <a:t>Analysis genetic fingerprints for DNA profiling etc.</a:t>
-            </a:r>
-          </a:p>
-        </p:txBody>
-      </p:sp>
-      <p:sp>
-        <p:nvSpPr>
-          <p:cNvPr id="4" name="Date Placeholder 3">
-            <a:extLst>
-              <a:ext uri="{FF2B5EF4-FFF2-40B4-BE49-F238E27FC236}">
-                <a16:creationId xmlns:a16="http://schemas.microsoft.com/office/drawing/2014/main" id="{73093C6A-C354-48DC-8134-040A908C2A3B}"/>
-              </a:ext>
-            </a:extLst>
-          </p:cNvPr>
-          <p:cNvSpPr>
-            <a:spLocks noGrp="1"/>
-          </p:cNvSpPr>
-          <p:nvPr>
-            <p:ph type="dt" sz="half" idx="10"/>
-          </p:nvPr>
-        </p:nvSpPr>
-        <p:spPr/>
-        <p:txBody>
-          <a:bodyPr/>
-          <a:lstStyle/>
-          <a:p>
-            <a:fld id="{69EA9917-1763-4C6D-B7E4-161F009BA29E}" type="datetime1">
-              <a:rPr lang="en-US" smtClean="0"/>
-              <a:pPr/>
-              <a:t>17-Dec-19</a:t>
-            </a:fld>
-            <a:endParaRPr lang="en-US"/>
-          </a:p>
-        </p:txBody>
-      </p:sp>
-      <p:sp>
-        <p:nvSpPr>
-          <p:cNvPr id="5" name="Slide Number Placeholder 4">
-            <a:extLst>
-              <a:ext uri="{FF2B5EF4-FFF2-40B4-BE49-F238E27FC236}">
-                <a16:creationId xmlns:a16="http://schemas.microsoft.com/office/drawing/2014/main" id="{F405D398-3227-4AB7-B620-0490D5258403}"/>
-              </a:ext>
-            </a:extLst>
-          </p:cNvPr>
-          <p:cNvSpPr>
-            <a:spLocks noGrp="1"/>
-          </p:cNvSpPr>
-          <p:nvPr>
-            <p:ph type="sldNum" sz="quarter" idx="12"/>
-          </p:nvPr>
-        </p:nvSpPr>
-        <p:spPr/>
-        <p:txBody>
-          <a:bodyPr/>
-          <a:lstStyle/>
-          <a:p>
-            <a:fld id="{330EA680-D336-4FF7-8B7A-9848BB0A1C32}" type="slidenum">
-              <a:rPr lang="en-US" smtClean="0"/>
-              <a:pPr/>
-              <a:t>19</a:t>
-            </a:fld>
-            <a:endParaRPr lang="en-US"/>
-          </a:p>
-        </p:txBody>
-      </p:sp>
-      <p:sp>
-        <p:nvSpPr>
-          <p:cNvPr id="2" name="TextBox 1">
-            <a:extLst>
-              <a:ext uri="{FF2B5EF4-FFF2-40B4-BE49-F238E27FC236}">
-                <a16:creationId xmlns:a16="http://schemas.microsoft.com/office/drawing/2014/main" id="{A03D0BA2-7C40-45D2-B2A4-3B3320E8DB85}"/>
-              </a:ext>
-            </a:extLst>
-          </p:cNvPr>
-          <p:cNvSpPr txBox="1"/>
-          <p:nvPr/>
-        </p:nvSpPr>
-        <p:spPr>
-          <a:xfrm>
-            <a:off x="10644326" y="310718"/>
-            <a:ext cx="999477" cy="369332"/>
-          </a:xfrm>
-          <a:prstGeom prst="rect">
-            <a:avLst/>
-          </a:prstGeom>
-          <a:noFill/>
-        </p:spPr>
-        <p:txBody>
-          <a:bodyPr wrap="square" rtlCol="0">
-            <a:spAutoFit/>
-          </a:bodyPr>
-          <a:lstStyle/>
-          <a:p>
-            <a:r>
-              <a:rPr lang="en-IN" dirty="0"/>
-              <a:t>(Cont..)</a:t>
-            </a:r>
-          </a:p>
-        </p:txBody>
-      </p:sp>
-    </p:spTree>
-    <p:extLst>
-      <p:ext uri="{BB962C8B-B14F-4D97-AF65-F5344CB8AC3E}">
-        <p14:creationId xmlns:p14="http://schemas.microsoft.com/office/powerpoint/2010/main" val="1526788649"/>
+        <p14:creationId xmlns:p14="http://schemas.microsoft.com/office/powerpoint/2010/main" val="1616601520"/>
       </p:ext>
     </p:extLst>
   </p:cSld>
@@ -7926,7 +5111,7 @@
             <a:fld id="{46AE972D-E9C9-463C-B8F6-D09D8C3356F7}" type="datetime1">
               <a:rPr lang="en-US" smtClean="0"/>
               <a:pPr/>
-              <a:t>17-Dec-19</a:t>
+              <a:t>18-Dec-19</a:t>
             </a:fld>
             <a:endParaRPr lang="en-US"/>
           </a:p>
@@ -7975,7 +5160,7 @@
 </p:sld>
 </file>
 
-<file path=ppt/slides/slide20.xml><?xml version="1.0" encoding="utf-8"?>
+<file path=ppt/slides/slide3.xml><?xml version="1.0" encoding="utf-8"?>
 <p:sld xmlns:a="http://schemas.openxmlformats.org/drawingml/2006/main" xmlns:r="http://schemas.openxmlformats.org/officeDocument/2006/relationships" xmlns:p="http://schemas.openxmlformats.org/presentationml/2006/main">
   <p:cSld>
     <p:spTree>
@@ -7994,84 +5179,95 @@
       </p:grpSpPr>
       <p:sp>
         <p:nvSpPr>
-          <p:cNvPr id="5" name="TextBox 4">
-            <a:extLst>
-              <a:ext uri="{FF2B5EF4-FFF2-40B4-BE49-F238E27FC236}">
-                <a16:creationId xmlns:a16="http://schemas.microsoft.com/office/drawing/2014/main" id="{14D1DD18-D1D7-43DC-B650-F4BE0B469C48}"/>
-              </a:ext>
-            </a:extLst>
-          </p:cNvPr>
-          <p:cNvSpPr txBox="1"/>
-          <p:nvPr/>
-        </p:nvSpPr>
-        <p:spPr>
-          <a:xfrm flipH="1">
-            <a:off x="4059238" y="6027645"/>
-            <a:ext cx="4250260" cy="369332"/>
-          </a:xfrm>
-          <a:prstGeom prst="rect">
-            <a:avLst/>
-          </a:prstGeom>
-          <a:noFill/>
-        </p:spPr>
-        <p:txBody>
-          <a:bodyPr wrap="square" rtlCol="0">
-            <a:spAutoFit/>
+          <p:cNvPr id="2" name="Title 1"/>
+          <p:cNvSpPr>
+            <a:spLocks noGrp="1"/>
+          </p:cNvSpPr>
+          <p:nvPr>
+            <p:ph type="title"/>
+          </p:nvPr>
+        </p:nvSpPr>
+        <p:spPr/>
+        <p:txBody>
+          <a:bodyPr>
+            <a:normAutofit/>
           </a:bodyPr>
           <a:lstStyle/>
           <a:p>
             <a:r>
-              <a:rPr lang="en-IN" dirty="0"/>
-              <a:t>Fig. 7. DNA  Polymerase Chain Reaction  </a:t>
-            </a:r>
-          </a:p>
-        </p:txBody>
-      </p:sp>
-      <p:pic>
-        <p:nvPicPr>
-          <p:cNvPr id="7" name="Picture 6">
-            <a:extLst>
-              <a:ext uri="{FF2B5EF4-FFF2-40B4-BE49-F238E27FC236}">
-                <a16:creationId xmlns:a16="http://schemas.microsoft.com/office/drawing/2014/main" id="{3A7BC181-24F9-4910-8065-2FA3A62448F1}"/>
-              </a:ext>
-            </a:extLst>
-          </p:cNvPr>
-          <p:cNvPicPr>
-            <a:picLocks noChangeAspect="1"/>
-          </p:cNvPicPr>
-          <p:nvPr/>
-        </p:nvPicPr>
-        <p:blipFill>
-          <a:blip r:embed="rId2" cstate="print">
-            <a:extLst>
-              <a:ext uri="{28A0092B-C50C-407E-A947-70E740481C1C}">
-                <a14:useLocalDpi xmlns:a14="http://schemas.microsoft.com/office/drawing/2010/main" val="0"/>
-              </a:ext>
-            </a:extLst>
-          </a:blip>
-          <a:stretch>
-            <a:fillRect/>
-          </a:stretch>
-        </p:blipFill>
-        <p:spPr>
-          <a:xfrm>
-            <a:off x="552805" y="830355"/>
-            <a:ext cx="10569856" cy="5197290"/>
-          </a:xfrm>
-          <a:prstGeom prst="rect">
-            <a:avLst/>
-          </a:prstGeom>
-        </p:spPr>
-      </p:pic>
-      <p:sp>
-        <p:nvSpPr>
-          <p:cNvPr id="8" name="Date Placeholder 7">
-            <a:extLst>
-              <a:ext uri="{FF2B5EF4-FFF2-40B4-BE49-F238E27FC236}">
-                <a16:creationId xmlns:a16="http://schemas.microsoft.com/office/drawing/2014/main" id="{4E8A57C1-8321-41F1-9D5F-D7EBBA6B156B}"/>
-              </a:ext>
-            </a:extLst>
-          </p:cNvPr>
+              <a:rPr lang="en-US" sz="3200" b="1" dirty="0">
+                <a:solidFill>
+                  <a:schemeClr val="accent2">
+                    <a:lumMod val="75000"/>
+                  </a:schemeClr>
+                </a:solidFill>
+              </a:rPr>
+              <a:t>                                           Objective</a:t>
+            </a:r>
+          </a:p>
+        </p:txBody>
+      </p:sp>
+      <p:sp>
+        <p:nvSpPr>
+          <p:cNvPr id="3" name="Content Placeholder 2"/>
+          <p:cNvSpPr>
+            <a:spLocks noGrp="1"/>
+          </p:cNvSpPr>
+          <p:nvPr>
+            <p:ph idx="1"/>
+          </p:nvPr>
+        </p:nvSpPr>
+        <p:spPr/>
+        <p:txBody>
+          <a:bodyPr/>
+          <a:lstStyle/>
+          <a:p>
+            <a:endParaRPr lang="en-US" dirty="0"/>
+          </a:p>
+          <a:p>
+            <a:r>
+              <a:rPr lang="en-US" dirty="0"/>
+              <a:t>Power system fault diagnosis is the process of analyzing historical fault data to detect and predict current  or future fault.</a:t>
+            </a:r>
+          </a:p>
+          <a:p>
+            <a:r>
+              <a:rPr lang="en-US" dirty="0"/>
+              <a:t>The objective of our project is to find out the faults in transmission line  and to  classify them.</a:t>
+            </a:r>
+          </a:p>
+          <a:p>
+            <a:r>
+              <a:rPr lang="en-US" dirty="0"/>
+              <a:t>By using artificial intelligence techniques in power systems we can  identify faults effectively to minimize the time.</a:t>
+            </a:r>
+          </a:p>
+          <a:p>
+            <a:pPr marL="0" indent="0">
+              <a:buNone/>
+            </a:pPr>
+            <a:endParaRPr lang="en-US" dirty="0"/>
+          </a:p>
+          <a:p>
+            <a:endParaRPr lang="en-US" dirty="0"/>
+          </a:p>
+          <a:p>
+            <a:endParaRPr lang="en-US" dirty="0"/>
+          </a:p>
+          <a:p>
+            <a:endParaRPr lang="en-US" dirty="0"/>
+          </a:p>
+          <a:p>
+            <a:endParaRPr lang="en-US" dirty="0"/>
+          </a:p>
+          <a:p>
+            <a:endParaRPr lang="en-US" dirty="0"/>
+          </a:p>
+        </p:txBody>
+      </p:sp>
+      <p:sp>
+        <p:nvSpPr>
+          <p:cNvPr id="4" name="Date Placeholder 3"/>
           <p:cNvSpPr>
             <a:spLocks noGrp="1"/>
           </p:cNvSpPr>
@@ -8084,10 +5280,10 @@
           <a:bodyPr/>
           <a:lstStyle/>
           <a:p>
-            <a:fld id="{71AAF184-CD13-4E39-965D-0AE976DBA38D}" type="datetime1">
+            <a:fld id="{7E3FDB0B-B014-4C47-949F-40696701F18D}" type="datetime1">
               <a:rPr lang="en-US" smtClean="0"/>
               <a:pPr/>
-              <a:t>17-Dec-19</a:t>
+              <a:t>18-Dec-19</a:t>
             </a:fld>
             <a:endParaRPr lang="en-US"/>
           </a:p>
@@ -8095,13 +5291,7 @@
       </p:sp>
       <p:sp>
         <p:nvSpPr>
-          <p:cNvPr id="9" name="Slide Number Placeholder 8">
-            <a:extLst>
-              <a:ext uri="{FF2B5EF4-FFF2-40B4-BE49-F238E27FC236}">
-                <a16:creationId xmlns:a16="http://schemas.microsoft.com/office/drawing/2014/main" id="{CFEE62D2-5024-4DB7-867A-B2E648948365}"/>
-              </a:ext>
-            </a:extLst>
-          </p:cNvPr>
+          <p:cNvPr id="5" name="Slide Number Placeholder 4"/>
           <p:cNvSpPr>
             <a:spLocks noGrp="1"/>
           </p:cNvSpPr>
@@ -8117,51 +5307,16 @@
             <a:fld id="{330EA680-D336-4FF7-8B7A-9848BB0A1C32}" type="slidenum">
               <a:rPr lang="en-US" smtClean="0"/>
               <a:pPr/>
-              <a:t>20</a:t>
+              <a:t>3</a:t>
             </a:fld>
             <a:endParaRPr lang="en-US"/>
-          </a:p>
-        </p:txBody>
-      </p:sp>
-      <p:sp>
-        <p:nvSpPr>
-          <p:cNvPr id="6" name="TextBox 5">
-            <a:extLst>
-              <a:ext uri="{FF2B5EF4-FFF2-40B4-BE49-F238E27FC236}">
-                <a16:creationId xmlns:a16="http://schemas.microsoft.com/office/drawing/2014/main" id="{99FBC925-38D7-4D1E-8738-DD7F14FD6F9D}"/>
-              </a:ext>
-            </a:extLst>
-          </p:cNvPr>
-          <p:cNvSpPr txBox="1"/>
-          <p:nvPr/>
-        </p:nvSpPr>
-        <p:spPr>
-          <a:xfrm>
-            <a:off x="10644326" y="310718"/>
-            <a:ext cx="999477" cy="369332"/>
-          </a:xfrm>
-          <a:prstGeom prst="rect">
-            <a:avLst/>
-          </a:prstGeom>
-          <a:noFill/>
-        </p:spPr>
-        <p:txBody>
-          <a:bodyPr wrap="square" rtlCol="0">
-            <a:spAutoFit/>
-          </a:bodyPr>
-          <a:lstStyle/>
-          <a:p>
-            <a:r>
-              <a:rPr lang="en-IN" dirty="0"/>
-              <a:t>(Cont..)</a:t>
-            </a:r>
           </a:p>
         </p:txBody>
       </p:sp>
     </p:spTree>
     <p:extLst>
       <p:ext uri="{BB962C8B-B14F-4D97-AF65-F5344CB8AC3E}">
-        <p14:creationId xmlns:p14="http://schemas.microsoft.com/office/powerpoint/2010/main" val="3640944318"/>
+        <p14:creationId xmlns:p14="http://schemas.microsoft.com/office/powerpoint/2010/main" val="2117165276"/>
       </p:ext>
     </p:extLst>
   </p:cSld>
@@ -8171,7 +5326,7 @@
 </p:sld>
 </file>
 
-<file path=ppt/slides/slide21.xml><?xml version="1.0" encoding="utf-8"?>
+<file path=ppt/slides/slide4.xml><?xml version="1.0" encoding="utf-8"?>
 <p:sld xmlns:a="http://schemas.openxmlformats.org/drawingml/2006/main" xmlns:r="http://schemas.openxmlformats.org/officeDocument/2006/relationships" xmlns:p="http://schemas.openxmlformats.org/presentationml/2006/main">
   <p:cSld>
     <p:spTree>
@@ -8190,124 +5345,10 @@
       </p:grpSpPr>
       <p:sp>
         <p:nvSpPr>
-          <p:cNvPr id="3" name="Subtitle 2">
+          <p:cNvPr id="2" name="TextBox 1">
             <a:extLst>
               <a:ext uri="{FF2B5EF4-FFF2-40B4-BE49-F238E27FC236}">
-                <a16:creationId xmlns:a16="http://schemas.microsoft.com/office/drawing/2014/main" id="{47232DC3-F095-48D9-8741-5B206381CDDE}"/>
-              </a:ext>
-            </a:extLst>
-          </p:cNvPr>
-          <p:cNvSpPr>
-            <a:spLocks noGrp="1"/>
-          </p:cNvSpPr>
-          <p:nvPr>
-            <p:ph type="subTitle" idx="1"/>
-          </p:nvPr>
-        </p:nvSpPr>
-        <p:spPr>
-          <a:xfrm>
-            <a:off x="852255" y="408373"/>
-            <a:ext cx="10528917" cy="6090081"/>
-          </a:xfrm>
-        </p:spPr>
-        <p:txBody>
-          <a:bodyPr/>
-          <a:lstStyle/>
-          <a:p>
-            <a:pPr algn="l"/>
-            <a:endParaRPr lang="en-IN" dirty="0"/>
-          </a:p>
-          <a:p>
-            <a:pPr algn="l"/>
-            <a:endParaRPr lang="en-IN" dirty="0"/>
-          </a:p>
-          <a:p>
-            <a:pPr algn="l"/>
-            <a:endParaRPr lang="en-IN" dirty="0"/>
-          </a:p>
-          <a:p>
-            <a:pPr algn="l"/>
-            <a:endParaRPr lang="en-IN" dirty="0"/>
-          </a:p>
-          <a:p>
-            <a:pPr algn="l"/>
-            <a:endParaRPr lang="en-IN" dirty="0"/>
-          </a:p>
-          <a:p>
-            <a:pPr algn="l"/>
-            <a:endParaRPr lang="en-IN" dirty="0"/>
-          </a:p>
-          <a:p>
-            <a:pPr algn="l"/>
-            <a:endParaRPr lang="en-IN" dirty="0"/>
-          </a:p>
-          <a:p>
-            <a:pPr algn="l"/>
-            <a:endParaRPr lang="en-IN" dirty="0"/>
-          </a:p>
-          <a:p>
-            <a:pPr algn="l"/>
-            <a:endParaRPr lang="en-IN" dirty="0"/>
-          </a:p>
-          <a:p>
-            <a:pPr algn="l"/>
-            <a:endParaRPr lang="en-IN" dirty="0"/>
-          </a:p>
-          <a:p>
-            <a:pPr algn="l"/>
-            <a:endParaRPr lang="en-IN" dirty="0"/>
-          </a:p>
-          <a:p>
-            <a:pPr algn="l"/>
-            <a:r>
-              <a:rPr lang="en-IN" dirty="0"/>
-              <a:t>Thermal Cycler is the device used in Polymerase chain reaction , it will produce the cycles of heat that is required for PCR.</a:t>
-            </a:r>
-          </a:p>
-        </p:txBody>
-      </p:sp>
-      <p:pic>
-        <p:nvPicPr>
-          <p:cNvPr id="5" name="Picture 4">
-            <a:extLst>
-              <a:ext uri="{FF2B5EF4-FFF2-40B4-BE49-F238E27FC236}">
-                <a16:creationId xmlns:a16="http://schemas.microsoft.com/office/drawing/2014/main" id="{1BD1A543-5848-4A65-98C0-264902FF1534}"/>
-              </a:ext>
-            </a:extLst>
-          </p:cNvPr>
-          <p:cNvPicPr>
-            <a:picLocks noChangeAspect="1"/>
-          </p:cNvPicPr>
-          <p:nvPr/>
-        </p:nvPicPr>
-        <p:blipFill>
-          <a:blip r:embed="rId2" cstate="print">
-            <a:extLst>
-              <a:ext uri="{28A0092B-C50C-407E-A947-70E740481C1C}">
-                <a14:useLocalDpi xmlns:a14="http://schemas.microsoft.com/office/drawing/2010/main" val="0"/>
-              </a:ext>
-            </a:extLst>
-          </a:blip>
-          <a:stretch>
-            <a:fillRect/>
-          </a:stretch>
-        </p:blipFill>
-        <p:spPr>
-          <a:xfrm>
-            <a:off x="1154098" y="674703"/>
-            <a:ext cx="4820574" cy="3986074"/>
-          </a:xfrm>
-          <a:prstGeom prst="rect">
-            <a:avLst/>
-          </a:prstGeom>
-        </p:spPr>
-      </p:pic>
-      <p:sp>
-        <p:nvSpPr>
-          <p:cNvPr id="6" name="TextBox 5">
-            <a:extLst>
-              <a:ext uri="{FF2B5EF4-FFF2-40B4-BE49-F238E27FC236}">
-                <a16:creationId xmlns:a16="http://schemas.microsoft.com/office/drawing/2014/main" id="{87021763-95A2-4A5A-B516-39D54F8207D7}"/>
+                <a16:creationId xmlns:a16="http://schemas.microsoft.com/office/drawing/2014/main" id="{647B59D4-2B44-4776-860C-47B66B58FF3B}"/>
               </a:ext>
             </a:extLst>
           </p:cNvPr>
@@ -8316,8 +5357,8 @@
         </p:nvSpPr>
         <p:spPr>
           <a:xfrm>
-            <a:off x="1961965" y="4900474"/>
-            <a:ext cx="2244782" cy="369332"/>
+            <a:off x="480646" y="363520"/>
+            <a:ext cx="12192000" cy="584775"/>
           </a:xfrm>
           <a:prstGeom prst="rect">
             <a:avLst/>
@@ -8325,95 +5366,145 @@
           <a:noFill/>
         </p:spPr>
         <p:txBody>
-          <a:bodyPr wrap="none" rtlCol="0">
+          <a:bodyPr wrap="square" rtlCol="0">
             <a:spAutoFit/>
           </a:bodyPr>
           <a:lstStyle/>
           <a:p>
-            <a:r>
-              <a:rPr lang="en-IN" dirty="0"/>
-              <a:t>Fig. 8. Thermal Cycler </a:t>
-            </a:r>
-          </a:p>
-        </p:txBody>
-      </p:sp>
-      <p:pic>
-        <p:nvPicPr>
-          <p:cNvPr id="8" name="Picture 7">
+            <a:pPr algn="ctr"/>
+            <a:r>
+              <a:rPr lang="en-IN" sz="3200" b="1" u="sng" dirty="0">
+                <a:solidFill>
+                  <a:srgbClr val="FF0000"/>
+                </a:solidFill>
+              </a:rPr>
+              <a:t>Description </a:t>
+            </a:r>
+          </a:p>
+        </p:txBody>
+      </p:sp>
+      <p:sp>
+        <p:nvSpPr>
+          <p:cNvPr id="4" name="Subtitle 3">
             <a:extLst>
               <a:ext uri="{FF2B5EF4-FFF2-40B4-BE49-F238E27FC236}">
-                <a16:creationId xmlns:a16="http://schemas.microsoft.com/office/drawing/2014/main" id="{2987FA72-BD9F-464D-9DB2-3A992BD49090}"/>
+                <a16:creationId xmlns:a16="http://schemas.microsoft.com/office/drawing/2014/main" id="{5BAF7A38-E445-4B58-9796-4267284E645F}"/>
               </a:ext>
             </a:extLst>
           </p:cNvPr>
-          <p:cNvPicPr>
-            <a:picLocks noChangeAspect="1"/>
-          </p:cNvPicPr>
-          <p:nvPr/>
-        </p:nvPicPr>
-        <p:blipFill>
-          <a:blip r:embed="rId3" cstate="print">
-            <a:extLst>
-              <a:ext uri="{28A0092B-C50C-407E-A947-70E740481C1C}">
-                <a14:useLocalDpi xmlns:a14="http://schemas.microsoft.com/office/drawing/2010/main" val="0"/>
-              </a:ext>
-            </a:extLst>
-          </a:blip>
-          <a:stretch>
-            <a:fillRect/>
-          </a:stretch>
-        </p:blipFill>
+          <p:cNvSpPr>
+            <a:spLocks noGrp="1"/>
+          </p:cNvSpPr>
+          <p:nvPr>
+            <p:ph type="subTitle" idx="1"/>
+          </p:nvPr>
+        </p:nvSpPr>
         <p:spPr>
           <a:xfrm>
-            <a:off x="6489577" y="674702"/>
-            <a:ext cx="4820574" cy="4376691"/>
+            <a:off x="825623" y="1260629"/>
+            <a:ext cx="10635449" cy="5042517"/>
           </a:xfrm>
-          <a:prstGeom prst="rect">
-            <a:avLst/>
-          </a:prstGeom>
         </p:spPr>
-      </p:pic>
-      <p:sp>
-        <p:nvSpPr>
-          <p:cNvPr id="9" name="TextBox 8">
+        <p:txBody>
+          <a:bodyPr>
+            <a:normAutofit fontScale="92500" lnSpcReduction="10000"/>
+          </a:bodyPr>
+          <a:lstStyle/>
+          <a:p>
+            <a:pPr marL="342900" indent="-342900" algn="l">
+              <a:lnSpc>
+                <a:spcPct val="150000"/>
+              </a:lnSpc>
+              <a:buFont typeface="Wingdings" panose="05000000000000000000" pitchFamily="2" charset="2"/>
+              <a:buChar char="Ø"/>
+            </a:pPr>
+            <a:r>
+              <a:rPr lang="en-IN" sz="2800" dirty="0"/>
+              <a:t>In recent years ,artificial intelligence technologies is becoming  more and more popular due to its amazing features.</a:t>
+            </a:r>
+          </a:p>
+          <a:p>
+            <a:pPr marL="342900" indent="-342900" algn="l">
+              <a:lnSpc>
+                <a:spcPct val="150000"/>
+              </a:lnSpc>
+              <a:buFont typeface="Wingdings" panose="05000000000000000000" pitchFamily="2" charset="2"/>
+              <a:buChar char="Ø"/>
+            </a:pPr>
+            <a:r>
+              <a:rPr lang="en-IN" sz="2800" dirty="0"/>
+              <a:t>Application of artificial intelligence techniques in electric power industry which is currently undergoing an extraordinary development.</a:t>
+            </a:r>
+          </a:p>
+          <a:p>
+            <a:pPr marL="342900" indent="-342900" algn="l">
+              <a:lnSpc>
+                <a:spcPct val="150000"/>
+              </a:lnSpc>
+              <a:buFont typeface="Wingdings" panose="05000000000000000000" pitchFamily="2" charset="2"/>
+              <a:buChar char="Ø"/>
+            </a:pPr>
+            <a:r>
+              <a:rPr lang="en-IN" sz="2800" dirty="0"/>
+              <a:t>One of the most thrilling and potentially cost-effective recent developments in this field is increasing usage of artificial intelligence techniques </a:t>
+            </a:r>
+            <a:r>
+              <a:rPr lang="en-IN" sz="2800" dirty="0" err="1"/>
+              <a:t>viz</a:t>
+            </a:r>
+            <a:r>
+              <a:rPr lang="en-IN" sz="2800" dirty="0"/>
+              <a:t> artificial neural network ,genetic algorithm ,fuzzy logic ,and expert systems.</a:t>
+            </a:r>
+          </a:p>
+          <a:p>
+            <a:pPr marL="342900" indent="-342900" algn="l">
+              <a:lnSpc>
+                <a:spcPct val="150000"/>
+              </a:lnSpc>
+              <a:buFont typeface="Wingdings" panose="05000000000000000000" pitchFamily="2" charset="2"/>
+              <a:buChar char="Ø"/>
+            </a:pPr>
+            <a:endParaRPr lang="en-IN" sz="2800" dirty="0"/>
+          </a:p>
+        </p:txBody>
+      </p:sp>
+      <p:sp>
+        <p:nvSpPr>
+          <p:cNvPr id="3" name="Date Placeholder 2">
             <a:extLst>
               <a:ext uri="{FF2B5EF4-FFF2-40B4-BE49-F238E27FC236}">
-                <a16:creationId xmlns:a16="http://schemas.microsoft.com/office/drawing/2014/main" id="{DF8760EC-3628-4047-8BB4-9A27D121F93F}"/>
+                <a16:creationId xmlns:a16="http://schemas.microsoft.com/office/drawing/2014/main" id="{885E3CB4-25D1-4287-82D6-F9574CEE3BDF}"/>
               </a:ext>
             </a:extLst>
           </p:cNvPr>
-          <p:cNvSpPr txBox="1"/>
-          <p:nvPr/>
-        </p:nvSpPr>
-        <p:spPr>
-          <a:xfrm>
-            <a:off x="7985255" y="4900474"/>
-            <a:ext cx="2799427" cy="369332"/>
-          </a:xfrm>
-          <a:prstGeom prst="rect">
-            <a:avLst/>
-          </a:prstGeom>
-          <a:noFill/>
-        </p:spPr>
-        <p:txBody>
-          <a:bodyPr wrap="square" rtlCol="0">
-            <a:spAutoFit/>
-          </a:bodyPr>
-          <a:lstStyle/>
-          <a:p>
-            <a:r>
-              <a:rPr lang="en-IN" dirty="0"/>
-              <a:t>Fig. 9. Two cycles for PCR</a:t>
-            </a:r>
-          </a:p>
-        </p:txBody>
-      </p:sp>
-      <p:sp>
-        <p:nvSpPr>
-          <p:cNvPr id="10" name="Date Placeholder 9">
+          <p:cNvSpPr>
+            <a:spLocks noGrp="1"/>
+          </p:cNvSpPr>
+          <p:nvPr>
+            <p:ph type="dt" sz="half" idx="10"/>
+          </p:nvPr>
+        </p:nvSpPr>
+        <p:spPr/>
+        <p:txBody>
+          <a:bodyPr/>
+          <a:lstStyle/>
+          <a:p>
+            <a:fld id="{D7B85C41-A637-4317-A4DB-B59D3E1A9940}" type="datetime1">
+              <a:rPr lang="en-US" smtClean="0"/>
+              <a:pPr/>
+              <a:t>18-Dec-19</a:t>
+            </a:fld>
+            <a:endParaRPr lang="en-US"/>
+          </a:p>
+        </p:txBody>
+      </p:sp>
+      <p:sp>
+        <p:nvSpPr>
+          <p:cNvPr id="5" name="Slide Number Placeholder 4">
             <a:extLst>
               <a:ext uri="{FF2B5EF4-FFF2-40B4-BE49-F238E27FC236}">
-                <a16:creationId xmlns:a16="http://schemas.microsoft.com/office/drawing/2014/main" id="{E11AAD14-5297-428B-AEB1-FF16D9BD6B58}"/>
+                <a16:creationId xmlns:a16="http://schemas.microsoft.com/office/drawing/2014/main" id="{298F78CD-D8AB-4C18-8B69-D4483DA72939}"/>
               </a:ext>
             </a:extLst>
           </p:cNvPr>
@@ -8421,36 +5512,6 @@
             <a:spLocks noGrp="1"/>
           </p:cNvSpPr>
           <p:nvPr>
-            <p:ph type="dt" sz="half" idx="10"/>
-          </p:nvPr>
-        </p:nvSpPr>
-        <p:spPr/>
-        <p:txBody>
-          <a:bodyPr/>
-          <a:lstStyle/>
-          <a:p>
-            <a:fld id="{6D17617C-6FB0-4BD8-B27F-724CC8BBBDE6}" type="datetime1">
-              <a:rPr lang="en-US" smtClean="0"/>
-              <a:pPr/>
-              <a:t>17-Dec-19</a:t>
-            </a:fld>
-            <a:endParaRPr lang="en-US"/>
-          </a:p>
-        </p:txBody>
-      </p:sp>
-      <p:sp>
-        <p:nvSpPr>
-          <p:cNvPr id="11" name="Slide Number Placeholder 10">
-            <a:extLst>
-              <a:ext uri="{FF2B5EF4-FFF2-40B4-BE49-F238E27FC236}">
-                <a16:creationId xmlns:a16="http://schemas.microsoft.com/office/drawing/2014/main" id="{77BBA46A-DC9C-475D-989D-CD6AC95BC2E5}"/>
-              </a:ext>
-            </a:extLst>
-          </p:cNvPr>
-          <p:cNvSpPr>
-            <a:spLocks noGrp="1"/>
-          </p:cNvSpPr>
-          <p:nvPr>
             <p:ph type="sldNum" sz="quarter" idx="12"/>
           </p:nvPr>
         </p:nvSpPr>
@@ -8462,51 +5523,16 @@
             <a:fld id="{330EA680-D336-4FF7-8B7A-9848BB0A1C32}" type="slidenum">
               <a:rPr lang="en-US" smtClean="0"/>
               <a:pPr/>
-              <a:t>21</a:t>
+              <a:t>4</a:t>
             </a:fld>
             <a:endParaRPr lang="en-US"/>
-          </a:p>
-        </p:txBody>
-      </p:sp>
-      <p:sp>
-        <p:nvSpPr>
-          <p:cNvPr id="12" name="TextBox 11">
-            <a:extLst>
-              <a:ext uri="{FF2B5EF4-FFF2-40B4-BE49-F238E27FC236}">
-                <a16:creationId xmlns:a16="http://schemas.microsoft.com/office/drawing/2014/main" id="{578E76E1-2DA5-4034-85F7-B22ECA9E66D9}"/>
-              </a:ext>
-            </a:extLst>
-          </p:cNvPr>
-          <p:cNvSpPr txBox="1"/>
-          <p:nvPr/>
-        </p:nvSpPr>
-        <p:spPr>
-          <a:xfrm>
-            <a:off x="10644326" y="310718"/>
-            <a:ext cx="999477" cy="369332"/>
-          </a:xfrm>
-          <a:prstGeom prst="rect">
-            <a:avLst/>
-          </a:prstGeom>
-          <a:noFill/>
-        </p:spPr>
-        <p:txBody>
-          <a:bodyPr wrap="square" rtlCol="0">
-            <a:spAutoFit/>
-          </a:bodyPr>
-          <a:lstStyle/>
-          <a:p>
-            <a:r>
-              <a:rPr lang="en-IN" dirty="0"/>
-              <a:t>(Cont..)</a:t>
-            </a:r>
           </a:p>
         </p:txBody>
       </p:sp>
     </p:spTree>
     <p:extLst>
       <p:ext uri="{BB962C8B-B14F-4D97-AF65-F5344CB8AC3E}">
-        <p14:creationId xmlns:p14="http://schemas.microsoft.com/office/powerpoint/2010/main" val="3099462230"/>
+        <p14:creationId xmlns:p14="http://schemas.microsoft.com/office/powerpoint/2010/main" val="991653462"/>
       </p:ext>
     </p:extLst>
   </p:cSld>
@@ -8516,7 +5542,7 @@
 </p:sld>
 </file>
 
-<file path=ppt/slides/slide22.xml><?xml version="1.0" encoding="utf-8"?>
+<file path=ppt/slides/slide5.xml><?xml version="1.0" encoding="utf-8"?>
 <p:sld xmlns:a="http://schemas.openxmlformats.org/drawingml/2006/main" xmlns:r="http://schemas.openxmlformats.org/officeDocument/2006/relationships" xmlns:p="http://schemas.openxmlformats.org/presentationml/2006/main">
   <p:cSld>
     <p:spTree>
@@ -8535,255 +5561,62 @@
       </p:grpSpPr>
       <p:sp>
         <p:nvSpPr>
-          <p:cNvPr id="5" name="Subtitle 4">
-            <a:extLst>
-              <a:ext uri="{FF2B5EF4-FFF2-40B4-BE49-F238E27FC236}">
-                <a16:creationId xmlns:a16="http://schemas.microsoft.com/office/drawing/2014/main" id="{FFC5B0E8-940C-4853-9A5B-79AA20E2FEC2}"/>
-              </a:ext>
-            </a:extLst>
-          </p:cNvPr>
-          <p:cNvSpPr>
-            <a:spLocks noGrp="1"/>
-          </p:cNvSpPr>
-          <p:nvPr>
-            <p:ph type="subTitle" idx="1"/>
-          </p:nvPr>
-        </p:nvSpPr>
-        <p:spPr>
-          <a:xfrm>
-            <a:off x="838200" y="221942"/>
-            <a:ext cx="10515600" cy="6134408"/>
-          </a:xfrm>
-        </p:spPr>
-        <p:txBody>
-          <a:bodyPr>
-            <a:normAutofit/>
-          </a:bodyPr>
-          <a:lstStyle/>
-          <a:p>
-            <a:r>
-              <a:rPr lang="en-IN" sz="3200" b="1" u="sng" dirty="0">
-                <a:solidFill>
-                  <a:srgbClr val="FF0000"/>
-                </a:solidFill>
-              </a:rPr>
-              <a:t>Other Applications of Thermoelectric Modules</a:t>
-            </a:r>
-            <a:r>
-              <a:rPr lang="en-IN" b="1" u="sng" dirty="0">
-                <a:solidFill>
-                  <a:srgbClr val="FF0000"/>
-                </a:solidFill>
-              </a:rPr>
-              <a:t> </a:t>
-            </a:r>
-            <a:endParaRPr lang="en-IN" dirty="0">
-              <a:solidFill>
-                <a:srgbClr val="FF0000"/>
-              </a:solidFill>
-            </a:endParaRPr>
-          </a:p>
-          <a:p>
-            <a:pPr marL="457200" indent="-457200" algn="l">
-              <a:buFont typeface="+mj-lt"/>
-              <a:buAutoNum type="arabicPeriod"/>
+          <p:cNvPr id="2" name="Title 1"/>
+          <p:cNvSpPr>
+            <a:spLocks noGrp="1"/>
+          </p:cNvSpPr>
+          <p:nvPr>
+            <p:ph type="title"/>
+          </p:nvPr>
+        </p:nvSpPr>
+        <p:spPr/>
+        <p:txBody>
+          <a:bodyPr/>
+          <a:lstStyle/>
+          <a:p>
+            <a:endParaRPr lang="en-US"/>
+          </a:p>
+        </p:txBody>
+      </p:sp>
+      <p:sp>
+        <p:nvSpPr>
+          <p:cNvPr id="3" name="Content Placeholder 2"/>
+          <p:cNvSpPr>
+            <a:spLocks noGrp="1"/>
+          </p:cNvSpPr>
+          <p:nvPr>
+            <p:ph idx="1"/>
+          </p:nvPr>
+        </p:nvSpPr>
+        <p:spPr/>
+        <p:txBody>
+          <a:bodyPr/>
+          <a:lstStyle/>
+          <a:p>
+            <a:pPr>
+              <a:buFont typeface="Wingdings" panose="05000000000000000000" pitchFamily="2" charset="2"/>
+              <a:buChar char="Ø"/>
             </a:pPr>
             <a:r>
-              <a:rPr lang="en-IN" dirty="0"/>
-              <a:t>Power Generation Applications</a:t>
-            </a:r>
-          </a:p>
-          <a:p>
-            <a:pPr marL="971550" lvl="1" indent="-514350" algn="l">
-              <a:buFont typeface="+mj-lt"/>
-              <a:buAutoNum type="romanLcPeriod"/>
+              <a:rPr lang="en-US" dirty="0"/>
+              <a:t>The training mechanism of deep learning is layer-wise pre-training mechanism.</a:t>
+            </a:r>
+          </a:p>
+          <a:p>
+            <a:pPr>
+              <a:buFont typeface="Wingdings" panose="05000000000000000000" pitchFamily="2" charset="2"/>
+              <a:buChar char="Ø"/>
             </a:pPr>
             <a:r>
-              <a:rPr lang="en-IN" dirty="0"/>
-              <a:t>Radio isotope Power Generation in Spacecrafts</a:t>
-            </a:r>
-          </a:p>
-          <a:p>
-            <a:pPr marL="971550" lvl="1" indent="-514350" algn="l">
-              <a:buFont typeface="+mj-lt"/>
-              <a:buAutoNum type="romanLcPeriod"/>
-            </a:pPr>
-            <a:r>
-              <a:rPr lang="en-IN" dirty="0"/>
-              <a:t>Waste heat recovery form the Industries</a:t>
-            </a:r>
-          </a:p>
-          <a:p>
-            <a:pPr marL="971550" lvl="1" indent="-514350" algn="l">
-              <a:buFont typeface="+mj-lt"/>
-              <a:buAutoNum type="romanLcPeriod"/>
-            </a:pPr>
-            <a:r>
-              <a:rPr lang="en-IN" dirty="0"/>
-              <a:t>Wearable devices</a:t>
-            </a:r>
-          </a:p>
-          <a:p>
-            <a:pPr marL="971550" lvl="1" indent="-514350" algn="l">
-              <a:buFont typeface="+mj-lt"/>
-              <a:buAutoNum type="romanLcPeriod"/>
-            </a:pPr>
-            <a:r>
-              <a:rPr lang="en-IN" dirty="0"/>
-              <a:t>Implantable devices etc</a:t>
-            </a:r>
-          </a:p>
-          <a:p>
-            <a:pPr marL="914400" lvl="1" indent="-457200" algn="l">
-              <a:buFont typeface="+mj-lt"/>
-              <a:buAutoNum type="romanLcPeriod"/>
-            </a:pPr>
-            <a:endParaRPr lang="en-IN" dirty="0"/>
-          </a:p>
-          <a:p>
-            <a:pPr marL="457200" indent="-457200" algn="l">
-              <a:buFont typeface="+mj-lt"/>
-              <a:buAutoNum type="arabicPeriod"/>
-            </a:pPr>
-            <a:r>
-              <a:rPr lang="en-IN" dirty="0"/>
-              <a:t>Cooling and Heating Applications</a:t>
-            </a:r>
-          </a:p>
-          <a:p>
-            <a:pPr marL="971550" lvl="1" indent="-514350" algn="l">
-              <a:buFont typeface="+mj-lt"/>
-              <a:buAutoNum type="romanLcPeriod"/>
-            </a:pPr>
-            <a:r>
-              <a:rPr lang="en-IN" dirty="0"/>
-              <a:t>Small refrigerators </a:t>
-            </a:r>
-          </a:p>
-          <a:p>
-            <a:pPr marL="971550" lvl="1" indent="-514350" algn="l">
-              <a:buFont typeface="+mj-lt"/>
-              <a:buAutoNum type="romanLcPeriod"/>
-            </a:pPr>
-            <a:r>
-              <a:rPr lang="en-IN" dirty="0"/>
-              <a:t>Electronics and CPU cooling</a:t>
-            </a:r>
-          </a:p>
-          <a:p>
-            <a:pPr marL="971550" lvl="1" indent="-514350" algn="l">
-              <a:buFont typeface="+mj-lt"/>
-              <a:buAutoNum type="romanLcPeriod"/>
-            </a:pPr>
-            <a:r>
-              <a:rPr lang="en-IN" dirty="0"/>
-              <a:t>Battery Thermal Management</a:t>
-            </a:r>
-          </a:p>
-          <a:p>
-            <a:pPr marL="971550" lvl="1" indent="-514350" algn="l">
-              <a:buFont typeface="+mj-lt"/>
-              <a:buAutoNum type="romanLcPeriod"/>
-            </a:pPr>
-            <a:r>
-              <a:rPr lang="en-IN" dirty="0"/>
-              <a:t>Zonal climate control</a:t>
-            </a:r>
-          </a:p>
-          <a:p>
-            <a:pPr marL="971550" lvl="1" indent="-514350" algn="l">
-              <a:buFont typeface="+mj-lt"/>
-              <a:buAutoNum type="romanLcPeriod"/>
-            </a:pPr>
-            <a:r>
-              <a:rPr lang="en-IN" dirty="0"/>
-              <a:t>Beverages Heating and Cooling</a:t>
-            </a:r>
-          </a:p>
-          <a:p>
-            <a:pPr marL="971550" lvl="1" indent="-514350" algn="l">
-              <a:buFont typeface="+mj-lt"/>
-              <a:buAutoNum type="romanLcPeriod"/>
-            </a:pPr>
-            <a:r>
-              <a:rPr lang="en-IN" dirty="0"/>
-              <a:t>Laser cooling etc</a:t>
-            </a:r>
-          </a:p>
-          <a:p>
-            <a:pPr marL="457200" indent="-457200" algn="l">
-              <a:buFont typeface="+mj-lt"/>
-              <a:buAutoNum type="arabicPeriod"/>
-            </a:pPr>
-            <a:endParaRPr lang="en-IN" dirty="0"/>
-          </a:p>
-          <a:p>
-            <a:pPr marL="457200" indent="-457200" algn="l">
-              <a:buFont typeface="+mj-lt"/>
-              <a:buAutoNum type="arabicPeriod"/>
-            </a:pPr>
-            <a:endParaRPr lang="en-IN" dirty="0"/>
-          </a:p>
-          <a:p>
-            <a:pPr marL="457200" indent="-457200" algn="l">
-              <a:buFont typeface="+mj-lt"/>
-              <a:buAutoNum type="arabicPeriod"/>
-            </a:pPr>
-            <a:endParaRPr lang="en-IN" dirty="0"/>
-          </a:p>
-          <a:p>
-            <a:pPr marL="457200" indent="-457200" algn="l">
-              <a:buFont typeface="+mj-lt"/>
-              <a:buAutoNum type="arabicPeriod"/>
-            </a:pPr>
-            <a:endParaRPr lang="en-IN" dirty="0"/>
-          </a:p>
-          <a:p>
-            <a:pPr marL="457200" indent="-457200" algn="l">
-              <a:buFont typeface="+mj-lt"/>
-              <a:buAutoNum type="arabicPeriod"/>
-            </a:pPr>
-            <a:endParaRPr lang="en-IN" dirty="0"/>
-          </a:p>
-          <a:p>
-            <a:pPr marL="914400" lvl="1" indent="-457200" algn="l">
-              <a:buFont typeface="+mj-lt"/>
-              <a:buAutoNum type="arabicPeriod"/>
-            </a:pPr>
-            <a:endParaRPr lang="en-IN" dirty="0"/>
-          </a:p>
-          <a:p>
-            <a:pPr marL="914400" lvl="1" indent="-457200" algn="l">
-              <a:buFont typeface="+mj-lt"/>
-              <a:buAutoNum type="arabicPeriod"/>
-            </a:pPr>
-            <a:endParaRPr lang="en-IN" dirty="0"/>
-          </a:p>
-          <a:p>
-            <a:pPr marL="914400" lvl="1" indent="-457200" algn="l">
-              <a:buFont typeface="+mj-lt"/>
-              <a:buAutoNum type="arabicPeriod"/>
-            </a:pPr>
-            <a:endParaRPr lang="en-IN" dirty="0"/>
-          </a:p>
-          <a:p>
-            <a:pPr marL="914400" lvl="1" indent="-457200" algn="l">
-              <a:buFont typeface="+mj-lt"/>
-              <a:buAutoNum type="arabicPeriod"/>
-            </a:pPr>
-            <a:endParaRPr lang="en-IN" dirty="0"/>
-          </a:p>
-        </p:txBody>
-      </p:sp>
-      <p:sp>
-        <p:nvSpPr>
-          <p:cNvPr id="2" name="Date Placeholder 1">
-            <a:extLst>
-              <a:ext uri="{FF2B5EF4-FFF2-40B4-BE49-F238E27FC236}">
-                <a16:creationId xmlns:a16="http://schemas.microsoft.com/office/drawing/2014/main" id="{71AF2ADE-39CB-4A5F-AF2E-F14CEF1B307F}"/>
-              </a:ext>
-            </a:extLst>
-          </p:cNvPr>
+              <a:rPr lang="en-US" dirty="0"/>
+              <a:t>Deep learning also has great learning ability so it  focus in the field of machine learning and artificial intelligence.</a:t>
+            </a:r>
+          </a:p>
+        </p:txBody>
+      </p:sp>
+      <p:sp>
+        <p:nvSpPr>
+          <p:cNvPr id="4" name="Date Placeholder 3"/>
           <p:cNvSpPr>
             <a:spLocks noGrp="1"/>
           </p:cNvSpPr>
@@ -8796,10 +5629,10 @@
           <a:bodyPr/>
           <a:lstStyle/>
           <a:p>
-            <a:fld id="{D79B4077-A815-4047-A7F6-C8B12B1F7F18}" type="datetime1">
+            <a:fld id="{7E3FDB0B-B014-4C47-949F-40696701F18D}" type="datetime1">
               <a:rPr lang="en-US" smtClean="0"/>
               <a:pPr/>
-              <a:t>17-Dec-19</a:t>
+              <a:t>18-Dec-19</a:t>
             </a:fld>
             <a:endParaRPr lang="en-US"/>
           </a:p>
@@ -8807,13 +5640,7 @@
       </p:sp>
       <p:sp>
         <p:nvSpPr>
-          <p:cNvPr id="3" name="Slide Number Placeholder 2">
-            <a:extLst>
-              <a:ext uri="{FF2B5EF4-FFF2-40B4-BE49-F238E27FC236}">
-                <a16:creationId xmlns:a16="http://schemas.microsoft.com/office/drawing/2014/main" id="{B5326B66-8039-42B4-8089-518E85F201DB}"/>
-              </a:ext>
-            </a:extLst>
-          </p:cNvPr>
+          <p:cNvPr id="5" name="Slide Number Placeholder 4"/>
           <p:cNvSpPr>
             <a:spLocks noGrp="1"/>
           </p:cNvSpPr>
@@ -8829,7 +5656,7 @@
             <a:fld id="{330EA680-D336-4FF7-8B7A-9848BB0A1C32}" type="slidenum">
               <a:rPr lang="en-US" smtClean="0"/>
               <a:pPr/>
-              <a:t>22</a:t>
+              <a:t>5</a:t>
             </a:fld>
             <a:endParaRPr lang="en-US"/>
           </a:p>
@@ -8838,7 +5665,7 @@
     </p:spTree>
     <p:extLst>
       <p:ext uri="{BB962C8B-B14F-4D97-AF65-F5344CB8AC3E}">
-        <p14:creationId xmlns:p14="http://schemas.microsoft.com/office/powerpoint/2010/main" val="1539553600"/>
+        <p14:creationId xmlns:p14="http://schemas.microsoft.com/office/powerpoint/2010/main" val="4136263389"/>
       </p:ext>
     </p:extLst>
   </p:cSld>
@@ -8848,7 +5675,7 @@
 </p:sld>
 </file>
 
-<file path=ppt/slides/slide23.xml><?xml version="1.0" encoding="utf-8"?>
+<file path=ppt/slides/slide6.xml><?xml version="1.0" encoding="utf-8"?>
 <p:sld xmlns:a="http://schemas.openxmlformats.org/drawingml/2006/main" xmlns:r="http://schemas.openxmlformats.org/officeDocument/2006/relationships" xmlns:p="http://schemas.openxmlformats.org/presentationml/2006/main">
   <p:cSld>
     <p:spTree>
@@ -8867,170 +5694,46 @@
       </p:grpSpPr>
       <p:sp>
         <p:nvSpPr>
-          <p:cNvPr id="5" name="Text Placeholder 4">
+          <p:cNvPr id="2" name="Title 1"/>
+          <p:cNvSpPr>
+            <a:spLocks noGrp="1"/>
+          </p:cNvSpPr>
+          <p:nvPr>
+            <p:ph type="title"/>
+          </p:nvPr>
+        </p:nvSpPr>
+        <p:spPr/>
+        <p:txBody>
+          <a:bodyPr>
+            <a:normAutofit/>
+          </a:bodyPr>
+          <a:lstStyle/>
+          <a:p>
+            <a:r>
+              <a:rPr lang="en-US" sz="3200" b="1" dirty="0"/>
+              <a:t>Neural network applications in power system</a:t>
+            </a:r>
+          </a:p>
+        </p:txBody>
+      </p:sp>
+      <p:pic>
+        <p:nvPicPr>
+          <p:cNvPr id="7" name="Content Placeholder 6">
             <a:extLst>
               <a:ext uri="{FF2B5EF4-FFF2-40B4-BE49-F238E27FC236}">
-                <a16:creationId xmlns:a16="http://schemas.microsoft.com/office/drawing/2014/main" id="{B80B363E-D96E-46EC-8198-5F32D4EA8DDF}"/>
-              </a:ext>
-            </a:extLst>
-          </p:cNvPr>
-          <p:cNvSpPr>
-            <a:spLocks noGrp="1"/>
-          </p:cNvSpPr>
-          <p:nvPr>
-            <p:ph type="body" idx="1"/>
-          </p:nvPr>
-        </p:nvSpPr>
-        <p:spPr>
-          <a:xfrm>
-            <a:off x="838200" y="355107"/>
-            <a:ext cx="10515600" cy="5734543"/>
-          </a:xfrm>
-        </p:spPr>
-        <p:txBody>
-          <a:bodyPr/>
-          <a:lstStyle/>
-          <a:p>
-            <a:r>
-              <a:rPr lang="en-IN" dirty="0">
-                <a:solidFill>
-                  <a:schemeClr val="tx1"/>
-                </a:solidFill>
-              </a:rPr>
-              <a:t>Therapeutic Applications</a:t>
-            </a:r>
-          </a:p>
-          <a:p>
-            <a:pPr marL="457200" indent="-457200">
-              <a:buFont typeface="+mj-lt"/>
-              <a:buAutoNum type="arabicPeriod"/>
-            </a:pPr>
-            <a:r>
-              <a:rPr lang="en-IN" dirty="0">
-                <a:solidFill>
-                  <a:schemeClr val="tx1"/>
-                </a:solidFill>
-              </a:rPr>
-              <a:t>Hypoxic – ischemic encephalopathy</a:t>
-            </a:r>
-          </a:p>
-          <a:p>
-            <a:pPr marL="457200" indent="-457200">
-              <a:buFont typeface="+mj-lt"/>
-              <a:buAutoNum type="arabicPeriod"/>
-            </a:pPr>
-            <a:r>
-              <a:rPr lang="en-IN" dirty="0">
-                <a:solidFill>
-                  <a:schemeClr val="tx1"/>
-                </a:solidFill>
-              </a:rPr>
-              <a:t>Therapeutic Hypothermia</a:t>
-            </a:r>
-          </a:p>
-          <a:p>
-            <a:pPr marL="457200" indent="-457200">
-              <a:buFont typeface="+mj-lt"/>
-              <a:buAutoNum type="arabicPeriod"/>
-            </a:pPr>
-            <a:r>
-              <a:rPr lang="en-IN" dirty="0">
-                <a:solidFill>
-                  <a:schemeClr val="tx1"/>
-                </a:solidFill>
-              </a:rPr>
-              <a:t>Low grade tissue injuries</a:t>
-            </a:r>
-          </a:p>
-          <a:p>
-            <a:pPr marL="457200" indent="-457200">
-              <a:buFont typeface="+mj-lt"/>
-              <a:buAutoNum type="arabicPeriod"/>
-            </a:pPr>
-            <a:endParaRPr lang="en-IN" dirty="0">
-              <a:solidFill>
-                <a:schemeClr val="tx1"/>
-              </a:solidFill>
-            </a:endParaRPr>
-          </a:p>
-        </p:txBody>
-      </p:sp>
-      <p:sp>
-        <p:nvSpPr>
-          <p:cNvPr id="2" name="Date Placeholder 1">
-            <a:extLst>
-              <a:ext uri="{FF2B5EF4-FFF2-40B4-BE49-F238E27FC236}">
-                <a16:creationId xmlns:a16="http://schemas.microsoft.com/office/drawing/2014/main" id="{515C35F4-4ABD-49EE-81B5-58048922DC32}"/>
-              </a:ext>
-            </a:extLst>
-          </p:cNvPr>
-          <p:cNvSpPr>
-            <a:spLocks noGrp="1"/>
-          </p:cNvSpPr>
-          <p:nvPr>
-            <p:ph type="dt" sz="half" idx="10"/>
-          </p:nvPr>
-        </p:nvSpPr>
-        <p:spPr/>
-        <p:txBody>
-          <a:bodyPr/>
-          <a:lstStyle/>
-          <a:p>
-            <a:fld id="{0D5778E1-BDFE-410A-9E76-25C45662C4F7}" type="datetime1">
-              <a:rPr lang="en-US" smtClean="0"/>
-              <a:pPr/>
-              <a:t>17-Dec-19</a:t>
-            </a:fld>
-            <a:endParaRPr lang="en-US"/>
-          </a:p>
-        </p:txBody>
-      </p:sp>
-      <p:sp>
-        <p:nvSpPr>
-          <p:cNvPr id="3" name="Slide Number Placeholder 2">
-            <a:extLst>
-              <a:ext uri="{FF2B5EF4-FFF2-40B4-BE49-F238E27FC236}">
-                <a16:creationId xmlns:a16="http://schemas.microsoft.com/office/drawing/2014/main" id="{77F38CF5-0A0E-4408-8F01-456F558E51DA}"/>
-              </a:ext>
-            </a:extLst>
-          </p:cNvPr>
-          <p:cNvSpPr>
-            <a:spLocks noGrp="1"/>
-          </p:cNvSpPr>
-          <p:nvPr>
-            <p:ph type="sldNum" sz="quarter" idx="12"/>
-          </p:nvPr>
-        </p:nvSpPr>
-        <p:spPr/>
-        <p:txBody>
-          <a:bodyPr/>
-          <a:lstStyle/>
-          <a:p>
-            <a:fld id="{330EA680-D336-4FF7-8B7A-9848BB0A1C32}" type="slidenum">
-              <a:rPr lang="en-US" smtClean="0"/>
-              <a:pPr/>
-              <a:t>23</a:t>
-            </a:fld>
-            <a:endParaRPr lang="en-US"/>
-          </a:p>
-        </p:txBody>
-      </p:sp>
-      <p:pic>
-        <p:nvPicPr>
-          <p:cNvPr id="7" name="Picture 6">
-            <a:extLst>
-              <a:ext uri="{FF2B5EF4-FFF2-40B4-BE49-F238E27FC236}">
-                <a16:creationId xmlns:a16="http://schemas.microsoft.com/office/drawing/2014/main" id="{D6759C6F-1146-46C8-8182-574ED3842B87}"/>
+                <a16:creationId xmlns:a16="http://schemas.microsoft.com/office/drawing/2014/main" id="{BA0A6C8F-802D-400B-B5FA-7B2C68FF7409}"/>
               </a:ext>
             </a:extLst>
           </p:cNvPr>
           <p:cNvPicPr>
-            <a:picLocks noChangeAspect="1"/>
+            <a:picLocks noGrp="1" noChangeAspect="1"/>
           </p:cNvPicPr>
-          <p:nvPr/>
+          <p:nvPr>
+            <p:ph idx="1"/>
+          </p:nvPr>
         </p:nvPicPr>
         <p:blipFill>
-          <a:blip r:embed="rId2" cstate="print">
+          <a:blip r:embed="rId2">
             <a:extLst>
               <a:ext uri="{28A0092B-C50C-407E-A947-70E740481C1C}">
                 <a14:useLocalDpi xmlns:a14="http://schemas.microsoft.com/office/drawing/2010/main" val="0"/>
@@ -9043,159 +5746,63 @@
         </p:blipFill>
         <p:spPr>
           <a:xfrm>
-            <a:off x="6942338" y="585925"/>
-            <a:ext cx="4279037" cy="3000653"/>
+            <a:off x="3062702" y="2252824"/>
+            <a:ext cx="4717189" cy="2857748"/>
           </a:xfrm>
-          <a:prstGeom prst="rect">
-            <a:avLst/>
-          </a:prstGeom>
         </p:spPr>
       </p:pic>
-      <p:pic>
-        <p:nvPicPr>
-          <p:cNvPr id="9" name="Picture 8">
-            <a:extLst>
-              <a:ext uri="{FF2B5EF4-FFF2-40B4-BE49-F238E27FC236}">
-                <a16:creationId xmlns:a16="http://schemas.microsoft.com/office/drawing/2014/main" id="{5117E232-4AFA-435A-AE88-0948C649B7F7}"/>
-              </a:ext>
-            </a:extLst>
-          </p:cNvPr>
-          <p:cNvPicPr>
-            <a:picLocks noChangeAspect="1"/>
-          </p:cNvPicPr>
-          <p:nvPr/>
-        </p:nvPicPr>
-        <p:blipFill>
-          <a:blip r:embed="rId3" cstate="print">
-            <a:extLst>
-              <a:ext uri="{28A0092B-C50C-407E-A947-70E740481C1C}">
-                <a14:useLocalDpi xmlns:a14="http://schemas.microsoft.com/office/drawing/2010/main" val="0"/>
-              </a:ext>
-            </a:extLst>
-          </a:blip>
-          <a:stretch>
-            <a:fillRect/>
-          </a:stretch>
-        </p:blipFill>
-        <p:spPr>
-          <a:xfrm>
-            <a:off x="2183907" y="3204839"/>
-            <a:ext cx="4154749" cy="2787588"/>
-          </a:xfrm>
-          <a:prstGeom prst="rect">
-            <a:avLst/>
-          </a:prstGeom>
-        </p:spPr>
-      </p:pic>
-      <p:sp>
-        <p:nvSpPr>
-          <p:cNvPr id="10" name="TextBox 9">
-            <a:extLst>
-              <a:ext uri="{FF2B5EF4-FFF2-40B4-BE49-F238E27FC236}">
-                <a16:creationId xmlns:a16="http://schemas.microsoft.com/office/drawing/2014/main" id="{FE9DAECD-7CD8-425C-A7AB-CCBEF769F13E}"/>
-              </a:ext>
-            </a:extLst>
-          </p:cNvPr>
-          <p:cNvSpPr txBox="1"/>
-          <p:nvPr/>
-        </p:nvSpPr>
-        <p:spPr>
-          <a:xfrm>
-            <a:off x="7288566" y="3897297"/>
-            <a:ext cx="4154749" cy="369332"/>
-          </a:xfrm>
-          <a:prstGeom prst="rect">
-            <a:avLst/>
-          </a:prstGeom>
-          <a:noFill/>
-        </p:spPr>
-        <p:txBody>
-          <a:bodyPr wrap="square" rtlCol="0">
-            <a:spAutoFit/>
-          </a:bodyPr>
-          <a:lstStyle/>
-          <a:p>
-            <a:r>
-              <a:rPr lang="en-IN" dirty="0"/>
-              <a:t>Fig. 10.Hypoxic-ischemic encephalopathy</a:t>
-            </a:r>
-          </a:p>
-        </p:txBody>
-      </p:sp>
-      <p:sp>
-        <p:nvSpPr>
-          <p:cNvPr id="11" name="TextBox 10">
-            <a:extLst>
-              <a:ext uri="{FF2B5EF4-FFF2-40B4-BE49-F238E27FC236}">
-                <a16:creationId xmlns:a16="http://schemas.microsoft.com/office/drawing/2014/main" id="{7AF439D5-6FEE-45A3-8430-407F62843958}"/>
-              </a:ext>
-            </a:extLst>
-          </p:cNvPr>
-          <p:cNvSpPr txBox="1"/>
-          <p:nvPr/>
-        </p:nvSpPr>
-        <p:spPr>
-          <a:xfrm>
-            <a:off x="2281562" y="5992427"/>
-            <a:ext cx="3240350" cy="369332"/>
-          </a:xfrm>
-          <a:prstGeom prst="rect">
-            <a:avLst/>
-          </a:prstGeom>
-          <a:noFill/>
-        </p:spPr>
-        <p:txBody>
-          <a:bodyPr wrap="square" rtlCol="0">
-            <a:spAutoFit/>
-          </a:bodyPr>
-          <a:lstStyle/>
-          <a:p>
-            <a:r>
-              <a:rPr lang="en-IN" dirty="0"/>
-              <a:t>Fig. 11.Therapetic Hypothermia</a:t>
-            </a:r>
-          </a:p>
-        </p:txBody>
-      </p:sp>
-      <p:sp>
-        <p:nvSpPr>
-          <p:cNvPr id="12" name="TextBox 11">
-            <a:extLst>
-              <a:ext uri="{FF2B5EF4-FFF2-40B4-BE49-F238E27FC236}">
-                <a16:creationId xmlns:a16="http://schemas.microsoft.com/office/drawing/2014/main" id="{E912B174-7422-4F04-BEA3-7524B77F9853}"/>
-              </a:ext>
-            </a:extLst>
-          </p:cNvPr>
-          <p:cNvSpPr txBox="1"/>
-          <p:nvPr/>
-        </p:nvSpPr>
-        <p:spPr>
-          <a:xfrm>
-            <a:off x="10644326" y="310718"/>
-            <a:ext cx="999477" cy="369332"/>
-          </a:xfrm>
-          <a:prstGeom prst="rect">
-            <a:avLst/>
-          </a:prstGeom>
-          <a:noFill/>
-        </p:spPr>
-        <p:txBody>
-          <a:bodyPr wrap="square" rtlCol="0">
-            <a:spAutoFit/>
-          </a:bodyPr>
-          <a:lstStyle/>
-          <a:p>
-            <a:r>
-              <a:rPr lang="en-IN" dirty="0"/>
-              <a:t>(Cont..)</a:t>
-            </a:r>
+      <p:sp>
+        <p:nvSpPr>
+          <p:cNvPr id="4" name="Date Placeholder 3"/>
+          <p:cNvSpPr>
+            <a:spLocks noGrp="1"/>
+          </p:cNvSpPr>
+          <p:nvPr>
+            <p:ph type="dt" sz="half" idx="10"/>
+          </p:nvPr>
+        </p:nvSpPr>
+        <p:spPr/>
+        <p:txBody>
+          <a:bodyPr/>
+          <a:lstStyle/>
+          <a:p>
+            <a:fld id="{7E3FDB0B-B014-4C47-949F-40696701F18D}" type="datetime1">
+              <a:rPr lang="en-US" smtClean="0"/>
+              <a:pPr/>
+              <a:t>18-Dec-19</a:t>
+            </a:fld>
+            <a:endParaRPr lang="en-US"/>
+          </a:p>
+        </p:txBody>
+      </p:sp>
+      <p:sp>
+        <p:nvSpPr>
+          <p:cNvPr id="5" name="Slide Number Placeholder 4"/>
+          <p:cNvSpPr>
+            <a:spLocks noGrp="1"/>
+          </p:cNvSpPr>
+          <p:nvPr>
+            <p:ph type="sldNum" sz="quarter" idx="12"/>
+          </p:nvPr>
+        </p:nvSpPr>
+        <p:spPr/>
+        <p:txBody>
+          <a:bodyPr/>
+          <a:lstStyle/>
+          <a:p>
+            <a:fld id="{330EA680-D336-4FF7-8B7A-9848BB0A1C32}" type="slidenum">
+              <a:rPr lang="en-US" smtClean="0"/>
+              <a:pPr/>
+              <a:t>6</a:t>
+            </a:fld>
+            <a:endParaRPr lang="en-US"/>
           </a:p>
         </p:txBody>
       </p:sp>
     </p:spTree>
     <p:extLst>
       <p:ext uri="{BB962C8B-B14F-4D97-AF65-F5344CB8AC3E}">
-        <p14:creationId xmlns:p14="http://schemas.microsoft.com/office/powerpoint/2010/main" val="648123203"/>
+        <p14:creationId xmlns:p14="http://schemas.microsoft.com/office/powerpoint/2010/main" val="3395160387"/>
       </p:ext>
     </p:extLst>
   </p:cSld>
@@ -9205,7 +5812,7 @@
 </p:sld>
 </file>
 
-<file path=ppt/slides/slide24.xml><?xml version="1.0" encoding="utf-8"?>
+<file path=ppt/slides/slide7.xml><?xml version="1.0" encoding="utf-8"?>
 <p:sld xmlns:a="http://schemas.openxmlformats.org/drawingml/2006/main" xmlns:r="http://schemas.openxmlformats.org/officeDocument/2006/relationships" xmlns:p="http://schemas.openxmlformats.org/presentationml/2006/main">
   <p:cSld>
     <p:spTree>
@@ -9224,13 +5831,7 @@
       </p:grpSpPr>
       <p:sp>
         <p:nvSpPr>
-          <p:cNvPr id="7" name="Title 6">
-            <a:extLst>
-              <a:ext uri="{FF2B5EF4-FFF2-40B4-BE49-F238E27FC236}">
-                <a16:creationId xmlns:a16="http://schemas.microsoft.com/office/drawing/2014/main" id="{D88802A3-858A-44CC-B747-25D503306281}"/>
-              </a:ext>
-            </a:extLst>
-          </p:cNvPr>
+          <p:cNvPr id="2" name="Title 1"/>
           <p:cNvSpPr>
             <a:spLocks noGrp="1"/>
           </p:cNvSpPr>
@@ -9238,131 +5839,74 @@
             <p:ph type="title"/>
           </p:nvPr>
         </p:nvSpPr>
-        <p:spPr>
-          <a:xfrm>
-            <a:off x="937442" y="475410"/>
-            <a:ext cx="3932237" cy="892206"/>
-          </a:xfrm>
-        </p:spPr>
-        <p:txBody>
-          <a:bodyPr/>
-          <a:lstStyle/>
-          <a:p>
-            <a:r>
-              <a:rPr lang="en-IN" u="sng" dirty="0">
-                <a:solidFill>
-                  <a:srgbClr val="FF0000"/>
-                </a:solidFill>
-              </a:rPr>
-              <a:t>Case Study</a:t>
-            </a:r>
-          </a:p>
-        </p:txBody>
-      </p:sp>
-      <p:pic>
-        <p:nvPicPr>
-          <p:cNvPr id="11" name="Picture Placeholder 10">
-            <a:extLst>
-              <a:ext uri="{FF2B5EF4-FFF2-40B4-BE49-F238E27FC236}">
-                <a16:creationId xmlns:a16="http://schemas.microsoft.com/office/drawing/2014/main" id="{B966C123-CADB-4D63-AE5C-7CF51FDCB296}"/>
-              </a:ext>
-            </a:extLst>
-          </p:cNvPr>
-          <p:cNvPicPr>
-            <a:picLocks noGrp="1" noChangeAspect="1"/>
-          </p:cNvPicPr>
-          <p:nvPr>
-            <p:ph type="pic" idx="1"/>
-          </p:nvPr>
-        </p:nvPicPr>
-        <p:blipFill>
-          <a:blip r:embed="rId2" cstate="print">
-            <a:extLst>
-              <a:ext uri="{28A0092B-C50C-407E-A947-70E740481C1C}">
-                <a14:useLocalDpi xmlns:a14="http://schemas.microsoft.com/office/drawing/2010/main" val="0"/>
-              </a:ext>
-            </a:extLst>
-          </a:blip>
-          <a:srcRect l="4833" r="4833"/>
-          <a:stretch>
-            <a:fillRect/>
-          </a:stretch>
-        </p:blipFill>
-        <p:spPr>
-          <a:xfrm>
-            <a:off x="7981287" y="1552906"/>
-            <a:ext cx="3512968" cy="3093868"/>
-          </a:xfrm>
-        </p:spPr>
-      </p:pic>
-      <p:sp>
-        <p:nvSpPr>
-          <p:cNvPr id="9" name="Text Placeholder 8">
-            <a:extLst>
-              <a:ext uri="{FF2B5EF4-FFF2-40B4-BE49-F238E27FC236}">
-                <a16:creationId xmlns:a16="http://schemas.microsoft.com/office/drawing/2014/main" id="{CA6EED0D-FE00-4E46-9384-0360BCF47440}"/>
-              </a:ext>
-            </a:extLst>
-          </p:cNvPr>
-          <p:cNvSpPr>
-            <a:spLocks noGrp="1"/>
-          </p:cNvSpPr>
-          <p:nvPr>
-            <p:ph type="body" sz="half" idx="2"/>
-          </p:nvPr>
-        </p:nvSpPr>
-        <p:spPr>
-          <a:xfrm>
-            <a:off x="839788" y="2057400"/>
-            <a:ext cx="6368880" cy="3811588"/>
-          </a:xfrm>
-        </p:spPr>
+        <p:spPr/>
         <p:txBody>
           <a:bodyPr>
             <a:normAutofit/>
           </a:bodyPr>
           <a:lstStyle/>
           <a:p>
-            <a:pPr marL="342900" indent="-342900" algn="just">
-              <a:buFont typeface="Wingdings" panose="05000000000000000000" pitchFamily="2" charset="2"/>
-              <a:buChar char="Ø"/>
-            </a:pPr>
-            <a:r>
-              <a:rPr lang="en-IN" sz="2400" dirty="0"/>
-              <a:t>Voyager 1 and Voyager 2 are the two NASA spacecrafts that are launched 1977. These spacecrafts are still communicating with base stations.</a:t>
-            </a:r>
-          </a:p>
-          <a:p>
-            <a:pPr marL="342900" indent="-342900" algn="just">
-              <a:buFont typeface="Wingdings" panose="05000000000000000000" pitchFamily="2" charset="2"/>
-              <a:buChar char="Ø"/>
-            </a:pPr>
-            <a:r>
-              <a:rPr lang="en-IN" sz="2400" dirty="0"/>
-              <a:t> These mission of these spacecrafts are exploration of Interstellar space and outer planetary heliosphere.</a:t>
-            </a:r>
-          </a:p>
-          <a:p>
-            <a:pPr marL="342900" indent="-342900" algn="just">
-              <a:buFont typeface="Wingdings" panose="05000000000000000000" pitchFamily="2" charset="2"/>
-              <a:buChar char="Ø"/>
-            </a:pPr>
-            <a:r>
-              <a:rPr lang="en-IN" sz="2400" dirty="0"/>
-              <a:t>These are equipped with Radio Isotope Thermoelectric Generators to produce electrical energy.</a:t>
-            </a:r>
-          </a:p>
-        </p:txBody>
-      </p:sp>
-      <p:sp>
-        <p:nvSpPr>
-          <p:cNvPr id="2" name="Date Placeholder 1">
-            <a:extLst>
-              <a:ext uri="{FF2B5EF4-FFF2-40B4-BE49-F238E27FC236}">
-                <a16:creationId xmlns:a16="http://schemas.microsoft.com/office/drawing/2014/main" id="{9FCEF762-6C14-4559-B2E8-89B628FA383E}"/>
-              </a:ext>
-            </a:extLst>
-          </p:cNvPr>
+            <a:r>
+              <a:rPr lang="en-US" sz="3200" b="1" dirty="0">
+                <a:solidFill>
+                  <a:schemeClr val="accent6">
+                    <a:lumMod val="50000"/>
+                  </a:schemeClr>
+                </a:solidFill>
+              </a:rPr>
+              <a:t>Societal relevance</a:t>
+            </a:r>
+          </a:p>
+        </p:txBody>
+      </p:sp>
+      <p:sp>
+        <p:nvSpPr>
+          <p:cNvPr id="3" name="Content Placeholder 2"/>
+          <p:cNvSpPr>
+            <a:spLocks noGrp="1"/>
+          </p:cNvSpPr>
+          <p:nvPr>
+            <p:ph idx="1"/>
+          </p:nvPr>
+        </p:nvSpPr>
+        <p:spPr/>
+        <p:txBody>
+          <a:bodyPr/>
+          <a:lstStyle/>
+          <a:p>
+            <a:r>
+              <a:rPr lang="en-US" dirty="0"/>
+              <a:t>The safety operation of power system are faced with challenges as the load increases and the scale of the grid expands.</a:t>
+            </a:r>
+          </a:p>
+          <a:p>
+            <a:r>
+              <a:rPr lang="en-US" dirty="0"/>
+              <a:t>The faults in the power system causes large scale outage problem which leads to huge loss. </a:t>
+            </a:r>
+          </a:p>
+          <a:p>
+            <a:r>
+              <a:rPr lang="en-US" dirty="0"/>
+              <a:t>After </a:t>
+            </a:r>
+            <a:r>
+              <a:rPr lang="en-US" dirty="0" err="1"/>
+              <a:t>occurance</a:t>
+            </a:r>
+            <a:r>
+              <a:rPr lang="en-US" dirty="0"/>
+              <a:t> of faults ,in order to avoid damages to energy distribution utilities and consumers , it is essential to restore the system as soon as possible. </a:t>
+            </a:r>
+          </a:p>
+          <a:p>
+            <a:endParaRPr lang="en-US" dirty="0"/>
+          </a:p>
+        </p:txBody>
+      </p:sp>
+      <p:sp>
+        <p:nvSpPr>
+          <p:cNvPr id="4" name="Date Placeholder 3"/>
           <p:cNvSpPr>
             <a:spLocks noGrp="1"/>
           </p:cNvSpPr>
@@ -9375,10 +5919,10 @@
           <a:bodyPr/>
           <a:lstStyle/>
           <a:p>
-            <a:fld id="{0C0B10E6-3220-4374-B5F2-4A6FA2032402}" type="datetime1">
+            <a:fld id="{7E3FDB0B-B014-4C47-949F-40696701F18D}" type="datetime1">
               <a:rPr lang="en-US" smtClean="0"/>
               <a:pPr/>
-              <a:t>17-Dec-19</a:t>
+              <a:t>18-Dec-19</a:t>
             </a:fld>
             <a:endParaRPr lang="en-US"/>
           </a:p>
@@ -9386,13 +5930,7 @@
       </p:sp>
       <p:sp>
         <p:nvSpPr>
-          <p:cNvPr id="3" name="Slide Number Placeholder 2">
-            <a:extLst>
-              <a:ext uri="{FF2B5EF4-FFF2-40B4-BE49-F238E27FC236}">
-                <a16:creationId xmlns:a16="http://schemas.microsoft.com/office/drawing/2014/main" id="{0A9A6A60-B1E8-436C-89A4-E3955CFE6D4A}"/>
-              </a:ext>
-            </a:extLst>
-          </p:cNvPr>
+          <p:cNvPr id="5" name="Slide Number Placeholder 4"/>
           <p:cNvSpPr>
             <a:spLocks noGrp="1"/>
           </p:cNvSpPr>
@@ -9408,51 +5946,16 @@
             <a:fld id="{330EA680-D336-4FF7-8B7A-9848BB0A1C32}" type="slidenum">
               <a:rPr lang="en-US" smtClean="0"/>
               <a:pPr/>
-              <a:t>24</a:t>
+              <a:t>7</a:t>
             </a:fld>
             <a:endParaRPr lang="en-US"/>
-          </a:p>
-        </p:txBody>
-      </p:sp>
-      <p:sp>
-        <p:nvSpPr>
-          <p:cNvPr id="12" name="TextBox 11">
-            <a:extLst>
-              <a:ext uri="{FF2B5EF4-FFF2-40B4-BE49-F238E27FC236}">
-                <a16:creationId xmlns:a16="http://schemas.microsoft.com/office/drawing/2014/main" id="{BD80142D-64EE-4FCF-8B0C-65CEF3D66348}"/>
-              </a:ext>
-            </a:extLst>
-          </p:cNvPr>
-          <p:cNvSpPr txBox="1"/>
-          <p:nvPr/>
-        </p:nvSpPr>
-        <p:spPr>
-          <a:xfrm>
-            <a:off x="7608163" y="4820574"/>
-            <a:ext cx="4252404" cy="369332"/>
-          </a:xfrm>
-          <a:prstGeom prst="rect">
-            <a:avLst/>
-          </a:prstGeom>
-          <a:noFill/>
-        </p:spPr>
-        <p:txBody>
-          <a:bodyPr wrap="square" rtlCol="0">
-            <a:spAutoFit/>
-          </a:bodyPr>
-          <a:lstStyle/>
-          <a:p>
-            <a:r>
-              <a:rPr lang="en-IN" dirty="0"/>
-              <a:t>Fig.12.Model of Voyager Spacecraft design</a:t>
-            </a:r>
           </a:p>
         </p:txBody>
       </p:sp>
     </p:spTree>
     <p:extLst>
       <p:ext uri="{BB962C8B-B14F-4D97-AF65-F5344CB8AC3E}">
-        <p14:creationId xmlns:p14="http://schemas.microsoft.com/office/powerpoint/2010/main" val="304349089"/>
+        <p14:creationId xmlns:p14="http://schemas.microsoft.com/office/powerpoint/2010/main" val="1906710318"/>
       </p:ext>
     </p:extLst>
   </p:cSld>
@@ -9462,7 +5965,7 @@
 </p:sld>
 </file>
 
-<file path=ppt/slides/slide25.xml><?xml version="1.0" encoding="utf-8"?>
+<file path=ppt/slides/slide8.xml><?xml version="1.0" encoding="utf-8"?>
 <p:sld xmlns:a="http://schemas.openxmlformats.org/drawingml/2006/main" xmlns:r="http://schemas.openxmlformats.org/officeDocument/2006/relationships" xmlns:p="http://schemas.openxmlformats.org/presentationml/2006/main">
   <p:cSld>
     <p:spTree>
@@ -9481,190 +5984,6 @@
       </p:grpSpPr>
       <p:sp>
         <p:nvSpPr>
-          <p:cNvPr id="4" name="Title 3">
-            <a:extLst>
-              <a:ext uri="{FF2B5EF4-FFF2-40B4-BE49-F238E27FC236}">
-                <a16:creationId xmlns:a16="http://schemas.microsoft.com/office/drawing/2014/main" id="{806AFAEC-6FD8-4D38-B85E-2F5376BF345A}"/>
-              </a:ext>
-            </a:extLst>
-          </p:cNvPr>
-          <p:cNvSpPr>
-            <a:spLocks noGrp="1"/>
-          </p:cNvSpPr>
-          <p:nvPr>
-            <p:ph type="title"/>
-          </p:nvPr>
-        </p:nvSpPr>
-        <p:spPr>
-          <a:xfrm>
-            <a:off x="838200" y="395844"/>
-            <a:ext cx="10515600" cy="660600"/>
-          </a:xfrm>
-        </p:spPr>
-        <p:txBody>
-          <a:bodyPr>
-            <a:normAutofit/>
-          </a:bodyPr>
-          <a:lstStyle/>
-          <a:p>
-            <a:pPr algn="ctr"/>
-            <a:r>
-              <a:rPr lang="en-IN" sz="3200" b="1" u="sng" dirty="0">
-                <a:solidFill>
-                  <a:srgbClr val="FF0000"/>
-                </a:solidFill>
-              </a:rPr>
-              <a:t>Conclusion</a:t>
-            </a:r>
-          </a:p>
-        </p:txBody>
-      </p:sp>
-      <p:sp>
-        <p:nvSpPr>
-          <p:cNvPr id="5" name="Text Placeholder 4">
-            <a:extLst>
-              <a:ext uri="{FF2B5EF4-FFF2-40B4-BE49-F238E27FC236}">
-                <a16:creationId xmlns:a16="http://schemas.microsoft.com/office/drawing/2014/main" id="{3DE1563D-E88F-4463-942F-37B96D150FC8}"/>
-              </a:ext>
-            </a:extLst>
-          </p:cNvPr>
-          <p:cNvSpPr>
-            <a:spLocks noGrp="1"/>
-          </p:cNvSpPr>
-          <p:nvPr>
-            <p:ph type="body" idx="1"/>
-          </p:nvPr>
-        </p:nvSpPr>
-        <p:spPr>
-          <a:xfrm>
-            <a:off x="831850" y="1393794"/>
-            <a:ext cx="10515600" cy="4695857"/>
-          </a:xfrm>
-        </p:spPr>
-        <p:txBody>
-          <a:bodyPr/>
-          <a:lstStyle/>
-          <a:p>
-            <a:pPr algn="just"/>
-            <a:r>
-              <a:rPr lang="en-IN" dirty="0">
-                <a:solidFill>
-                  <a:schemeClr val="tx1"/>
-                </a:solidFill>
-              </a:rPr>
-              <a:t>Thermoelectric Devices are the most valuable devices. Even though these devices having some drawbacks, due to their special features like small size, less weight, precise temperature control and reliability these devices have been using in many fields such as medical, space research etc. The global market for these devices is increasing day by day due to technological </a:t>
-            </a:r>
-            <a:r>
-              <a:rPr lang="en-IN">
-                <a:solidFill>
-                  <a:schemeClr val="tx1"/>
-                </a:solidFill>
-              </a:rPr>
-              <a:t>improvements.</a:t>
-            </a:r>
-          </a:p>
-          <a:p>
-            <a:pPr algn="just"/>
-            <a:endParaRPr lang="en-IN">
-              <a:solidFill>
-                <a:schemeClr val="tx1"/>
-              </a:solidFill>
-            </a:endParaRPr>
-          </a:p>
-        </p:txBody>
-      </p:sp>
-      <p:sp>
-        <p:nvSpPr>
-          <p:cNvPr id="2" name="Date Placeholder 1">
-            <a:extLst>
-              <a:ext uri="{FF2B5EF4-FFF2-40B4-BE49-F238E27FC236}">
-                <a16:creationId xmlns:a16="http://schemas.microsoft.com/office/drawing/2014/main" id="{471D8641-27D8-48FD-B29E-014D31CE9FA3}"/>
-              </a:ext>
-            </a:extLst>
-          </p:cNvPr>
-          <p:cNvSpPr>
-            <a:spLocks noGrp="1"/>
-          </p:cNvSpPr>
-          <p:nvPr>
-            <p:ph type="dt" sz="half" idx="10"/>
-          </p:nvPr>
-        </p:nvSpPr>
-        <p:spPr/>
-        <p:txBody>
-          <a:bodyPr/>
-          <a:lstStyle/>
-          <a:p>
-            <a:fld id="{425DFF52-606E-4A7C-AE01-5B7F768C972B}" type="datetime1">
-              <a:rPr lang="en-US" smtClean="0"/>
-              <a:pPr/>
-              <a:t>17-Dec-19</a:t>
-            </a:fld>
-            <a:endParaRPr lang="en-US"/>
-          </a:p>
-        </p:txBody>
-      </p:sp>
-      <p:sp>
-        <p:nvSpPr>
-          <p:cNvPr id="3" name="Slide Number Placeholder 2">
-            <a:extLst>
-              <a:ext uri="{FF2B5EF4-FFF2-40B4-BE49-F238E27FC236}">
-                <a16:creationId xmlns:a16="http://schemas.microsoft.com/office/drawing/2014/main" id="{93A6D64E-9385-4BD7-AA07-B65FDAA903B0}"/>
-              </a:ext>
-            </a:extLst>
-          </p:cNvPr>
-          <p:cNvSpPr>
-            <a:spLocks noGrp="1"/>
-          </p:cNvSpPr>
-          <p:nvPr>
-            <p:ph type="sldNum" sz="quarter" idx="12"/>
-          </p:nvPr>
-        </p:nvSpPr>
-        <p:spPr/>
-        <p:txBody>
-          <a:bodyPr/>
-          <a:lstStyle/>
-          <a:p>
-            <a:fld id="{330EA680-D336-4FF7-8B7A-9848BB0A1C32}" type="slidenum">
-              <a:rPr lang="en-US" smtClean="0"/>
-              <a:pPr/>
-              <a:t>25</a:t>
-            </a:fld>
-            <a:endParaRPr lang="en-US"/>
-          </a:p>
-        </p:txBody>
-      </p:sp>
-    </p:spTree>
-    <p:extLst>
-      <p:ext uri="{BB962C8B-B14F-4D97-AF65-F5344CB8AC3E}">
-        <p14:creationId xmlns:p14="http://schemas.microsoft.com/office/powerpoint/2010/main" val="2878088248"/>
-      </p:ext>
-    </p:extLst>
-  </p:cSld>
-  <p:clrMapOvr>
-    <a:masterClrMapping/>
-  </p:clrMapOvr>
-</p:sld>
-</file>
-
-<file path=ppt/slides/slide26.xml><?xml version="1.0" encoding="utf-8"?>
-<p:sld xmlns:a="http://schemas.openxmlformats.org/drawingml/2006/main" xmlns:r="http://schemas.openxmlformats.org/officeDocument/2006/relationships" xmlns:p="http://schemas.openxmlformats.org/presentationml/2006/main">
-  <p:cSld>
-    <p:spTree>
-      <p:nvGrpSpPr>
-        <p:cNvPr id="1" name=""/>
-        <p:cNvGrpSpPr/>
-        <p:nvPr/>
-      </p:nvGrpSpPr>
-      <p:grpSpPr>
-        <a:xfrm>
-          <a:off x="0" y="0"/>
-          <a:ext cx="0" cy="0"/>
-          <a:chOff x="0" y="0"/>
-          <a:chExt cx="0" cy="0"/>
-        </a:xfrm>
-      </p:grpSpPr>
-      <p:sp>
-        <p:nvSpPr>
           <p:cNvPr id="4" name="TextBox 3">
             <a:extLst>
               <a:ext uri="{FF2B5EF4-FFF2-40B4-BE49-F238E27FC236}">
@@ -9727,7 +6046,7 @@
             <a:fld id="{7D3818A2-EEB7-4262-8046-02DC67F5AE89}" type="datetime1">
               <a:rPr lang="en-US" smtClean="0"/>
               <a:pPr/>
-              <a:t>17-Dec-19</a:t>
+              <a:t>18-Dec-19</a:t>
             </a:fld>
             <a:endParaRPr lang="en-US"/>
           </a:p>
@@ -9757,7 +6076,7 @@
             <a:fld id="{330EA680-D336-4FF7-8B7A-9848BB0A1C32}" type="slidenum">
               <a:rPr lang="en-US" smtClean="0"/>
               <a:pPr/>
-              <a:t>26</a:t>
+              <a:t>8</a:t>
             </a:fld>
             <a:endParaRPr lang="en-US"/>
           </a:p>
@@ -10978,7 +7297,7 @@
 </p:sld>
 </file>
 
-<file path=ppt/slides/slide27.xml><?xml version="1.0" encoding="utf-8"?>
+<file path=ppt/slides/slide9.xml><?xml version="1.0" encoding="utf-8"?>
 <p:sld xmlns:a="http://schemas.openxmlformats.org/drawingml/2006/main" xmlns:r="http://schemas.openxmlformats.org/officeDocument/2006/relationships" xmlns:p="http://schemas.openxmlformats.org/presentationml/2006/main">
   <p:cSld>
     <p:spTree>
@@ -10997,228 +7316,6 @@
       </p:grpSpPr>
       <p:sp>
         <p:nvSpPr>
-          <p:cNvPr id="2" name="Title 1">
-            <a:extLst>
-              <a:ext uri="{FF2B5EF4-FFF2-40B4-BE49-F238E27FC236}">
-                <a16:creationId xmlns:a16="http://schemas.microsoft.com/office/drawing/2014/main" id="{D1BC2E13-882E-43E3-9CCA-B4CA88780A83}"/>
-              </a:ext>
-            </a:extLst>
-          </p:cNvPr>
-          <p:cNvSpPr>
-            <a:spLocks noGrp="1"/>
-          </p:cNvSpPr>
-          <p:nvPr>
-            <p:ph type="title"/>
-          </p:nvPr>
-        </p:nvSpPr>
-        <p:spPr>
-          <a:xfrm>
-            <a:off x="497150" y="443883"/>
-            <a:ext cx="10821879" cy="4083729"/>
-          </a:xfrm>
-        </p:spPr>
-        <p:txBody>
-          <a:bodyPr>
-            <a:normAutofit fontScale="90000"/>
-          </a:bodyPr>
-          <a:lstStyle/>
-          <a:p>
-            <a:r>
-              <a:rPr lang="en-IN" sz="2400" dirty="0"/>
-              <a:t>[5]	Xiaobo </a:t>
-            </a:r>
-            <a:r>
-              <a:rPr lang="en-IN" sz="2400" dirty="0" err="1"/>
-              <a:t>Qiu</a:t>
-            </a:r>
-            <a:r>
-              <a:rPr lang="en-IN" sz="2400" dirty="0"/>
-              <a:t>, </a:t>
-            </a:r>
-            <a:r>
-              <a:rPr lang="en-IN" sz="2400" dirty="0" err="1"/>
-              <a:t>Jinggi</a:t>
-            </a:r>
-            <a:r>
-              <a:rPr lang="en-IN" sz="2400" dirty="0"/>
-              <a:t>  Yuan, “Temperature  Control  for PCR  Thermocyclers  Based on </a:t>
-            </a:r>
-            <a:br>
-              <a:rPr lang="en-IN" sz="2400" dirty="0"/>
-            </a:br>
-            <a:r>
-              <a:rPr lang="en-IN" sz="2400" dirty="0"/>
-              <a:t>	Peltier - Effect  Thermoelectric”,  </a:t>
-            </a:r>
-            <a:r>
-              <a:rPr lang="en-IN" sz="2400" i="1" dirty="0"/>
-              <a:t>2005  IEEE  Engineering  in  Medicine and Biology </a:t>
-            </a:r>
-            <a:br>
-              <a:rPr lang="en-IN" sz="2400" i="1" dirty="0"/>
-            </a:br>
-            <a:r>
-              <a:rPr lang="en-IN" sz="2400" i="1" dirty="0"/>
-              <a:t>	27</a:t>
-            </a:r>
-            <a:r>
-              <a:rPr lang="en-IN" sz="2400" i="1" baseline="30000" dirty="0"/>
-              <a:t>th</a:t>
-            </a:r>
-            <a:r>
-              <a:rPr lang="en-IN" sz="2400" i="1" dirty="0"/>
-              <a:t> Annual Conf.</a:t>
-            </a:r>
-            <a:r>
-              <a:rPr lang="en-IN" sz="2400" dirty="0"/>
-              <a:t>, pp. 7509 -7512, Jan. 2006.</a:t>
-            </a:r>
-            <a:br>
-              <a:rPr lang="en-IN" sz="2400" dirty="0"/>
-            </a:br>
-            <a:br>
-              <a:rPr lang="en-IN" sz="2400" dirty="0"/>
-            </a:br>
-            <a:r>
-              <a:rPr lang="en-IN" sz="2400" dirty="0"/>
-              <a:t>[6]	Introduction to Thermoelectrics and Medical Applications, Retrieved from</a:t>
-            </a:r>
-            <a:br>
-              <a:rPr lang="en-IN" sz="2400" dirty="0"/>
-            </a:br>
-            <a:r>
-              <a:rPr lang="en-IN" sz="2400" dirty="0"/>
-              <a:t>	</a:t>
-            </a:r>
-            <a:r>
-              <a:rPr lang="en-IN" sz="2400" u="sng" dirty="0">
-                <a:hlinkClick r:id="rId2"/>
-              </a:rPr>
-              <a:t>https://thermoelectricsolutions.com</a:t>
-            </a:r>
-            <a:br>
-              <a:rPr lang="en-IN" sz="2400" u="sng" dirty="0"/>
-            </a:br>
-            <a:br>
-              <a:rPr lang="en-IN" sz="2400" u="sng" dirty="0"/>
-            </a:br>
-            <a:r>
-              <a:rPr lang="en-IN" sz="2400" dirty="0"/>
-              <a:t>[7]	Polymerase Chain Reaction, Retrieved from 	https://en.wikipedia.org/wiki/Polymerase_chain_reaction</a:t>
-            </a:r>
-            <a:br>
-              <a:rPr lang="en-IN" sz="2400" dirty="0"/>
-            </a:br>
-            <a:br>
-              <a:rPr lang="en-IN" sz="2400" dirty="0"/>
-            </a:br>
-            <a:r>
-              <a:rPr lang="en-IN" sz="2400" dirty="0"/>
-              <a:t>[8]	History of Thermoelectric Effects, Retrieved from</a:t>
-            </a:r>
-            <a:br>
-              <a:rPr lang="en-IN" sz="2400" dirty="0"/>
-            </a:br>
-            <a:r>
-              <a:rPr lang="en-IN" sz="2400"/>
-              <a:t>	http://www.thermoelectrics.Caltech.edu/thermoelectrics/history.html</a:t>
-            </a:r>
-            <a:endParaRPr lang="en-IN" sz="2400" dirty="0"/>
-          </a:p>
-        </p:txBody>
-      </p:sp>
-      <p:sp>
-        <p:nvSpPr>
-          <p:cNvPr id="3" name="Date Placeholder 2">
-            <a:extLst>
-              <a:ext uri="{FF2B5EF4-FFF2-40B4-BE49-F238E27FC236}">
-                <a16:creationId xmlns:a16="http://schemas.microsoft.com/office/drawing/2014/main" id="{BC83DEE5-4070-43BB-9D46-5DAA343B616E}"/>
-              </a:ext>
-            </a:extLst>
-          </p:cNvPr>
-          <p:cNvSpPr>
-            <a:spLocks noGrp="1"/>
-          </p:cNvSpPr>
-          <p:nvPr>
-            <p:ph type="dt" sz="half" idx="10"/>
-          </p:nvPr>
-        </p:nvSpPr>
-        <p:spPr/>
-        <p:txBody>
-          <a:bodyPr/>
-          <a:lstStyle/>
-          <a:p>
-            <a:fld id="{26A5AEB0-6306-4365-A758-6FB4EC179101}" type="datetime1">
-              <a:rPr lang="en-US" smtClean="0"/>
-              <a:pPr/>
-              <a:t>17-Dec-19</a:t>
-            </a:fld>
-            <a:endParaRPr lang="en-US"/>
-          </a:p>
-        </p:txBody>
-      </p:sp>
-      <p:sp>
-        <p:nvSpPr>
-          <p:cNvPr id="4" name="Slide Number Placeholder 3">
-            <a:extLst>
-              <a:ext uri="{FF2B5EF4-FFF2-40B4-BE49-F238E27FC236}">
-                <a16:creationId xmlns:a16="http://schemas.microsoft.com/office/drawing/2014/main" id="{0AC0334E-4AC3-4835-8E25-1F918CC02E5D}"/>
-              </a:ext>
-            </a:extLst>
-          </p:cNvPr>
-          <p:cNvSpPr>
-            <a:spLocks noGrp="1"/>
-          </p:cNvSpPr>
-          <p:nvPr>
-            <p:ph type="sldNum" sz="quarter" idx="12"/>
-          </p:nvPr>
-        </p:nvSpPr>
-        <p:spPr/>
-        <p:txBody>
-          <a:bodyPr/>
-          <a:lstStyle/>
-          <a:p>
-            <a:fld id="{330EA680-D336-4FF7-8B7A-9848BB0A1C32}" type="slidenum">
-              <a:rPr lang="en-US" smtClean="0"/>
-              <a:pPr/>
-              <a:t>27</a:t>
-            </a:fld>
-            <a:endParaRPr lang="en-US"/>
-          </a:p>
-        </p:txBody>
-      </p:sp>
-    </p:spTree>
-    <p:extLst>
-      <p:ext uri="{BB962C8B-B14F-4D97-AF65-F5344CB8AC3E}">
-        <p14:creationId xmlns:p14="http://schemas.microsoft.com/office/powerpoint/2010/main" val="3394990694"/>
-      </p:ext>
-    </p:extLst>
-  </p:cSld>
-  <p:clrMapOvr>
-    <a:masterClrMapping/>
-  </p:clrMapOvr>
-</p:sld>
-</file>
-
-<file path=ppt/slides/slide28.xml><?xml version="1.0" encoding="utf-8"?>
-<p:sld xmlns:a="http://schemas.openxmlformats.org/drawingml/2006/main" xmlns:r="http://schemas.openxmlformats.org/officeDocument/2006/relationships" xmlns:p="http://schemas.openxmlformats.org/presentationml/2006/main">
-  <p:cSld>
-    <p:spTree>
-      <p:nvGrpSpPr>
-        <p:cNvPr id="1" name=""/>
-        <p:cNvGrpSpPr/>
-        <p:nvPr/>
-      </p:nvGrpSpPr>
-      <p:grpSpPr>
-        <a:xfrm>
-          <a:off x="0" y="0"/>
-          <a:ext cx="0" cy="0"/>
-          <a:chOff x="0" y="0"/>
-          <a:chExt cx="0" cy="0"/>
-        </a:xfrm>
-      </p:grpSpPr>
-      <p:sp>
-        <p:nvSpPr>
           <p:cNvPr id="2" name="Date Placeholder 1">
             <a:extLst>
               <a:ext uri="{FF2B5EF4-FFF2-40B4-BE49-F238E27FC236}">
@@ -11241,7 +7338,7 @@
             <a:fld id="{3C36C040-CCB1-4266-9346-A8F110B24665}" type="datetime1">
               <a:rPr lang="en-US" smtClean="0"/>
               <a:pPr/>
-              <a:t>17-Dec-19</a:t>
+              <a:t>18-Dec-19</a:t>
             </a:fld>
             <a:endParaRPr lang="en-US"/>
           </a:p>
@@ -11271,7 +7368,7 @@
             <a:fld id="{330EA680-D336-4FF7-8B7A-9848BB0A1C32}" type="slidenum">
               <a:rPr lang="en-US" smtClean="0"/>
               <a:pPr/>
-              <a:t>28</a:t>
+              <a:t>9</a:t>
             </a:fld>
             <a:endParaRPr lang="en-US"/>
           </a:p>
@@ -11322,1727 +7419,6 @@
         <p14:creationId xmlns:p14="http://schemas.microsoft.com/office/powerpoint/2010/main" val="3377956916"/>
       </p:ext>
     </p:extLst>
-  </p:cSld>
-  <p:clrMapOvr>
-    <a:masterClrMapping/>
-  </p:clrMapOvr>
-</p:sld>
-</file>
-
-<file path=ppt/slides/slide29.xml><?xml version="1.0" encoding="utf-8"?>
-<p:sld xmlns:a="http://schemas.openxmlformats.org/drawingml/2006/main" xmlns:r="http://schemas.openxmlformats.org/officeDocument/2006/relationships" xmlns:p="http://schemas.openxmlformats.org/presentationml/2006/main">
-  <p:cSld>
-    <p:spTree>
-      <p:nvGrpSpPr>
-        <p:cNvPr id="1" name=""/>
-        <p:cNvGrpSpPr/>
-        <p:nvPr/>
-      </p:nvGrpSpPr>
-      <p:grpSpPr>
-        <a:xfrm>
-          <a:off x="0" y="0"/>
-          <a:ext cx="0" cy="0"/>
-          <a:chOff x="0" y="0"/>
-          <a:chExt cx="0" cy="0"/>
-        </a:xfrm>
-      </p:grpSpPr>
-      <p:sp>
-        <p:nvSpPr>
-          <p:cNvPr id="2" name="Date Placeholder 1">
-            <a:extLst>
-              <a:ext uri="{FF2B5EF4-FFF2-40B4-BE49-F238E27FC236}">
-                <a16:creationId xmlns:a16="http://schemas.microsoft.com/office/drawing/2014/main" id="{76BBC1CA-AF0C-4C92-98AB-EACE49AFF103}"/>
-              </a:ext>
-            </a:extLst>
-          </p:cNvPr>
-          <p:cNvSpPr>
-            <a:spLocks noGrp="1"/>
-          </p:cNvSpPr>
-          <p:nvPr>
-            <p:ph type="dt" sz="half" idx="10"/>
-          </p:nvPr>
-        </p:nvSpPr>
-        <p:spPr/>
-        <p:txBody>
-          <a:bodyPr/>
-          <a:lstStyle/>
-          <a:p>
-            <a:fld id="{3C36C040-CCB1-4266-9346-A8F110B24665}" type="datetime1">
-              <a:rPr lang="en-US" smtClean="0"/>
-              <a:pPr/>
-              <a:t>17-Dec-19</a:t>
-            </a:fld>
-            <a:endParaRPr lang="en-US"/>
-          </a:p>
-        </p:txBody>
-      </p:sp>
-      <p:sp>
-        <p:nvSpPr>
-          <p:cNvPr id="3" name="Slide Number Placeholder 2">
-            <a:extLst>
-              <a:ext uri="{FF2B5EF4-FFF2-40B4-BE49-F238E27FC236}">
-                <a16:creationId xmlns:a16="http://schemas.microsoft.com/office/drawing/2014/main" id="{9F242FC4-3A0D-4E7A-B0CD-53E533F83BDB}"/>
-              </a:ext>
-            </a:extLst>
-          </p:cNvPr>
-          <p:cNvSpPr>
-            <a:spLocks noGrp="1"/>
-          </p:cNvSpPr>
-          <p:nvPr>
-            <p:ph type="sldNum" sz="quarter" idx="12"/>
-          </p:nvPr>
-        </p:nvSpPr>
-        <p:spPr/>
-        <p:txBody>
-          <a:bodyPr/>
-          <a:lstStyle/>
-          <a:p>
-            <a:fld id="{330EA680-D336-4FF7-8B7A-9848BB0A1C32}" type="slidenum">
-              <a:rPr lang="en-US" smtClean="0"/>
-              <a:pPr/>
-              <a:t>29</a:t>
-            </a:fld>
-            <a:endParaRPr lang="en-US"/>
-          </a:p>
-        </p:txBody>
-      </p:sp>
-      <p:pic>
-        <p:nvPicPr>
-          <p:cNvPr id="5" name="Picture 4">
-            <a:extLst>
-              <a:ext uri="{FF2B5EF4-FFF2-40B4-BE49-F238E27FC236}">
-                <a16:creationId xmlns:a16="http://schemas.microsoft.com/office/drawing/2014/main" id="{8A51EAC4-A04B-4D0B-B796-664B52135BA8}"/>
-              </a:ext>
-            </a:extLst>
-          </p:cNvPr>
-          <p:cNvPicPr>
-            <a:picLocks noChangeAspect="1"/>
-          </p:cNvPicPr>
-          <p:nvPr/>
-        </p:nvPicPr>
-        <p:blipFill>
-          <a:blip r:embed="rId2" cstate="print">
-            <a:extLst>
-              <a:ext uri="{28A0092B-C50C-407E-A947-70E740481C1C}">
-                <a14:useLocalDpi xmlns:a14="http://schemas.microsoft.com/office/drawing/2010/main" val="0"/>
-              </a:ext>
-              <a:ext uri="{837473B0-CC2E-450A-ABE3-18F120FF3D39}">
-                <a1611:picAttrSrcUrl xmlns:a1611="http://schemas.microsoft.com/office/drawing/2016/11/main" r:id="rId3"/>
-              </a:ext>
-            </a:extLst>
-          </a:blip>
-          <a:stretch>
-            <a:fillRect/>
-          </a:stretch>
-        </p:blipFill>
-        <p:spPr>
-          <a:xfrm>
-            <a:off x="0" y="1"/>
-            <a:ext cx="12191999" cy="6858000"/>
-          </a:xfrm>
-          <a:prstGeom prst="rect">
-            <a:avLst/>
-          </a:prstGeom>
-        </p:spPr>
-      </p:pic>
-    </p:spTree>
-    <p:extLst>
-      <p:ext uri="{BB962C8B-B14F-4D97-AF65-F5344CB8AC3E}">
-        <p14:creationId xmlns:p14="http://schemas.microsoft.com/office/powerpoint/2010/main" val="1616601520"/>
-      </p:ext>
-    </p:extLst>
-  </p:cSld>
-  <p:clrMapOvr>
-    <a:masterClrMapping/>
-  </p:clrMapOvr>
-</p:sld>
-</file>
-
-<file path=ppt/slides/slide3.xml><?xml version="1.0" encoding="utf-8"?>
-<p:sld xmlns:a="http://schemas.openxmlformats.org/drawingml/2006/main" xmlns:r="http://schemas.openxmlformats.org/officeDocument/2006/relationships" xmlns:p="http://schemas.openxmlformats.org/presentationml/2006/main">
-  <p:cSld>
-    <p:spTree>
-      <p:nvGrpSpPr>
-        <p:cNvPr id="1" name=""/>
-        <p:cNvGrpSpPr/>
-        <p:nvPr/>
-      </p:nvGrpSpPr>
-      <p:grpSpPr>
-        <a:xfrm>
-          <a:off x="0" y="0"/>
-          <a:ext cx="0" cy="0"/>
-          <a:chOff x="0" y="0"/>
-          <a:chExt cx="0" cy="0"/>
-        </a:xfrm>
-      </p:grpSpPr>
-      <p:sp>
-        <p:nvSpPr>
-          <p:cNvPr id="2" name="TextBox 1">
-            <a:extLst>
-              <a:ext uri="{FF2B5EF4-FFF2-40B4-BE49-F238E27FC236}">
-                <a16:creationId xmlns:a16="http://schemas.microsoft.com/office/drawing/2014/main" id="{647B59D4-2B44-4776-860C-47B66B58FF3B}"/>
-              </a:ext>
-            </a:extLst>
-          </p:cNvPr>
-          <p:cNvSpPr txBox="1"/>
-          <p:nvPr/>
-        </p:nvSpPr>
-        <p:spPr>
-          <a:xfrm>
-            <a:off x="0" y="346228"/>
-            <a:ext cx="12192000" cy="584775"/>
-          </a:xfrm>
-          <a:prstGeom prst="rect">
-            <a:avLst/>
-          </a:prstGeom>
-          <a:noFill/>
-        </p:spPr>
-        <p:txBody>
-          <a:bodyPr wrap="square" rtlCol="0">
-            <a:spAutoFit/>
-          </a:bodyPr>
-          <a:lstStyle/>
-          <a:p>
-            <a:pPr algn="ctr"/>
-            <a:r>
-              <a:rPr lang="en-IN" sz="3200" b="1" u="sng" dirty="0">
-                <a:solidFill>
-                  <a:srgbClr val="FF0000"/>
-                </a:solidFill>
-              </a:rPr>
-              <a:t>Objective</a:t>
-            </a:r>
-          </a:p>
-        </p:txBody>
-      </p:sp>
-      <p:sp>
-        <p:nvSpPr>
-          <p:cNvPr id="4" name="Subtitle 3">
-            <a:extLst>
-              <a:ext uri="{FF2B5EF4-FFF2-40B4-BE49-F238E27FC236}">
-                <a16:creationId xmlns:a16="http://schemas.microsoft.com/office/drawing/2014/main" id="{5BAF7A38-E445-4B58-9796-4267284E645F}"/>
-              </a:ext>
-            </a:extLst>
-          </p:cNvPr>
-          <p:cNvSpPr>
-            <a:spLocks noGrp="1"/>
-          </p:cNvSpPr>
-          <p:nvPr>
-            <p:ph type="subTitle" idx="1"/>
-          </p:nvPr>
-        </p:nvSpPr>
-        <p:spPr>
-          <a:xfrm>
-            <a:off x="825623" y="1260629"/>
-            <a:ext cx="10635449" cy="5042517"/>
-          </a:xfrm>
-        </p:spPr>
-        <p:txBody>
-          <a:bodyPr>
-            <a:normAutofit/>
-          </a:bodyPr>
-          <a:lstStyle/>
-          <a:p>
-            <a:pPr marL="342900" indent="-342900" algn="l">
-              <a:lnSpc>
-                <a:spcPct val="150000"/>
-              </a:lnSpc>
-              <a:buFont typeface="Wingdings" panose="05000000000000000000" pitchFamily="2" charset="2"/>
-              <a:buChar char="Ø"/>
-            </a:pPr>
-            <a:r>
-              <a:rPr lang="en-IN" sz="2800" dirty="0"/>
-              <a:t>Energy conversion of Thermoelectric modules and Special features when compared to other devices .</a:t>
-            </a:r>
-          </a:p>
-          <a:p>
-            <a:pPr marL="342900" indent="-342900" algn="l">
-              <a:lnSpc>
-                <a:spcPct val="150000"/>
-              </a:lnSpc>
-              <a:buFont typeface="Wingdings" panose="05000000000000000000" pitchFamily="2" charset="2"/>
-              <a:buChar char="Ø"/>
-            </a:pPr>
-            <a:r>
-              <a:rPr lang="en-IN" sz="2800" dirty="0"/>
-              <a:t>Applications of thermoelectric modules where it plays a vital role.</a:t>
-            </a:r>
-          </a:p>
-          <a:p>
-            <a:pPr marL="342900" indent="-342900" algn="l">
-              <a:lnSpc>
-                <a:spcPct val="150000"/>
-              </a:lnSpc>
-              <a:buFont typeface="Wingdings" panose="05000000000000000000" pitchFamily="2" charset="2"/>
-              <a:buChar char="Ø"/>
-            </a:pPr>
-            <a:endParaRPr lang="en-IN" sz="2800" dirty="0"/>
-          </a:p>
-        </p:txBody>
-      </p:sp>
-      <p:sp>
-        <p:nvSpPr>
-          <p:cNvPr id="3" name="Date Placeholder 2">
-            <a:extLst>
-              <a:ext uri="{FF2B5EF4-FFF2-40B4-BE49-F238E27FC236}">
-                <a16:creationId xmlns:a16="http://schemas.microsoft.com/office/drawing/2014/main" id="{885E3CB4-25D1-4287-82D6-F9574CEE3BDF}"/>
-              </a:ext>
-            </a:extLst>
-          </p:cNvPr>
-          <p:cNvSpPr>
-            <a:spLocks noGrp="1"/>
-          </p:cNvSpPr>
-          <p:nvPr>
-            <p:ph type="dt" sz="half" idx="10"/>
-          </p:nvPr>
-        </p:nvSpPr>
-        <p:spPr/>
-        <p:txBody>
-          <a:bodyPr/>
-          <a:lstStyle/>
-          <a:p>
-            <a:fld id="{D7B85C41-A637-4317-A4DB-B59D3E1A9940}" type="datetime1">
-              <a:rPr lang="en-US" smtClean="0"/>
-              <a:pPr/>
-              <a:t>17-Dec-19</a:t>
-            </a:fld>
-            <a:endParaRPr lang="en-US"/>
-          </a:p>
-        </p:txBody>
-      </p:sp>
-      <p:sp>
-        <p:nvSpPr>
-          <p:cNvPr id="5" name="Slide Number Placeholder 4">
-            <a:extLst>
-              <a:ext uri="{FF2B5EF4-FFF2-40B4-BE49-F238E27FC236}">
-                <a16:creationId xmlns:a16="http://schemas.microsoft.com/office/drawing/2014/main" id="{298F78CD-D8AB-4C18-8B69-D4483DA72939}"/>
-              </a:ext>
-            </a:extLst>
-          </p:cNvPr>
-          <p:cNvSpPr>
-            <a:spLocks noGrp="1"/>
-          </p:cNvSpPr>
-          <p:nvPr>
-            <p:ph type="sldNum" sz="quarter" idx="12"/>
-          </p:nvPr>
-        </p:nvSpPr>
-        <p:spPr/>
-        <p:txBody>
-          <a:bodyPr/>
-          <a:lstStyle/>
-          <a:p>
-            <a:fld id="{330EA680-D336-4FF7-8B7A-9848BB0A1C32}" type="slidenum">
-              <a:rPr lang="en-US" smtClean="0"/>
-              <a:pPr/>
-              <a:t>3</a:t>
-            </a:fld>
-            <a:endParaRPr lang="en-US"/>
-          </a:p>
-        </p:txBody>
-      </p:sp>
-    </p:spTree>
-    <p:extLst>
-      <p:ext uri="{BB962C8B-B14F-4D97-AF65-F5344CB8AC3E}">
-        <p14:creationId xmlns:p14="http://schemas.microsoft.com/office/powerpoint/2010/main" val="991653462"/>
-      </p:ext>
-    </p:extLst>
-  </p:cSld>
-  <p:clrMapOvr>
-    <a:masterClrMapping/>
-  </p:clrMapOvr>
-</p:sld>
-</file>
-
-<file path=ppt/slides/slide4.xml><?xml version="1.0" encoding="utf-8"?>
-<p:sld xmlns:a="http://schemas.openxmlformats.org/drawingml/2006/main" xmlns:r="http://schemas.openxmlformats.org/officeDocument/2006/relationships" xmlns:p="http://schemas.openxmlformats.org/presentationml/2006/main">
-  <p:cSld>
-    <p:spTree>
-      <p:nvGrpSpPr>
-        <p:cNvPr id="1" name=""/>
-        <p:cNvGrpSpPr/>
-        <p:nvPr/>
-      </p:nvGrpSpPr>
-      <p:grpSpPr>
-        <a:xfrm>
-          <a:off x="0" y="0"/>
-          <a:ext cx="0" cy="0"/>
-          <a:chOff x="0" y="0"/>
-          <a:chExt cx="0" cy="0"/>
-        </a:xfrm>
-      </p:grpSpPr>
-      <p:sp>
-        <p:nvSpPr>
-          <p:cNvPr id="2" name="Title 1">
-            <a:extLst>
-              <a:ext uri="{FF2B5EF4-FFF2-40B4-BE49-F238E27FC236}">
-                <a16:creationId xmlns:a16="http://schemas.microsoft.com/office/drawing/2014/main" id="{DC90F957-36CC-413F-A6A6-65F5A7E38437}"/>
-              </a:ext>
-            </a:extLst>
-          </p:cNvPr>
-          <p:cNvSpPr>
-            <a:spLocks noGrp="1"/>
-          </p:cNvSpPr>
-          <p:nvPr>
-            <p:ph type="title"/>
-          </p:nvPr>
-        </p:nvSpPr>
-        <p:spPr>
-          <a:xfrm>
-            <a:off x="838200" y="0"/>
-            <a:ext cx="10515600" cy="815605"/>
-          </a:xfrm>
-        </p:spPr>
-        <p:txBody>
-          <a:bodyPr>
-            <a:normAutofit/>
-          </a:bodyPr>
-          <a:lstStyle/>
-          <a:p>
-            <a:pPr algn="ctr"/>
-            <a:r>
-              <a:rPr lang="en-IN" sz="4000" b="1" u="sng" dirty="0">
-                <a:solidFill>
-                  <a:srgbClr val="FF0000"/>
-                </a:solidFill>
-              </a:rPr>
-              <a:t>Introduction</a:t>
-            </a:r>
-          </a:p>
-        </p:txBody>
-      </p:sp>
-      <p:sp>
-        <p:nvSpPr>
-          <p:cNvPr id="3" name="Content Placeholder 2">
-            <a:extLst>
-              <a:ext uri="{FF2B5EF4-FFF2-40B4-BE49-F238E27FC236}">
-                <a16:creationId xmlns:a16="http://schemas.microsoft.com/office/drawing/2014/main" id="{1A4300E3-1DA1-4C5D-A03B-05FD0248D397}"/>
-              </a:ext>
-            </a:extLst>
-          </p:cNvPr>
-          <p:cNvSpPr>
-            <a:spLocks noGrp="1"/>
-          </p:cNvSpPr>
-          <p:nvPr>
-            <p:ph idx="1"/>
-          </p:nvPr>
-        </p:nvSpPr>
-        <p:spPr>
-          <a:xfrm>
-            <a:off x="838200" y="683581"/>
-            <a:ext cx="10515600" cy="5672769"/>
-          </a:xfrm>
-        </p:spPr>
-        <p:txBody>
-          <a:bodyPr>
-            <a:normAutofit fontScale="92500" lnSpcReduction="20000"/>
-          </a:bodyPr>
-          <a:lstStyle/>
-          <a:p>
-            <a:pPr>
-              <a:lnSpc>
-                <a:spcPct val="150000"/>
-              </a:lnSpc>
-              <a:buFont typeface="Wingdings" panose="05000000000000000000" pitchFamily="2" charset="2"/>
-              <a:buChar char="Ø"/>
-            </a:pPr>
-            <a:r>
-              <a:rPr lang="en-IN" dirty="0"/>
-              <a:t>Energy conversion is the major process , that is involved in our daily life.</a:t>
-            </a:r>
-          </a:p>
-          <a:p>
-            <a:pPr>
-              <a:lnSpc>
-                <a:spcPct val="150000"/>
-              </a:lnSpc>
-              <a:buFont typeface="Wingdings" panose="05000000000000000000" pitchFamily="2" charset="2"/>
-              <a:buChar char="Ø"/>
-            </a:pPr>
-            <a:r>
-              <a:rPr lang="en-IN" dirty="0"/>
-              <a:t>We will convert one form of energy to another form for our flexibility.</a:t>
-            </a:r>
-          </a:p>
-          <a:p>
-            <a:pPr>
-              <a:lnSpc>
-                <a:spcPct val="150000"/>
-              </a:lnSpc>
-              <a:buFont typeface="Wingdings" panose="05000000000000000000" pitchFamily="2" charset="2"/>
-              <a:buChar char="Ø"/>
-            </a:pPr>
-            <a:r>
-              <a:rPr lang="en-IN" dirty="0"/>
-              <a:t>We are getting electrical energy from many ways and we are converting this electrical energy into many forms for many purposes.</a:t>
-            </a:r>
-          </a:p>
-          <a:p>
-            <a:pPr>
-              <a:lnSpc>
-                <a:spcPct val="150000"/>
-              </a:lnSpc>
-              <a:buFont typeface="Wingdings" panose="05000000000000000000" pitchFamily="2" charset="2"/>
-              <a:buChar char="Ø"/>
-            </a:pPr>
-            <a:r>
-              <a:rPr lang="en-IN" dirty="0"/>
-              <a:t>Thermal to electrical conversion have many ways and involves many stages.</a:t>
-            </a:r>
-          </a:p>
-          <a:p>
-            <a:pPr>
-              <a:lnSpc>
-                <a:spcPct val="150000"/>
-              </a:lnSpc>
-              <a:buFont typeface="Wingdings" panose="05000000000000000000" pitchFamily="2" charset="2"/>
-              <a:buChar char="Ø"/>
-            </a:pPr>
-            <a:r>
-              <a:rPr lang="en-IN" dirty="0"/>
-              <a:t>One of the simplest way is by utilising the thermoelectric effect.</a:t>
-            </a:r>
-          </a:p>
-          <a:p>
-            <a:pPr>
-              <a:lnSpc>
-                <a:spcPct val="150000"/>
-              </a:lnSpc>
-              <a:buFont typeface="Wingdings" panose="05000000000000000000" pitchFamily="2" charset="2"/>
-              <a:buChar char="Ø"/>
-            </a:pPr>
-            <a:r>
-              <a:rPr lang="en-IN" dirty="0"/>
-              <a:t>It involves only stage conversion.</a:t>
-            </a:r>
-          </a:p>
-          <a:p>
-            <a:pPr>
-              <a:lnSpc>
-                <a:spcPct val="150000"/>
-              </a:lnSpc>
-              <a:buFont typeface="Wingdings" panose="05000000000000000000" pitchFamily="2" charset="2"/>
-              <a:buChar char="Ø"/>
-            </a:pPr>
-            <a:r>
-              <a:rPr lang="en-IN" dirty="0"/>
-              <a:t>Thermoelectric modules are working based on Thermoelectric effect.</a:t>
-            </a:r>
-          </a:p>
-        </p:txBody>
-      </p:sp>
-      <p:sp>
-        <p:nvSpPr>
-          <p:cNvPr id="4" name="Date Placeholder 3">
-            <a:extLst>
-              <a:ext uri="{FF2B5EF4-FFF2-40B4-BE49-F238E27FC236}">
-                <a16:creationId xmlns:a16="http://schemas.microsoft.com/office/drawing/2014/main" id="{98384E2D-765D-4785-A5A7-AD70ACBE5ABE}"/>
-              </a:ext>
-            </a:extLst>
-          </p:cNvPr>
-          <p:cNvSpPr>
-            <a:spLocks noGrp="1"/>
-          </p:cNvSpPr>
-          <p:nvPr>
-            <p:ph type="dt" sz="half" idx="10"/>
-          </p:nvPr>
-        </p:nvSpPr>
-        <p:spPr/>
-        <p:txBody>
-          <a:bodyPr/>
-          <a:lstStyle/>
-          <a:p>
-            <a:fld id="{9AB9022F-2EFC-4EC9-92D4-3B35F035F0EE}" type="datetime1">
-              <a:rPr lang="en-US" smtClean="0"/>
-              <a:pPr/>
-              <a:t>17-Dec-19</a:t>
-            </a:fld>
-            <a:endParaRPr lang="en-US"/>
-          </a:p>
-        </p:txBody>
-      </p:sp>
-      <p:sp>
-        <p:nvSpPr>
-          <p:cNvPr id="5" name="Slide Number Placeholder 4">
-            <a:extLst>
-              <a:ext uri="{FF2B5EF4-FFF2-40B4-BE49-F238E27FC236}">
-                <a16:creationId xmlns:a16="http://schemas.microsoft.com/office/drawing/2014/main" id="{3636DFDB-DB0B-431C-8FEF-A6ED17CD3B0C}"/>
-              </a:ext>
-            </a:extLst>
-          </p:cNvPr>
-          <p:cNvSpPr>
-            <a:spLocks noGrp="1"/>
-          </p:cNvSpPr>
-          <p:nvPr>
-            <p:ph type="sldNum" sz="quarter" idx="12"/>
-          </p:nvPr>
-        </p:nvSpPr>
-        <p:spPr/>
-        <p:txBody>
-          <a:bodyPr/>
-          <a:lstStyle/>
-          <a:p>
-            <a:fld id="{330EA680-D336-4FF7-8B7A-9848BB0A1C32}" type="slidenum">
-              <a:rPr lang="en-US" smtClean="0"/>
-              <a:pPr/>
-              <a:t>4</a:t>
-            </a:fld>
-            <a:endParaRPr lang="en-US"/>
-          </a:p>
-        </p:txBody>
-      </p:sp>
-    </p:spTree>
-    <p:extLst>
-      <p:ext uri="{BB962C8B-B14F-4D97-AF65-F5344CB8AC3E}">
-        <p14:creationId xmlns:p14="http://schemas.microsoft.com/office/powerpoint/2010/main" val="4201456833"/>
-      </p:ext>
-    </p:extLst>
-  </p:cSld>
-  <p:clrMapOvr>
-    <a:masterClrMapping/>
-  </p:clrMapOvr>
-</p:sld>
-</file>
-
-<file path=ppt/slides/slide5.xml><?xml version="1.0" encoding="utf-8"?>
-<p:sld xmlns:a="http://schemas.openxmlformats.org/drawingml/2006/main" xmlns:r="http://schemas.openxmlformats.org/officeDocument/2006/relationships" xmlns:p="http://schemas.openxmlformats.org/presentationml/2006/main">
-  <p:cSld>
-    <p:spTree>
-      <p:nvGrpSpPr>
-        <p:cNvPr id="1" name=""/>
-        <p:cNvGrpSpPr/>
-        <p:nvPr/>
-      </p:nvGrpSpPr>
-      <p:grpSpPr>
-        <a:xfrm>
-          <a:off x="0" y="0"/>
-          <a:ext cx="0" cy="0"/>
-          <a:chOff x="0" y="0"/>
-          <a:chExt cx="0" cy="0"/>
-        </a:xfrm>
-      </p:grpSpPr>
-      <p:sp>
-        <p:nvSpPr>
-          <p:cNvPr id="3" name="Subtitle 2">
-            <a:extLst>
-              <a:ext uri="{FF2B5EF4-FFF2-40B4-BE49-F238E27FC236}">
-                <a16:creationId xmlns:a16="http://schemas.microsoft.com/office/drawing/2014/main" id="{E8C7C22A-7F38-4E37-A09F-435BCE79D411}"/>
-              </a:ext>
-            </a:extLst>
-          </p:cNvPr>
-          <p:cNvSpPr>
-            <a:spLocks noGrp="1"/>
-          </p:cNvSpPr>
-          <p:nvPr>
-            <p:ph type="subTitle" idx="1"/>
-          </p:nvPr>
-        </p:nvSpPr>
-        <p:spPr>
-          <a:xfrm>
-            <a:off x="938073" y="5424257"/>
-            <a:ext cx="10656163" cy="1207363"/>
-          </a:xfrm>
-        </p:spPr>
-        <p:txBody>
-          <a:bodyPr>
-            <a:normAutofit fontScale="92500" lnSpcReduction="10000"/>
-          </a:bodyPr>
-          <a:lstStyle/>
-          <a:p>
-            <a:pPr algn="l">
-              <a:lnSpc>
-                <a:spcPct val="150000"/>
-              </a:lnSpc>
-            </a:pPr>
-            <a:r>
-              <a:rPr lang="en-IN" sz="2800" dirty="0">
-                <a:solidFill>
-                  <a:srgbClr val="C00000"/>
-                </a:solidFill>
-              </a:rPr>
-              <a:t>Thermoelectric modules are solid state devices which transform temperature difference directly into electricity and vice versa.</a:t>
-            </a:r>
-          </a:p>
-        </p:txBody>
-      </p:sp>
-      <p:pic>
-        <p:nvPicPr>
-          <p:cNvPr id="5" name="Picture 4">
-            <a:extLst>
-              <a:ext uri="{FF2B5EF4-FFF2-40B4-BE49-F238E27FC236}">
-                <a16:creationId xmlns:a16="http://schemas.microsoft.com/office/drawing/2014/main" id="{02DC14F3-8983-4878-8B12-B698AACF5A7B}"/>
-              </a:ext>
-            </a:extLst>
-          </p:cNvPr>
-          <p:cNvPicPr>
-            <a:picLocks noChangeAspect="1"/>
-          </p:cNvPicPr>
-          <p:nvPr/>
-        </p:nvPicPr>
-        <p:blipFill>
-          <a:blip r:embed="rId2" cstate="print">
-            <a:extLst>
-              <a:ext uri="{28A0092B-C50C-407E-A947-70E740481C1C}">
-                <a14:useLocalDpi xmlns:a14="http://schemas.microsoft.com/office/drawing/2010/main" val="0"/>
-              </a:ext>
-            </a:extLst>
-          </a:blip>
-          <a:stretch>
-            <a:fillRect/>
-          </a:stretch>
-        </p:blipFill>
-        <p:spPr>
-          <a:xfrm>
-            <a:off x="938074" y="470518"/>
-            <a:ext cx="10315852" cy="4030460"/>
-          </a:xfrm>
-          <a:prstGeom prst="rect">
-            <a:avLst/>
-          </a:prstGeom>
-        </p:spPr>
-      </p:pic>
-      <p:sp>
-        <p:nvSpPr>
-          <p:cNvPr id="6" name="TextBox 5">
-            <a:extLst>
-              <a:ext uri="{FF2B5EF4-FFF2-40B4-BE49-F238E27FC236}">
-                <a16:creationId xmlns:a16="http://schemas.microsoft.com/office/drawing/2014/main" id="{D8F46BB9-6354-4B19-ACC5-A43E0C96826B}"/>
-              </a:ext>
-            </a:extLst>
-          </p:cNvPr>
-          <p:cNvSpPr txBox="1"/>
-          <p:nvPr/>
-        </p:nvSpPr>
-        <p:spPr>
-          <a:xfrm>
-            <a:off x="4520213" y="4408619"/>
-            <a:ext cx="3151573" cy="369332"/>
-          </a:xfrm>
-          <a:prstGeom prst="rect">
-            <a:avLst/>
-          </a:prstGeom>
-          <a:noFill/>
-        </p:spPr>
-        <p:txBody>
-          <a:bodyPr wrap="square" rtlCol="0">
-            <a:spAutoFit/>
-          </a:bodyPr>
-          <a:lstStyle/>
-          <a:p>
-            <a:r>
-              <a:rPr lang="en-IN" dirty="0"/>
-              <a:t>Fig. 1 . Energy Conversion TEM </a:t>
-            </a:r>
-          </a:p>
-        </p:txBody>
-      </p:sp>
-      <p:sp>
-        <p:nvSpPr>
-          <p:cNvPr id="2" name="Date Placeholder 1">
-            <a:extLst>
-              <a:ext uri="{FF2B5EF4-FFF2-40B4-BE49-F238E27FC236}">
-                <a16:creationId xmlns:a16="http://schemas.microsoft.com/office/drawing/2014/main" id="{F7A32F1D-1336-43A7-8F7B-1665D194F35E}"/>
-              </a:ext>
-            </a:extLst>
-          </p:cNvPr>
-          <p:cNvSpPr>
-            <a:spLocks noGrp="1"/>
-          </p:cNvSpPr>
-          <p:nvPr>
-            <p:ph type="dt" sz="half" idx="10"/>
-          </p:nvPr>
-        </p:nvSpPr>
-        <p:spPr/>
-        <p:txBody>
-          <a:bodyPr/>
-          <a:lstStyle/>
-          <a:p>
-            <a:fld id="{FCAFDA99-F0EA-4B41-B8AE-AAAC765BDC00}" type="datetime1">
-              <a:rPr lang="en-US" smtClean="0"/>
-              <a:pPr/>
-              <a:t>17-Dec-19</a:t>
-            </a:fld>
-            <a:endParaRPr lang="en-US"/>
-          </a:p>
-        </p:txBody>
-      </p:sp>
-      <p:sp>
-        <p:nvSpPr>
-          <p:cNvPr id="4" name="Slide Number Placeholder 3">
-            <a:extLst>
-              <a:ext uri="{FF2B5EF4-FFF2-40B4-BE49-F238E27FC236}">
-                <a16:creationId xmlns:a16="http://schemas.microsoft.com/office/drawing/2014/main" id="{507EC8CB-139A-4B55-9F5A-1CFFACFAC3A0}"/>
-              </a:ext>
-            </a:extLst>
-          </p:cNvPr>
-          <p:cNvSpPr>
-            <a:spLocks noGrp="1"/>
-          </p:cNvSpPr>
-          <p:nvPr>
-            <p:ph type="sldNum" sz="quarter" idx="12"/>
-          </p:nvPr>
-        </p:nvSpPr>
-        <p:spPr/>
-        <p:txBody>
-          <a:bodyPr/>
-          <a:lstStyle/>
-          <a:p>
-            <a:fld id="{330EA680-D336-4FF7-8B7A-9848BB0A1C32}" type="slidenum">
-              <a:rPr lang="en-US" smtClean="0"/>
-              <a:pPr/>
-              <a:t>5</a:t>
-            </a:fld>
-            <a:endParaRPr lang="en-US"/>
-          </a:p>
-        </p:txBody>
-      </p:sp>
-      <p:sp>
-        <p:nvSpPr>
-          <p:cNvPr id="7" name="TextBox 6">
-            <a:extLst>
-              <a:ext uri="{FF2B5EF4-FFF2-40B4-BE49-F238E27FC236}">
-                <a16:creationId xmlns:a16="http://schemas.microsoft.com/office/drawing/2014/main" id="{151D1241-5F81-445B-8A97-D4C520A3D64F}"/>
-              </a:ext>
-            </a:extLst>
-          </p:cNvPr>
-          <p:cNvSpPr txBox="1"/>
-          <p:nvPr/>
-        </p:nvSpPr>
-        <p:spPr>
-          <a:xfrm>
-            <a:off x="9889724" y="186431"/>
-            <a:ext cx="883062" cy="369332"/>
-          </a:xfrm>
-          <a:prstGeom prst="rect">
-            <a:avLst/>
-          </a:prstGeom>
-          <a:noFill/>
-        </p:spPr>
-        <p:txBody>
-          <a:bodyPr wrap="none" rtlCol="0">
-            <a:spAutoFit/>
-          </a:bodyPr>
-          <a:lstStyle/>
-          <a:p>
-            <a:r>
-              <a:rPr lang="en-IN" dirty="0"/>
-              <a:t>(Cont..)</a:t>
-            </a:r>
-          </a:p>
-        </p:txBody>
-      </p:sp>
-    </p:spTree>
-    <p:extLst>
-      <p:ext uri="{BB962C8B-B14F-4D97-AF65-F5344CB8AC3E}">
-        <p14:creationId xmlns:p14="http://schemas.microsoft.com/office/powerpoint/2010/main" val="2666520825"/>
-      </p:ext>
-    </p:extLst>
-  </p:cSld>
-  <p:clrMapOvr>
-    <a:masterClrMapping/>
-  </p:clrMapOvr>
-</p:sld>
-</file>
-
-<file path=ppt/slides/slide6.xml><?xml version="1.0" encoding="utf-8"?>
-<p:sld xmlns:a="http://schemas.openxmlformats.org/drawingml/2006/main" xmlns:r="http://schemas.openxmlformats.org/officeDocument/2006/relationships" xmlns:p="http://schemas.openxmlformats.org/presentationml/2006/main">
-  <p:cSld>
-    <p:spTree>
-      <p:nvGrpSpPr>
-        <p:cNvPr id="1" name=""/>
-        <p:cNvGrpSpPr/>
-        <p:nvPr/>
-      </p:nvGrpSpPr>
-      <p:grpSpPr>
-        <a:xfrm>
-          <a:off x="0" y="0"/>
-          <a:ext cx="0" cy="0"/>
-          <a:chOff x="0" y="0"/>
-          <a:chExt cx="0" cy="0"/>
-        </a:xfrm>
-      </p:grpSpPr>
-      <p:sp>
-        <p:nvSpPr>
-          <p:cNvPr id="3" name="Content Placeholder 2">
-            <a:extLst>
-              <a:ext uri="{FF2B5EF4-FFF2-40B4-BE49-F238E27FC236}">
-                <a16:creationId xmlns:a16="http://schemas.microsoft.com/office/drawing/2014/main" id="{7B2C1657-724B-41B2-872C-4C5E16DB1BA9}"/>
-              </a:ext>
-            </a:extLst>
-          </p:cNvPr>
-          <p:cNvSpPr>
-            <a:spLocks noGrp="1"/>
-          </p:cNvSpPr>
-          <p:nvPr>
-            <p:ph idx="1"/>
-          </p:nvPr>
-        </p:nvSpPr>
-        <p:spPr>
-          <a:xfrm>
-            <a:off x="985420" y="648069"/>
-            <a:ext cx="10368379" cy="5528893"/>
-          </a:xfrm>
-        </p:spPr>
-        <p:txBody>
-          <a:bodyPr/>
-          <a:lstStyle/>
-          <a:p>
-            <a:pPr marL="0" indent="0">
-              <a:buNone/>
-            </a:pPr>
-            <a:r>
-              <a:rPr lang="en-IN" dirty="0"/>
-              <a:t>Other names for Thermoelectric Modules are </a:t>
-            </a:r>
-          </a:p>
-          <a:p>
-            <a:pPr marL="0" indent="0">
-              <a:buNone/>
-            </a:pPr>
-            <a:endParaRPr lang="en-IN" dirty="0"/>
-          </a:p>
-          <a:p>
-            <a:pPr marL="514350" indent="-514350">
-              <a:buFont typeface="+mj-lt"/>
-              <a:buAutoNum type="arabicPeriod"/>
-            </a:pPr>
-            <a:r>
-              <a:rPr lang="en-IN" dirty="0"/>
-              <a:t>Thermoelectric Cooler (TEC)</a:t>
-            </a:r>
-          </a:p>
-          <a:p>
-            <a:pPr marL="514350" indent="-514350">
-              <a:buFont typeface="+mj-lt"/>
-              <a:buAutoNum type="arabicPeriod"/>
-            </a:pPr>
-            <a:r>
-              <a:rPr lang="en-IN" dirty="0"/>
-              <a:t>Thermoelectric Generator (TEG)</a:t>
-            </a:r>
-          </a:p>
-          <a:p>
-            <a:pPr marL="514350" indent="-514350">
-              <a:buFont typeface="+mj-lt"/>
-              <a:buAutoNum type="arabicPeriod"/>
-            </a:pPr>
-            <a:r>
-              <a:rPr lang="en-IN" dirty="0"/>
-              <a:t>Peltier Cooler</a:t>
-            </a:r>
-          </a:p>
-          <a:p>
-            <a:pPr marL="514350" indent="-514350">
-              <a:buFont typeface="+mj-lt"/>
-              <a:buAutoNum type="arabicPeriod"/>
-            </a:pPr>
-            <a:r>
-              <a:rPr lang="en-IN" dirty="0"/>
-              <a:t>Peltier Plates</a:t>
-            </a:r>
-          </a:p>
-          <a:p>
-            <a:pPr marL="514350" indent="-514350">
-              <a:buFont typeface="+mj-lt"/>
-              <a:buAutoNum type="arabicPeriod"/>
-            </a:pPr>
-            <a:r>
-              <a:rPr lang="en-IN" dirty="0"/>
-              <a:t>Peltier modules etc.</a:t>
-            </a:r>
-          </a:p>
-        </p:txBody>
-      </p:sp>
-      <p:sp>
-        <p:nvSpPr>
-          <p:cNvPr id="2" name="Date Placeholder 1">
-            <a:extLst>
-              <a:ext uri="{FF2B5EF4-FFF2-40B4-BE49-F238E27FC236}">
-                <a16:creationId xmlns:a16="http://schemas.microsoft.com/office/drawing/2014/main" id="{147E7CF2-4E33-4CDA-B5AF-373D24CAF0E9}"/>
-              </a:ext>
-            </a:extLst>
-          </p:cNvPr>
-          <p:cNvSpPr>
-            <a:spLocks noGrp="1"/>
-          </p:cNvSpPr>
-          <p:nvPr>
-            <p:ph type="dt" sz="half" idx="10"/>
-          </p:nvPr>
-        </p:nvSpPr>
-        <p:spPr/>
-        <p:txBody>
-          <a:bodyPr/>
-          <a:lstStyle/>
-          <a:p>
-            <a:fld id="{B025FF05-F4BF-4C33-95C0-6174C564A86A}" type="datetime1">
-              <a:rPr lang="en-US" smtClean="0"/>
-              <a:pPr/>
-              <a:t>17-Dec-19</a:t>
-            </a:fld>
-            <a:endParaRPr lang="en-US"/>
-          </a:p>
-        </p:txBody>
-      </p:sp>
-      <p:sp>
-        <p:nvSpPr>
-          <p:cNvPr id="4" name="Slide Number Placeholder 3">
-            <a:extLst>
-              <a:ext uri="{FF2B5EF4-FFF2-40B4-BE49-F238E27FC236}">
-                <a16:creationId xmlns:a16="http://schemas.microsoft.com/office/drawing/2014/main" id="{C2A54E67-C11B-49BC-9CC7-43EB909AFFBD}"/>
-              </a:ext>
-            </a:extLst>
-          </p:cNvPr>
-          <p:cNvSpPr>
-            <a:spLocks noGrp="1"/>
-          </p:cNvSpPr>
-          <p:nvPr>
-            <p:ph type="sldNum" sz="quarter" idx="12"/>
-          </p:nvPr>
-        </p:nvSpPr>
-        <p:spPr/>
-        <p:txBody>
-          <a:bodyPr/>
-          <a:lstStyle/>
-          <a:p>
-            <a:fld id="{330EA680-D336-4FF7-8B7A-9848BB0A1C32}" type="slidenum">
-              <a:rPr lang="en-US" smtClean="0"/>
-              <a:pPr/>
-              <a:t>6</a:t>
-            </a:fld>
-            <a:endParaRPr lang="en-US"/>
-          </a:p>
-        </p:txBody>
-      </p:sp>
-      <p:sp>
-        <p:nvSpPr>
-          <p:cNvPr id="5" name="TextBox 4">
-            <a:extLst>
-              <a:ext uri="{FF2B5EF4-FFF2-40B4-BE49-F238E27FC236}">
-                <a16:creationId xmlns:a16="http://schemas.microsoft.com/office/drawing/2014/main" id="{831C6596-C55F-4A95-B0DF-E556E6C1C047}"/>
-              </a:ext>
-            </a:extLst>
-          </p:cNvPr>
-          <p:cNvSpPr txBox="1"/>
-          <p:nvPr/>
-        </p:nvSpPr>
-        <p:spPr>
-          <a:xfrm>
-            <a:off x="10386874" y="204186"/>
-            <a:ext cx="883062" cy="369332"/>
-          </a:xfrm>
-          <a:prstGeom prst="rect">
-            <a:avLst/>
-          </a:prstGeom>
-          <a:noFill/>
-        </p:spPr>
-        <p:txBody>
-          <a:bodyPr wrap="none" rtlCol="0">
-            <a:spAutoFit/>
-          </a:bodyPr>
-          <a:lstStyle/>
-          <a:p>
-            <a:r>
-              <a:rPr lang="en-IN" dirty="0"/>
-              <a:t>(Cont..)</a:t>
-            </a:r>
-          </a:p>
-        </p:txBody>
-      </p:sp>
-    </p:spTree>
-    <p:extLst>
-      <p:ext uri="{BB962C8B-B14F-4D97-AF65-F5344CB8AC3E}">
-        <p14:creationId xmlns:p14="http://schemas.microsoft.com/office/powerpoint/2010/main" val="184010305"/>
-      </p:ext>
-    </p:extLst>
-  </p:cSld>
-  <p:clrMapOvr>
-    <a:masterClrMapping/>
-  </p:clrMapOvr>
-</p:sld>
-</file>
-
-<file path=ppt/slides/slide7.xml><?xml version="1.0" encoding="utf-8"?>
-<p:sld xmlns:a="http://schemas.openxmlformats.org/drawingml/2006/main" xmlns:r="http://schemas.openxmlformats.org/officeDocument/2006/relationships" xmlns:p="http://schemas.openxmlformats.org/presentationml/2006/main">
-  <p:cSld>
-    <p:spTree>
-      <p:nvGrpSpPr>
-        <p:cNvPr id="1" name=""/>
-        <p:cNvGrpSpPr/>
-        <p:nvPr/>
-      </p:nvGrpSpPr>
-      <p:grpSpPr>
-        <a:xfrm>
-          <a:off x="0" y="0"/>
-          <a:ext cx="0" cy="0"/>
-          <a:chOff x="0" y="0"/>
-          <a:chExt cx="0" cy="0"/>
-        </a:xfrm>
-      </p:grpSpPr>
-      <p:sp>
-        <p:nvSpPr>
-          <p:cNvPr id="2" name="Title 1">
-            <a:extLst>
-              <a:ext uri="{FF2B5EF4-FFF2-40B4-BE49-F238E27FC236}">
-                <a16:creationId xmlns:a16="http://schemas.microsoft.com/office/drawing/2014/main" id="{FA1AED93-D631-4750-A8CD-6385D2509F9E}"/>
-              </a:ext>
-            </a:extLst>
-          </p:cNvPr>
-          <p:cNvSpPr>
-            <a:spLocks noGrp="1"/>
-          </p:cNvSpPr>
-          <p:nvPr>
-            <p:ph type="title"/>
-          </p:nvPr>
-        </p:nvSpPr>
-        <p:spPr/>
-        <p:txBody>
-          <a:bodyPr>
-            <a:normAutofit/>
-          </a:bodyPr>
-          <a:lstStyle/>
-          <a:p>
-            <a:pPr algn="ctr"/>
-            <a:r>
-              <a:rPr lang="en-IN" sz="3600" b="1" u="sng" dirty="0">
-                <a:solidFill>
-                  <a:srgbClr val="FF0000"/>
-                </a:solidFill>
-              </a:rPr>
-              <a:t>Literature Survey</a:t>
-            </a:r>
-          </a:p>
-        </p:txBody>
-      </p:sp>
-      <p:sp>
-        <p:nvSpPr>
-          <p:cNvPr id="3" name="Content Placeholder 2">
-            <a:extLst>
-              <a:ext uri="{FF2B5EF4-FFF2-40B4-BE49-F238E27FC236}">
-                <a16:creationId xmlns:a16="http://schemas.microsoft.com/office/drawing/2014/main" id="{DA0FC9D6-47CD-4CF9-8A42-843B7D1FE18F}"/>
-              </a:ext>
-            </a:extLst>
-          </p:cNvPr>
-          <p:cNvSpPr>
-            <a:spLocks noGrp="1"/>
-          </p:cNvSpPr>
-          <p:nvPr>
-            <p:ph idx="1"/>
-          </p:nvPr>
-        </p:nvSpPr>
-        <p:spPr>
-          <a:xfrm>
-            <a:off x="838200" y="1384917"/>
-            <a:ext cx="10515600" cy="4792046"/>
-          </a:xfrm>
-        </p:spPr>
-        <p:txBody>
-          <a:bodyPr>
-            <a:normAutofit fontScale="92500"/>
-          </a:bodyPr>
-          <a:lstStyle/>
-          <a:p>
-            <a:pPr algn="just">
-              <a:lnSpc>
-                <a:spcPct val="150000"/>
-              </a:lnSpc>
-              <a:buFont typeface="Wingdings" panose="05000000000000000000" pitchFamily="2" charset="2"/>
-              <a:buChar char="Ø"/>
-            </a:pPr>
-            <a:r>
-              <a:rPr lang="en-IN" sz="2400" dirty="0"/>
-              <a:t>The discussion on thermoelectric effect start from 1822, Thomas Johann Seebeck has found a relation between temperature difference and the magnetic field. This is known as the  </a:t>
-            </a:r>
-            <a:r>
-              <a:rPr lang="en-IN" sz="2400" b="1" dirty="0"/>
-              <a:t>Seebeck Effect</a:t>
-            </a:r>
-            <a:r>
-              <a:rPr lang="en-IN" sz="2400" dirty="0"/>
-              <a:t>.</a:t>
-            </a:r>
-          </a:p>
-          <a:p>
-            <a:pPr algn="just">
-              <a:lnSpc>
-                <a:spcPct val="150000"/>
-              </a:lnSpc>
-              <a:buFont typeface="Wingdings" panose="05000000000000000000" pitchFamily="2" charset="2"/>
-              <a:buChar char="Ø"/>
-            </a:pPr>
-            <a:r>
-              <a:rPr lang="en-IN" sz="2400" dirty="0"/>
-              <a:t>Later in 1834, Peltier found that an electric current would produce heating or cooling at the junction of two dissimilar metals. This is known as the</a:t>
-            </a:r>
-            <a:r>
-              <a:rPr lang="en-IN" sz="2400" b="1" dirty="0"/>
-              <a:t> Peltier Effect</a:t>
-            </a:r>
-            <a:r>
-              <a:rPr lang="en-IN" sz="2400" dirty="0"/>
-              <a:t>.</a:t>
-            </a:r>
-          </a:p>
-          <a:p>
-            <a:pPr algn="just">
-              <a:lnSpc>
-                <a:spcPct val="150000"/>
-              </a:lnSpc>
-              <a:buFont typeface="Wingdings" panose="05000000000000000000" pitchFamily="2" charset="2"/>
-              <a:buChar char="Ø"/>
-            </a:pPr>
-            <a:r>
-              <a:rPr lang="en-IN" sz="2400" dirty="0"/>
-              <a:t>In 1854, William Thomson  (Lord Kelvin) described the interrelationship between Seebeck Effect and Peltier Effect through thermodynamics. This relation leads to predict the third thermoelectric effect. Now known as the </a:t>
-            </a:r>
-            <a:r>
-              <a:rPr lang="en-IN" sz="2400" b="1" dirty="0"/>
-              <a:t>Thomson Effect.</a:t>
-            </a:r>
-          </a:p>
-        </p:txBody>
-      </p:sp>
-      <p:sp>
-        <p:nvSpPr>
-          <p:cNvPr id="4" name="Date Placeholder 3">
-            <a:extLst>
-              <a:ext uri="{FF2B5EF4-FFF2-40B4-BE49-F238E27FC236}">
-                <a16:creationId xmlns:a16="http://schemas.microsoft.com/office/drawing/2014/main" id="{CAB0D85C-F73C-4511-87CC-1687ED8DEB98}"/>
-              </a:ext>
-            </a:extLst>
-          </p:cNvPr>
-          <p:cNvSpPr>
-            <a:spLocks noGrp="1"/>
-          </p:cNvSpPr>
-          <p:nvPr>
-            <p:ph type="dt" sz="half" idx="10"/>
-          </p:nvPr>
-        </p:nvSpPr>
-        <p:spPr/>
-        <p:txBody>
-          <a:bodyPr/>
-          <a:lstStyle/>
-          <a:p>
-            <a:fld id="{7E3FDB0B-B014-4C47-949F-40696701F18D}" type="datetime1">
-              <a:rPr lang="en-US" smtClean="0"/>
-              <a:pPr/>
-              <a:t>17-Dec-19</a:t>
-            </a:fld>
-            <a:endParaRPr lang="en-US"/>
-          </a:p>
-        </p:txBody>
-      </p:sp>
-      <p:sp>
-        <p:nvSpPr>
-          <p:cNvPr id="5" name="Slide Number Placeholder 4">
-            <a:extLst>
-              <a:ext uri="{FF2B5EF4-FFF2-40B4-BE49-F238E27FC236}">
-                <a16:creationId xmlns:a16="http://schemas.microsoft.com/office/drawing/2014/main" id="{8B561E86-0082-40DC-9804-58BC6D3E288E}"/>
-              </a:ext>
-            </a:extLst>
-          </p:cNvPr>
-          <p:cNvSpPr>
-            <a:spLocks noGrp="1"/>
-          </p:cNvSpPr>
-          <p:nvPr>
-            <p:ph type="sldNum" sz="quarter" idx="12"/>
-          </p:nvPr>
-        </p:nvSpPr>
-        <p:spPr/>
-        <p:txBody>
-          <a:bodyPr/>
-          <a:lstStyle/>
-          <a:p>
-            <a:fld id="{330EA680-D336-4FF7-8B7A-9848BB0A1C32}" type="slidenum">
-              <a:rPr lang="en-US" smtClean="0"/>
-              <a:pPr/>
-              <a:t>7</a:t>
-            </a:fld>
-            <a:endParaRPr lang="en-US"/>
-          </a:p>
-        </p:txBody>
-      </p:sp>
-    </p:spTree>
-    <p:extLst>
-      <p:ext uri="{BB962C8B-B14F-4D97-AF65-F5344CB8AC3E}">
-        <p14:creationId xmlns:p14="http://schemas.microsoft.com/office/powerpoint/2010/main" val="933591299"/>
-      </p:ext>
-    </p:extLst>
-  </p:cSld>
-  <p:clrMapOvr>
-    <a:masterClrMapping/>
-  </p:clrMapOvr>
-</p:sld>
-</file>
-
-<file path=ppt/slides/slide8.xml><?xml version="1.0" encoding="utf-8"?>
-<p:sld xmlns:a="http://schemas.openxmlformats.org/drawingml/2006/main" xmlns:r="http://schemas.openxmlformats.org/officeDocument/2006/relationships" xmlns:p="http://schemas.openxmlformats.org/presentationml/2006/main">
-  <p:cSld>
-    <p:spTree>
-      <p:nvGrpSpPr>
-        <p:cNvPr id="1" name=""/>
-        <p:cNvGrpSpPr/>
-        <p:nvPr/>
-      </p:nvGrpSpPr>
-      <p:grpSpPr>
-        <a:xfrm>
-          <a:off x="0" y="0"/>
-          <a:ext cx="0" cy="0"/>
-          <a:chOff x="0" y="0"/>
-          <a:chExt cx="0" cy="0"/>
-        </a:xfrm>
-      </p:grpSpPr>
-      <p:sp>
-        <p:nvSpPr>
-          <p:cNvPr id="3" name="Content Placeholder 2">
-            <a:extLst>
-              <a:ext uri="{FF2B5EF4-FFF2-40B4-BE49-F238E27FC236}">
-                <a16:creationId xmlns:a16="http://schemas.microsoft.com/office/drawing/2014/main" id="{A4DC2B1A-303F-41D4-9845-ABEE80207C00}"/>
-              </a:ext>
-            </a:extLst>
-          </p:cNvPr>
-          <p:cNvSpPr>
-            <a:spLocks noGrp="1"/>
-          </p:cNvSpPr>
-          <p:nvPr>
-            <p:ph idx="1"/>
-          </p:nvPr>
-        </p:nvSpPr>
-        <p:spPr>
-          <a:xfrm>
-            <a:off x="838200" y="656948"/>
-            <a:ext cx="10515600" cy="5520015"/>
-          </a:xfrm>
-        </p:spPr>
-        <p:txBody>
-          <a:bodyPr>
-            <a:normAutofit/>
-          </a:bodyPr>
-          <a:lstStyle/>
-          <a:p>
-            <a:pPr algn="just">
-              <a:lnSpc>
-                <a:spcPct val="150000"/>
-              </a:lnSpc>
-              <a:buFont typeface="Wingdings" panose="05000000000000000000" pitchFamily="2" charset="2"/>
-              <a:buChar char="Ø"/>
-            </a:pPr>
-            <a:r>
-              <a:rPr lang="en-US" sz="2400" dirty="0"/>
-              <a:t>In 1949 Abram Fedorovich Ioffe developed the modern theory of thermoelectricity using the concept of the '</a:t>
-            </a:r>
-            <a:r>
-              <a:rPr lang="en-US" sz="2400" b="1" dirty="0"/>
-              <a:t>figure of merit</a:t>
-            </a:r>
-            <a:r>
-              <a:rPr lang="en-US" sz="2400" dirty="0"/>
-              <a:t>’  ZT, culminating in the classic texts on Semiconductor Thermoelements and Thermoelectric Cooling (1956). Ioffe also promoted the use of the semiconductors in thermoelectrics and semiconductor physics to analyze results and optimize performance.</a:t>
-            </a:r>
-          </a:p>
-          <a:p>
-            <a:pPr algn="just">
-              <a:lnSpc>
-                <a:spcPct val="150000"/>
-              </a:lnSpc>
-              <a:buFont typeface="Wingdings" panose="05000000000000000000" pitchFamily="2" charset="2"/>
-              <a:buChar char="Ø"/>
-            </a:pPr>
-            <a:r>
-              <a:rPr lang="en-US" sz="2400" dirty="0"/>
-              <a:t>In 1954, H. Julian Goldsmid used thermoelements based on Bi</a:t>
-            </a:r>
-            <a:r>
-              <a:rPr lang="en-US" sz="1600" dirty="0"/>
-              <a:t>2</a:t>
-            </a:r>
-            <a:r>
-              <a:rPr lang="en-US" sz="2400" dirty="0"/>
-              <a:t>Te</a:t>
-            </a:r>
-            <a:r>
-              <a:rPr lang="en-US" sz="1600" dirty="0"/>
-              <a:t>3.</a:t>
-            </a:r>
-          </a:p>
-          <a:p>
-            <a:pPr algn="just">
-              <a:lnSpc>
-                <a:spcPct val="150000"/>
-              </a:lnSpc>
-              <a:buFont typeface="Wingdings" panose="05000000000000000000" pitchFamily="2" charset="2"/>
-              <a:buChar char="Ø"/>
-            </a:pPr>
-            <a:r>
-              <a:rPr lang="en-US" sz="2400" dirty="0"/>
-              <a:t>After 2000, there are so many improvements in the thermoelectric materials to improve ZT.</a:t>
-            </a:r>
-          </a:p>
-          <a:p>
-            <a:pPr marL="0" indent="0" algn="just">
-              <a:lnSpc>
-                <a:spcPct val="150000"/>
-              </a:lnSpc>
-              <a:buNone/>
-            </a:pPr>
-            <a:endParaRPr lang="en-IN" sz="2400" dirty="0"/>
-          </a:p>
-        </p:txBody>
-      </p:sp>
-      <p:sp>
-        <p:nvSpPr>
-          <p:cNvPr id="4" name="Date Placeholder 3">
-            <a:extLst>
-              <a:ext uri="{FF2B5EF4-FFF2-40B4-BE49-F238E27FC236}">
-                <a16:creationId xmlns:a16="http://schemas.microsoft.com/office/drawing/2014/main" id="{D20A8E76-8DBF-4E8C-B4D9-7B7124146F77}"/>
-              </a:ext>
-            </a:extLst>
-          </p:cNvPr>
-          <p:cNvSpPr>
-            <a:spLocks noGrp="1"/>
-          </p:cNvSpPr>
-          <p:nvPr>
-            <p:ph type="dt" sz="half" idx="10"/>
-          </p:nvPr>
-        </p:nvSpPr>
-        <p:spPr/>
-        <p:txBody>
-          <a:bodyPr/>
-          <a:lstStyle/>
-          <a:p>
-            <a:fld id="{7E3FDB0B-B014-4C47-949F-40696701F18D}" type="datetime1">
-              <a:rPr lang="en-US" smtClean="0"/>
-              <a:pPr/>
-              <a:t>17-Dec-19</a:t>
-            </a:fld>
-            <a:endParaRPr lang="en-US"/>
-          </a:p>
-        </p:txBody>
-      </p:sp>
-      <p:sp>
-        <p:nvSpPr>
-          <p:cNvPr id="5" name="Slide Number Placeholder 4">
-            <a:extLst>
-              <a:ext uri="{FF2B5EF4-FFF2-40B4-BE49-F238E27FC236}">
-                <a16:creationId xmlns:a16="http://schemas.microsoft.com/office/drawing/2014/main" id="{03D137EE-B0FE-4AA1-B9EE-55184218D88E}"/>
-              </a:ext>
-            </a:extLst>
-          </p:cNvPr>
-          <p:cNvSpPr>
-            <a:spLocks noGrp="1"/>
-          </p:cNvSpPr>
-          <p:nvPr>
-            <p:ph type="sldNum" sz="quarter" idx="12"/>
-          </p:nvPr>
-        </p:nvSpPr>
-        <p:spPr/>
-        <p:txBody>
-          <a:bodyPr/>
-          <a:lstStyle/>
-          <a:p>
-            <a:fld id="{330EA680-D336-4FF7-8B7A-9848BB0A1C32}" type="slidenum">
-              <a:rPr lang="en-US" smtClean="0"/>
-              <a:pPr/>
-              <a:t>8</a:t>
-            </a:fld>
-            <a:endParaRPr lang="en-US"/>
-          </a:p>
-        </p:txBody>
-      </p:sp>
-      <p:sp>
-        <p:nvSpPr>
-          <p:cNvPr id="6" name="TextBox 5">
-            <a:extLst>
-              <a:ext uri="{FF2B5EF4-FFF2-40B4-BE49-F238E27FC236}">
-                <a16:creationId xmlns:a16="http://schemas.microsoft.com/office/drawing/2014/main" id="{06B30082-76F0-43BB-9541-7FB2FD48780D}"/>
-              </a:ext>
-            </a:extLst>
-          </p:cNvPr>
-          <p:cNvSpPr txBox="1"/>
-          <p:nvPr/>
-        </p:nvSpPr>
-        <p:spPr>
-          <a:xfrm>
-            <a:off x="10520039" y="204186"/>
-            <a:ext cx="883062" cy="369332"/>
-          </a:xfrm>
-          <a:prstGeom prst="rect">
-            <a:avLst/>
-          </a:prstGeom>
-          <a:noFill/>
-        </p:spPr>
-        <p:txBody>
-          <a:bodyPr wrap="none" rtlCol="0">
-            <a:spAutoFit/>
-          </a:bodyPr>
-          <a:lstStyle/>
-          <a:p>
-            <a:r>
-              <a:rPr lang="en-IN" dirty="0"/>
-              <a:t>(Cont..)</a:t>
-            </a:r>
-          </a:p>
-        </p:txBody>
-      </p:sp>
-    </p:spTree>
-    <p:extLst>
-      <p:ext uri="{BB962C8B-B14F-4D97-AF65-F5344CB8AC3E}">
-        <p14:creationId xmlns:p14="http://schemas.microsoft.com/office/powerpoint/2010/main" val="1381813234"/>
-      </p:ext>
-    </p:extLst>
-  </p:cSld>
-  <p:clrMapOvr>
-    <a:masterClrMapping/>
-  </p:clrMapOvr>
-</p:sld>
-</file>
-
-<file path=ppt/slides/slide9.xml><?xml version="1.0" encoding="utf-8"?>
-<p:sld xmlns:a="http://schemas.openxmlformats.org/drawingml/2006/main" xmlns:r="http://schemas.openxmlformats.org/officeDocument/2006/relationships" xmlns:p="http://schemas.openxmlformats.org/presentationml/2006/main">
-  <p:cSld>
-    <p:spTree>
-      <p:nvGrpSpPr>
-        <p:cNvPr id="1" name=""/>
-        <p:cNvGrpSpPr/>
-        <p:nvPr/>
-      </p:nvGrpSpPr>
-      <p:grpSpPr>
-        <a:xfrm>
-          <a:off x="0" y="0"/>
-          <a:ext cx="0" cy="0"/>
-          <a:chOff x="0" y="0"/>
-          <a:chExt cx="0" cy="0"/>
-        </a:xfrm>
-      </p:grpSpPr>
-      <p:sp>
-        <p:nvSpPr>
-          <p:cNvPr id="3" name="Content Placeholder 2"/>
-          <p:cNvSpPr>
-            <a:spLocks noGrp="1"/>
-          </p:cNvSpPr>
-          <p:nvPr>
-            <p:ph idx="1"/>
-          </p:nvPr>
-        </p:nvSpPr>
-        <p:spPr>
-          <a:xfrm>
-            <a:off x="838200" y="568712"/>
-            <a:ext cx="10515600" cy="5608251"/>
-          </a:xfrm>
-        </p:spPr>
-        <p:txBody>
-          <a:bodyPr>
-            <a:noAutofit/>
-          </a:bodyPr>
-          <a:lstStyle/>
-          <a:p>
-            <a:pPr algn="just">
-              <a:lnSpc>
-                <a:spcPct val="150000"/>
-              </a:lnSpc>
-              <a:buFont typeface="Wingdings" pitchFamily="2" charset="2"/>
-              <a:buChar char="Ø"/>
-            </a:pPr>
-            <a:r>
-              <a:rPr lang="en-US" sz="2200" dirty="0"/>
-              <a:t>In 2007, Simon </a:t>
-            </a:r>
-            <a:r>
-              <a:rPr lang="en-US" sz="2200" dirty="0" err="1"/>
-              <a:t>Lineykin</a:t>
-            </a:r>
-            <a:r>
-              <a:rPr lang="en-US" sz="2200" dirty="0"/>
-              <a:t> and </a:t>
-            </a:r>
-            <a:r>
-              <a:rPr lang="en-US" sz="2200" dirty="0" err="1"/>
-              <a:t>Shumuel</a:t>
-            </a:r>
-            <a:r>
-              <a:rPr lang="en-US" sz="2200" dirty="0"/>
-              <a:t> Ben Yaakov proposed a simulation model from the datasheet for thermoelectric modules for the </a:t>
-            </a:r>
-            <a:r>
-              <a:rPr lang="en-US" sz="2200" dirty="0" err="1"/>
-              <a:t>softwares</a:t>
-            </a:r>
-            <a:r>
-              <a:rPr lang="en-US" sz="2200" dirty="0"/>
-              <a:t> like PSPICE.</a:t>
-            </a:r>
-          </a:p>
-          <a:p>
-            <a:pPr algn="just">
-              <a:lnSpc>
-                <a:spcPct val="150000"/>
-              </a:lnSpc>
-              <a:buFont typeface="Wingdings" pitchFamily="2" charset="2"/>
-              <a:buChar char="Ø"/>
-            </a:pPr>
-            <a:r>
-              <a:rPr lang="en-US" sz="2200" dirty="0"/>
-              <a:t>In 2013, Sri </a:t>
-            </a:r>
-            <a:r>
-              <a:rPr lang="en-US" sz="2200" dirty="0" err="1"/>
-              <a:t>Harsha</a:t>
-            </a:r>
-            <a:r>
-              <a:rPr lang="en-US" sz="2200" dirty="0"/>
-              <a:t> </a:t>
-            </a:r>
-            <a:r>
-              <a:rPr lang="en-US" sz="2200" dirty="0" err="1"/>
-              <a:t>Choday</a:t>
-            </a:r>
-            <a:r>
-              <a:rPr lang="en-US" sz="2200" dirty="0"/>
-              <a:t> proposed Thin-film Thermoelectric modules which can handle high heat flux and significant improvement in ZT , but this is not silicon compatible.</a:t>
-            </a:r>
-          </a:p>
-          <a:p>
-            <a:pPr algn="just">
-              <a:lnSpc>
-                <a:spcPct val="150000"/>
-              </a:lnSpc>
-              <a:buFont typeface="Wingdings" pitchFamily="2" charset="2"/>
-              <a:buChar char="Ø"/>
-            </a:pPr>
-            <a:r>
-              <a:rPr lang="en-US" sz="2200" dirty="0"/>
-              <a:t>In 2014, Robert </a:t>
-            </a:r>
-            <a:r>
-              <a:rPr lang="en-US" sz="2200" dirty="0" err="1"/>
-              <a:t>A.Porely</a:t>
-            </a:r>
-            <a:r>
-              <a:rPr lang="en-US" sz="2200" dirty="0"/>
-              <a:t> proposed Powder based Thick film Thermoelectric devices. These devices have great potential for Energy Harvesting.  </a:t>
-            </a:r>
-          </a:p>
-          <a:p>
-            <a:pPr algn="just">
-              <a:lnSpc>
-                <a:spcPct val="150000"/>
-              </a:lnSpc>
-              <a:buFont typeface="Wingdings" pitchFamily="2" charset="2"/>
-              <a:buChar char="Ø"/>
-            </a:pPr>
-            <a:r>
-              <a:rPr lang="en-US" sz="2200" dirty="0"/>
-              <a:t>In 2017, Hugo </a:t>
-            </a:r>
-            <a:r>
-              <a:rPr lang="en-US" sz="2200" dirty="0" err="1"/>
-              <a:t>Cesor</a:t>
-            </a:r>
-            <a:r>
-              <a:rPr lang="en-US" sz="2200" dirty="0"/>
-              <a:t> Rocha and </a:t>
-            </a:r>
-            <a:r>
-              <a:rPr lang="en-US" sz="2200" dirty="0" err="1"/>
-              <a:t>Protasio</a:t>
-            </a:r>
-            <a:r>
-              <a:rPr lang="en-US" sz="2200" dirty="0"/>
-              <a:t> De Souza proposed a method for the calculation of parameters of Thermoelectric Modules using </a:t>
-            </a:r>
-            <a:r>
-              <a:rPr lang="en-US" sz="2200" dirty="0" err="1"/>
-              <a:t>Harmen</a:t>
-            </a:r>
-            <a:r>
-              <a:rPr lang="en-US" sz="2200" dirty="0"/>
-              <a:t> Method and found out the degradation of modules due to degradation of microstructures of TEG solder junctions.</a:t>
-            </a:r>
-          </a:p>
-        </p:txBody>
-      </p:sp>
-      <p:sp>
-        <p:nvSpPr>
-          <p:cNvPr id="4" name="Date Placeholder 3"/>
-          <p:cNvSpPr>
-            <a:spLocks noGrp="1"/>
-          </p:cNvSpPr>
-          <p:nvPr>
-            <p:ph type="dt" sz="half" idx="10"/>
-          </p:nvPr>
-        </p:nvSpPr>
-        <p:spPr/>
-        <p:txBody>
-          <a:bodyPr/>
-          <a:lstStyle/>
-          <a:p>
-            <a:fld id="{7E3FDB0B-B014-4C47-949F-40696701F18D}" type="datetime1">
-              <a:rPr lang="en-US" smtClean="0"/>
-              <a:pPr/>
-              <a:t>17-Dec-19</a:t>
-            </a:fld>
-            <a:endParaRPr lang="en-US"/>
-          </a:p>
-        </p:txBody>
-      </p:sp>
-      <p:sp>
-        <p:nvSpPr>
-          <p:cNvPr id="5" name="Slide Number Placeholder 4"/>
-          <p:cNvSpPr>
-            <a:spLocks noGrp="1"/>
-          </p:cNvSpPr>
-          <p:nvPr>
-            <p:ph type="sldNum" sz="quarter" idx="12"/>
-          </p:nvPr>
-        </p:nvSpPr>
-        <p:spPr/>
-        <p:txBody>
-          <a:bodyPr/>
-          <a:lstStyle/>
-          <a:p>
-            <a:fld id="{330EA680-D336-4FF7-8B7A-9848BB0A1C32}" type="slidenum">
-              <a:rPr lang="en-US" smtClean="0"/>
-              <a:pPr/>
-              <a:t>9</a:t>
-            </a:fld>
-            <a:endParaRPr lang="en-US"/>
-          </a:p>
-        </p:txBody>
-      </p:sp>
-      <p:sp>
-        <p:nvSpPr>
-          <p:cNvPr id="6" name="TextBox 5">
-            <a:extLst>
-              <a:ext uri="{FF2B5EF4-FFF2-40B4-BE49-F238E27FC236}">
-                <a16:creationId xmlns:a16="http://schemas.microsoft.com/office/drawing/2014/main" id="{1C74CF54-1CB6-404B-B9FA-6EF7905E14D1}"/>
-              </a:ext>
-            </a:extLst>
-          </p:cNvPr>
-          <p:cNvSpPr txBox="1"/>
-          <p:nvPr/>
-        </p:nvSpPr>
-        <p:spPr>
-          <a:xfrm>
-            <a:off x="10520039" y="204186"/>
-            <a:ext cx="883062" cy="369332"/>
-          </a:xfrm>
-          <a:prstGeom prst="rect">
-            <a:avLst/>
-          </a:prstGeom>
-          <a:noFill/>
-        </p:spPr>
-        <p:txBody>
-          <a:bodyPr wrap="none" rtlCol="0">
-            <a:spAutoFit/>
-          </a:bodyPr>
-          <a:lstStyle/>
-          <a:p>
-            <a:r>
-              <a:rPr lang="en-IN" dirty="0"/>
-              <a:t>(Cont..)</a:t>
-            </a:r>
-          </a:p>
-        </p:txBody>
-      </p:sp>
-    </p:spTree>
   </p:cSld>
   <p:clrMapOvr>
     <a:masterClrMapping/>

--- a/First Review/First Oral Presentation.pptx
+++ b/First Review/First Oral Presentation.pptx
@@ -5187,13 +5187,19 @@
             <p:ph type="title"/>
           </p:nvPr>
         </p:nvSpPr>
-        <p:spPr/>
+        <p:spPr>
+          <a:xfrm>
+            <a:off x="838200" y="365126"/>
+            <a:ext cx="10515600" cy="1215100"/>
+          </a:xfrm>
+        </p:spPr>
         <p:txBody>
           <a:bodyPr>
             <a:normAutofit/>
           </a:bodyPr>
           <a:lstStyle/>
           <a:p>
+            <a:pPr algn="ctr"/>
             <a:r>
               <a:rPr lang="en-US" sz="3200" b="1" dirty="0">
                 <a:solidFill>
@@ -5202,8 +5208,23 @@
                   </a:schemeClr>
                 </a:solidFill>
               </a:rPr>
-              <a:t>                                           Objective</a:t>
-            </a:r>
+              <a:t> </a:t>
+            </a:r>
+            <a:r>
+              <a:rPr lang="en-IN" sz="3200" b="1" u="sng" dirty="0">
+                <a:solidFill>
+                  <a:srgbClr val="FF0000"/>
+                </a:solidFill>
+              </a:rPr>
+              <a:t>Description</a:t>
+            </a:r>
+            <a:endParaRPr lang="en-US" sz="3200" b="1" dirty="0">
+              <a:solidFill>
+                <a:schemeClr val="accent2">
+                  <a:lumMod val="75000"/>
+                </a:schemeClr>
+              </a:solidFill>
+            </a:endParaRPr>
           </a:p>
         </p:txBody>
       </p:sp>
@@ -5217,7 +5238,12 @@
             <p:ph idx="1"/>
           </p:nvPr>
         </p:nvSpPr>
-        <p:spPr/>
+        <p:spPr>
+          <a:xfrm>
+            <a:off x="838200" y="1260629"/>
+            <a:ext cx="10515600" cy="4190260"/>
+          </a:xfrm>
+        </p:spPr>
         <p:txBody>
           <a:bodyPr/>
           <a:lstStyle/>
@@ -5225,18 +5251,30 @@
             <a:endParaRPr lang="en-US" dirty="0"/>
           </a:p>
           <a:p>
+            <a:pPr>
+              <a:buFont typeface="Wingdings" panose="05000000000000000000" pitchFamily="2" charset="2"/>
+              <a:buChar char="Ø"/>
+            </a:pPr>
             <a:r>
               <a:rPr lang="en-US" dirty="0"/>
               <a:t>Power system fault diagnosis is the process of analyzing historical fault data to detect and predict current  or future fault.</a:t>
             </a:r>
           </a:p>
           <a:p>
+            <a:pPr>
+              <a:buFont typeface="Wingdings" panose="05000000000000000000" pitchFamily="2" charset="2"/>
+              <a:buChar char="Ø"/>
+            </a:pPr>
             <a:r>
               <a:rPr lang="en-US" dirty="0"/>
               <a:t>The objective of our project is to find out the faults in transmission line  and to  classify them.</a:t>
             </a:r>
           </a:p>
           <a:p>
+            <a:pPr>
+              <a:buFont typeface="Wingdings" panose="05000000000000000000" pitchFamily="2" charset="2"/>
+              <a:buChar char="Ø"/>
+            </a:pPr>
             <a:r>
               <a:rPr lang="en-US" dirty="0"/>
               <a:t>By using artificial intelligence techniques in power systems we can  identify faults effectively to minimize the time.</a:t>
@@ -5357,8 +5395,8 @@
         </p:nvSpPr>
         <p:spPr>
           <a:xfrm>
-            <a:off x="480646" y="363520"/>
-            <a:ext cx="12192000" cy="584775"/>
+            <a:off x="838200" y="354643"/>
+            <a:ext cx="10622872" cy="584775"/>
           </a:xfrm>
           <a:prstGeom prst="rect">
             <a:avLst/>
@@ -5411,7 +5449,7 @@
           </a:bodyPr>
           <a:lstStyle/>
           <a:p>
-            <a:pPr marL="342900" indent="-342900" algn="l">
+            <a:pPr marL="342900" indent="-342900" algn="just">
               <a:lnSpc>
                 <a:spcPct val="150000"/>
               </a:lnSpc>
@@ -5424,7 +5462,7 @@
             </a:r>
           </a:p>
           <a:p>
-            <a:pPr marL="342900" indent="-342900" algn="l">
+            <a:pPr marL="342900" indent="-342900" algn="just">
               <a:lnSpc>
                 <a:spcPct val="150000"/>
               </a:lnSpc>
@@ -5437,7 +5475,7 @@
             </a:r>
           </a:p>
           <a:p>
-            <a:pPr marL="342900" indent="-342900" algn="l">
+            <a:pPr marL="342900" indent="-342900" algn="just">
               <a:lnSpc>
                 <a:spcPct val="150000"/>
               </a:lnSpc>
@@ -5593,7 +5631,7 @@
           <a:bodyPr/>
           <a:lstStyle/>
           <a:p>
-            <a:pPr>
+            <a:pPr algn="just">
               <a:buFont typeface="Wingdings" panose="05000000000000000000" pitchFamily="2" charset="2"/>
               <a:buChar char="Ø"/>
             </a:pPr>
@@ -5603,7 +5641,7 @@
             </a:r>
           </a:p>
           <a:p>
-            <a:pPr>
+            <a:pPr algn="just">
               <a:buFont typeface="Wingdings" panose="05000000000000000000" pitchFamily="2" charset="2"/>
               <a:buChar char="Ø"/>
             </a:pPr>
@@ -5874,18 +5912,30 @@
           <a:bodyPr/>
           <a:lstStyle/>
           <a:p>
+            <a:pPr algn="just">
+              <a:buFont typeface="Wingdings" panose="05000000000000000000" pitchFamily="2" charset="2"/>
+              <a:buChar char="Ø"/>
+            </a:pPr>
             <a:r>
               <a:rPr lang="en-US" dirty="0"/>
               <a:t>The safety operation of power system are faced with challenges as the load increases and the scale of the grid expands.</a:t>
             </a:r>
           </a:p>
           <a:p>
+            <a:pPr algn="just">
+              <a:buFont typeface="Wingdings" panose="05000000000000000000" pitchFamily="2" charset="2"/>
+              <a:buChar char="Ø"/>
+            </a:pPr>
             <a:r>
               <a:rPr lang="en-US" dirty="0"/>
               <a:t>The faults in the power system causes large scale outage problem which leads to huge loss. </a:t>
             </a:r>
           </a:p>
           <a:p>
+            <a:pPr algn="just">
+              <a:buFont typeface="Wingdings" panose="05000000000000000000" pitchFamily="2" charset="2"/>
+              <a:buChar char="Ø"/>
+            </a:pPr>
             <a:r>
               <a:rPr lang="en-US" dirty="0"/>
               <a:t>After </a:t>

--- a/First Review/First Oral Presentation.pptx
+++ b/First Review/First Oral Presentation.pptx
@@ -118,7 +118,7 @@
   </p:defaultTextStyle>
   <p:extLst>
     <p:ext uri="{EFAFB233-063F-42B5-8137-9DF3F51BA10A}">
-      <p15:sldGuideLst xmlns:p15="http://schemas.microsoft.com/office/powerpoint/2012/main">
+      <p15:sldGuideLst xmlns:p15="http://schemas.microsoft.com/office/powerpoint/2012/main" xmlns="">
         <p15:guide id="1" orient="horz" pos="2160">
           <p15:clr>
             <a:srgbClr val="A4A3A4"/>
@@ -976,7 +976,7 @@
             <a:fld id="{7D1AF1CA-FD27-4437-9CAD-DD56B5418F4E}" type="datetime1">
               <a:rPr lang="en-US" smtClean="0"/>
               <a:pPr/>
-              <a:t>18-Dec-19</a:t>
+              <a:t>12/18/2019</a:t>
             </a:fld>
             <a:endParaRPr lang="en-US"/>
           </a:p>
@@ -1149,7 +1149,7 @@
             <a:fld id="{B8BB03FA-AEC6-496F-8A81-D8B322B5D797}" type="datetime1">
               <a:rPr lang="en-US" smtClean="0"/>
               <a:pPr/>
-              <a:t>18-Dec-19</a:t>
+              <a:t>12/18/2019</a:t>
             </a:fld>
             <a:endParaRPr lang="en-US"/>
           </a:p>
@@ -1332,7 +1332,7 @@
             <a:fld id="{0E6D40E8-755A-4A9E-8203-7D540D0C4D6C}" type="datetime1">
               <a:rPr lang="en-US" smtClean="0"/>
               <a:pPr/>
-              <a:t>18-Dec-19</a:t>
+              <a:t>12/18/2019</a:t>
             </a:fld>
             <a:endParaRPr lang="en-US"/>
           </a:p>
@@ -1505,7 +1505,7 @@
             <a:fld id="{7E3FDB0B-B014-4C47-949F-40696701F18D}" type="datetime1">
               <a:rPr lang="en-US" smtClean="0"/>
               <a:pPr/>
-              <a:t>18-Dec-19</a:t>
+              <a:t>12/18/2019</a:t>
             </a:fld>
             <a:endParaRPr lang="en-US"/>
           </a:p>
@@ -1755,7 +1755,7 @@
             <a:fld id="{56A4027D-C39B-4028-B8BF-317DD87D366F}" type="datetime1">
               <a:rPr lang="en-US" smtClean="0"/>
               <a:pPr/>
-              <a:t>18-Dec-19</a:t>
+              <a:t>12/18/2019</a:t>
             </a:fld>
             <a:endParaRPr lang="en-US"/>
           </a:p>
@@ -1989,7 +1989,7 @@
             <a:fld id="{F929062A-9710-4020-9B03-34EA22284D0C}" type="datetime1">
               <a:rPr lang="en-US" smtClean="0"/>
               <a:pPr/>
-              <a:t>18-Dec-19</a:t>
+              <a:t>12/18/2019</a:t>
             </a:fld>
             <a:endParaRPr lang="en-US"/>
           </a:p>
@@ -2358,7 +2358,7 @@
             <a:fld id="{4B2152DA-6FB1-4EDE-8BB4-888167B9355B}" type="datetime1">
               <a:rPr lang="en-US" smtClean="0"/>
               <a:pPr/>
-              <a:t>18-Dec-19</a:t>
+              <a:t>12/18/2019</a:t>
             </a:fld>
             <a:endParaRPr lang="en-US"/>
           </a:p>
@@ -2480,7 +2480,7 @@
             <a:fld id="{55429E5B-FFDD-47CA-AE66-D39F45E52B55}" type="datetime1">
               <a:rPr lang="en-US" smtClean="0"/>
               <a:pPr/>
-              <a:t>18-Dec-19</a:t>
+              <a:t>12/18/2019</a:t>
             </a:fld>
             <a:endParaRPr lang="en-US"/>
           </a:p>
@@ -2580,7 +2580,7 @@
             <a:fld id="{3C36C040-CCB1-4266-9346-A8F110B24665}" type="datetime1">
               <a:rPr lang="en-US" smtClean="0"/>
               <a:pPr/>
-              <a:t>18-Dec-19</a:t>
+              <a:t>12/18/2019</a:t>
             </a:fld>
             <a:endParaRPr lang="en-US"/>
           </a:p>
@@ -2860,7 +2860,7 @@
             <a:fld id="{DDD8B0CE-3257-4B5B-B2F0-94303DB42A1F}" type="datetime1">
               <a:rPr lang="en-US" smtClean="0"/>
               <a:pPr/>
-              <a:t>18-Dec-19</a:t>
+              <a:t>12/18/2019</a:t>
             </a:fld>
             <a:endParaRPr lang="en-US"/>
           </a:p>
@@ -3120,7 +3120,7 @@
             <a:fld id="{FCF577C3-74B1-42E7-853A-25836E4163F3}" type="datetime1">
               <a:rPr lang="en-US" smtClean="0"/>
               <a:pPr/>
-              <a:t>18-Dec-19</a:t>
+              <a:t>12/18/2019</a:t>
             </a:fld>
             <a:endParaRPr lang="en-US"/>
           </a:p>
@@ -3339,7 +3339,7 @@
             <a:fld id="{AC29328E-BEF7-443D-BAE5-BD9F671E0CEA}" type="datetime1">
               <a:rPr lang="en-US" smtClean="0"/>
               <a:pPr/>
-              <a:t>18-Dec-19</a:t>
+              <a:t>12/18/2019</a:t>
             </a:fld>
             <a:endParaRPr lang="en-US"/>
           </a:p>
@@ -3754,7 +3754,7 @@
           <p:cNvPr id="5" name="Rectangle 4">
             <a:extLst>
               <a:ext uri="{FF2B5EF4-FFF2-40B4-BE49-F238E27FC236}">
-                <a16:creationId xmlns:a16="http://schemas.microsoft.com/office/drawing/2014/main" id="{C409AC58-2162-4EEC-B138-250DBBF30288}"/>
+                <a16:creationId xmlns:a16="http://schemas.microsoft.com/office/drawing/2014/main" xmlns="" id="{C409AC58-2162-4EEC-B138-250DBBF30288}"/>
               </a:ext>
             </a:extLst>
           </p:cNvPr>
@@ -4133,7 +4133,7 @@
           <p:cNvPr id="2" name="Date Placeholder 1">
             <a:extLst>
               <a:ext uri="{FF2B5EF4-FFF2-40B4-BE49-F238E27FC236}">
-                <a16:creationId xmlns:a16="http://schemas.microsoft.com/office/drawing/2014/main" id="{1FEBBEBC-180F-4554-9433-0F45F01ADA17}"/>
+                <a16:creationId xmlns:a16="http://schemas.microsoft.com/office/drawing/2014/main" xmlns="" id="{1FEBBEBC-180F-4554-9433-0F45F01ADA17}"/>
               </a:ext>
             </a:extLst>
           </p:cNvPr>
@@ -4152,7 +4152,7 @@
             <a:fld id="{5631755A-7F1F-43D1-B420-8FE5AAB03653}" type="datetime1">
               <a:rPr lang="en-US" smtClean="0"/>
               <a:pPr/>
-              <a:t>18-Dec-19</a:t>
+              <a:t>12/18/2019</a:t>
             </a:fld>
             <a:endParaRPr lang="en-US"/>
           </a:p>
@@ -4163,7 +4163,7 @@
           <p:cNvPr id="3" name="Slide Number Placeholder 2">
             <a:extLst>
               <a:ext uri="{FF2B5EF4-FFF2-40B4-BE49-F238E27FC236}">
-                <a16:creationId xmlns:a16="http://schemas.microsoft.com/office/drawing/2014/main" id="{22219251-2539-4EA6-9027-2F2AE5C97949}"/>
+                <a16:creationId xmlns:a16="http://schemas.microsoft.com/office/drawing/2014/main" xmlns="" id="{22219251-2539-4EA6-9027-2F2AE5C97949}"/>
               </a:ext>
             </a:extLst>
           </p:cNvPr>
@@ -4193,7 +4193,7 @@
           <p:cNvPr id="6" name="Table 6">
             <a:extLst>
               <a:ext uri="{FF2B5EF4-FFF2-40B4-BE49-F238E27FC236}">
-                <a16:creationId xmlns:a16="http://schemas.microsoft.com/office/drawing/2014/main" id="{B83DB7B4-5812-42F9-8D4D-54AA04099C4A}"/>
+                <a16:creationId xmlns:a16="http://schemas.microsoft.com/office/drawing/2014/main" xmlns="" id="{B83DB7B4-5812-42F9-8D4D-54AA04099C4A}"/>
               </a:ext>
             </a:extLst>
           </p:cNvPr>
@@ -4222,14 +4222,14 @@
                 <a:gridCol w="5207082">
                   <a:extLst>
                     <a:ext uri="{9D8B030D-6E8A-4147-A177-3AD203B41FA5}">
-                      <a16:colId xmlns:a16="http://schemas.microsoft.com/office/drawing/2014/main" val="3291672"/>
+                      <a16:colId xmlns:a16="http://schemas.microsoft.com/office/drawing/2014/main" xmlns="" val="3291672"/>
                     </a:ext>
                   </a:extLst>
                 </a:gridCol>
                 <a:gridCol w="3800376">
                   <a:extLst>
                     <a:ext uri="{9D8B030D-6E8A-4147-A177-3AD203B41FA5}">
-                      <a16:colId xmlns:a16="http://schemas.microsoft.com/office/drawing/2014/main" val="3282628654"/>
+                      <a16:colId xmlns:a16="http://schemas.microsoft.com/office/drawing/2014/main" xmlns="" val="3282628654"/>
                     </a:ext>
                   </a:extLst>
                 </a:gridCol>
@@ -4358,7 +4358,7 @@
                 </a:tc>
                 <a:extLst>
                   <a:ext uri="{0D108BD9-81ED-4DB2-BD59-A6C34878D82A}">
-                    <a16:rowId xmlns:a16="http://schemas.microsoft.com/office/drawing/2014/main" val="2302665074"/>
+                    <a16:rowId xmlns:a16="http://schemas.microsoft.com/office/drawing/2014/main" xmlns="" val="2302665074"/>
                   </a:ext>
                 </a:extLst>
               </a:tr>
@@ -4502,7 +4502,7 @@
                 </a:tc>
                 <a:extLst>
                   <a:ext uri="{0D108BD9-81ED-4DB2-BD59-A6C34878D82A}">
-                    <a16:rowId xmlns:a16="http://schemas.microsoft.com/office/drawing/2014/main" val="3101617131"/>
+                    <a16:rowId xmlns:a16="http://schemas.microsoft.com/office/drawing/2014/main" xmlns="" val="3101617131"/>
                   </a:ext>
                 </a:extLst>
               </a:tr>
@@ -4646,7 +4646,7 @@
                 </a:tc>
                 <a:extLst>
                   <a:ext uri="{0D108BD9-81ED-4DB2-BD59-A6C34878D82A}">
-                    <a16:rowId xmlns:a16="http://schemas.microsoft.com/office/drawing/2014/main" val="3378807038"/>
+                    <a16:rowId xmlns:a16="http://schemas.microsoft.com/office/drawing/2014/main" xmlns="" val="3378807038"/>
                   </a:ext>
                 </a:extLst>
               </a:tr>
@@ -4790,7 +4790,7 @@
                 </a:tc>
                 <a:extLst>
                   <a:ext uri="{0D108BD9-81ED-4DB2-BD59-A6C34878D82A}">
-                    <a16:rowId xmlns:a16="http://schemas.microsoft.com/office/drawing/2014/main" val="3064880953"/>
+                    <a16:rowId xmlns:a16="http://schemas.microsoft.com/office/drawing/2014/main" xmlns="" val="3064880953"/>
                   </a:ext>
                 </a:extLst>
               </a:tr>
@@ -4808,6 +4808,13 @@
   <p:clrMapOvr>
     <a:masterClrMapping/>
   </p:clrMapOvr>
+  <p:timing>
+    <p:tnLst>
+      <p:par>
+        <p:cTn id="1" dur="indefinite" restart="never" nodeType="tmRoot"/>
+      </p:par>
+    </p:tnLst>
+  </p:timing>
 </p:sld>
 </file>
 
@@ -4833,7 +4840,7 @@
           <p:cNvPr id="2" name="Date Placeholder 1">
             <a:extLst>
               <a:ext uri="{FF2B5EF4-FFF2-40B4-BE49-F238E27FC236}">
-                <a16:creationId xmlns:a16="http://schemas.microsoft.com/office/drawing/2014/main" id="{76BBC1CA-AF0C-4C92-98AB-EACE49AFF103}"/>
+                <a16:creationId xmlns:a16="http://schemas.microsoft.com/office/drawing/2014/main" xmlns="" id="{76BBC1CA-AF0C-4C92-98AB-EACE49AFF103}"/>
               </a:ext>
             </a:extLst>
           </p:cNvPr>
@@ -4852,7 +4859,7 @@
             <a:fld id="{3C36C040-CCB1-4266-9346-A8F110B24665}" type="datetime1">
               <a:rPr lang="en-US" smtClean="0"/>
               <a:pPr/>
-              <a:t>18-Dec-19</a:t>
+              <a:t>12/18/2019</a:t>
             </a:fld>
             <a:endParaRPr lang="en-US"/>
           </a:p>
@@ -4863,7 +4870,7 @@
           <p:cNvPr id="3" name="Slide Number Placeholder 2">
             <a:extLst>
               <a:ext uri="{FF2B5EF4-FFF2-40B4-BE49-F238E27FC236}">
-                <a16:creationId xmlns:a16="http://schemas.microsoft.com/office/drawing/2014/main" id="{9F242FC4-3A0D-4E7A-B0CD-53E533F83BDB}"/>
+                <a16:creationId xmlns:a16="http://schemas.microsoft.com/office/drawing/2014/main" xmlns="" id="{9F242FC4-3A0D-4E7A-B0CD-53E533F83BDB}"/>
               </a:ext>
             </a:extLst>
           </p:cNvPr>
@@ -4893,7 +4900,7 @@
           <p:cNvPr id="5" name="Picture 4">
             <a:extLst>
               <a:ext uri="{FF2B5EF4-FFF2-40B4-BE49-F238E27FC236}">
-                <a16:creationId xmlns:a16="http://schemas.microsoft.com/office/drawing/2014/main" id="{8A51EAC4-A04B-4D0B-B796-664B52135BA8}"/>
+                <a16:creationId xmlns:a16="http://schemas.microsoft.com/office/drawing/2014/main" xmlns="" id="{8A51EAC4-A04B-4D0B-B796-664B52135BA8}"/>
               </a:ext>
             </a:extLst>
           </p:cNvPr>
@@ -4909,7 +4916,7 @@
                 <a14:useLocalDpi xmlns:a14="http://schemas.microsoft.com/office/drawing/2010/main" val="0"/>
               </a:ext>
               <a:ext uri="{837473B0-CC2E-450A-ABE3-18F120FF3D39}">
-                <a1611:picAttrSrcUrl xmlns:a1611="http://schemas.microsoft.com/office/drawing/2016/11/main" r:id="rId3"/>
+                <a1611:picAttrSrcUrl xmlns:a1611="http://schemas.microsoft.com/office/drawing/2016/11/main" xmlns="" r:id="rId3"/>
               </a:ext>
             </a:extLst>
           </a:blip>
@@ -4937,6 +4944,13 @@
   <p:clrMapOvr>
     <a:masterClrMapping/>
   </p:clrMapOvr>
+  <p:timing>
+    <p:tnLst>
+      <p:par>
+        <p:cTn id="1" dur="indefinite" restart="never" nodeType="tmRoot"/>
+      </p:par>
+    </p:tnLst>
+  </p:timing>
 </p:sld>
 </file>
 
@@ -4962,7 +4976,7 @@
           <p:cNvPr id="5" name="Subtitle 4">
             <a:extLst>
               <a:ext uri="{FF2B5EF4-FFF2-40B4-BE49-F238E27FC236}">
-                <a16:creationId xmlns:a16="http://schemas.microsoft.com/office/drawing/2014/main" id="{25C99C0B-24DC-464E-AEB0-124B0DECD18C}"/>
+                <a16:creationId xmlns:a16="http://schemas.microsoft.com/office/drawing/2014/main" xmlns="" id="{25C99C0B-24DC-464E-AEB0-124B0DECD18C}"/>
               </a:ext>
             </a:extLst>
           </p:cNvPr>
@@ -5045,7 +5059,7 @@
           <p:cNvPr id="6" name="TextBox 5">
             <a:extLst>
               <a:ext uri="{FF2B5EF4-FFF2-40B4-BE49-F238E27FC236}">
-                <a16:creationId xmlns:a16="http://schemas.microsoft.com/office/drawing/2014/main" id="{243EF8A7-F534-4440-8C5C-A61C86D65859}"/>
+                <a16:creationId xmlns:a16="http://schemas.microsoft.com/office/drawing/2014/main" xmlns="" id="{243EF8A7-F534-4440-8C5C-A61C86D65859}"/>
               </a:ext>
             </a:extLst>
           </p:cNvPr>
@@ -5092,7 +5106,7 @@
           <p:cNvPr id="2" name="Date Placeholder 1">
             <a:extLst>
               <a:ext uri="{FF2B5EF4-FFF2-40B4-BE49-F238E27FC236}">
-                <a16:creationId xmlns:a16="http://schemas.microsoft.com/office/drawing/2014/main" id="{557D1C03-83FB-4A41-A673-D79050803B7D}"/>
+                <a16:creationId xmlns:a16="http://schemas.microsoft.com/office/drawing/2014/main" xmlns="" id="{557D1C03-83FB-4A41-A673-D79050803B7D}"/>
               </a:ext>
             </a:extLst>
           </p:cNvPr>
@@ -5111,7 +5125,7 @@
             <a:fld id="{46AE972D-E9C9-463C-B8F6-D09D8C3356F7}" type="datetime1">
               <a:rPr lang="en-US" smtClean="0"/>
               <a:pPr/>
-              <a:t>18-Dec-19</a:t>
+              <a:t>12/18/2019</a:t>
             </a:fld>
             <a:endParaRPr lang="en-US"/>
           </a:p>
@@ -5122,7 +5136,7 @@
           <p:cNvPr id="3" name="Slide Number Placeholder 2">
             <a:extLst>
               <a:ext uri="{FF2B5EF4-FFF2-40B4-BE49-F238E27FC236}">
-                <a16:creationId xmlns:a16="http://schemas.microsoft.com/office/drawing/2014/main" id="{159E4775-580B-43B1-BD6F-CC56A677381D}"/>
+                <a16:creationId xmlns:a16="http://schemas.microsoft.com/office/drawing/2014/main" xmlns="" id="{159E4775-580B-43B1-BD6F-CC56A677381D}"/>
               </a:ext>
             </a:extLst>
           </p:cNvPr>
@@ -5157,6 +5171,13 @@
   <p:clrMapOvr>
     <a:masterClrMapping/>
   </p:clrMapOvr>
+  <p:timing>
+    <p:tnLst>
+      <p:par>
+        <p:cTn id="1" dur="indefinite" restart="never" nodeType="tmRoot"/>
+      </p:par>
+    </p:tnLst>
+  </p:timing>
 </p:sld>
 </file>
 
@@ -5321,7 +5342,7 @@
             <a:fld id="{7E3FDB0B-B014-4C47-949F-40696701F18D}" type="datetime1">
               <a:rPr lang="en-US" smtClean="0"/>
               <a:pPr/>
-              <a:t>18-Dec-19</a:t>
+              <a:t>12/18/2019</a:t>
             </a:fld>
             <a:endParaRPr lang="en-US"/>
           </a:p>
@@ -5361,6 +5382,13 @@
   <p:clrMapOvr>
     <a:masterClrMapping/>
   </p:clrMapOvr>
+  <p:timing>
+    <p:tnLst>
+      <p:par>
+        <p:cTn id="1" dur="indefinite" restart="never" nodeType="tmRoot"/>
+      </p:par>
+    </p:tnLst>
+  </p:timing>
 </p:sld>
 </file>
 
@@ -5386,7 +5414,7 @@
           <p:cNvPr id="2" name="TextBox 1">
             <a:extLst>
               <a:ext uri="{FF2B5EF4-FFF2-40B4-BE49-F238E27FC236}">
-                <a16:creationId xmlns:a16="http://schemas.microsoft.com/office/drawing/2014/main" id="{647B59D4-2B44-4776-860C-47B66B58FF3B}"/>
+                <a16:creationId xmlns:a16="http://schemas.microsoft.com/office/drawing/2014/main" xmlns="" id="{647B59D4-2B44-4776-860C-47B66B58FF3B}"/>
               </a:ext>
             </a:extLst>
           </p:cNvPr>
@@ -5426,7 +5454,7 @@
           <p:cNvPr id="4" name="Subtitle 3">
             <a:extLst>
               <a:ext uri="{FF2B5EF4-FFF2-40B4-BE49-F238E27FC236}">
-                <a16:creationId xmlns:a16="http://schemas.microsoft.com/office/drawing/2014/main" id="{5BAF7A38-E445-4B58-9796-4267284E645F}"/>
+                <a16:creationId xmlns:a16="http://schemas.microsoft.com/office/drawing/2014/main" xmlns="" id="{5BAF7A38-E445-4B58-9796-4267284E645F}"/>
               </a:ext>
             </a:extLst>
           </p:cNvPr>
@@ -5512,7 +5540,7 @@
           <p:cNvPr id="3" name="Date Placeholder 2">
             <a:extLst>
               <a:ext uri="{FF2B5EF4-FFF2-40B4-BE49-F238E27FC236}">
-                <a16:creationId xmlns:a16="http://schemas.microsoft.com/office/drawing/2014/main" id="{885E3CB4-25D1-4287-82D6-F9574CEE3BDF}"/>
+                <a16:creationId xmlns:a16="http://schemas.microsoft.com/office/drawing/2014/main" xmlns="" id="{885E3CB4-25D1-4287-82D6-F9574CEE3BDF}"/>
               </a:ext>
             </a:extLst>
           </p:cNvPr>
@@ -5531,7 +5559,7 @@
             <a:fld id="{D7B85C41-A637-4317-A4DB-B59D3E1A9940}" type="datetime1">
               <a:rPr lang="en-US" smtClean="0"/>
               <a:pPr/>
-              <a:t>18-Dec-19</a:t>
+              <a:t>12/18/2019</a:t>
             </a:fld>
             <a:endParaRPr lang="en-US"/>
           </a:p>
@@ -5542,7 +5570,7 @@
           <p:cNvPr id="5" name="Slide Number Placeholder 4">
             <a:extLst>
               <a:ext uri="{FF2B5EF4-FFF2-40B4-BE49-F238E27FC236}">
-                <a16:creationId xmlns:a16="http://schemas.microsoft.com/office/drawing/2014/main" id="{298F78CD-D8AB-4C18-8B69-D4483DA72939}"/>
+                <a16:creationId xmlns:a16="http://schemas.microsoft.com/office/drawing/2014/main" xmlns="" id="{298F78CD-D8AB-4C18-8B69-D4483DA72939}"/>
               </a:ext>
             </a:extLst>
           </p:cNvPr>
@@ -5577,6 +5605,13 @@
   <p:clrMapOvr>
     <a:masterClrMapping/>
   </p:clrMapOvr>
+  <p:timing>
+    <p:tnLst>
+      <p:par>
+        <p:cTn id="1" dur="indefinite" restart="never" nodeType="tmRoot"/>
+      </p:par>
+    </p:tnLst>
+  </p:timing>
 </p:sld>
 </file>
 
@@ -5670,7 +5705,7 @@
             <a:fld id="{7E3FDB0B-B014-4C47-949F-40696701F18D}" type="datetime1">
               <a:rPr lang="en-US" smtClean="0"/>
               <a:pPr/>
-              <a:t>18-Dec-19</a:t>
+              <a:t>12/18/2019</a:t>
             </a:fld>
             <a:endParaRPr lang="en-US"/>
           </a:p>
@@ -5710,6 +5745,13 @@
   <p:clrMapOvr>
     <a:masterClrMapping/>
   </p:clrMapOvr>
+  <p:timing>
+    <p:tnLst>
+      <p:par>
+        <p:cTn id="1" dur="indefinite" restart="never" nodeType="tmRoot"/>
+      </p:par>
+    </p:tnLst>
+  </p:timing>
 </p:sld>
 </file>
 
@@ -5759,7 +5801,7 @@
           <p:cNvPr id="7" name="Content Placeholder 6">
             <a:extLst>
               <a:ext uri="{FF2B5EF4-FFF2-40B4-BE49-F238E27FC236}">
-                <a16:creationId xmlns:a16="http://schemas.microsoft.com/office/drawing/2014/main" id="{BA0A6C8F-802D-400B-B5FA-7B2C68FF7409}"/>
+                <a16:creationId xmlns:a16="http://schemas.microsoft.com/office/drawing/2014/main" xmlns="" id="{BA0A6C8F-802D-400B-B5FA-7B2C68FF7409}"/>
               </a:ext>
             </a:extLst>
           </p:cNvPr>
@@ -5807,7 +5849,7 @@
             <a:fld id="{7E3FDB0B-B014-4C47-949F-40696701F18D}" type="datetime1">
               <a:rPr lang="en-US" smtClean="0"/>
               <a:pPr/>
-              <a:t>18-Dec-19</a:t>
+              <a:t>12/18/2019</a:t>
             </a:fld>
             <a:endParaRPr lang="en-US"/>
           </a:p>
@@ -5847,6 +5889,13 @@
   <p:clrMapOvr>
     <a:masterClrMapping/>
   </p:clrMapOvr>
+  <p:timing>
+    <p:tnLst>
+      <p:par>
+        <p:cTn id="1" dur="indefinite" restart="never" nodeType="tmRoot"/>
+      </p:par>
+    </p:tnLst>
+  </p:timing>
 </p:sld>
 </file>
 
@@ -5972,7 +6021,7 @@
             <a:fld id="{7E3FDB0B-B014-4C47-949F-40696701F18D}" type="datetime1">
               <a:rPr lang="en-US" smtClean="0"/>
               <a:pPr/>
-              <a:t>18-Dec-19</a:t>
+              <a:t>12/18/2019</a:t>
             </a:fld>
             <a:endParaRPr lang="en-US"/>
           </a:p>
@@ -6012,6 +6061,13 @@
   <p:clrMapOvr>
     <a:masterClrMapping/>
   </p:clrMapOvr>
+  <p:timing>
+    <p:tnLst>
+      <p:par>
+        <p:cTn id="1" dur="indefinite" restart="never" nodeType="tmRoot"/>
+      </p:par>
+    </p:tnLst>
+  </p:timing>
 </p:sld>
 </file>
 
@@ -6037,7 +6093,7 @@
           <p:cNvPr id="4" name="TextBox 3">
             <a:extLst>
               <a:ext uri="{FF2B5EF4-FFF2-40B4-BE49-F238E27FC236}">
-                <a16:creationId xmlns:a16="http://schemas.microsoft.com/office/drawing/2014/main" id="{C4BB6DEF-F39C-40B0-B60B-2E342DDF5922}"/>
+                <a16:creationId xmlns:a16="http://schemas.microsoft.com/office/drawing/2014/main" xmlns="" id="{C4BB6DEF-F39C-40B0-B60B-2E342DDF5922}"/>
               </a:ext>
             </a:extLst>
           </p:cNvPr>
@@ -6077,7 +6133,7 @@
           <p:cNvPr id="3" name="Date Placeholder 2">
             <a:extLst>
               <a:ext uri="{FF2B5EF4-FFF2-40B4-BE49-F238E27FC236}">
-                <a16:creationId xmlns:a16="http://schemas.microsoft.com/office/drawing/2014/main" id="{3000AC7D-C646-4A26-934D-95EC7158415E}"/>
+                <a16:creationId xmlns:a16="http://schemas.microsoft.com/office/drawing/2014/main" xmlns="" id="{3000AC7D-C646-4A26-934D-95EC7158415E}"/>
               </a:ext>
             </a:extLst>
           </p:cNvPr>
@@ -6096,7 +6152,7 @@
             <a:fld id="{7D3818A2-EEB7-4262-8046-02DC67F5AE89}" type="datetime1">
               <a:rPr lang="en-US" smtClean="0"/>
               <a:pPr/>
-              <a:t>18-Dec-19</a:t>
+              <a:t>12/18/2019</a:t>
             </a:fld>
             <a:endParaRPr lang="en-US"/>
           </a:p>
@@ -6107,7 +6163,7 @@
           <p:cNvPr id="5" name="Slide Number Placeholder 4">
             <a:extLst>
               <a:ext uri="{FF2B5EF4-FFF2-40B4-BE49-F238E27FC236}">
-                <a16:creationId xmlns:a16="http://schemas.microsoft.com/office/drawing/2014/main" id="{C8B981BA-7AE4-4E6C-9012-F1DBF6F72A23}"/>
+                <a16:creationId xmlns:a16="http://schemas.microsoft.com/office/drawing/2014/main" xmlns="" id="{C8B981BA-7AE4-4E6C-9012-F1DBF6F72A23}"/>
               </a:ext>
             </a:extLst>
           </p:cNvPr>
@@ -6137,7 +6193,7 @@
           <p:cNvPr id="6" name="Table 6">
             <a:extLst>
               <a:ext uri="{FF2B5EF4-FFF2-40B4-BE49-F238E27FC236}">
-                <a16:creationId xmlns:a16="http://schemas.microsoft.com/office/drawing/2014/main" id="{AC9E14EC-3F02-449A-AD8E-DE30BE95F792}"/>
+                <a16:creationId xmlns:a16="http://schemas.microsoft.com/office/drawing/2014/main" xmlns="" id="{AC9E14EC-3F02-449A-AD8E-DE30BE95F792}"/>
               </a:ext>
             </a:extLst>
           </p:cNvPr>
@@ -6147,7 +6203,7 @@
           <p:nvPr>
             <p:extLst>
               <p:ext uri="{D42A27DB-BD31-4B8C-83A1-F6EECF244321}">
-                <p14:modId xmlns:p14="http://schemas.microsoft.com/office/powerpoint/2010/main" val="3330023891"/>
+                <p14:modId xmlns:p14="http://schemas.microsoft.com/office/powerpoint/2010/main" val="3622338540"/>
               </p:ext>
             </p:extLst>
           </p:nvPr>
@@ -6166,14 +6222,14 @@
                 <a:gridCol w="661800">
                   <a:extLst>
                     <a:ext uri="{9D8B030D-6E8A-4147-A177-3AD203B41FA5}">
-                      <a16:colId xmlns:a16="http://schemas.microsoft.com/office/drawing/2014/main" val="3448325611"/>
+                      <a16:colId xmlns:a16="http://schemas.microsoft.com/office/drawing/2014/main" xmlns="" val="3448325611"/>
                     </a:ext>
                   </a:extLst>
                 </a:gridCol>
                 <a:gridCol w="9848621">
                   <a:extLst>
                     <a:ext uri="{9D8B030D-6E8A-4147-A177-3AD203B41FA5}">
-                      <a16:colId xmlns:a16="http://schemas.microsoft.com/office/drawing/2014/main" val="393581948"/>
+                      <a16:colId xmlns:a16="http://schemas.microsoft.com/office/drawing/2014/main" xmlns="" val="393581948"/>
                     </a:ext>
                   </a:extLst>
                 </a:gridCol>
@@ -6315,7 +6371,7 @@
                 </a:tc>
                 <a:extLst>
                   <a:ext uri="{0D108BD9-81ED-4DB2-BD59-A6C34878D82A}">
-                    <a16:rowId xmlns:a16="http://schemas.microsoft.com/office/drawing/2014/main" val="2982736879"/>
+                    <a16:rowId xmlns:a16="http://schemas.microsoft.com/office/drawing/2014/main" xmlns="" val="2982736879"/>
                   </a:ext>
                 </a:extLst>
               </a:tr>
@@ -6468,7 +6524,7 @@
                 </a:tc>
                 <a:extLst>
                   <a:ext uri="{0D108BD9-81ED-4DB2-BD59-A6C34878D82A}">
-                    <a16:rowId xmlns:a16="http://schemas.microsoft.com/office/drawing/2014/main" val="3000277682"/>
+                    <a16:rowId xmlns:a16="http://schemas.microsoft.com/office/drawing/2014/main" xmlns="" val="3000277682"/>
                   </a:ext>
                 </a:extLst>
               </a:tr>
@@ -6633,7 +6689,7 @@
                 </a:tc>
                 <a:extLst>
                   <a:ext uri="{0D108BD9-81ED-4DB2-BD59-A6C34878D82A}">
-                    <a16:rowId xmlns:a16="http://schemas.microsoft.com/office/drawing/2014/main" val="1892891298"/>
+                    <a16:rowId xmlns:a16="http://schemas.microsoft.com/office/drawing/2014/main" xmlns="" val="1892891298"/>
                   </a:ext>
                 </a:extLst>
               </a:tr>
@@ -6774,7 +6830,7 @@
                 </a:tc>
                 <a:extLst>
                   <a:ext uri="{0D108BD9-81ED-4DB2-BD59-A6C34878D82A}">
-                    <a16:rowId xmlns:a16="http://schemas.microsoft.com/office/drawing/2014/main" val="548713284"/>
+                    <a16:rowId xmlns:a16="http://schemas.microsoft.com/office/drawing/2014/main" xmlns="" val="548713284"/>
                   </a:ext>
                 </a:extLst>
               </a:tr>
@@ -7011,7 +7067,7 @@
                 </a:tc>
                 <a:extLst>
                   <a:ext uri="{0D108BD9-81ED-4DB2-BD59-A6C34878D82A}">
-                    <a16:rowId xmlns:a16="http://schemas.microsoft.com/office/drawing/2014/main" val="252214642"/>
+                    <a16:rowId xmlns:a16="http://schemas.microsoft.com/office/drawing/2014/main" xmlns="" val="252214642"/>
                   </a:ext>
                 </a:extLst>
               </a:tr>
@@ -7021,10 +7077,7 @@
                     <a:bodyPr/>
                     <a:lstStyle/>
                     <a:p>
-                      <a:r>
-                        <a:rPr lang="en-US" dirty="0"/>
-                        <a:t>[6]</a:t>
-                      </a:r>
+                      <a:endParaRPr lang="en-US" dirty="0"/>
                     </a:p>
                   </a:txBody>
                   <a:tcPr>
@@ -7116,7 +7169,7 @@
                 </a:tc>
                 <a:extLst>
                   <a:ext uri="{0D108BD9-81ED-4DB2-BD59-A6C34878D82A}">
-                    <a16:rowId xmlns:a16="http://schemas.microsoft.com/office/drawing/2014/main" val="3489601737"/>
+                    <a16:rowId xmlns:a16="http://schemas.microsoft.com/office/drawing/2014/main" xmlns="" val="3489601737"/>
                   </a:ext>
                 </a:extLst>
               </a:tr>
@@ -7126,10 +7179,7 @@
                     <a:bodyPr/>
                     <a:lstStyle/>
                     <a:p>
-                      <a:r>
-                        <a:rPr lang="en-US" dirty="0"/>
-                        <a:t>[7]</a:t>
-                      </a:r>
+                      <a:endParaRPr lang="en-US" dirty="0"/>
                     </a:p>
                   </a:txBody>
                   <a:tcPr>
@@ -7221,7 +7271,7 @@
                 </a:tc>
                 <a:extLst>
                   <a:ext uri="{0D108BD9-81ED-4DB2-BD59-A6C34878D82A}">
-                    <a16:rowId xmlns:a16="http://schemas.microsoft.com/office/drawing/2014/main" val="2688330897"/>
+                    <a16:rowId xmlns:a16="http://schemas.microsoft.com/office/drawing/2014/main" xmlns="" val="2688330897"/>
                   </a:ext>
                 </a:extLst>
               </a:tr>
@@ -7231,10 +7281,7 @@
                     <a:bodyPr/>
                     <a:lstStyle/>
                     <a:p>
-                      <a:r>
-                        <a:rPr lang="en-US" dirty="0"/>
-                        <a:t>[8]</a:t>
-                      </a:r>
+                      <a:endParaRPr lang="en-US" dirty="0"/>
                     </a:p>
                   </a:txBody>
                   <a:tcPr>
@@ -7326,7 +7373,7 @@
                 </a:tc>
                 <a:extLst>
                   <a:ext uri="{0D108BD9-81ED-4DB2-BD59-A6C34878D82A}">
-                    <a16:rowId xmlns:a16="http://schemas.microsoft.com/office/drawing/2014/main" val="1581123426"/>
+                    <a16:rowId xmlns:a16="http://schemas.microsoft.com/office/drawing/2014/main" xmlns="" val="1581123426"/>
                   </a:ext>
                 </a:extLst>
               </a:tr>
@@ -7344,6 +7391,13 @@
   <p:clrMapOvr>
     <a:masterClrMapping/>
   </p:clrMapOvr>
+  <p:timing>
+    <p:tnLst>
+      <p:par>
+        <p:cTn id="1" dur="indefinite" restart="never" nodeType="tmRoot"/>
+      </p:par>
+    </p:tnLst>
+  </p:timing>
 </p:sld>
 </file>
 
@@ -7369,7 +7423,7 @@
           <p:cNvPr id="2" name="Date Placeholder 1">
             <a:extLst>
               <a:ext uri="{FF2B5EF4-FFF2-40B4-BE49-F238E27FC236}">
-                <a16:creationId xmlns:a16="http://schemas.microsoft.com/office/drawing/2014/main" id="{2752D12B-75D7-4280-87B2-13DB7F24DD94}"/>
+                <a16:creationId xmlns:a16="http://schemas.microsoft.com/office/drawing/2014/main" xmlns="" id="{2752D12B-75D7-4280-87B2-13DB7F24DD94}"/>
               </a:ext>
             </a:extLst>
           </p:cNvPr>
@@ -7388,7 +7442,7 @@
             <a:fld id="{3C36C040-CCB1-4266-9346-A8F110B24665}" type="datetime1">
               <a:rPr lang="en-US" smtClean="0"/>
               <a:pPr/>
-              <a:t>18-Dec-19</a:t>
+              <a:t>12/18/2019</a:t>
             </a:fld>
             <a:endParaRPr lang="en-US"/>
           </a:p>
@@ -7399,7 +7453,7 @@
           <p:cNvPr id="3" name="Slide Number Placeholder 2">
             <a:extLst>
               <a:ext uri="{FF2B5EF4-FFF2-40B4-BE49-F238E27FC236}">
-                <a16:creationId xmlns:a16="http://schemas.microsoft.com/office/drawing/2014/main" id="{232DBC90-0BB0-49DB-8AFC-29C09B37A4DC}"/>
+                <a16:creationId xmlns:a16="http://schemas.microsoft.com/office/drawing/2014/main" xmlns="" id="{232DBC90-0BB0-49DB-8AFC-29C09B37A4DC}"/>
               </a:ext>
             </a:extLst>
           </p:cNvPr>
@@ -7429,7 +7483,7 @@
           <p:cNvPr id="5" name="Picture 4">
             <a:extLst>
               <a:ext uri="{FF2B5EF4-FFF2-40B4-BE49-F238E27FC236}">
-                <a16:creationId xmlns:a16="http://schemas.microsoft.com/office/drawing/2014/main" id="{89C903F8-7767-47C2-97F4-3FF03FD50FD1}"/>
+                <a16:creationId xmlns:a16="http://schemas.microsoft.com/office/drawing/2014/main" xmlns="" id="{89C903F8-7767-47C2-97F4-3FF03FD50FD1}"/>
               </a:ext>
             </a:extLst>
           </p:cNvPr>
@@ -7445,7 +7499,7 @@
                 <a14:useLocalDpi xmlns:a14="http://schemas.microsoft.com/office/drawing/2010/main" val="0"/>
               </a:ext>
               <a:ext uri="{837473B0-CC2E-450A-ABE3-18F120FF3D39}">
-                <a1611:picAttrSrcUrl xmlns:a1611="http://schemas.microsoft.com/office/drawing/2016/11/main" r:id="rId3"/>
+                <a1611:picAttrSrcUrl xmlns:a1611="http://schemas.microsoft.com/office/drawing/2016/11/main" xmlns="" r:id="rId3"/>
               </a:ext>
             </a:extLst>
           </a:blip>
@@ -7473,6 +7527,13 @@
   <p:clrMapOvr>
     <a:masterClrMapping/>
   </p:clrMapOvr>
+  <p:timing>
+    <p:tnLst>
+      <p:par>
+        <p:cTn id="1" dur="indefinite" restart="never" nodeType="tmRoot"/>
+      </p:par>
+    </p:tnLst>
+  </p:timing>
 </p:sld>
 </file>
 
@@ -7731,7 +7792,7 @@
   <a:extraClrSchemeLst/>
   <a:extLst>
     <a:ext uri="{05A4C25C-085E-4340-85A3-A5531E510DB2}">
-      <thm15:themeFamily xmlns:thm15="http://schemas.microsoft.com/office/thememl/2012/main" name="Office Theme" id="{62F939B6-93AF-4DB8-9C6B-D6C7DFDC589F}" vid="{4A3C46E8-61CC-4603-A589-7422A47A8E4A}"/>
+      <thm15:themeFamily xmlns:thm15="http://schemas.microsoft.com/office/thememl/2012/main" xmlns="" name="Office Theme" id="{62F939B6-93AF-4DB8-9C6B-D6C7DFDC589F}" vid="{4A3C46E8-61CC-4603-A589-7422A47A8E4A}"/>
     </a:ext>
   </a:extLst>
 </a:theme>
@@ -8026,7 +8087,7 @@
   <a:extraClrSchemeLst/>
   <a:extLst>
     <a:ext uri="{05A4C25C-085E-4340-85A3-A5531E510DB2}">
-      <thm15:themeFamily xmlns:thm15="http://schemas.microsoft.com/office/thememl/2012/main" name="Office Theme" id="{62F939B6-93AF-4DB8-9C6B-D6C7DFDC589F}" vid="{4A3C46E8-61CC-4603-A589-7422A47A8E4A}"/>
+      <thm15:themeFamily xmlns:thm15="http://schemas.microsoft.com/office/thememl/2012/main" xmlns="" name="Office Theme" id="{62F939B6-93AF-4DB8-9C6B-D6C7DFDC589F}" vid="{4A3C46E8-61CC-4603-A589-7422A47A8E4A}"/>
     </a:ext>
   </a:extLst>
 </a:theme>

--- a/First Review/First Oral Presentation.pptx
+++ b/First Review/First Oral Presentation.pptx
@@ -5216,7 +5216,7 @@
                   <a:srgbClr val="FF0000"/>
                 </a:solidFill>
               </a:rPr>
-              <a:t>Description</a:t>
+              <a:t>Objective</a:t>
             </a:r>
             <a:endParaRPr lang="en-US" sz="3200" b="1" dirty="0">
               <a:solidFill>

--- a/First Review/First Oral Presentation.pptx
+++ b/First Review/First Oral Presentation.pptx
@@ -3795,7 +3795,7 @@
                 <a:latin typeface="Times New Roman" panose="02020603050405020304" pitchFamily="18" charset="0"/>
                 <a:cs typeface="Times New Roman" panose="02020603050405020304" pitchFamily="18" charset="0"/>
               </a:rPr>
-              <a:t>A Project Review on</a:t>
+              <a:t>Project First Review on</a:t>
             </a:r>
           </a:p>
           <a:p>
@@ -5001,7 +5001,7 @@
             </a:pPr>
             <a:r>
               <a:rPr lang="en-IN" sz="2800" dirty="0"/>
-              <a:t>Introduction</a:t>
+              <a:t>Description</a:t>
             </a:r>
           </a:p>
           <a:p>
@@ -5021,7 +5021,7 @@
             </a:pPr>
             <a:r>
               <a:rPr lang="en-IN" sz="2800" dirty="0"/>
-              <a:t>Conclusion</a:t>
+              <a:t>Research gap</a:t>
             </a:r>
           </a:p>
           <a:p>
@@ -5031,8 +5031,49 @@
             </a:pPr>
             <a:r>
               <a:rPr lang="en-IN" sz="2800" dirty="0"/>
+              <a:t>Applications</a:t>
+            </a:r>
+          </a:p>
+          <a:p>
+            <a:pPr marL="457200" indent="-457200" algn="l">
+              <a:buFont typeface="Wingdings" panose="05000000000000000000" pitchFamily="2" charset="2"/>
+              <a:buChar char="Ø"/>
+            </a:pPr>
+            <a:r>
+              <a:rPr lang="en-IN" sz="2800" dirty="0"/>
+              <a:t>Conclusion</a:t>
+            </a:r>
+          </a:p>
+          <a:p>
+            <a:pPr marL="457200" indent="-457200" algn="l">
+              <a:buFont typeface="Wingdings" panose="05000000000000000000" pitchFamily="2" charset="2"/>
+              <a:buChar char="Ø"/>
+            </a:pPr>
+            <a:r>
+              <a:rPr lang="en-IN" sz="2800" dirty="0"/>
+              <a:t>Project Time line</a:t>
+            </a:r>
+          </a:p>
+          <a:p>
+            <a:pPr marL="457200" indent="-457200" algn="l">
+              <a:buFont typeface="Wingdings" panose="05000000000000000000" pitchFamily="2" charset="2"/>
+              <a:buChar char="Ø"/>
+            </a:pPr>
+            <a:r>
+              <a:rPr lang="en-IN" sz="2800" dirty="0"/>
               <a:t>References</a:t>
             </a:r>
+          </a:p>
+          <a:p>
+            <a:pPr algn="l"/>
+            <a:endParaRPr lang="en-IN" sz="2800" dirty="0"/>
+          </a:p>
+          <a:p>
+            <a:pPr marL="457200" indent="-457200" algn="l">
+              <a:buFont typeface="Wingdings" panose="05000000000000000000" pitchFamily="2" charset="2"/>
+              <a:buChar char="Ø"/>
+            </a:pPr>
+            <a:endParaRPr lang="en-IN" sz="2800" dirty="0"/>
           </a:p>
           <a:p>
             <a:pPr algn="l"/>
@@ -6046,8 +6087,8 @@
         </p:nvSpPr>
         <p:spPr>
           <a:xfrm>
-            <a:off x="3417903" y="208626"/>
-            <a:ext cx="4030462" cy="584775"/>
+            <a:off x="838200" y="199749"/>
+            <a:ext cx="10510421" cy="584775"/>
           </a:xfrm>
           <a:prstGeom prst="rect">
             <a:avLst/>
@@ -6062,12 +6103,12 @@
           <a:p>
             <a:pPr algn="ctr"/>
             <a:r>
-              <a:rPr lang="en-IN" sz="3200" dirty="0">
+              <a:rPr lang="en-IN" sz="3200" u="sng" dirty="0">
                 <a:solidFill>
                   <a:srgbClr val="FF0000"/>
                 </a:solidFill>
               </a:rPr>
-              <a:t>REFERENCES</a:t>
+              <a:t>References</a:t>
             </a:r>
           </a:p>
         </p:txBody>
@@ -6147,14 +6188,14 @@
           <p:nvPr>
             <p:extLst>
               <p:ext uri="{D42A27DB-BD31-4B8C-83A1-F6EECF244321}">
-                <p14:modId xmlns:p14="http://schemas.microsoft.com/office/powerpoint/2010/main" val="3330023891"/>
+                <p14:modId xmlns:p14="http://schemas.microsoft.com/office/powerpoint/2010/main" val="893868250"/>
               </p:ext>
             </p:extLst>
           </p:nvPr>
         </p:nvGraphicFramePr>
         <p:xfrm>
-          <a:off x="843378" y="719091"/>
-          <a:ext cx="10510421" cy="6056892"/>
+          <a:off x="843378" y="870017"/>
+          <a:ext cx="10510421" cy="5303520"/>
         </p:xfrm>
         <a:graphic>
           <a:graphicData uri="http://schemas.openxmlformats.org/drawingml/2006/table">
@@ -6178,7 +6219,7 @@
                   </a:extLst>
                 </a:gridCol>
               </a:tblGrid>
-              <a:tr h="704653">
+              <a:tr h="633882">
                 <a:tc>
                   <a:txBody>
                     <a:bodyPr/>
@@ -6319,7 +6360,7 @@
                   </a:ext>
                 </a:extLst>
               </a:tr>
-              <a:tr h="704653">
+              <a:tr h="633882">
                 <a:tc>
                   <a:txBody>
                     <a:bodyPr/>
@@ -6472,7 +6513,7 @@
                   </a:ext>
                 </a:extLst>
               </a:tr>
-              <a:tr h="914487">
+              <a:tr h="822642">
                 <a:tc>
                   <a:txBody>
                     <a:bodyPr/>
@@ -6637,7 +6678,7 @@
                   </a:ext>
                 </a:extLst>
               </a:tr>
-              <a:tr h="704653">
+              <a:tr h="633882">
                 <a:tc>
                   <a:txBody>
                     <a:bodyPr/>
@@ -6778,7 +6819,7 @@
                   </a:ext>
                 </a:extLst>
               </a:tr>
-              <a:tr h="914487">
+              <a:tr h="822642">
                 <a:tc>
                   <a:txBody>
                     <a:bodyPr/>
@@ -7015,7 +7056,7 @@
                   </a:ext>
                 </a:extLst>
               </a:tr>
-              <a:tr h="704653">
+              <a:tr h="822564">
                 <a:tc>
                   <a:txBody>
                     <a:bodyPr/>
@@ -7072,7 +7113,67 @@
                     <a:lstStyle/>
                     <a:p>
                       <a:pPr algn="just"/>
-                      <a:endParaRPr lang="en-US"/>
+                      <a:r>
+                        <a:rPr lang="en-IN" sz="1800" kern="1200" dirty="0">
+                          <a:solidFill>
+                            <a:schemeClr val="tx1"/>
+                          </a:solidFill>
+                          <a:effectLst/>
+                          <a:latin typeface="+mn-lt"/>
+                          <a:ea typeface="+mn-ea"/>
+                          <a:cs typeface="+mn-cs"/>
+                        </a:rPr>
+                        <a:t>G. Cardoso, J. G. </a:t>
+                      </a:r>
+                      <a:r>
+                        <a:rPr lang="en-IN" sz="1800" kern="1200" dirty="0" err="1">
+                          <a:solidFill>
+                            <a:schemeClr val="tx1"/>
+                          </a:solidFill>
+                          <a:effectLst/>
+                          <a:latin typeface="+mn-lt"/>
+                          <a:ea typeface="+mn-ea"/>
+                          <a:cs typeface="+mn-cs"/>
+                        </a:rPr>
+                        <a:t>Rolim</a:t>
+                      </a:r>
+                      <a:r>
+                        <a:rPr lang="en-IN" sz="1800" kern="1200" dirty="0">
+                          <a:solidFill>
+                            <a:schemeClr val="tx1"/>
+                          </a:solidFill>
+                          <a:effectLst/>
+                          <a:latin typeface="+mn-lt"/>
+                          <a:ea typeface="+mn-ea"/>
+                          <a:cs typeface="+mn-cs"/>
+                        </a:rPr>
+                        <a:t> and H. H. Zurn, "Application of neural-network modules to electric power system fault section estimation," in </a:t>
+                      </a:r>
+                      <a:r>
+                        <a:rPr lang="en-IN" sz="1800" i="1" kern="1200" dirty="0">
+                          <a:solidFill>
+                            <a:schemeClr val="tx1"/>
+                          </a:solidFill>
+                          <a:effectLst/>
+                          <a:latin typeface="+mn-lt"/>
+                          <a:ea typeface="+mn-ea"/>
+                          <a:cs typeface="+mn-cs"/>
+                        </a:rPr>
+                        <a:t>IEEE Transactions on Power Delivery</a:t>
+                      </a:r>
+                      <a:r>
+                        <a:rPr lang="en-IN" sz="1800" kern="1200" dirty="0">
+                          <a:solidFill>
+                            <a:schemeClr val="tx1"/>
+                          </a:solidFill>
+                          <a:effectLst/>
+                          <a:latin typeface="+mn-lt"/>
+                          <a:ea typeface="+mn-ea"/>
+                          <a:cs typeface="+mn-cs"/>
+                        </a:rPr>
+                        <a:t>, vol. 19, no. 3, pp. 1034-1041, July 2004.</a:t>
+                      </a:r>
+                      <a:endParaRPr lang="en-US" dirty="0"/>
                     </a:p>
                   </a:txBody>
                   <a:tcPr>
@@ -7120,7 +7221,7 @@
                   </a:ext>
                 </a:extLst>
               </a:tr>
-              <a:tr h="704653">
+              <a:tr h="633882">
                 <a:tc>
                   <a:txBody>
                     <a:bodyPr/>
@@ -7177,7 +7278,43 @@
                     <a:lstStyle/>
                     <a:p>
                       <a:pPr algn="just"/>
-                      <a:endParaRPr lang="en-US"/>
+                      <a:r>
+                        <a:rPr lang="en-IN" sz="1800" kern="1200" dirty="0">
+                          <a:solidFill>
+                            <a:schemeClr val="tx1"/>
+                          </a:solidFill>
+                          <a:effectLst/>
+                          <a:latin typeface="+mn-lt"/>
+                          <a:ea typeface="+mn-ea"/>
+                          <a:cs typeface="+mn-cs"/>
+                        </a:rPr>
+                        <a:t>Jamil, M., Sharma, S.K. &amp; Singh, R. </a:t>
+                      </a:r>
+                      <a:r>
+                        <a:rPr lang="en-IN" sz="1800" kern="1200" dirty="0" err="1">
+                          <a:solidFill>
+                            <a:schemeClr val="tx1"/>
+                          </a:solidFill>
+                          <a:effectLst/>
+                          <a:latin typeface="+mn-lt"/>
+                          <a:ea typeface="+mn-ea"/>
+                          <a:cs typeface="+mn-cs"/>
+                        </a:rPr>
+                        <a:t>SpringerPlus</a:t>
+                      </a:r>
+                      <a:r>
+                        <a:rPr lang="en-IN" sz="1800" kern="1200" dirty="0">
+                          <a:solidFill>
+                            <a:schemeClr val="tx1"/>
+                          </a:solidFill>
+                          <a:effectLst/>
+                          <a:latin typeface="+mn-lt"/>
+                          <a:ea typeface="+mn-ea"/>
+                          <a:cs typeface="+mn-cs"/>
+                        </a:rPr>
+                        <a:t> (2015) 4: 334. https://doi.org/10.1186/s40064-015-1080-x.</a:t>
+                      </a:r>
+                      <a:endParaRPr lang="en-US" dirty="0"/>
                     </a:p>
                   </a:txBody>
                   <a:tcPr>
@@ -7222,111 +7359,6 @@
                 <a:extLst>
                   <a:ext uri="{0D108BD9-81ED-4DB2-BD59-A6C34878D82A}">
                     <a16:rowId xmlns:a16="http://schemas.microsoft.com/office/drawing/2014/main" val="2688330897"/>
-                  </a:ext>
-                </a:extLst>
-              </a:tr>
-              <a:tr h="704653">
-                <a:tc>
-                  <a:txBody>
-                    <a:bodyPr/>
-                    <a:lstStyle/>
-                    <a:p>
-                      <a:r>
-                        <a:rPr lang="en-US" dirty="0"/>
-                        <a:t>[8]</a:t>
-                      </a:r>
-                    </a:p>
-                  </a:txBody>
-                  <a:tcPr>
-                    <a:lnL w="12700" cap="flat" cmpd="sng" algn="ctr">
-                      <a:noFill/>
-                      <a:prstDash val="solid"/>
-                      <a:round/>
-                      <a:headEnd type="none" w="med" len="med"/>
-                      <a:tailEnd type="none" w="med" len="med"/>
-                    </a:lnL>
-                    <a:lnR w="12700" cap="flat" cmpd="sng" algn="ctr">
-                      <a:noFill/>
-                      <a:prstDash val="solid"/>
-                      <a:round/>
-                      <a:headEnd type="none" w="med" len="med"/>
-                      <a:tailEnd type="none" w="med" len="med"/>
-                    </a:lnR>
-                    <a:lnT w="12700" cap="flat" cmpd="sng" algn="ctr">
-                      <a:noFill/>
-                      <a:prstDash val="solid"/>
-                      <a:round/>
-                      <a:headEnd type="none" w="med" len="med"/>
-                      <a:tailEnd type="none" w="med" len="med"/>
-                    </a:lnT>
-                    <a:lnB w="12700" cap="flat" cmpd="sng" algn="ctr">
-                      <a:noFill/>
-                      <a:prstDash val="solid"/>
-                      <a:round/>
-                      <a:headEnd type="none" w="med" len="med"/>
-                      <a:tailEnd type="none" w="med" len="med"/>
-                    </a:lnB>
-                    <a:lnTlToBr w="12700" cmpd="sng">
-                      <a:noFill/>
-                      <a:prstDash val="solid"/>
-                    </a:lnTlToBr>
-                    <a:lnBlToTr w="12700" cmpd="sng">
-                      <a:noFill/>
-                      <a:prstDash val="solid"/>
-                    </a:lnBlToTr>
-                  </a:tcPr>
-                </a:tc>
-                <a:tc>
-                  <a:txBody>
-                    <a:bodyPr/>
-                    <a:lstStyle/>
-                    <a:p>
-                      <a:pPr algn="just"/>
-                      <a:endParaRPr lang="en-US" dirty="0"/>
-                    </a:p>
-                  </a:txBody>
-                  <a:tcPr>
-                    <a:lnL w="12700" cap="flat" cmpd="sng" algn="ctr">
-                      <a:noFill/>
-                      <a:prstDash val="solid"/>
-                      <a:round/>
-                      <a:headEnd type="none" w="med" len="med"/>
-                      <a:tailEnd type="none" w="med" len="med"/>
-                    </a:lnL>
-                    <a:lnR w="12700" cap="flat" cmpd="sng" algn="ctr">
-                      <a:noFill/>
-                      <a:prstDash val="solid"/>
-                      <a:round/>
-                      <a:headEnd type="none" w="med" len="med"/>
-                      <a:tailEnd type="none" w="med" len="med"/>
-                    </a:lnR>
-                    <a:lnT w="12700" cap="flat" cmpd="sng" algn="ctr">
-                      <a:noFill/>
-                      <a:prstDash val="solid"/>
-                      <a:round/>
-                      <a:headEnd type="none" w="med" len="med"/>
-                      <a:tailEnd type="none" w="med" len="med"/>
-                    </a:lnT>
-                    <a:lnB w="12700" cap="flat" cmpd="sng" algn="ctr">
-                      <a:noFill/>
-                      <a:prstDash val="solid"/>
-                      <a:round/>
-                      <a:headEnd type="none" w="med" len="med"/>
-                      <a:tailEnd type="none" w="med" len="med"/>
-                    </a:lnB>
-                    <a:lnTlToBr w="12700" cmpd="sng">
-                      <a:noFill/>
-                      <a:prstDash val="solid"/>
-                    </a:lnTlToBr>
-                    <a:lnBlToTr w="12700" cmpd="sng">
-                      <a:noFill/>
-                      <a:prstDash val="solid"/>
-                    </a:lnBlToTr>
-                  </a:tcPr>
-                </a:tc>
-                <a:extLst>
-                  <a:ext uri="{0D108BD9-81ED-4DB2-BD59-A6C34878D82A}">
-                    <a16:rowId xmlns:a16="http://schemas.microsoft.com/office/drawing/2014/main" val="1581123426"/>
                   </a:ext>
                 </a:extLst>
               </a:tr>

--- a/First Review/First Oral Presentation.pptx
+++ b/First Review/First Oral Presentation.pptx
@@ -5,7 +5,7 @@
     <p:sldMasterId id="2147483684" r:id="rId1"/>
   </p:sldMasterIdLst>
   <p:notesMasterIdLst>
-    <p:notesMasterId r:id="rId12"/>
+    <p:notesMasterId r:id="rId14"/>
   </p:notesMasterIdLst>
   <p:sldIdLst>
     <p:sldId id="263" r:id="rId2"/>
@@ -13,11 +13,13 @@
     <p:sldId id="291" r:id="rId4"/>
     <p:sldId id="264" r:id="rId5"/>
     <p:sldId id="292" r:id="rId6"/>
-    <p:sldId id="293" r:id="rId7"/>
-    <p:sldId id="294" r:id="rId8"/>
-    <p:sldId id="261" r:id="rId9"/>
-    <p:sldId id="285" r:id="rId10"/>
-    <p:sldId id="286" r:id="rId11"/>
+    <p:sldId id="295" r:id="rId7"/>
+    <p:sldId id="296" r:id="rId8"/>
+    <p:sldId id="293" r:id="rId9"/>
+    <p:sldId id="294" r:id="rId10"/>
+    <p:sldId id="261" r:id="rId11"/>
+    <p:sldId id="285" r:id="rId12"/>
+    <p:sldId id="286" r:id="rId13"/>
   </p:sldIdLst>
   <p:sldSz cx="12192000" cy="6858000"/>
   <p:notesSz cx="6858000" cy="9144000"/>
@@ -577,7 +579,7 @@
             <a:fld id="{3D8249B7-5670-4B09-86B3-71E93B280144}" type="datetimeFigureOut">
               <a:rPr lang="en-IN" smtClean="0"/>
               <a:pPr/>
-              <a:t>18-12-2019</a:t>
+              <a:t>19-12-2019</a:t>
             </a:fld>
             <a:endParaRPr lang="en-IN"/>
           </a:p>
@@ -976,7 +978,7 @@
             <a:fld id="{7D1AF1CA-FD27-4437-9CAD-DD56B5418F4E}" type="datetime1">
               <a:rPr lang="en-US" smtClean="0"/>
               <a:pPr/>
-              <a:t>18-Dec-19</a:t>
+              <a:t>19-Dec-19</a:t>
             </a:fld>
             <a:endParaRPr lang="en-US"/>
           </a:p>
@@ -1149,7 +1151,7 @@
             <a:fld id="{B8BB03FA-AEC6-496F-8A81-D8B322B5D797}" type="datetime1">
               <a:rPr lang="en-US" smtClean="0"/>
               <a:pPr/>
-              <a:t>18-Dec-19</a:t>
+              <a:t>19-Dec-19</a:t>
             </a:fld>
             <a:endParaRPr lang="en-US"/>
           </a:p>
@@ -1332,7 +1334,7 @@
             <a:fld id="{0E6D40E8-755A-4A9E-8203-7D540D0C4D6C}" type="datetime1">
               <a:rPr lang="en-US" smtClean="0"/>
               <a:pPr/>
-              <a:t>18-Dec-19</a:t>
+              <a:t>19-Dec-19</a:t>
             </a:fld>
             <a:endParaRPr lang="en-US"/>
           </a:p>
@@ -1505,7 +1507,7 @@
             <a:fld id="{7E3FDB0B-B014-4C47-949F-40696701F18D}" type="datetime1">
               <a:rPr lang="en-US" smtClean="0"/>
               <a:pPr/>
-              <a:t>18-Dec-19</a:t>
+              <a:t>19-Dec-19</a:t>
             </a:fld>
             <a:endParaRPr lang="en-US"/>
           </a:p>
@@ -1755,7 +1757,7 @@
             <a:fld id="{56A4027D-C39B-4028-B8BF-317DD87D366F}" type="datetime1">
               <a:rPr lang="en-US" smtClean="0"/>
               <a:pPr/>
-              <a:t>18-Dec-19</a:t>
+              <a:t>19-Dec-19</a:t>
             </a:fld>
             <a:endParaRPr lang="en-US"/>
           </a:p>
@@ -1989,7 +1991,7 @@
             <a:fld id="{F929062A-9710-4020-9B03-34EA22284D0C}" type="datetime1">
               <a:rPr lang="en-US" smtClean="0"/>
               <a:pPr/>
-              <a:t>18-Dec-19</a:t>
+              <a:t>19-Dec-19</a:t>
             </a:fld>
             <a:endParaRPr lang="en-US"/>
           </a:p>
@@ -2358,7 +2360,7 @@
             <a:fld id="{4B2152DA-6FB1-4EDE-8BB4-888167B9355B}" type="datetime1">
               <a:rPr lang="en-US" smtClean="0"/>
               <a:pPr/>
-              <a:t>18-Dec-19</a:t>
+              <a:t>19-Dec-19</a:t>
             </a:fld>
             <a:endParaRPr lang="en-US"/>
           </a:p>
@@ -2480,7 +2482,7 @@
             <a:fld id="{55429E5B-FFDD-47CA-AE66-D39F45E52B55}" type="datetime1">
               <a:rPr lang="en-US" smtClean="0"/>
               <a:pPr/>
-              <a:t>18-Dec-19</a:t>
+              <a:t>19-Dec-19</a:t>
             </a:fld>
             <a:endParaRPr lang="en-US"/>
           </a:p>
@@ -2580,7 +2582,7 @@
             <a:fld id="{3C36C040-CCB1-4266-9346-A8F110B24665}" type="datetime1">
               <a:rPr lang="en-US" smtClean="0"/>
               <a:pPr/>
-              <a:t>18-Dec-19</a:t>
+              <a:t>19-Dec-19</a:t>
             </a:fld>
             <a:endParaRPr lang="en-US"/>
           </a:p>
@@ -2860,7 +2862,7 @@
             <a:fld id="{DDD8B0CE-3257-4B5B-B2F0-94303DB42A1F}" type="datetime1">
               <a:rPr lang="en-US" smtClean="0"/>
               <a:pPr/>
-              <a:t>18-Dec-19</a:t>
+              <a:t>19-Dec-19</a:t>
             </a:fld>
             <a:endParaRPr lang="en-US"/>
           </a:p>
@@ -3120,7 +3122,7 @@
             <a:fld id="{FCF577C3-74B1-42E7-853A-25836E4163F3}" type="datetime1">
               <a:rPr lang="en-US" smtClean="0"/>
               <a:pPr/>
-              <a:t>18-Dec-19</a:t>
+              <a:t>19-Dec-19</a:t>
             </a:fld>
             <a:endParaRPr lang="en-US"/>
           </a:p>
@@ -3339,7 +3341,7 @@
             <a:fld id="{AC29328E-BEF7-443D-BAE5-BD9F671E0CEA}" type="datetime1">
               <a:rPr lang="en-US" smtClean="0"/>
               <a:pPr/>
-              <a:t>18-Dec-19</a:t>
+              <a:t>19-Dec-19</a:t>
             </a:fld>
             <a:endParaRPr lang="en-US"/>
           </a:p>
@@ -4152,7 +4154,7 @@
             <a:fld id="{5631755A-7F1F-43D1-B420-8FE5AAB03653}" type="datetime1">
               <a:rPr lang="en-US" smtClean="0"/>
               <a:pPr/>
-              <a:t>18-Dec-19</a:t>
+              <a:t>19-Dec-19</a:t>
             </a:fld>
             <a:endParaRPr lang="en-US"/>
           </a:p>
@@ -4830,1251 +4832,6 @@
       </p:grpSpPr>
       <p:sp>
         <p:nvSpPr>
-          <p:cNvPr id="2" name="Date Placeholder 1">
-            <a:extLst>
-              <a:ext uri="{FF2B5EF4-FFF2-40B4-BE49-F238E27FC236}">
-                <a16:creationId xmlns:a16="http://schemas.microsoft.com/office/drawing/2014/main" id="{76BBC1CA-AF0C-4C92-98AB-EACE49AFF103}"/>
-              </a:ext>
-            </a:extLst>
-          </p:cNvPr>
-          <p:cNvSpPr>
-            <a:spLocks noGrp="1"/>
-          </p:cNvSpPr>
-          <p:nvPr>
-            <p:ph type="dt" sz="half" idx="10"/>
-          </p:nvPr>
-        </p:nvSpPr>
-        <p:spPr/>
-        <p:txBody>
-          <a:bodyPr/>
-          <a:lstStyle/>
-          <a:p>
-            <a:fld id="{3C36C040-CCB1-4266-9346-A8F110B24665}" type="datetime1">
-              <a:rPr lang="en-US" smtClean="0"/>
-              <a:pPr/>
-              <a:t>18-Dec-19</a:t>
-            </a:fld>
-            <a:endParaRPr lang="en-US"/>
-          </a:p>
-        </p:txBody>
-      </p:sp>
-      <p:sp>
-        <p:nvSpPr>
-          <p:cNvPr id="3" name="Slide Number Placeholder 2">
-            <a:extLst>
-              <a:ext uri="{FF2B5EF4-FFF2-40B4-BE49-F238E27FC236}">
-                <a16:creationId xmlns:a16="http://schemas.microsoft.com/office/drawing/2014/main" id="{9F242FC4-3A0D-4E7A-B0CD-53E533F83BDB}"/>
-              </a:ext>
-            </a:extLst>
-          </p:cNvPr>
-          <p:cNvSpPr>
-            <a:spLocks noGrp="1"/>
-          </p:cNvSpPr>
-          <p:nvPr>
-            <p:ph type="sldNum" sz="quarter" idx="12"/>
-          </p:nvPr>
-        </p:nvSpPr>
-        <p:spPr/>
-        <p:txBody>
-          <a:bodyPr/>
-          <a:lstStyle/>
-          <a:p>
-            <a:fld id="{330EA680-D336-4FF7-8B7A-9848BB0A1C32}" type="slidenum">
-              <a:rPr lang="en-US" smtClean="0"/>
-              <a:pPr/>
-              <a:t>10</a:t>
-            </a:fld>
-            <a:endParaRPr lang="en-US"/>
-          </a:p>
-        </p:txBody>
-      </p:sp>
-      <p:pic>
-        <p:nvPicPr>
-          <p:cNvPr id="5" name="Picture 4">
-            <a:extLst>
-              <a:ext uri="{FF2B5EF4-FFF2-40B4-BE49-F238E27FC236}">
-                <a16:creationId xmlns:a16="http://schemas.microsoft.com/office/drawing/2014/main" id="{8A51EAC4-A04B-4D0B-B796-664B52135BA8}"/>
-              </a:ext>
-            </a:extLst>
-          </p:cNvPr>
-          <p:cNvPicPr>
-            <a:picLocks noChangeAspect="1"/>
-          </p:cNvPicPr>
-          <p:nvPr/>
-        </p:nvPicPr>
-        <p:blipFill>
-          <a:blip r:embed="rId2" cstate="print">
-            <a:extLst>
-              <a:ext uri="{28A0092B-C50C-407E-A947-70E740481C1C}">
-                <a14:useLocalDpi xmlns:a14="http://schemas.microsoft.com/office/drawing/2010/main" val="0"/>
-              </a:ext>
-              <a:ext uri="{837473B0-CC2E-450A-ABE3-18F120FF3D39}">
-                <a1611:picAttrSrcUrl xmlns:a1611="http://schemas.microsoft.com/office/drawing/2016/11/main" r:id="rId3"/>
-              </a:ext>
-            </a:extLst>
-          </a:blip>
-          <a:stretch>
-            <a:fillRect/>
-          </a:stretch>
-        </p:blipFill>
-        <p:spPr>
-          <a:xfrm>
-            <a:off x="0" y="1"/>
-            <a:ext cx="12191999" cy="6858000"/>
-          </a:xfrm>
-          <a:prstGeom prst="rect">
-            <a:avLst/>
-          </a:prstGeom>
-        </p:spPr>
-      </p:pic>
-    </p:spTree>
-    <p:extLst>
-      <p:ext uri="{BB962C8B-B14F-4D97-AF65-F5344CB8AC3E}">
-        <p14:creationId xmlns:p14="http://schemas.microsoft.com/office/powerpoint/2010/main" val="1616601520"/>
-      </p:ext>
-    </p:extLst>
-  </p:cSld>
-  <p:clrMapOvr>
-    <a:masterClrMapping/>
-  </p:clrMapOvr>
-</p:sld>
-</file>
-
-<file path=ppt/slides/slide2.xml><?xml version="1.0" encoding="utf-8"?>
-<p:sld xmlns:a="http://schemas.openxmlformats.org/drawingml/2006/main" xmlns:r="http://schemas.openxmlformats.org/officeDocument/2006/relationships" xmlns:p="http://schemas.openxmlformats.org/presentationml/2006/main">
-  <p:cSld>
-    <p:spTree>
-      <p:nvGrpSpPr>
-        <p:cNvPr id="1" name=""/>
-        <p:cNvGrpSpPr/>
-        <p:nvPr/>
-      </p:nvGrpSpPr>
-      <p:grpSpPr>
-        <a:xfrm>
-          <a:off x="0" y="0"/>
-          <a:ext cx="0" cy="0"/>
-          <a:chOff x="0" y="0"/>
-          <a:chExt cx="0" cy="0"/>
-        </a:xfrm>
-      </p:grpSpPr>
-      <p:sp>
-        <p:nvSpPr>
-          <p:cNvPr id="5" name="Subtitle 4">
-            <a:extLst>
-              <a:ext uri="{FF2B5EF4-FFF2-40B4-BE49-F238E27FC236}">
-                <a16:creationId xmlns:a16="http://schemas.microsoft.com/office/drawing/2014/main" id="{25C99C0B-24DC-464E-AEB0-124B0DECD18C}"/>
-              </a:ext>
-            </a:extLst>
-          </p:cNvPr>
-          <p:cNvSpPr>
-            <a:spLocks noGrp="1"/>
-          </p:cNvSpPr>
-          <p:nvPr>
-            <p:ph type="subTitle" idx="1"/>
-          </p:nvPr>
-        </p:nvSpPr>
-        <p:spPr>
-          <a:xfrm>
-            <a:off x="1605378" y="1065319"/>
-            <a:ext cx="8981243" cy="5282214"/>
-          </a:xfrm>
-        </p:spPr>
-        <p:txBody>
-          <a:bodyPr>
-            <a:noAutofit/>
-          </a:bodyPr>
-          <a:lstStyle/>
-          <a:p>
-            <a:pPr marL="457200" indent="-457200" algn="l">
-              <a:buFont typeface="Wingdings" panose="05000000000000000000" pitchFamily="2" charset="2"/>
-              <a:buChar char="Ø"/>
-            </a:pPr>
-            <a:r>
-              <a:rPr lang="en-IN" sz="2800" dirty="0"/>
-              <a:t>Objective</a:t>
-            </a:r>
-          </a:p>
-          <a:p>
-            <a:pPr marL="457200" indent="-457200" algn="l">
-              <a:buFont typeface="Wingdings" panose="05000000000000000000" pitchFamily="2" charset="2"/>
-              <a:buChar char="Ø"/>
-            </a:pPr>
-            <a:r>
-              <a:rPr lang="en-IN" sz="2800" dirty="0"/>
-              <a:t>Description</a:t>
-            </a:r>
-          </a:p>
-          <a:p>
-            <a:pPr marL="457200" indent="-457200" algn="l">
-              <a:buFont typeface="Wingdings" panose="05000000000000000000" pitchFamily="2" charset="2"/>
-              <a:buChar char="Ø"/>
-            </a:pPr>
-            <a:r>
-              <a:rPr lang="en-IN" sz="2800" dirty="0"/>
-              <a:t>Literature Survey</a:t>
-            </a:r>
-          </a:p>
-          <a:p>
-            <a:pPr marL="457200" indent="-457200" algn="l">
-              <a:buFont typeface="Wingdings" panose="05000000000000000000" pitchFamily="2" charset="2"/>
-              <a:buChar char="Ø"/>
-            </a:pPr>
-            <a:r>
-              <a:rPr lang="en-IN" sz="2800" dirty="0"/>
-              <a:t>Research gap</a:t>
-            </a:r>
-          </a:p>
-          <a:p>
-            <a:pPr marL="457200" indent="-457200" algn="l">
-              <a:buFont typeface="Wingdings" panose="05000000000000000000" pitchFamily="2" charset="2"/>
-              <a:buChar char="Ø"/>
-            </a:pPr>
-            <a:r>
-              <a:rPr lang="en-IN" sz="2800" dirty="0"/>
-              <a:t>Applications</a:t>
-            </a:r>
-          </a:p>
-          <a:p>
-            <a:pPr marL="457200" indent="-457200" algn="l">
-              <a:buFont typeface="Wingdings" panose="05000000000000000000" pitchFamily="2" charset="2"/>
-              <a:buChar char="Ø"/>
-            </a:pPr>
-            <a:r>
-              <a:rPr lang="en-IN" sz="2800" dirty="0"/>
-              <a:t>Conclusion</a:t>
-            </a:r>
-          </a:p>
-          <a:p>
-            <a:pPr marL="457200" indent="-457200" algn="l">
-              <a:buFont typeface="Wingdings" panose="05000000000000000000" pitchFamily="2" charset="2"/>
-              <a:buChar char="Ø"/>
-            </a:pPr>
-            <a:r>
-              <a:rPr lang="en-IN" sz="2800" dirty="0"/>
-              <a:t>Project Time line</a:t>
-            </a:r>
-          </a:p>
-          <a:p>
-            <a:pPr marL="457200" indent="-457200" algn="l">
-              <a:buFont typeface="Wingdings" panose="05000000000000000000" pitchFamily="2" charset="2"/>
-              <a:buChar char="Ø"/>
-            </a:pPr>
-            <a:r>
-              <a:rPr lang="en-IN" sz="2800" dirty="0"/>
-              <a:t>References</a:t>
-            </a:r>
-          </a:p>
-          <a:p>
-            <a:pPr algn="l"/>
-            <a:endParaRPr lang="en-IN" sz="2800" dirty="0"/>
-          </a:p>
-          <a:p>
-            <a:pPr marL="457200" indent="-457200" algn="l">
-              <a:buFont typeface="Wingdings" panose="05000000000000000000" pitchFamily="2" charset="2"/>
-              <a:buChar char="Ø"/>
-            </a:pPr>
-            <a:endParaRPr lang="en-IN" sz="2800" dirty="0"/>
-          </a:p>
-          <a:p>
-            <a:pPr algn="l"/>
-            <a:endParaRPr lang="en-IN" sz="2800" dirty="0"/>
-          </a:p>
-        </p:txBody>
-      </p:sp>
-      <p:sp>
-        <p:nvSpPr>
-          <p:cNvPr id="6" name="TextBox 5">
-            <a:extLst>
-              <a:ext uri="{FF2B5EF4-FFF2-40B4-BE49-F238E27FC236}">
-                <a16:creationId xmlns:a16="http://schemas.microsoft.com/office/drawing/2014/main" id="{243EF8A7-F534-4440-8C5C-A61C86D65859}"/>
-              </a:ext>
-            </a:extLst>
-          </p:cNvPr>
-          <p:cNvSpPr txBox="1"/>
-          <p:nvPr/>
-        </p:nvSpPr>
-        <p:spPr>
-          <a:xfrm>
-            <a:off x="861134" y="279647"/>
-            <a:ext cx="2725445" cy="646331"/>
-          </a:xfrm>
-          <a:prstGeom prst="rect">
-            <a:avLst/>
-          </a:prstGeom>
-          <a:noFill/>
-        </p:spPr>
-        <p:txBody>
-          <a:bodyPr wrap="square" rtlCol="0">
-            <a:spAutoFit/>
-          </a:bodyPr>
-          <a:lstStyle/>
-          <a:p>
-            <a:r>
-              <a:rPr lang="en-IN" sz="3600" b="1" u="sng" dirty="0">
-                <a:solidFill>
-                  <a:srgbClr val="FF0000"/>
-                </a:solidFill>
-              </a:rPr>
-              <a:t>Contents</a:t>
-            </a:r>
-            <a:r>
-              <a:rPr lang="en-IN" sz="3600" b="1" dirty="0">
-                <a:solidFill>
-                  <a:srgbClr val="FF0000"/>
-                </a:solidFill>
-              </a:rPr>
-              <a:t> :</a:t>
-            </a:r>
-          </a:p>
-        </p:txBody>
-      </p:sp>
-      <p:sp>
-        <p:nvSpPr>
-          <p:cNvPr id="2" name="Date Placeholder 1">
-            <a:extLst>
-              <a:ext uri="{FF2B5EF4-FFF2-40B4-BE49-F238E27FC236}">
-                <a16:creationId xmlns:a16="http://schemas.microsoft.com/office/drawing/2014/main" id="{557D1C03-83FB-4A41-A673-D79050803B7D}"/>
-              </a:ext>
-            </a:extLst>
-          </p:cNvPr>
-          <p:cNvSpPr>
-            <a:spLocks noGrp="1"/>
-          </p:cNvSpPr>
-          <p:nvPr>
-            <p:ph type="dt" sz="half" idx="10"/>
-          </p:nvPr>
-        </p:nvSpPr>
-        <p:spPr/>
-        <p:txBody>
-          <a:bodyPr/>
-          <a:lstStyle/>
-          <a:p>
-            <a:fld id="{46AE972D-E9C9-463C-B8F6-D09D8C3356F7}" type="datetime1">
-              <a:rPr lang="en-US" smtClean="0"/>
-              <a:pPr/>
-              <a:t>18-Dec-19</a:t>
-            </a:fld>
-            <a:endParaRPr lang="en-US"/>
-          </a:p>
-        </p:txBody>
-      </p:sp>
-      <p:sp>
-        <p:nvSpPr>
-          <p:cNvPr id="3" name="Slide Number Placeholder 2">
-            <a:extLst>
-              <a:ext uri="{FF2B5EF4-FFF2-40B4-BE49-F238E27FC236}">
-                <a16:creationId xmlns:a16="http://schemas.microsoft.com/office/drawing/2014/main" id="{159E4775-580B-43B1-BD6F-CC56A677381D}"/>
-              </a:ext>
-            </a:extLst>
-          </p:cNvPr>
-          <p:cNvSpPr>
-            <a:spLocks noGrp="1"/>
-          </p:cNvSpPr>
-          <p:nvPr>
-            <p:ph type="sldNum" sz="quarter" idx="12"/>
-          </p:nvPr>
-        </p:nvSpPr>
-        <p:spPr/>
-        <p:txBody>
-          <a:bodyPr/>
-          <a:lstStyle/>
-          <a:p>
-            <a:fld id="{330EA680-D336-4FF7-8B7A-9848BB0A1C32}" type="slidenum">
-              <a:rPr lang="en-US" smtClean="0"/>
-              <a:pPr/>
-              <a:t>2</a:t>
-            </a:fld>
-            <a:endParaRPr lang="en-US"/>
-          </a:p>
-        </p:txBody>
-      </p:sp>
-    </p:spTree>
-    <p:extLst>
-      <p:ext uri="{BB962C8B-B14F-4D97-AF65-F5344CB8AC3E}">
-        <p14:creationId xmlns:p14="http://schemas.microsoft.com/office/powerpoint/2010/main" val="1975427906"/>
-      </p:ext>
-    </p:extLst>
-  </p:cSld>
-  <p:clrMapOvr>
-    <a:masterClrMapping/>
-  </p:clrMapOvr>
-</p:sld>
-</file>
-
-<file path=ppt/slides/slide3.xml><?xml version="1.0" encoding="utf-8"?>
-<p:sld xmlns:a="http://schemas.openxmlformats.org/drawingml/2006/main" xmlns:r="http://schemas.openxmlformats.org/officeDocument/2006/relationships" xmlns:p="http://schemas.openxmlformats.org/presentationml/2006/main">
-  <p:cSld>
-    <p:spTree>
-      <p:nvGrpSpPr>
-        <p:cNvPr id="1" name=""/>
-        <p:cNvGrpSpPr/>
-        <p:nvPr/>
-      </p:nvGrpSpPr>
-      <p:grpSpPr>
-        <a:xfrm>
-          <a:off x="0" y="0"/>
-          <a:ext cx="0" cy="0"/>
-          <a:chOff x="0" y="0"/>
-          <a:chExt cx="0" cy="0"/>
-        </a:xfrm>
-      </p:grpSpPr>
-      <p:sp>
-        <p:nvSpPr>
-          <p:cNvPr id="2" name="Title 1"/>
-          <p:cNvSpPr>
-            <a:spLocks noGrp="1"/>
-          </p:cNvSpPr>
-          <p:nvPr>
-            <p:ph type="title"/>
-          </p:nvPr>
-        </p:nvSpPr>
-        <p:spPr>
-          <a:xfrm>
-            <a:off x="838200" y="365126"/>
-            <a:ext cx="10515600" cy="1215100"/>
-          </a:xfrm>
-        </p:spPr>
-        <p:txBody>
-          <a:bodyPr>
-            <a:normAutofit/>
-          </a:bodyPr>
-          <a:lstStyle/>
-          <a:p>
-            <a:pPr algn="ctr"/>
-            <a:r>
-              <a:rPr lang="en-US" sz="3200" b="1" dirty="0">
-                <a:solidFill>
-                  <a:schemeClr val="accent2">
-                    <a:lumMod val="75000"/>
-                  </a:schemeClr>
-                </a:solidFill>
-              </a:rPr>
-              <a:t> </a:t>
-            </a:r>
-            <a:r>
-              <a:rPr lang="en-IN" sz="3200" b="1" u="sng" dirty="0">
-                <a:solidFill>
-                  <a:srgbClr val="FF0000"/>
-                </a:solidFill>
-              </a:rPr>
-              <a:t>Objective</a:t>
-            </a:r>
-            <a:endParaRPr lang="en-US" sz="3200" b="1" dirty="0">
-              <a:solidFill>
-                <a:schemeClr val="accent2">
-                  <a:lumMod val="75000"/>
-                </a:schemeClr>
-              </a:solidFill>
-            </a:endParaRPr>
-          </a:p>
-        </p:txBody>
-      </p:sp>
-      <p:sp>
-        <p:nvSpPr>
-          <p:cNvPr id="3" name="Content Placeholder 2"/>
-          <p:cNvSpPr>
-            <a:spLocks noGrp="1"/>
-          </p:cNvSpPr>
-          <p:nvPr>
-            <p:ph idx="1"/>
-          </p:nvPr>
-        </p:nvSpPr>
-        <p:spPr>
-          <a:xfrm>
-            <a:off x="838200" y="1260629"/>
-            <a:ext cx="10515600" cy="4190260"/>
-          </a:xfrm>
-        </p:spPr>
-        <p:txBody>
-          <a:bodyPr/>
-          <a:lstStyle/>
-          <a:p>
-            <a:endParaRPr lang="en-US" dirty="0"/>
-          </a:p>
-          <a:p>
-            <a:pPr>
-              <a:buFont typeface="Wingdings" panose="05000000000000000000" pitchFamily="2" charset="2"/>
-              <a:buChar char="Ø"/>
-            </a:pPr>
-            <a:r>
-              <a:rPr lang="en-US" dirty="0"/>
-              <a:t>Power system fault diagnosis is the process of analyzing historical fault data to detect and predict current  or future fault.</a:t>
-            </a:r>
-          </a:p>
-          <a:p>
-            <a:pPr>
-              <a:buFont typeface="Wingdings" panose="05000000000000000000" pitchFamily="2" charset="2"/>
-              <a:buChar char="Ø"/>
-            </a:pPr>
-            <a:r>
-              <a:rPr lang="en-US" dirty="0"/>
-              <a:t>The objective of our project is to find out the faults in transmission line  and to  classify them.</a:t>
-            </a:r>
-          </a:p>
-          <a:p>
-            <a:pPr>
-              <a:buFont typeface="Wingdings" panose="05000000000000000000" pitchFamily="2" charset="2"/>
-              <a:buChar char="Ø"/>
-            </a:pPr>
-            <a:r>
-              <a:rPr lang="en-US" dirty="0"/>
-              <a:t>By using artificial intelligence techniques in power systems we can  identify faults effectively to minimize the time.</a:t>
-            </a:r>
-          </a:p>
-          <a:p>
-            <a:pPr marL="0" indent="0">
-              <a:buNone/>
-            </a:pPr>
-            <a:endParaRPr lang="en-US" dirty="0"/>
-          </a:p>
-          <a:p>
-            <a:endParaRPr lang="en-US" dirty="0"/>
-          </a:p>
-          <a:p>
-            <a:endParaRPr lang="en-US" dirty="0"/>
-          </a:p>
-          <a:p>
-            <a:endParaRPr lang="en-US" dirty="0"/>
-          </a:p>
-          <a:p>
-            <a:endParaRPr lang="en-US" dirty="0"/>
-          </a:p>
-          <a:p>
-            <a:endParaRPr lang="en-US" dirty="0"/>
-          </a:p>
-        </p:txBody>
-      </p:sp>
-      <p:sp>
-        <p:nvSpPr>
-          <p:cNvPr id="4" name="Date Placeholder 3"/>
-          <p:cNvSpPr>
-            <a:spLocks noGrp="1"/>
-          </p:cNvSpPr>
-          <p:nvPr>
-            <p:ph type="dt" sz="half" idx="10"/>
-          </p:nvPr>
-        </p:nvSpPr>
-        <p:spPr/>
-        <p:txBody>
-          <a:bodyPr/>
-          <a:lstStyle/>
-          <a:p>
-            <a:fld id="{7E3FDB0B-B014-4C47-949F-40696701F18D}" type="datetime1">
-              <a:rPr lang="en-US" smtClean="0"/>
-              <a:pPr/>
-              <a:t>18-Dec-19</a:t>
-            </a:fld>
-            <a:endParaRPr lang="en-US"/>
-          </a:p>
-        </p:txBody>
-      </p:sp>
-      <p:sp>
-        <p:nvSpPr>
-          <p:cNvPr id="5" name="Slide Number Placeholder 4"/>
-          <p:cNvSpPr>
-            <a:spLocks noGrp="1"/>
-          </p:cNvSpPr>
-          <p:nvPr>
-            <p:ph type="sldNum" sz="quarter" idx="12"/>
-          </p:nvPr>
-        </p:nvSpPr>
-        <p:spPr/>
-        <p:txBody>
-          <a:bodyPr/>
-          <a:lstStyle/>
-          <a:p>
-            <a:fld id="{330EA680-D336-4FF7-8B7A-9848BB0A1C32}" type="slidenum">
-              <a:rPr lang="en-US" smtClean="0"/>
-              <a:pPr/>
-              <a:t>3</a:t>
-            </a:fld>
-            <a:endParaRPr lang="en-US"/>
-          </a:p>
-        </p:txBody>
-      </p:sp>
-    </p:spTree>
-    <p:extLst>
-      <p:ext uri="{BB962C8B-B14F-4D97-AF65-F5344CB8AC3E}">
-        <p14:creationId xmlns:p14="http://schemas.microsoft.com/office/powerpoint/2010/main" val="2117165276"/>
-      </p:ext>
-    </p:extLst>
-  </p:cSld>
-  <p:clrMapOvr>
-    <a:masterClrMapping/>
-  </p:clrMapOvr>
-</p:sld>
-</file>
-
-<file path=ppt/slides/slide4.xml><?xml version="1.0" encoding="utf-8"?>
-<p:sld xmlns:a="http://schemas.openxmlformats.org/drawingml/2006/main" xmlns:r="http://schemas.openxmlformats.org/officeDocument/2006/relationships" xmlns:p="http://schemas.openxmlformats.org/presentationml/2006/main">
-  <p:cSld>
-    <p:spTree>
-      <p:nvGrpSpPr>
-        <p:cNvPr id="1" name=""/>
-        <p:cNvGrpSpPr/>
-        <p:nvPr/>
-      </p:nvGrpSpPr>
-      <p:grpSpPr>
-        <a:xfrm>
-          <a:off x="0" y="0"/>
-          <a:ext cx="0" cy="0"/>
-          <a:chOff x="0" y="0"/>
-          <a:chExt cx="0" cy="0"/>
-        </a:xfrm>
-      </p:grpSpPr>
-      <p:sp>
-        <p:nvSpPr>
-          <p:cNvPr id="2" name="TextBox 1">
-            <a:extLst>
-              <a:ext uri="{FF2B5EF4-FFF2-40B4-BE49-F238E27FC236}">
-                <a16:creationId xmlns:a16="http://schemas.microsoft.com/office/drawing/2014/main" id="{647B59D4-2B44-4776-860C-47B66B58FF3B}"/>
-              </a:ext>
-            </a:extLst>
-          </p:cNvPr>
-          <p:cNvSpPr txBox="1"/>
-          <p:nvPr/>
-        </p:nvSpPr>
-        <p:spPr>
-          <a:xfrm>
-            <a:off x="838200" y="354643"/>
-            <a:ext cx="10622872" cy="584775"/>
-          </a:xfrm>
-          <a:prstGeom prst="rect">
-            <a:avLst/>
-          </a:prstGeom>
-          <a:noFill/>
-        </p:spPr>
-        <p:txBody>
-          <a:bodyPr wrap="square" rtlCol="0">
-            <a:spAutoFit/>
-          </a:bodyPr>
-          <a:lstStyle/>
-          <a:p>
-            <a:pPr algn="ctr"/>
-            <a:r>
-              <a:rPr lang="en-IN" sz="3200" b="1" u="sng" dirty="0">
-                <a:solidFill>
-                  <a:srgbClr val="FF0000"/>
-                </a:solidFill>
-              </a:rPr>
-              <a:t>Description </a:t>
-            </a:r>
-          </a:p>
-        </p:txBody>
-      </p:sp>
-      <p:sp>
-        <p:nvSpPr>
-          <p:cNvPr id="4" name="Subtitle 3">
-            <a:extLst>
-              <a:ext uri="{FF2B5EF4-FFF2-40B4-BE49-F238E27FC236}">
-                <a16:creationId xmlns:a16="http://schemas.microsoft.com/office/drawing/2014/main" id="{5BAF7A38-E445-4B58-9796-4267284E645F}"/>
-              </a:ext>
-            </a:extLst>
-          </p:cNvPr>
-          <p:cNvSpPr>
-            <a:spLocks noGrp="1"/>
-          </p:cNvSpPr>
-          <p:nvPr>
-            <p:ph type="subTitle" idx="1"/>
-          </p:nvPr>
-        </p:nvSpPr>
-        <p:spPr>
-          <a:xfrm>
-            <a:off x="825623" y="1260629"/>
-            <a:ext cx="10635449" cy="5042517"/>
-          </a:xfrm>
-        </p:spPr>
-        <p:txBody>
-          <a:bodyPr>
-            <a:normAutofit fontScale="92500" lnSpcReduction="10000"/>
-          </a:bodyPr>
-          <a:lstStyle/>
-          <a:p>
-            <a:pPr marL="342900" indent="-342900" algn="just">
-              <a:lnSpc>
-                <a:spcPct val="150000"/>
-              </a:lnSpc>
-              <a:buFont typeface="Wingdings" panose="05000000000000000000" pitchFamily="2" charset="2"/>
-              <a:buChar char="Ø"/>
-            </a:pPr>
-            <a:r>
-              <a:rPr lang="en-IN" sz="2800" dirty="0"/>
-              <a:t>In recent years ,artificial intelligence technologies is becoming  more and more popular due to its amazing features.</a:t>
-            </a:r>
-          </a:p>
-          <a:p>
-            <a:pPr marL="342900" indent="-342900" algn="just">
-              <a:lnSpc>
-                <a:spcPct val="150000"/>
-              </a:lnSpc>
-              <a:buFont typeface="Wingdings" panose="05000000000000000000" pitchFamily="2" charset="2"/>
-              <a:buChar char="Ø"/>
-            </a:pPr>
-            <a:r>
-              <a:rPr lang="en-IN" sz="2800" dirty="0"/>
-              <a:t>Application of artificial intelligence techniques in electric power industry which is currently undergoing an extraordinary development.</a:t>
-            </a:r>
-          </a:p>
-          <a:p>
-            <a:pPr marL="342900" indent="-342900" algn="just">
-              <a:lnSpc>
-                <a:spcPct val="150000"/>
-              </a:lnSpc>
-              <a:buFont typeface="Wingdings" panose="05000000000000000000" pitchFamily="2" charset="2"/>
-              <a:buChar char="Ø"/>
-            </a:pPr>
-            <a:r>
-              <a:rPr lang="en-IN" sz="2800" dirty="0"/>
-              <a:t>One of the most thrilling and potentially cost-effective recent developments in this field is increasing usage of artificial intelligence techniques </a:t>
-            </a:r>
-            <a:r>
-              <a:rPr lang="en-IN" sz="2800" dirty="0" err="1"/>
-              <a:t>viz</a:t>
-            </a:r>
-            <a:r>
-              <a:rPr lang="en-IN" sz="2800" dirty="0"/>
-              <a:t> artificial neural network ,genetic algorithm ,fuzzy logic ,and expert systems.</a:t>
-            </a:r>
-          </a:p>
-          <a:p>
-            <a:pPr marL="342900" indent="-342900" algn="l">
-              <a:lnSpc>
-                <a:spcPct val="150000"/>
-              </a:lnSpc>
-              <a:buFont typeface="Wingdings" panose="05000000000000000000" pitchFamily="2" charset="2"/>
-              <a:buChar char="Ø"/>
-            </a:pPr>
-            <a:endParaRPr lang="en-IN" sz="2800" dirty="0"/>
-          </a:p>
-        </p:txBody>
-      </p:sp>
-      <p:sp>
-        <p:nvSpPr>
-          <p:cNvPr id="3" name="Date Placeholder 2">
-            <a:extLst>
-              <a:ext uri="{FF2B5EF4-FFF2-40B4-BE49-F238E27FC236}">
-                <a16:creationId xmlns:a16="http://schemas.microsoft.com/office/drawing/2014/main" id="{885E3CB4-25D1-4287-82D6-F9574CEE3BDF}"/>
-              </a:ext>
-            </a:extLst>
-          </p:cNvPr>
-          <p:cNvSpPr>
-            <a:spLocks noGrp="1"/>
-          </p:cNvSpPr>
-          <p:nvPr>
-            <p:ph type="dt" sz="half" idx="10"/>
-          </p:nvPr>
-        </p:nvSpPr>
-        <p:spPr/>
-        <p:txBody>
-          <a:bodyPr/>
-          <a:lstStyle/>
-          <a:p>
-            <a:fld id="{D7B85C41-A637-4317-A4DB-B59D3E1A9940}" type="datetime1">
-              <a:rPr lang="en-US" smtClean="0"/>
-              <a:pPr/>
-              <a:t>18-Dec-19</a:t>
-            </a:fld>
-            <a:endParaRPr lang="en-US"/>
-          </a:p>
-        </p:txBody>
-      </p:sp>
-      <p:sp>
-        <p:nvSpPr>
-          <p:cNvPr id="5" name="Slide Number Placeholder 4">
-            <a:extLst>
-              <a:ext uri="{FF2B5EF4-FFF2-40B4-BE49-F238E27FC236}">
-                <a16:creationId xmlns:a16="http://schemas.microsoft.com/office/drawing/2014/main" id="{298F78CD-D8AB-4C18-8B69-D4483DA72939}"/>
-              </a:ext>
-            </a:extLst>
-          </p:cNvPr>
-          <p:cNvSpPr>
-            <a:spLocks noGrp="1"/>
-          </p:cNvSpPr>
-          <p:nvPr>
-            <p:ph type="sldNum" sz="quarter" idx="12"/>
-          </p:nvPr>
-        </p:nvSpPr>
-        <p:spPr/>
-        <p:txBody>
-          <a:bodyPr/>
-          <a:lstStyle/>
-          <a:p>
-            <a:fld id="{330EA680-D336-4FF7-8B7A-9848BB0A1C32}" type="slidenum">
-              <a:rPr lang="en-US" smtClean="0"/>
-              <a:pPr/>
-              <a:t>4</a:t>
-            </a:fld>
-            <a:endParaRPr lang="en-US"/>
-          </a:p>
-        </p:txBody>
-      </p:sp>
-    </p:spTree>
-    <p:extLst>
-      <p:ext uri="{BB962C8B-B14F-4D97-AF65-F5344CB8AC3E}">
-        <p14:creationId xmlns:p14="http://schemas.microsoft.com/office/powerpoint/2010/main" val="991653462"/>
-      </p:ext>
-    </p:extLst>
-  </p:cSld>
-  <p:clrMapOvr>
-    <a:masterClrMapping/>
-  </p:clrMapOvr>
-</p:sld>
-</file>
-
-<file path=ppt/slides/slide5.xml><?xml version="1.0" encoding="utf-8"?>
-<p:sld xmlns:a="http://schemas.openxmlformats.org/drawingml/2006/main" xmlns:r="http://schemas.openxmlformats.org/officeDocument/2006/relationships" xmlns:p="http://schemas.openxmlformats.org/presentationml/2006/main">
-  <p:cSld>
-    <p:spTree>
-      <p:nvGrpSpPr>
-        <p:cNvPr id="1" name=""/>
-        <p:cNvGrpSpPr/>
-        <p:nvPr/>
-      </p:nvGrpSpPr>
-      <p:grpSpPr>
-        <a:xfrm>
-          <a:off x="0" y="0"/>
-          <a:ext cx="0" cy="0"/>
-          <a:chOff x="0" y="0"/>
-          <a:chExt cx="0" cy="0"/>
-        </a:xfrm>
-      </p:grpSpPr>
-      <p:sp>
-        <p:nvSpPr>
-          <p:cNvPr id="2" name="Title 1"/>
-          <p:cNvSpPr>
-            <a:spLocks noGrp="1"/>
-          </p:cNvSpPr>
-          <p:nvPr>
-            <p:ph type="title"/>
-          </p:nvPr>
-        </p:nvSpPr>
-        <p:spPr/>
-        <p:txBody>
-          <a:bodyPr/>
-          <a:lstStyle/>
-          <a:p>
-            <a:endParaRPr lang="en-US"/>
-          </a:p>
-        </p:txBody>
-      </p:sp>
-      <p:sp>
-        <p:nvSpPr>
-          <p:cNvPr id="3" name="Content Placeholder 2"/>
-          <p:cNvSpPr>
-            <a:spLocks noGrp="1"/>
-          </p:cNvSpPr>
-          <p:nvPr>
-            <p:ph idx="1"/>
-          </p:nvPr>
-        </p:nvSpPr>
-        <p:spPr/>
-        <p:txBody>
-          <a:bodyPr/>
-          <a:lstStyle/>
-          <a:p>
-            <a:pPr algn="just">
-              <a:buFont typeface="Wingdings" panose="05000000000000000000" pitchFamily="2" charset="2"/>
-              <a:buChar char="Ø"/>
-            </a:pPr>
-            <a:r>
-              <a:rPr lang="en-US" dirty="0"/>
-              <a:t>The training mechanism of deep learning is layer-wise pre-training mechanism.</a:t>
-            </a:r>
-          </a:p>
-          <a:p>
-            <a:pPr algn="just">
-              <a:buFont typeface="Wingdings" panose="05000000000000000000" pitchFamily="2" charset="2"/>
-              <a:buChar char="Ø"/>
-            </a:pPr>
-            <a:r>
-              <a:rPr lang="en-US" dirty="0"/>
-              <a:t>Deep learning also has great learning ability so it  focus in the field of machine learning and artificial intelligence.</a:t>
-            </a:r>
-          </a:p>
-        </p:txBody>
-      </p:sp>
-      <p:sp>
-        <p:nvSpPr>
-          <p:cNvPr id="4" name="Date Placeholder 3"/>
-          <p:cNvSpPr>
-            <a:spLocks noGrp="1"/>
-          </p:cNvSpPr>
-          <p:nvPr>
-            <p:ph type="dt" sz="half" idx="10"/>
-          </p:nvPr>
-        </p:nvSpPr>
-        <p:spPr/>
-        <p:txBody>
-          <a:bodyPr/>
-          <a:lstStyle/>
-          <a:p>
-            <a:fld id="{7E3FDB0B-B014-4C47-949F-40696701F18D}" type="datetime1">
-              <a:rPr lang="en-US" smtClean="0"/>
-              <a:pPr/>
-              <a:t>18-Dec-19</a:t>
-            </a:fld>
-            <a:endParaRPr lang="en-US"/>
-          </a:p>
-        </p:txBody>
-      </p:sp>
-      <p:sp>
-        <p:nvSpPr>
-          <p:cNvPr id="5" name="Slide Number Placeholder 4"/>
-          <p:cNvSpPr>
-            <a:spLocks noGrp="1"/>
-          </p:cNvSpPr>
-          <p:nvPr>
-            <p:ph type="sldNum" sz="quarter" idx="12"/>
-          </p:nvPr>
-        </p:nvSpPr>
-        <p:spPr/>
-        <p:txBody>
-          <a:bodyPr/>
-          <a:lstStyle/>
-          <a:p>
-            <a:fld id="{330EA680-D336-4FF7-8B7A-9848BB0A1C32}" type="slidenum">
-              <a:rPr lang="en-US" smtClean="0"/>
-              <a:pPr/>
-              <a:t>5</a:t>
-            </a:fld>
-            <a:endParaRPr lang="en-US"/>
-          </a:p>
-        </p:txBody>
-      </p:sp>
-    </p:spTree>
-    <p:extLst>
-      <p:ext uri="{BB962C8B-B14F-4D97-AF65-F5344CB8AC3E}">
-        <p14:creationId xmlns:p14="http://schemas.microsoft.com/office/powerpoint/2010/main" val="4136263389"/>
-      </p:ext>
-    </p:extLst>
-  </p:cSld>
-  <p:clrMapOvr>
-    <a:masterClrMapping/>
-  </p:clrMapOvr>
-</p:sld>
-</file>
-
-<file path=ppt/slides/slide6.xml><?xml version="1.0" encoding="utf-8"?>
-<p:sld xmlns:a="http://schemas.openxmlformats.org/drawingml/2006/main" xmlns:r="http://schemas.openxmlformats.org/officeDocument/2006/relationships" xmlns:p="http://schemas.openxmlformats.org/presentationml/2006/main">
-  <p:cSld>
-    <p:spTree>
-      <p:nvGrpSpPr>
-        <p:cNvPr id="1" name=""/>
-        <p:cNvGrpSpPr/>
-        <p:nvPr/>
-      </p:nvGrpSpPr>
-      <p:grpSpPr>
-        <a:xfrm>
-          <a:off x="0" y="0"/>
-          <a:ext cx="0" cy="0"/>
-          <a:chOff x="0" y="0"/>
-          <a:chExt cx="0" cy="0"/>
-        </a:xfrm>
-      </p:grpSpPr>
-      <p:sp>
-        <p:nvSpPr>
-          <p:cNvPr id="2" name="Title 1"/>
-          <p:cNvSpPr>
-            <a:spLocks noGrp="1"/>
-          </p:cNvSpPr>
-          <p:nvPr>
-            <p:ph type="title"/>
-          </p:nvPr>
-        </p:nvSpPr>
-        <p:spPr/>
-        <p:txBody>
-          <a:bodyPr>
-            <a:normAutofit/>
-          </a:bodyPr>
-          <a:lstStyle/>
-          <a:p>
-            <a:r>
-              <a:rPr lang="en-US" sz="3200" b="1" dirty="0"/>
-              <a:t>Neural network applications in power system</a:t>
-            </a:r>
-          </a:p>
-        </p:txBody>
-      </p:sp>
-      <p:pic>
-        <p:nvPicPr>
-          <p:cNvPr id="7" name="Content Placeholder 6">
-            <a:extLst>
-              <a:ext uri="{FF2B5EF4-FFF2-40B4-BE49-F238E27FC236}">
-                <a16:creationId xmlns:a16="http://schemas.microsoft.com/office/drawing/2014/main" id="{BA0A6C8F-802D-400B-B5FA-7B2C68FF7409}"/>
-              </a:ext>
-            </a:extLst>
-          </p:cNvPr>
-          <p:cNvPicPr>
-            <a:picLocks noGrp="1" noChangeAspect="1"/>
-          </p:cNvPicPr>
-          <p:nvPr>
-            <p:ph idx="1"/>
-          </p:nvPr>
-        </p:nvPicPr>
-        <p:blipFill>
-          <a:blip r:embed="rId2">
-            <a:extLst>
-              <a:ext uri="{28A0092B-C50C-407E-A947-70E740481C1C}">
-                <a14:useLocalDpi xmlns:a14="http://schemas.microsoft.com/office/drawing/2010/main" val="0"/>
-              </a:ext>
-            </a:extLst>
-          </a:blip>
-          <a:stretch>
-            <a:fillRect/>
-          </a:stretch>
-        </p:blipFill>
-        <p:spPr>
-          <a:xfrm>
-            <a:off x="3062702" y="2252824"/>
-            <a:ext cx="4717189" cy="2857748"/>
-          </a:xfrm>
-        </p:spPr>
-      </p:pic>
-      <p:sp>
-        <p:nvSpPr>
-          <p:cNvPr id="4" name="Date Placeholder 3"/>
-          <p:cNvSpPr>
-            <a:spLocks noGrp="1"/>
-          </p:cNvSpPr>
-          <p:nvPr>
-            <p:ph type="dt" sz="half" idx="10"/>
-          </p:nvPr>
-        </p:nvSpPr>
-        <p:spPr/>
-        <p:txBody>
-          <a:bodyPr/>
-          <a:lstStyle/>
-          <a:p>
-            <a:fld id="{7E3FDB0B-B014-4C47-949F-40696701F18D}" type="datetime1">
-              <a:rPr lang="en-US" smtClean="0"/>
-              <a:pPr/>
-              <a:t>18-Dec-19</a:t>
-            </a:fld>
-            <a:endParaRPr lang="en-US"/>
-          </a:p>
-        </p:txBody>
-      </p:sp>
-      <p:sp>
-        <p:nvSpPr>
-          <p:cNvPr id="5" name="Slide Number Placeholder 4"/>
-          <p:cNvSpPr>
-            <a:spLocks noGrp="1"/>
-          </p:cNvSpPr>
-          <p:nvPr>
-            <p:ph type="sldNum" sz="quarter" idx="12"/>
-          </p:nvPr>
-        </p:nvSpPr>
-        <p:spPr/>
-        <p:txBody>
-          <a:bodyPr/>
-          <a:lstStyle/>
-          <a:p>
-            <a:fld id="{330EA680-D336-4FF7-8B7A-9848BB0A1C32}" type="slidenum">
-              <a:rPr lang="en-US" smtClean="0"/>
-              <a:pPr/>
-              <a:t>6</a:t>
-            </a:fld>
-            <a:endParaRPr lang="en-US"/>
-          </a:p>
-        </p:txBody>
-      </p:sp>
-    </p:spTree>
-    <p:extLst>
-      <p:ext uri="{BB962C8B-B14F-4D97-AF65-F5344CB8AC3E}">
-        <p14:creationId xmlns:p14="http://schemas.microsoft.com/office/powerpoint/2010/main" val="3395160387"/>
-      </p:ext>
-    </p:extLst>
-  </p:cSld>
-  <p:clrMapOvr>
-    <a:masterClrMapping/>
-  </p:clrMapOvr>
-</p:sld>
-</file>
-
-<file path=ppt/slides/slide7.xml><?xml version="1.0" encoding="utf-8"?>
-<p:sld xmlns:a="http://schemas.openxmlformats.org/drawingml/2006/main" xmlns:r="http://schemas.openxmlformats.org/officeDocument/2006/relationships" xmlns:p="http://schemas.openxmlformats.org/presentationml/2006/main">
-  <p:cSld>
-    <p:spTree>
-      <p:nvGrpSpPr>
-        <p:cNvPr id="1" name=""/>
-        <p:cNvGrpSpPr/>
-        <p:nvPr/>
-      </p:nvGrpSpPr>
-      <p:grpSpPr>
-        <a:xfrm>
-          <a:off x="0" y="0"/>
-          <a:ext cx="0" cy="0"/>
-          <a:chOff x="0" y="0"/>
-          <a:chExt cx="0" cy="0"/>
-        </a:xfrm>
-      </p:grpSpPr>
-      <p:sp>
-        <p:nvSpPr>
-          <p:cNvPr id="2" name="Title 1"/>
-          <p:cNvSpPr>
-            <a:spLocks noGrp="1"/>
-          </p:cNvSpPr>
-          <p:nvPr>
-            <p:ph type="title"/>
-          </p:nvPr>
-        </p:nvSpPr>
-        <p:spPr/>
-        <p:txBody>
-          <a:bodyPr>
-            <a:normAutofit/>
-          </a:bodyPr>
-          <a:lstStyle/>
-          <a:p>
-            <a:r>
-              <a:rPr lang="en-US" sz="3200" b="1" dirty="0">
-                <a:solidFill>
-                  <a:schemeClr val="accent6">
-                    <a:lumMod val="50000"/>
-                  </a:schemeClr>
-                </a:solidFill>
-              </a:rPr>
-              <a:t>Societal relevance</a:t>
-            </a:r>
-          </a:p>
-        </p:txBody>
-      </p:sp>
-      <p:sp>
-        <p:nvSpPr>
-          <p:cNvPr id="3" name="Content Placeholder 2"/>
-          <p:cNvSpPr>
-            <a:spLocks noGrp="1"/>
-          </p:cNvSpPr>
-          <p:nvPr>
-            <p:ph idx="1"/>
-          </p:nvPr>
-        </p:nvSpPr>
-        <p:spPr/>
-        <p:txBody>
-          <a:bodyPr/>
-          <a:lstStyle/>
-          <a:p>
-            <a:pPr algn="just">
-              <a:buFont typeface="Wingdings" panose="05000000000000000000" pitchFamily="2" charset="2"/>
-              <a:buChar char="Ø"/>
-            </a:pPr>
-            <a:r>
-              <a:rPr lang="en-US" dirty="0"/>
-              <a:t>The safety operation of power system are faced with challenges as the load increases and the scale of the grid expands.</a:t>
-            </a:r>
-          </a:p>
-          <a:p>
-            <a:pPr algn="just">
-              <a:buFont typeface="Wingdings" panose="05000000000000000000" pitchFamily="2" charset="2"/>
-              <a:buChar char="Ø"/>
-            </a:pPr>
-            <a:r>
-              <a:rPr lang="en-US" dirty="0"/>
-              <a:t>The faults in the power system causes large scale outage problem which leads to huge loss. </a:t>
-            </a:r>
-          </a:p>
-          <a:p>
-            <a:pPr algn="just">
-              <a:buFont typeface="Wingdings" panose="05000000000000000000" pitchFamily="2" charset="2"/>
-              <a:buChar char="Ø"/>
-            </a:pPr>
-            <a:r>
-              <a:rPr lang="en-US" dirty="0"/>
-              <a:t>After </a:t>
-            </a:r>
-            <a:r>
-              <a:rPr lang="en-US" dirty="0" err="1"/>
-              <a:t>occurance</a:t>
-            </a:r>
-            <a:r>
-              <a:rPr lang="en-US" dirty="0"/>
-              <a:t> of faults ,in order to avoid damages to energy distribution utilities and consumers , it is essential to restore the system as soon as possible. </a:t>
-            </a:r>
-          </a:p>
-          <a:p>
-            <a:endParaRPr lang="en-US" dirty="0"/>
-          </a:p>
-        </p:txBody>
-      </p:sp>
-      <p:sp>
-        <p:nvSpPr>
-          <p:cNvPr id="4" name="Date Placeholder 3"/>
-          <p:cNvSpPr>
-            <a:spLocks noGrp="1"/>
-          </p:cNvSpPr>
-          <p:nvPr>
-            <p:ph type="dt" sz="half" idx="10"/>
-          </p:nvPr>
-        </p:nvSpPr>
-        <p:spPr/>
-        <p:txBody>
-          <a:bodyPr/>
-          <a:lstStyle/>
-          <a:p>
-            <a:fld id="{7E3FDB0B-B014-4C47-949F-40696701F18D}" type="datetime1">
-              <a:rPr lang="en-US" smtClean="0"/>
-              <a:pPr/>
-              <a:t>18-Dec-19</a:t>
-            </a:fld>
-            <a:endParaRPr lang="en-US"/>
-          </a:p>
-        </p:txBody>
-      </p:sp>
-      <p:sp>
-        <p:nvSpPr>
-          <p:cNvPr id="5" name="Slide Number Placeholder 4"/>
-          <p:cNvSpPr>
-            <a:spLocks noGrp="1"/>
-          </p:cNvSpPr>
-          <p:nvPr>
-            <p:ph type="sldNum" sz="quarter" idx="12"/>
-          </p:nvPr>
-        </p:nvSpPr>
-        <p:spPr/>
-        <p:txBody>
-          <a:bodyPr/>
-          <a:lstStyle/>
-          <a:p>
-            <a:fld id="{330EA680-D336-4FF7-8B7A-9848BB0A1C32}" type="slidenum">
-              <a:rPr lang="en-US" smtClean="0"/>
-              <a:pPr/>
-              <a:t>7</a:t>
-            </a:fld>
-            <a:endParaRPr lang="en-US"/>
-          </a:p>
-        </p:txBody>
-      </p:sp>
-    </p:spTree>
-    <p:extLst>
-      <p:ext uri="{BB962C8B-B14F-4D97-AF65-F5344CB8AC3E}">
-        <p14:creationId xmlns:p14="http://schemas.microsoft.com/office/powerpoint/2010/main" val="1906710318"/>
-      </p:ext>
-    </p:extLst>
-  </p:cSld>
-  <p:clrMapOvr>
-    <a:masterClrMapping/>
-  </p:clrMapOvr>
-</p:sld>
-</file>
-
-<file path=ppt/slides/slide8.xml><?xml version="1.0" encoding="utf-8"?>
-<p:sld xmlns:a="http://schemas.openxmlformats.org/drawingml/2006/main" xmlns:r="http://schemas.openxmlformats.org/officeDocument/2006/relationships" xmlns:p="http://schemas.openxmlformats.org/presentationml/2006/main">
-  <p:cSld>
-    <p:spTree>
-      <p:nvGrpSpPr>
-        <p:cNvPr id="1" name=""/>
-        <p:cNvGrpSpPr/>
-        <p:nvPr/>
-      </p:nvGrpSpPr>
-      <p:grpSpPr>
-        <a:xfrm>
-          <a:off x="0" y="0"/>
-          <a:ext cx="0" cy="0"/>
-          <a:chOff x="0" y="0"/>
-          <a:chExt cx="0" cy="0"/>
-        </a:xfrm>
-      </p:grpSpPr>
-      <p:sp>
-        <p:nvSpPr>
           <p:cNvPr id="4" name="TextBox 3">
             <a:extLst>
               <a:ext uri="{FF2B5EF4-FFF2-40B4-BE49-F238E27FC236}">
@@ -6137,7 +4894,7 @@
             <a:fld id="{7D3818A2-EEB7-4262-8046-02DC67F5AE89}" type="datetime1">
               <a:rPr lang="en-US" smtClean="0"/>
               <a:pPr/>
-              <a:t>18-Dec-19</a:t>
+              <a:t>19-Dec-19</a:t>
             </a:fld>
             <a:endParaRPr lang="en-US"/>
           </a:p>
@@ -6167,7 +4924,7 @@
             <a:fld id="{330EA680-D336-4FF7-8B7A-9848BB0A1C32}" type="slidenum">
               <a:rPr lang="en-US" smtClean="0"/>
               <a:pPr/>
-              <a:t>8</a:t>
+              <a:t>10</a:t>
             </a:fld>
             <a:endParaRPr lang="en-US"/>
           </a:p>
@@ -7379,7 +6136,7 @@
 </p:sld>
 </file>
 
-<file path=ppt/slides/slide9.xml><?xml version="1.0" encoding="utf-8"?>
+<file path=ppt/slides/slide11.xml><?xml version="1.0" encoding="utf-8"?>
 <p:sld xmlns:a="http://schemas.openxmlformats.org/drawingml/2006/main" xmlns:r="http://schemas.openxmlformats.org/officeDocument/2006/relationships" xmlns:p="http://schemas.openxmlformats.org/presentationml/2006/main">
   <p:cSld>
     <p:spTree>
@@ -7420,7 +6177,7 @@
             <a:fld id="{3C36C040-CCB1-4266-9346-A8F110B24665}" type="datetime1">
               <a:rPr lang="en-US" smtClean="0"/>
               <a:pPr/>
-              <a:t>18-Dec-19</a:t>
+              <a:t>19-Dec-19</a:t>
             </a:fld>
             <a:endParaRPr lang="en-US"/>
           </a:p>
@@ -7450,7 +6207,7 @@
             <a:fld id="{330EA680-D336-4FF7-8B7A-9848BB0A1C32}" type="slidenum">
               <a:rPr lang="en-US" smtClean="0"/>
               <a:pPr/>
-              <a:t>9</a:t>
+              <a:t>11</a:t>
             </a:fld>
             <a:endParaRPr lang="en-US"/>
           </a:p>
@@ -7499,6 +6256,1632 @@
     <p:extLst>
       <p:ext uri="{BB962C8B-B14F-4D97-AF65-F5344CB8AC3E}">
         <p14:creationId xmlns:p14="http://schemas.microsoft.com/office/powerpoint/2010/main" val="3377956916"/>
+      </p:ext>
+    </p:extLst>
+  </p:cSld>
+  <p:clrMapOvr>
+    <a:masterClrMapping/>
+  </p:clrMapOvr>
+</p:sld>
+</file>
+
+<file path=ppt/slides/slide12.xml><?xml version="1.0" encoding="utf-8"?>
+<p:sld xmlns:a="http://schemas.openxmlformats.org/drawingml/2006/main" xmlns:r="http://schemas.openxmlformats.org/officeDocument/2006/relationships" xmlns:p="http://schemas.openxmlformats.org/presentationml/2006/main">
+  <p:cSld>
+    <p:spTree>
+      <p:nvGrpSpPr>
+        <p:cNvPr id="1" name=""/>
+        <p:cNvGrpSpPr/>
+        <p:nvPr/>
+      </p:nvGrpSpPr>
+      <p:grpSpPr>
+        <a:xfrm>
+          <a:off x="0" y="0"/>
+          <a:ext cx="0" cy="0"/>
+          <a:chOff x="0" y="0"/>
+          <a:chExt cx="0" cy="0"/>
+        </a:xfrm>
+      </p:grpSpPr>
+      <p:sp>
+        <p:nvSpPr>
+          <p:cNvPr id="2" name="Date Placeholder 1">
+            <a:extLst>
+              <a:ext uri="{FF2B5EF4-FFF2-40B4-BE49-F238E27FC236}">
+                <a16:creationId xmlns:a16="http://schemas.microsoft.com/office/drawing/2014/main" id="{76BBC1CA-AF0C-4C92-98AB-EACE49AFF103}"/>
+              </a:ext>
+            </a:extLst>
+          </p:cNvPr>
+          <p:cNvSpPr>
+            <a:spLocks noGrp="1"/>
+          </p:cNvSpPr>
+          <p:nvPr>
+            <p:ph type="dt" sz="half" idx="10"/>
+          </p:nvPr>
+        </p:nvSpPr>
+        <p:spPr/>
+        <p:txBody>
+          <a:bodyPr/>
+          <a:lstStyle/>
+          <a:p>
+            <a:fld id="{3C36C040-CCB1-4266-9346-A8F110B24665}" type="datetime1">
+              <a:rPr lang="en-US" smtClean="0"/>
+              <a:pPr/>
+              <a:t>19-Dec-19</a:t>
+            </a:fld>
+            <a:endParaRPr lang="en-US"/>
+          </a:p>
+        </p:txBody>
+      </p:sp>
+      <p:sp>
+        <p:nvSpPr>
+          <p:cNvPr id="3" name="Slide Number Placeholder 2">
+            <a:extLst>
+              <a:ext uri="{FF2B5EF4-FFF2-40B4-BE49-F238E27FC236}">
+                <a16:creationId xmlns:a16="http://schemas.microsoft.com/office/drawing/2014/main" id="{9F242FC4-3A0D-4E7A-B0CD-53E533F83BDB}"/>
+              </a:ext>
+            </a:extLst>
+          </p:cNvPr>
+          <p:cNvSpPr>
+            <a:spLocks noGrp="1"/>
+          </p:cNvSpPr>
+          <p:nvPr>
+            <p:ph type="sldNum" sz="quarter" idx="12"/>
+          </p:nvPr>
+        </p:nvSpPr>
+        <p:spPr/>
+        <p:txBody>
+          <a:bodyPr/>
+          <a:lstStyle/>
+          <a:p>
+            <a:fld id="{330EA680-D336-4FF7-8B7A-9848BB0A1C32}" type="slidenum">
+              <a:rPr lang="en-US" smtClean="0"/>
+              <a:pPr/>
+              <a:t>12</a:t>
+            </a:fld>
+            <a:endParaRPr lang="en-US"/>
+          </a:p>
+        </p:txBody>
+      </p:sp>
+      <p:pic>
+        <p:nvPicPr>
+          <p:cNvPr id="5" name="Picture 4">
+            <a:extLst>
+              <a:ext uri="{FF2B5EF4-FFF2-40B4-BE49-F238E27FC236}">
+                <a16:creationId xmlns:a16="http://schemas.microsoft.com/office/drawing/2014/main" id="{8A51EAC4-A04B-4D0B-B796-664B52135BA8}"/>
+              </a:ext>
+            </a:extLst>
+          </p:cNvPr>
+          <p:cNvPicPr>
+            <a:picLocks noChangeAspect="1"/>
+          </p:cNvPicPr>
+          <p:nvPr/>
+        </p:nvPicPr>
+        <p:blipFill>
+          <a:blip r:embed="rId2" cstate="print">
+            <a:extLst>
+              <a:ext uri="{28A0092B-C50C-407E-A947-70E740481C1C}">
+                <a14:useLocalDpi xmlns:a14="http://schemas.microsoft.com/office/drawing/2010/main" val="0"/>
+              </a:ext>
+              <a:ext uri="{837473B0-CC2E-450A-ABE3-18F120FF3D39}">
+                <a1611:picAttrSrcUrl xmlns:a1611="http://schemas.microsoft.com/office/drawing/2016/11/main" r:id="rId3"/>
+              </a:ext>
+            </a:extLst>
+          </a:blip>
+          <a:stretch>
+            <a:fillRect/>
+          </a:stretch>
+        </p:blipFill>
+        <p:spPr>
+          <a:xfrm>
+            <a:off x="0" y="1"/>
+            <a:ext cx="12191999" cy="6858000"/>
+          </a:xfrm>
+          <a:prstGeom prst="rect">
+            <a:avLst/>
+          </a:prstGeom>
+        </p:spPr>
+      </p:pic>
+    </p:spTree>
+    <p:extLst>
+      <p:ext uri="{BB962C8B-B14F-4D97-AF65-F5344CB8AC3E}">
+        <p14:creationId xmlns:p14="http://schemas.microsoft.com/office/powerpoint/2010/main" val="1616601520"/>
+      </p:ext>
+    </p:extLst>
+  </p:cSld>
+  <p:clrMapOvr>
+    <a:masterClrMapping/>
+  </p:clrMapOvr>
+</p:sld>
+</file>
+
+<file path=ppt/slides/slide2.xml><?xml version="1.0" encoding="utf-8"?>
+<p:sld xmlns:a="http://schemas.openxmlformats.org/drawingml/2006/main" xmlns:r="http://schemas.openxmlformats.org/officeDocument/2006/relationships" xmlns:p="http://schemas.openxmlformats.org/presentationml/2006/main">
+  <p:cSld>
+    <p:spTree>
+      <p:nvGrpSpPr>
+        <p:cNvPr id="1" name=""/>
+        <p:cNvGrpSpPr/>
+        <p:nvPr/>
+      </p:nvGrpSpPr>
+      <p:grpSpPr>
+        <a:xfrm>
+          <a:off x="0" y="0"/>
+          <a:ext cx="0" cy="0"/>
+          <a:chOff x="0" y="0"/>
+          <a:chExt cx="0" cy="0"/>
+        </a:xfrm>
+      </p:grpSpPr>
+      <p:sp>
+        <p:nvSpPr>
+          <p:cNvPr id="5" name="Subtitle 4">
+            <a:extLst>
+              <a:ext uri="{FF2B5EF4-FFF2-40B4-BE49-F238E27FC236}">
+                <a16:creationId xmlns:a16="http://schemas.microsoft.com/office/drawing/2014/main" id="{25C99C0B-24DC-464E-AEB0-124B0DECD18C}"/>
+              </a:ext>
+            </a:extLst>
+          </p:cNvPr>
+          <p:cNvSpPr>
+            <a:spLocks noGrp="1"/>
+          </p:cNvSpPr>
+          <p:nvPr>
+            <p:ph type="subTitle" idx="1"/>
+          </p:nvPr>
+        </p:nvSpPr>
+        <p:spPr>
+          <a:xfrm>
+            <a:off x="1605378" y="1065319"/>
+            <a:ext cx="8981243" cy="5282214"/>
+          </a:xfrm>
+        </p:spPr>
+        <p:txBody>
+          <a:bodyPr>
+            <a:noAutofit/>
+          </a:bodyPr>
+          <a:lstStyle/>
+          <a:p>
+            <a:pPr marL="457200" indent="-457200" algn="l">
+              <a:buFont typeface="Wingdings" panose="05000000000000000000" pitchFamily="2" charset="2"/>
+              <a:buChar char="Ø"/>
+            </a:pPr>
+            <a:r>
+              <a:rPr lang="en-IN" sz="2800" dirty="0"/>
+              <a:t>Objective</a:t>
+            </a:r>
+          </a:p>
+          <a:p>
+            <a:pPr marL="457200" indent="-457200" algn="l">
+              <a:buFont typeface="Wingdings" panose="05000000000000000000" pitchFamily="2" charset="2"/>
+              <a:buChar char="Ø"/>
+            </a:pPr>
+            <a:r>
+              <a:rPr lang="en-IN" sz="2800" dirty="0"/>
+              <a:t>Introduction</a:t>
+            </a:r>
+          </a:p>
+          <a:p>
+            <a:pPr marL="457200" indent="-457200" algn="l">
+              <a:buFont typeface="Wingdings" panose="05000000000000000000" pitchFamily="2" charset="2"/>
+              <a:buChar char="Ø"/>
+            </a:pPr>
+            <a:r>
+              <a:rPr lang="en-IN" sz="2800" dirty="0"/>
+              <a:t>Literature Survey</a:t>
+            </a:r>
+          </a:p>
+          <a:p>
+            <a:pPr marL="457200" indent="-457200" algn="l">
+              <a:buFont typeface="Wingdings" panose="05000000000000000000" pitchFamily="2" charset="2"/>
+              <a:buChar char="Ø"/>
+            </a:pPr>
+            <a:r>
+              <a:rPr lang="en-IN" sz="2800" dirty="0"/>
+              <a:t>Research gap</a:t>
+            </a:r>
+          </a:p>
+          <a:p>
+            <a:pPr marL="457200" indent="-457200" algn="l">
+              <a:buFont typeface="Wingdings" panose="05000000000000000000" pitchFamily="2" charset="2"/>
+              <a:buChar char="Ø"/>
+            </a:pPr>
+            <a:r>
+              <a:rPr lang="en-IN" sz="2800" dirty="0"/>
+              <a:t>Applications</a:t>
+            </a:r>
+          </a:p>
+          <a:p>
+            <a:pPr marL="457200" indent="-457200" algn="l">
+              <a:buFont typeface="Wingdings" panose="05000000000000000000" pitchFamily="2" charset="2"/>
+              <a:buChar char="Ø"/>
+            </a:pPr>
+            <a:r>
+              <a:rPr lang="en-IN" sz="2800" dirty="0"/>
+              <a:t>Conclusion</a:t>
+            </a:r>
+          </a:p>
+          <a:p>
+            <a:pPr marL="457200" indent="-457200" algn="l">
+              <a:buFont typeface="Wingdings" panose="05000000000000000000" pitchFamily="2" charset="2"/>
+              <a:buChar char="Ø"/>
+            </a:pPr>
+            <a:r>
+              <a:rPr lang="en-IN" sz="2800" dirty="0"/>
+              <a:t>Project Time line</a:t>
+            </a:r>
+          </a:p>
+          <a:p>
+            <a:pPr marL="457200" indent="-457200" algn="l">
+              <a:buFont typeface="Wingdings" panose="05000000000000000000" pitchFamily="2" charset="2"/>
+              <a:buChar char="Ø"/>
+            </a:pPr>
+            <a:r>
+              <a:rPr lang="en-IN" sz="2800" dirty="0"/>
+              <a:t>References</a:t>
+            </a:r>
+          </a:p>
+          <a:p>
+            <a:pPr algn="l"/>
+            <a:endParaRPr lang="en-IN" sz="2800" dirty="0"/>
+          </a:p>
+          <a:p>
+            <a:pPr marL="457200" indent="-457200" algn="l">
+              <a:buFont typeface="Wingdings" panose="05000000000000000000" pitchFamily="2" charset="2"/>
+              <a:buChar char="Ø"/>
+            </a:pPr>
+            <a:endParaRPr lang="en-IN" sz="2800" dirty="0"/>
+          </a:p>
+          <a:p>
+            <a:pPr algn="l"/>
+            <a:endParaRPr lang="en-IN" sz="2800" dirty="0"/>
+          </a:p>
+        </p:txBody>
+      </p:sp>
+      <p:sp>
+        <p:nvSpPr>
+          <p:cNvPr id="6" name="TextBox 5">
+            <a:extLst>
+              <a:ext uri="{FF2B5EF4-FFF2-40B4-BE49-F238E27FC236}">
+                <a16:creationId xmlns:a16="http://schemas.microsoft.com/office/drawing/2014/main" id="{243EF8A7-F534-4440-8C5C-A61C86D65859}"/>
+              </a:ext>
+            </a:extLst>
+          </p:cNvPr>
+          <p:cNvSpPr txBox="1"/>
+          <p:nvPr/>
+        </p:nvSpPr>
+        <p:spPr>
+          <a:xfrm>
+            <a:off x="861134" y="279647"/>
+            <a:ext cx="2725445" cy="646331"/>
+          </a:xfrm>
+          <a:prstGeom prst="rect">
+            <a:avLst/>
+          </a:prstGeom>
+          <a:noFill/>
+        </p:spPr>
+        <p:txBody>
+          <a:bodyPr wrap="square" rtlCol="0">
+            <a:spAutoFit/>
+          </a:bodyPr>
+          <a:lstStyle/>
+          <a:p>
+            <a:r>
+              <a:rPr lang="en-IN" sz="3600" b="1" u="sng" dirty="0">
+                <a:solidFill>
+                  <a:srgbClr val="FF0000"/>
+                </a:solidFill>
+              </a:rPr>
+              <a:t>Contents</a:t>
+            </a:r>
+            <a:r>
+              <a:rPr lang="en-IN" sz="3600" b="1" dirty="0">
+                <a:solidFill>
+                  <a:srgbClr val="FF0000"/>
+                </a:solidFill>
+              </a:rPr>
+              <a:t> :</a:t>
+            </a:r>
+          </a:p>
+        </p:txBody>
+      </p:sp>
+      <p:sp>
+        <p:nvSpPr>
+          <p:cNvPr id="2" name="Date Placeholder 1">
+            <a:extLst>
+              <a:ext uri="{FF2B5EF4-FFF2-40B4-BE49-F238E27FC236}">
+                <a16:creationId xmlns:a16="http://schemas.microsoft.com/office/drawing/2014/main" id="{557D1C03-83FB-4A41-A673-D79050803B7D}"/>
+              </a:ext>
+            </a:extLst>
+          </p:cNvPr>
+          <p:cNvSpPr>
+            <a:spLocks noGrp="1"/>
+          </p:cNvSpPr>
+          <p:nvPr>
+            <p:ph type="dt" sz="half" idx="10"/>
+          </p:nvPr>
+        </p:nvSpPr>
+        <p:spPr/>
+        <p:txBody>
+          <a:bodyPr/>
+          <a:lstStyle/>
+          <a:p>
+            <a:fld id="{46AE972D-E9C9-463C-B8F6-D09D8C3356F7}" type="datetime1">
+              <a:rPr lang="en-US" smtClean="0"/>
+              <a:pPr/>
+              <a:t>19-Dec-19</a:t>
+            </a:fld>
+            <a:endParaRPr lang="en-US"/>
+          </a:p>
+        </p:txBody>
+      </p:sp>
+      <p:sp>
+        <p:nvSpPr>
+          <p:cNvPr id="3" name="Slide Number Placeholder 2">
+            <a:extLst>
+              <a:ext uri="{FF2B5EF4-FFF2-40B4-BE49-F238E27FC236}">
+                <a16:creationId xmlns:a16="http://schemas.microsoft.com/office/drawing/2014/main" id="{159E4775-580B-43B1-BD6F-CC56A677381D}"/>
+              </a:ext>
+            </a:extLst>
+          </p:cNvPr>
+          <p:cNvSpPr>
+            <a:spLocks noGrp="1"/>
+          </p:cNvSpPr>
+          <p:nvPr>
+            <p:ph type="sldNum" sz="quarter" idx="12"/>
+          </p:nvPr>
+        </p:nvSpPr>
+        <p:spPr/>
+        <p:txBody>
+          <a:bodyPr/>
+          <a:lstStyle/>
+          <a:p>
+            <a:fld id="{330EA680-D336-4FF7-8B7A-9848BB0A1C32}" type="slidenum">
+              <a:rPr lang="en-US" smtClean="0"/>
+              <a:pPr/>
+              <a:t>2</a:t>
+            </a:fld>
+            <a:endParaRPr lang="en-US"/>
+          </a:p>
+        </p:txBody>
+      </p:sp>
+    </p:spTree>
+    <p:extLst>
+      <p:ext uri="{BB962C8B-B14F-4D97-AF65-F5344CB8AC3E}">
+        <p14:creationId xmlns:p14="http://schemas.microsoft.com/office/powerpoint/2010/main" val="1975427906"/>
+      </p:ext>
+    </p:extLst>
+  </p:cSld>
+  <p:clrMapOvr>
+    <a:masterClrMapping/>
+  </p:clrMapOvr>
+</p:sld>
+</file>
+
+<file path=ppt/slides/slide3.xml><?xml version="1.0" encoding="utf-8"?>
+<p:sld xmlns:a="http://schemas.openxmlformats.org/drawingml/2006/main" xmlns:r="http://schemas.openxmlformats.org/officeDocument/2006/relationships" xmlns:p="http://schemas.openxmlformats.org/presentationml/2006/main">
+  <p:cSld>
+    <p:spTree>
+      <p:nvGrpSpPr>
+        <p:cNvPr id="1" name=""/>
+        <p:cNvGrpSpPr/>
+        <p:nvPr/>
+      </p:nvGrpSpPr>
+      <p:grpSpPr>
+        <a:xfrm>
+          <a:off x="0" y="0"/>
+          <a:ext cx="0" cy="0"/>
+          <a:chOff x="0" y="0"/>
+          <a:chExt cx="0" cy="0"/>
+        </a:xfrm>
+      </p:grpSpPr>
+      <p:sp>
+        <p:nvSpPr>
+          <p:cNvPr id="2" name="Title 1"/>
+          <p:cNvSpPr>
+            <a:spLocks noGrp="1"/>
+          </p:cNvSpPr>
+          <p:nvPr>
+            <p:ph type="title"/>
+          </p:nvPr>
+        </p:nvSpPr>
+        <p:spPr>
+          <a:xfrm>
+            <a:off x="838200" y="365126"/>
+            <a:ext cx="10515600" cy="1215100"/>
+          </a:xfrm>
+        </p:spPr>
+        <p:txBody>
+          <a:bodyPr>
+            <a:normAutofit/>
+          </a:bodyPr>
+          <a:lstStyle/>
+          <a:p>
+            <a:pPr algn="ctr"/>
+            <a:r>
+              <a:rPr lang="en-US" sz="3200" b="1" dirty="0">
+                <a:solidFill>
+                  <a:schemeClr val="accent2">
+                    <a:lumMod val="75000"/>
+                  </a:schemeClr>
+                </a:solidFill>
+              </a:rPr>
+              <a:t> </a:t>
+            </a:r>
+            <a:r>
+              <a:rPr lang="en-IN" sz="3600" b="1" u="sng" dirty="0">
+                <a:solidFill>
+                  <a:srgbClr val="FF0000"/>
+                </a:solidFill>
+              </a:rPr>
+              <a:t>Objective</a:t>
+            </a:r>
+            <a:endParaRPr lang="en-US" sz="3200" b="1" dirty="0">
+              <a:solidFill>
+                <a:schemeClr val="accent2">
+                  <a:lumMod val="75000"/>
+                </a:schemeClr>
+              </a:solidFill>
+            </a:endParaRPr>
+          </a:p>
+        </p:txBody>
+      </p:sp>
+      <p:sp>
+        <p:nvSpPr>
+          <p:cNvPr id="3" name="Content Placeholder 2"/>
+          <p:cNvSpPr>
+            <a:spLocks noGrp="1"/>
+          </p:cNvSpPr>
+          <p:nvPr>
+            <p:ph idx="1"/>
+          </p:nvPr>
+        </p:nvSpPr>
+        <p:spPr>
+          <a:xfrm>
+            <a:off x="838200" y="1260629"/>
+            <a:ext cx="10515600" cy="4190260"/>
+          </a:xfrm>
+        </p:spPr>
+        <p:txBody>
+          <a:bodyPr/>
+          <a:lstStyle/>
+          <a:p>
+            <a:endParaRPr lang="en-US" dirty="0"/>
+          </a:p>
+          <a:p>
+            <a:pPr>
+              <a:buFont typeface="Wingdings" panose="05000000000000000000" pitchFamily="2" charset="2"/>
+              <a:buChar char="Ø"/>
+            </a:pPr>
+            <a:r>
+              <a:rPr lang="en-US" dirty="0"/>
+              <a:t>Power system fault diagnosis is the process of analyzing historical fault data to detect and predict current  or future fault.</a:t>
+            </a:r>
+          </a:p>
+          <a:p>
+            <a:pPr>
+              <a:buFont typeface="Wingdings" panose="05000000000000000000" pitchFamily="2" charset="2"/>
+              <a:buChar char="Ø"/>
+            </a:pPr>
+            <a:r>
+              <a:rPr lang="en-US" dirty="0"/>
+              <a:t>The objective of our project is to find out the faults in transmission line  and to  classify them using the neural networks.</a:t>
+            </a:r>
+          </a:p>
+          <a:p>
+            <a:endParaRPr lang="en-US" dirty="0"/>
+          </a:p>
+          <a:p>
+            <a:endParaRPr lang="en-US" dirty="0"/>
+          </a:p>
+          <a:p>
+            <a:endParaRPr lang="en-US" dirty="0"/>
+          </a:p>
+          <a:p>
+            <a:endParaRPr lang="en-US" dirty="0"/>
+          </a:p>
+          <a:p>
+            <a:endParaRPr lang="en-US" dirty="0"/>
+          </a:p>
+        </p:txBody>
+      </p:sp>
+      <p:sp>
+        <p:nvSpPr>
+          <p:cNvPr id="4" name="Date Placeholder 3"/>
+          <p:cNvSpPr>
+            <a:spLocks noGrp="1"/>
+          </p:cNvSpPr>
+          <p:nvPr>
+            <p:ph type="dt" sz="half" idx="10"/>
+          </p:nvPr>
+        </p:nvSpPr>
+        <p:spPr/>
+        <p:txBody>
+          <a:bodyPr/>
+          <a:lstStyle/>
+          <a:p>
+            <a:fld id="{7E3FDB0B-B014-4C47-949F-40696701F18D}" type="datetime1">
+              <a:rPr lang="en-US" smtClean="0"/>
+              <a:pPr/>
+              <a:t>19-Dec-19</a:t>
+            </a:fld>
+            <a:endParaRPr lang="en-US"/>
+          </a:p>
+        </p:txBody>
+      </p:sp>
+      <p:sp>
+        <p:nvSpPr>
+          <p:cNvPr id="5" name="Slide Number Placeholder 4"/>
+          <p:cNvSpPr>
+            <a:spLocks noGrp="1"/>
+          </p:cNvSpPr>
+          <p:nvPr>
+            <p:ph type="sldNum" sz="quarter" idx="12"/>
+          </p:nvPr>
+        </p:nvSpPr>
+        <p:spPr/>
+        <p:txBody>
+          <a:bodyPr/>
+          <a:lstStyle/>
+          <a:p>
+            <a:fld id="{330EA680-D336-4FF7-8B7A-9848BB0A1C32}" type="slidenum">
+              <a:rPr lang="en-US" smtClean="0"/>
+              <a:pPr/>
+              <a:t>3</a:t>
+            </a:fld>
+            <a:endParaRPr lang="en-US"/>
+          </a:p>
+        </p:txBody>
+      </p:sp>
+    </p:spTree>
+    <p:extLst>
+      <p:ext uri="{BB962C8B-B14F-4D97-AF65-F5344CB8AC3E}">
+        <p14:creationId xmlns:p14="http://schemas.microsoft.com/office/powerpoint/2010/main" val="2117165276"/>
+      </p:ext>
+    </p:extLst>
+  </p:cSld>
+  <p:clrMapOvr>
+    <a:masterClrMapping/>
+  </p:clrMapOvr>
+</p:sld>
+</file>
+
+<file path=ppt/slides/slide4.xml><?xml version="1.0" encoding="utf-8"?>
+<p:sld xmlns:a="http://schemas.openxmlformats.org/drawingml/2006/main" xmlns:r="http://schemas.openxmlformats.org/officeDocument/2006/relationships" xmlns:p="http://schemas.openxmlformats.org/presentationml/2006/main">
+  <p:cSld>
+    <p:spTree>
+      <p:nvGrpSpPr>
+        <p:cNvPr id="1" name=""/>
+        <p:cNvGrpSpPr/>
+        <p:nvPr/>
+      </p:nvGrpSpPr>
+      <p:grpSpPr>
+        <a:xfrm>
+          <a:off x="0" y="0"/>
+          <a:ext cx="0" cy="0"/>
+          <a:chOff x="0" y="0"/>
+          <a:chExt cx="0" cy="0"/>
+        </a:xfrm>
+      </p:grpSpPr>
+      <p:sp>
+        <p:nvSpPr>
+          <p:cNvPr id="2" name="TextBox 1">
+            <a:extLst>
+              <a:ext uri="{FF2B5EF4-FFF2-40B4-BE49-F238E27FC236}">
+                <a16:creationId xmlns:a16="http://schemas.microsoft.com/office/drawing/2014/main" id="{647B59D4-2B44-4776-860C-47B66B58FF3B}"/>
+              </a:ext>
+            </a:extLst>
+          </p:cNvPr>
+          <p:cNvSpPr txBox="1"/>
+          <p:nvPr/>
+        </p:nvSpPr>
+        <p:spPr>
+          <a:xfrm>
+            <a:off x="838200" y="356865"/>
+            <a:ext cx="10622872" cy="584775"/>
+          </a:xfrm>
+          <a:prstGeom prst="rect">
+            <a:avLst/>
+          </a:prstGeom>
+          <a:noFill/>
+        </p:spPr>
+        <p:txBody>
+          <a:bodyPr wrap="square" rtlCol="0">
+            <a:spAutoFit/>
+          </a:bodyPr>
+          <a:lstStyle/>
+          <a:p>
+            <a:pPr algn="ctr"/>
+            <a:r>
+              <a:rPr lang="en-IN" sz="3200" b="1" u="sng" dirty="0">
+                <a:solidFill>
+                  <a:srgbClr val="FF0000"/>
+                </a:solidFill>
+              </a:rPr>
+              <a:t>Introduction </a:t>
+            </a:r>
+          </a:p>
+        </p:txBody>
+      </p:sp>
+      <p:sp>
+        <p:nvSpPr>
+          <p:cNvPr id="4" name="Subtitle 3">
+            <a:extLst>
+              <a:ext uri="{FF2B5EF4-FFF2-40B4-BE49-F238E27FC236}">
+                <a16:creationId xmlns:a16="http://schemas.microsoft.com/office/drawing/2014/main" id="{5BAF7A38-E445-4B58-9796-4267284E645F}"/>
+              </a:ext>
+            </a:extLst>
+          </p:cNvPr>
+          <p:cNvSpPr>
+            <a:spLocks noGrp="1"/>
+          </p:cNvSpPr>
+          <p:nvPr>
+            <p:ph type="subTitle" idx="1"/>
+          </p:nvPr>
+        </p:nvSpPr>
+        <p:spPr>
+          <a:xfrm>
+            <a:off x="825623" y="1260629"/>
+            <a:ext cx="10635449" cy="5042517"/>
+          </a:xfrm>
+        </p:spPr>
+        <p:txBody>
+          <a:bodyPr>
+            <a:normAutofit fontScale="92500"/>
+          </a:bodyPr>
+          <a:lstStyle/>
+          <a:p>
+            <a:pPr marL="342900" indent="-342900" algn="just">
+              <a:lnSpc>
+                <a:spcPct val="150000"/>
+              </a:lnSpc>
+              <a:buFont typeface="Wingdings" panose="05000000000000000000" pitchFamily="2" charset="2"/>
+              <a:buChar char="Ø"/>
+            </a:pPr>
+            <a:r>
+              <a:rPr lang="en-IN" sz="2800" dirty="0"/>
+              <a:t>In recent years ,artificial intelligence technologies is becoming  more and more popular due to its amazing features.</a:t>
+            </a:r>
+          </a:p>
+          <a:p>
+            <a:pPr marL="342900" indent="-342900" algn="just">
+              <a:lnSpc>
+                <a:spcPct val="150000"/>
+              </a:lnSpc>
+              <a:buFont typeface="Wingdings" panose="05000000000000000000" pitchFamily="2" charset="2"/>
+              <a:buChar char="Ø"/>
+            </a:pPr>
+            <a:r>
+              <a:rPr lang="en-IN" sz="2800" dirty="0"/>
+              <a:t>Application of artificial intelligence techniques in electric power industry which is currently undergoing an extraordinary development.</a:t>
+            </a:r>
+          </a:p>
+          <a:p>
+            <a:pPr marL="342900" indent="-342900" algn="just">
+              <a:lnSpc>
+                <a:spcPct val="150000"/>
+              </a:lnSpc>
+              <a:buFont typeface="Wingdings" panose="05000000000000000000" pitchFamily="2" charset="2"/>
+              <a:buChar char="Ø"/>
+            </a:pPr>
+            <a:r>
+              <a:rPr lang="en-IN" sz="2800" dirty="0"/>
+              <a:t>One of the most thrilling and potentially cost-effective recent developments in this field is increasing usage of artificial intelligence techniques viz artificial neural network ,genetic algorithm ,fuzzy logic ,and expert systems.</a:t>
+            </a:r>
+          </a:p>
+        </p:txBody>
+      </p:sp>
+      <p:sp>
+        <p:nvSpPr>
+          <p:cNvPr id="3" name="Date Placeholder 2">
+            <a:extLst>
+              <a:ext uri="{FF2B5EF4-FFF2-40B4-BE49-F238E27FC236}">
+                <a16:creationId xmlns:a16="http://schemas.microsoft.com/office/drawing/2014/main" id="{885E3CB4-25D1-4287-82D6-F9574CEE3BDF}"/>
+              </a:ext>
+            </a:extLst>
+          </p:cNvPr>
+          <p:cNvSpPr>
+            <a:spLocks noGrp="1"/>
+          </p:cNvSpPr>
+          <p:nvPr>
+            <p:ph type="dt" sz="half" idx="10"/>
+          </p:nvPr>
+        </p:nvSpPr>
+        <p:spPr/>
+        <p:txBody>
+          <a:bodyPr/>
+          <a:lstStyle/>
+          <a:p>
+            <a:fld id="{D7B85C41-A637-4317-A4DB-B59D3E1A9940}" type="datetime1">
+              <a:rPr lang="en-US" smtClean="0"/>
+              <a:pPr/>
+              <a:t>19-Dec-19</a:t>
+            </a:fld>
+            <a:endParaRPr lang="en-US"/>
+          </a:p>
+        </p:txBody>
+      </p:sp>
+      <p:sp>
+        <p:nvSpPr>
+          <p:cNvPr id="5" name="Slide Number Placeholder 4">
+            <a:extLst>
+              <a:ext uri="{FF2B5EF4-FFF2-40B4-BE49-F238E27FC236}">
+                <a16:creationId xmlns:a16="http://schemas.microsoft.com/office/drawing/2014/main" id="{298F78CD-D8AB-4C18-8B69-D4483DA72939}"/>
+              </a:ext>
+            </a:extLst>
+          </p:cNvPr>
+          <p:cNvSpPr>
+            <a:spLocks noGrp="1"/>
+          </p:cNvSpPr>
+          <p:nvPr>
+            <p:ph type="sldNum" sz="quarter" idx="12"/>
+          </p:nvPr>
+        </p:nvSpPr>
+        <p:spPr/>
+        <p:txBody>
+          <a:bodyPr/>
+          <a:lstStyle/>
+          <a:p>
+            <a:fld id="{330EA680-D336-4FF7-8B7A-9848BB0A1C32}" type="slidenum">
+              <a:rPr lang="en-US" smtClean="0"/>
+              <a:pPr/>
+              <a:t>4</a:t>
+            </a:fld>
+            <a:endParaRPr lang="en-US"/>
+          </a:p>
+        </p:txBody>
+      </p:sp>
+    </p:spTree>
+    <p:extLst>
+      <p:ext uri="{BB962C8B-B14F-4D97-AF65-F5344CB8AC3E}">
+        <p14:creationId xmlns:p14="http://schemas.microsoft.com/office/powerpoint/2010/main" val="991653462"/>
+      </p:ext>
+    </p:extLst>
+  </p:cSld>
+  <p:clrMapOvr>
+    <a:masterClrMapping/>
+  </p:clrMapOvr>
+</p:sld>
+</file>
+
+<file path=ppt/slides/slide5.xml><?xml version="1.0" encoding="utf-8"?>
+<p:sld xmlns:a="http://schemas.openxmlformats.org/drawingml/2006/main" xmlns:r="http://schemas.openxmlformats.org/officeDocument/2006/relationships" xmlns:p="http://schemas.openxmlformats.org/presentationml/2006/main">
+  <p:cSld>
+    <p:spTree>
+      <p:nvGrpSpPr>
+        <p:cNvPr id="1" name=""/>
+        <p:cNvGrpSpPr/>
+        <p:nvPr/>
+      </p:nvGrpSpPr>
+      <p:grpSpPr>
+        <a:xfrm>
+          <a:off x="0" y="0"/>
+          <a:ext cx="0" cy="0"/>
+          <a:chOff x="0" y="0"/>
+          <a:chExt cx="0" cy="0"/>
+        </a:xfrm>
+      </p:grpSpPr>
+      <p:sp>
+        <p:nvSpPr>
+          <p:cNvPr id="3" name="Content Placeholder 2"/>
+          <p:cNvSpPr>
+            <a:spLocks noGrp="1"/>
+          </p:cNvSpPr>
+          <p:nvPr>
+            <p:ph idx="1"/>
+          </p:nvPr>
+        </p:nvSpPr>
+        <p:spPr>
+          <a:xfrm>
+            <a:off x="838200" y="751430"/>
+            <a:ext cx="10515600" cy="4351338"/>
+          </a:xfrm>
+        </p:spPr>
+        <p:txBody>
+          <a:bodyPr/>
+          <a:lstStyle/>
+          <a:p>
+            <a:pPr algn="just">
+              <a:buFont typeface="Wingdings" panose="05000000000000000000" pitchFamily="2" charset="2"/>
+              <a:buChar char="Ø"/>
+            </a:pPr>
+            <a:r>
+              <a:rPr lang="en-US" dirty="0"/>
+              <a:t>The training mechanism of deep learning is layer-wise pre-training mechanism.</a:t>
+            </a:r>
+          </a:p>
+          <a:p>
+            <a:pPr algn="just">
+              <a:buFont typeface="Wingdings" panose="05000000000000000000" pitchFamily="2" charset="2"/>
+              <a:buChar char="Ø"/>
+            </a:pPr>
+            <a:r>
+              <a:rPr lang="en-US" dirty="0"/>
+              <a:t>Deep learning also has great learning ability so it  focus in the field of machine learning and artificial intelligence.</a:t>
+            </a:r>
+          </a:p>
+        </p:txBody>
+      </p:sp>
+      <p:sp>
+        <p:nvSpPr>
+          <p:cNvPr id="4" name="Date Placeholder 3"/>
+          <p:cNvSpPr>
+            <a:spLocks noGrp="1"/>
+          </p:cNvSpPr>
+          <p:nvPr>
+            <p:ph type="dt" sz="half" idx="10"/>
+          </p:nvPr>
+        </p:nvSpPr>
+        <p:spPr/>
+        <p:txBody>
+          <a:bodyPr/>
+          <a:lstStyle/>
+          <a:p>
+            <a:fld id="{7E3FDB0B-B014-4C47-949F-40696701F18D}" type="datetime1">
+              <a:rPr lang="en-US" smtClean="0"/>
+              <a:pPr/>
+              <a:t>19-Dec-19</a:t>
+            </a:fld>
+            <a:endParaRPr lang="en-US"/>
+          </a:p>
+        </p:txBody>
+      </p:sp>
+      <p:sp>
+        <p:nvSpPr>
+          <p:cNvPr id="5" name="Slide Number Placeholder 4"/>
+          <p:cNvSpPr>
+            <a:spLocks noGrp="1"/>
+          </p:cNvSpPr>
+          <p:nvPr>
+            <p:ph type="sldNum" sz="quarter" idx="12"/>
+          </p:nvPr>
+        </p:nvSpPr>
+        <p:spPr/>
+        <p:txBody>
+          <a:bodyPr/>
+          <a:lstStyle/>
+          <a:p>
+            <a:fld id="{330EA680-D336-4FF7-8B7A-9848BB0A1C32}" type="slidenum">
+              <a:rPr lang="en-US" smtClean="0"/>
+              <a:pPr/>
+              <a:t>5</a:t>
+            </a:fld>
+            <a:endParaRPr lang="en-US"/>
+          </a:p>
+        </p:txBody>
+      </p:sp>
+      <p:sp>
+        <p:nvSpPr>
+          <p:cNvPr id="6" name="TextBox 5">
+            <a:extLst>
+              <a:ext uri="{FF2B5EF4-FFF2-40B4-BE49-F238E27FC236}">
+                <a16:creationId xmlns:a16="http://schemas.microsoft.com/office/drawing/2014/main" id="{627EDDBC-2D68-45D1-8FFC-C063F89D8F33}"/>
+              </a:ext>
+            </a:extLst>
+          </p:cNvPr>
+          <p:cNvSpPr txBox="1"/>
+          <p:nvPr/>
+        </p:nvSpPr>
+        <p:spPr>
+          <a:xfrm>
+            <a:off x="10777491" y="186431"/>
+            <a:ext cx="883062" cy="369332"/>
+          </a:xfrm>
+          <a:prstGeom prst="rect">
+            <a:avLst/>
+          </a:prstGeom>
+          <a:noFill/>
+        </p:spPr>
+        <p:txBody>
+          <a:bodyPr wrap="square" rtlCol="0">
+            <a:spAutoFit/>
+          </a:bodyPr>
+          <a:lstStyle/>
+          <a:p>
+            <a:r>
+              <a:rPr lang="en-IN" dirty="0"/>
+              <a:t>(Cont..)</a:t>
+            </a:r>
+          </a:p>
+        </p:txBody>
+      </p:sp>
+    </p:spTree>
+    <p:extLst>
+      <p:ext uri="{BB962C8B-B14F-4D97-AF65-F5344CB8AC3E}">
+        <p14:creationId xmlns:p14="http://schemas.microsoft.com/office/powerpoint/2010/main" val="4136263389"/>
+      </p:ext>
+    </p:extLst>
+  </p:cSld>
+  <p:clrMapOvr>
+    <a:masterClrMapping/>
+  </p:clrMapOvr>
+</p:sld>
+</file>
+
+<file path=ppt/slides/slide6.xml><?xml version="1.0" encoding="utf-8"?>
+<p:sld xmlns:a="http://schemas.openxmlformats.org/drawingml/2006/main" xmlns:r="http://schemas.openxmlformats.org/officeDocument/2006/relationships" xmlns:p="http://schemas.openxmlformats.org/presentationml/2006/main">
+  <p:cSld>
+    <p:spTree>
+      <p:nvGrpSpPr>
+        <p:cNvPr id="1" name=""/>
+        <p:cNvGrpSpPr/>
+        <p:nvPr/>
+      </p:nvGrpSpPr>
+      <p:grpSpPr>
+        <a:xfrm>
+          <a:off x="0" y="0"/>
+          <a:ext cx="0" cy="0"/>
+          <a:chOff x="0" y="0"/>
+          <a:chExt cx="0" cy="0"/>
+        </a:xfrm>
+      </p:grpSpPr>
+      <p:sp>
+        <p:nvSpPr>
+          <p:cNvPr id="3" name="Content Placeholder 2">
+            <a:extLst>
+              <a:ext uri="{FF2B5EF4-FFF2-40B4-BE49-F238E27FC236}">
+                <a16:creationId xmlns:a16="http://schemas.microsoft.com/office/drawing/2014/main" id="{F5C723CE-071F-469E-BA9D-4010FABC2CEF}"/>
+              </a:ext>
+            </a:extLst>
+          </p:cNvPr>
+          <p:cNvSpPr>
+            <a:spLocks noGrp="1"/>
+          </p:cNvSpPr>
+          <p:nvPr>
+            <p:ph idx="1"/>
+          </p:nvPr>
+        </p:nvSpPr>
+        <p:spPr>
+          <a:xfrm>
+            <a:off x="838200" y="1020932"/>
+            <a:ext cx="10515600" cy="5156031"/>
+          </a:xfrm>
+        </p:spPr>
+        <p:txBody>
+          <a:bodyPr/>
+          <a:lstStyle/>
+          <a:p>
+            <a:pPr>
+              <a:buFont typeface="Wingdings" panose="05000000000000000000" pitchFamily="2" charset="2"/>
+              <a:buChar char="Ø"/>
+            </a:pPr>
+            <a:endParaRPr lang="en-US" dirty="0"/>
+          </a:p>
+        </p:txBody>
+      </p:sp>
+      <p:sp>
+        <p:nvSpPr>
+          <p:cNvPr id="4" name="Date Placeholder 3">
+            <a:extLst>
+              <a:ext uri="{FF2B5EF4-FFF2-40B4-BE49-F238E27FC236}">
+                <a16:creationId xmlns:a16="http://schemas.microsoft.com/office/drawing/2014/main" id="{3E42F76C-AE18-42CC-BCFD-97642345C085}"/>
+              </a:ext>
+            </a:extLst>
+          </p:cNvPr>
+          <p:cNvSpPr>
+            <a:spLocks noGrp="1"/>
+          </p:cNvSpPr>
+          <p:nvPr>
+            <p:ph type="dt" sz="half" idx="10"/>
+          </p:nvPr>
+        </p:nvSpPr>
+        <p:spPr/>
+        <p:txBody>
+          <a:bodyPr/>
+          <a:lstStyle/>
+          <a:p>
+            <a:fld id="{7E3FDB0B-B014-4C47-949F-40696701F18D}" type="datetime1">
+              <a:rPr lang="en-US" smtClean="0"/>
+              <a:pPr/>
+              <a:t>19-Dec-19</a:t>
+            </a:fld>
+            <a:endParaRPr lang="en-US"/>
+          </a:p>
+        </p:txBody>
+      </p:sp>
+      <p:sp>
+        <p:nvSpPr>
+          <p:cNvPr id="5" name="Slide Number Placeholder 4">
+            <a:extLst>
+              <a:ext uri="{FF2B5EF4-FFF2-40B4-BE49-F238E27FC236}">
+                <a16:creationId xmlns:a16="http://schemas.microsoft.com/office/drawing/2014/main" id="{F578E3E6-C96F-47C2-AF11-67AA4F173BA9}"/>
+              </a:ext>
+            </a:extLst>
+          </p:cNvPr>
+          <p:cNvSpPr>
+            <a:spLocks noGrp="1"/>
+          </p:cNvSpPr>
+          <p:nvPr>
+            <p:ph type="sldNum" sz="quarter" idx="12"/>
+          </p:nvPr>
+        </p:nvSpPr>
+        <p:spPr/>
+        <p:txBody>
+          <a:bodyPr/>
+          <a:lstStyle/>
+          <a:p>
+            <a:fld id="{330EA680-D336-4FF7-8B7A-9848BB0A1C32}" type="slidenum">
+              <a:rPr lang="en-US" smtClean="0"/>
+              <a:pPr/>
+              <a:t>6</a:t>
+            </a:fld>
+            <a:endParaRPr lang="en-US"/>
+          </a:p>
+        </p:txBody>
+      </p:sp>
+      <p:sp>
+        <p:nvSpPr>
+          <p:cNvPr id="6" name="TextBox 5">
+            <a:extLst>
+              <a:ext uri="{FF2B5EF4-FFF2-40B4-BE49-F238E27FC236}">
+                <a16:creationId xmlns:a16="http://schemas.microsoft.com/office/drawing/2014/main" id="{A54F299C-A042-4E63-AD4E-68885DFF816C}"/>
+              </a:ext>
+            </a:extLst>
+          </p:cNvPr>
+          <p:cNvSpPr txBox="1"/>
+          <p:nvPr/>
+        </p:nvSpPr>
+        <p:spPr>
+          <a:xfrm>
+            <a:off x="838200" y="347987"/>
+            <a:ext cx="10622872" cy="584775"/>
+          </a:xfrm>
+          <a:prstGeom prst="rect">
+            <a:avLst/>
+          </a:prstGeom>
+          <a:noFill/>
+        </p:spPr>
+        <p:txBody>
+          <a:bodyPr wrap="square" rtlCol="0">
+            <a:spAutoFit/>
+          </a:bodyPr>
+          <a:lstStyle/>
+          <a:p>
+            <a:pPr algn="ctr"/>
+            <a:r>
+              <a:rPr lang="en-IN" sz="3200" b="1" u="sng" dirty="0">
+                <a:solidFill>
+                  <a:srgbClr val="FF0000"/>
+                </a:solidFill>
+              </a:rPr>
+              <a:t>Literature Survey </a:t>
+            </a:r>
+          </a:p>
+        </p:txBody>
+      </p:sp>
+    </p:spTree>
+    <p:extLst>
+      <p:ext uri="{BB962C8B-B14F-4D97-AF65-F5344CB8AC3E}">
+        <p14:creationId xmlns:p14="http://schemas.microsoft.com/office/powerpoint/2010/main" val="2991254846"/>
+      </p:ext>
+    </p:extLst>
+  </p:cSld>
+  <p:clrMapOvr>
+    <a:masterClrMapping/>
+  </p:clrMapOvr>
+</p:sld>
+</file>
+
+<file path=ppt/slides/slide7.xml><?xml version="1.0" encoding="utf-8"?>
+<p:sld xmlns:a="http://schemas.openxmlformats.org/drawingml/2006/main" xmlns:r="http://schemas.openxmlformats.org/officeDocument/2006/relationships" xmlns:p="http://schemas.openxmlformats.org/presentationml/2006/main">
+  <p:cSld>
+    <p:spTree>
+      <p:nvGrpSpPr>
+        <p:cNvPr id="1" name=""/>
+        <p:cNvGrpSpPr/>
+        <p:nvPr/>
+      </p:nvGrpSpPr>
+      <p:grpSpPr>
+        <a:xfrm>
+          <a:off x="0" y="0"/>
+          <a:ext cx="0" cy="0"/>
+          <a:chOff x="0" y="0"/>
+          <a:chExt cx="0" cy="0"/>
+        </a:xfrm>
+      </p:grpSpPr>
+      <p:sp>
+        <p:nvSpPr>
+          <p:cNvPr id="3" name="Content Placeholder 2">
+            <a:extLst>
+              <a:ext uri="{FF2B5EF4-FFF2-40B4-BE49-F238E27FC236}">
+                <a16:creationId xmlns:a16="http://schemas.microsoft.com/office/drawing/2014/main" id="{871D8F2E-F312-48F9-8BEA-3CC4FEE21B43}"/>
+              </a:ext>
+            </a:extLst>
+          </p:cNvPr>
+          <p:cNvSpPr>
+            <a:spLocks noGrp="1"/>
+          </p:cNvSpPr>
+          <p:nvPr>
+            <p:ph idx="1"/>
+          </p:nvPr>
+        </p:nvSpPr>
+        <p:spPr>
+          <a:xfrm>
+            <a:off x="838200" y="1411550"/>
+            <a:ext cx="10515600" cy="4765413"/>
+          </a:xfrm>
+        </p:spPr>
+        <p:txBody>
+          <a:bodyPr/>
+          <a:lstStyle/>
+          <a:p>
+            <a:pPr>
+              <a:buFont typeface="Wingdings" panose="05000000000000000000" pitchFamily="2" charset="2"/>
+              <a:buChar char="Ø"/>
+            </a:pPr>
+            <a:r>
+              <a:rPr lang="en-US" dirty="0"/>
+              <a:t>The artificial neural networks are not up to the mark when we compared the performance with the deep learning neural networks.</a:t>
+            </a:r>
+          </a:p>
+          <a:p>
+            <a:pPr>
+              <a:buFont typeface="Wingdings" panose="05000000000000000000" pitchFamily="2" charset="2"/>
+              <a:buChar char="Ø"/>
+            </a:pPr>
+            <a:r>
+              <a:rPr lang="en-US" dirty="0"/>
+              <a:t>There are many architectures of deep neural networks. In these networks some are application specific. </a:t>
+            </a:r>
+          </a:p>
+          <a:p>
+            <a:pPr>
+              <a:buFont typeface="Wingdings" panose="05000000000000000000" pitchFamily="2" charset="2"/>
+              <a:buChar char="Ø"/>
+            </a:pPr>
+            <a:endParaRPr lang="en-US" dirty="0"/>
+          </a:p>
+        </p:txBody>
+      </p:sp>
+      <p:sp>
+        <p:nvSpPr>
+          <p:cNvPr id="4" name="Date Placeholder 3">
+            <a:extLst>
+              <a:ext uri="{FF2B5EF4-FFF2-40B4-BE49-F238E27FC236}">
+                <a16:creationId xmlns:a16="http://schemas.microsoft.com/office/drawing/2014/main" id="{3F8F5430-90E2-457C-8DDA-49C432CED6FD}"/>
+              </a:ext>
+            </a:extLst>
+          </p:cNvPr>
+          <p:cNvSpPr>
+            <a:spLocks noGrp="1"/>
+          </p:cNvSpPr>
+          <p:nvPr>
+            <p:ph type="dt" sz="half" idx="10"/>
+          </p:nvPr>
+        </p:nvSpPr>
+        <p:spPr/>
+        <p:txBody>
+          <a:bodyPr/>
+          <a:lstStyle/>
+          <a:p>
+            <a:fld id="{7E3FDB0B-B014-4C47-949F-40696701F18D}" type="datetime1">
+              <a:rPr lang="en-US" smtClean="0"/>
+              <a:pPr/>
+              <a:t>19-Dec-19</a:t>
+            </a:fld>
+            <a:endParaRPr lang="en-US"/>
+          </a:p>
+        </p:txBody>
+      </p:sp>
+      <p:sp>
+        <p:nvSpPr>
+          <p:cNvPr id="5" name="Slide Number Placeholder 4">
+            <a:extLst>
+              <a:ext uri="{FF2B5EF4-FFF2-40B4-BE49-F238E27FC236}">
+                <a16:creationId xmlns:a16="http://schemas.microsoft.com/office/drawing/2014/main" id="{78CF1411-085B-41FA-9572-75B8D8A7BA4E}"/>
+              </a:ext>
+            </a:extLst>
+          </p:cNvPr>
+          <p:cNvSpPr>
+            <a:spLocks noGrp="1"/>
+          </p:cNvSpPr>
+          <p:nvPr>
+            <p:ph type="sldNum" sz="quarter" idx="12"/>
+          </p:nvPr>
+        </p:nvSpPr>
+        <p:spPr/>
+        <p:txBody>
+          <a:bodyPr/>
+          <a:lstStyle/>
+          <a:p>
+            <a:fld id="{330EA680-D336-4FF7-8B7A-9848BB0A1C32}" type="slidenum">
+              <a:rPr lang="en-US" smtClean="0"/>
+              <a:pPr/>
+              <a:t>7</a:t>
+            </a:fld>
+            <a:endParaRPr lang="en-US"/>
+          </a:p>
+        </p:txBody>
+      </p:sp>
+      <p:sp>
+        <p:nvSpPr>
+          <p:cNvPr id="8" name="TextBox 7">
+            <a:extLst>
+              <a:ext uri="{FF2B5EF4-FFF2-40B4-BE49-F238E27FC236}">
+                <a16:creationId xmlns:a16="http://schemas.microsoft.com/office/drawing/2014/main" id="{90F618BB-60FB-4135-B668-E4EE3E6684F4}"/>
+              </a:ext>
+            </a:extLst>
+          </p:cNvPr>
+          <p:cNvSpPr txBox="1"/>
+          <p:nvPr/>
+        </p:nvSpPr>
+        <p:spPr>
+          <a:xfrm>
+            <a:off x="838200" y="347987"/>
+            <a:ext cx="10622872" cy="584775"/>
+          </a:xfrm>
+          <a:prstGeom prst="rect">
+            <a:avLst/>
+          </a:prstGeom>
+          <a:noFill/>
+        </p:spPr>
+        <p:txBody>
+          <a:bodyPr wrap="square" rtlCol="0">
+            <a:spAutoFit/>
+          </a:bodyPr>
+          <a:lstStyle/>
+          <a:p>
+            <a:pPr algn="ctr"/>
+            <a:r>
+              <a:rPr lang="en-IN" sz="3200" b="1" u="sng" dirty="0">
+                <a:solidFill>
+                  <a:srgbClr val="FF0000"/>
+                </a:solidFill>
+              </a:rPr>
+              <a:t>Research Gap </a:t>
+            </a:r>
+          </a:p>
+        </p:txBody>
+      </p:sp>
+    </p:spTree>
+    <p:extLst>
+      <p:ext uri="{BB962C8B-B14F-4D97-AF65-F5344CB8AC3E}">
+        <p14:creationId xmlns:p14="http://schemas.microsoft.com/office/powerpoint/2010/main" val="2749495078"/>
+      </p:ext>
+    </p:extLst>
+  </p:cSld>
+  <p:clrMapOvr>
+    <a:masterClrMapping/>
+  </p:clrMapOvr>
+</p:sld>
+</file>
+
+<file path=ppt/slides/slide8.xml><?xml version="1.0" encoding="utf-8"?>
+<p:sld xmlns:a="http://schemas.openxmlformats.org/drawingml/2006/main" xmlns:r="http://schemas.openxmlformats.org/officeDocument/2006/relationships" xmlns:p="http://schemas.openxmlformats.org/presentationml/2006/main">
+  <p:cSld>
+    <p:spTree>
+      <p:nvGrpSpPr>
+        <p:cNvPr id="1" name=""/>
+        <p:cNvGrpSpPr/>
+        <p:nvPr/>
+      </p:nvGrpSpPr>
+      <p:grpSpPr>
+        <a:xfrm>
+          <a:off x="0" y="0"/>
+          <a:ext cx="0" cy="0"/>
+          <a:chOff x="0" y="0"/>
+          <a:chExt cx="0" cy="0"/>
+        </a:xfrm>
+      </p:grpSpPr>
+      <p:sp>
+        <p:nvSpPr>
+          <p:cNvPr id="2" name="Title 1"/>
+          <p:cNvSpPr>
+            <a:spLocks noGrp="1"/>
+          </p:cNvSpPr>
+          <p:nvPr>
+            <p:ph type="title"/>
+          </p:nvPr>
+        </p:nvSpPr>
+        <p:spPr/>
+        <p:txBody>
+          <a:bodyPr>
+            <a:normAutofit/>
+          </a:bodyPr>
+          <a:lstStyle/>
+          <a:p>
+            <a:r>
+              <a:rPr lang="en-US" sz="3200" b="1" dirty="0"/>
+              <a:t>Neural network applications in power system</a:t>
+            </a:r>
+          </a:p>
+        </p:txBody>
+      </p:sp>
+      <p:pic>
+        <p:nvPicPr>
+          <p:cNvPr id="7" name="Content Placeholder 6">
+            <a:extLst>
+              <a:ext uri="{FF2B5EF4-FFF2-40B4-BE49-F238E27FC236}">
+                <a16:creationId xmlns:a16="http://schemas.microsoft.com/office/drawing/2014/main" id="{BA0A6C8F-802D-400B-B5FA-7B2C68FF7409}"/>
+              </a:ext>
+            </a:extLst>
+          </p:cNvPr>
+          <p:cNvPicPr>
+            <a:picLocks noGrp="1" noChangeAspect="1"/>
+          </p:cNvPicPr>
+          <p:nvPr>
+            <p:ph idx="1"/>
+          </p:nvPr>
+        </p:nvPicPr>
+        <p:blipFill>
+          <a:blip r:embed="rId2">
+            <a:extLst>
+              <a:ext uri="{28A0092B-C50C-407E-A947-70E740481C1C}">
+                <a14:useLocalDpi xmlns:a14="http://schemas.microsoft.com/office/drawing/2010/main" val="0"/>
+              </a:ext>
+            </a:extLst>
+          </a:blip>
+          <a:stretch>
+            <a:fillRect/>
+          </a:stretch>
+        </p:blipFill>
+        <p:spPr>
+          <a:xfrm>
+            <a:off x="3062702" y="2252824"/>
+            <a:ext cx="4717189" cy="2857748"/>
+          </a:xfrm>
+        </p:spPr>
+      </p:pic>
+      <p:sp>
+        <p:nvSpPr>
+          <p:cNvPr id="4" name="Date Placeholder 3"/>
+          <p:cNvSpPr>
+            <a:spLocks noGrp="1"/>
+          </p:cNvSpPr>
+          <p:nvPr>
+            <p:ph type="dt" sz="half" idx="10"/>
+          </p:nvPr>
+        </p:nvSpPr>
+        <p:spPr/>
+        <p:txBody>
+          <a:bodyPr/>
+          <a:lstStyle/>
+          <a:p>
+            <a:fld id="{7E3FDB0B-B014-4C47-949F-40696701F18D}" type="datetime1">
+              <a:rPr lang="en-US" smtClean="0"/>
+              <a:pPr/>
+              <a:t>19-Dec-19</a:t>
+            </a:fld>
+            <a:endParaRPr lang="en-US"/>
+          </a:p>
+        </p:txBody>
+      </p:sp>
+      <p:sp>
+        <p:nvSpPr>
+          <p:cNvPr id="5" name="Slide Number Placeholder 4"/>
+          <p:cNvSpPr>
+            <a:spLocks noGrp="1"/>
+          </p:cNvSpPr>
+          <p:nvPr>
+            <p:ph type="sldNum" sz="quarter" idx="12"/>
+          </p:nvPr>
+        </p:nvSpPr>
+        <p:spPr/>
+        <p:txBody>
+          <a:bodyPr/>
+          <a:lstStyle/>
+          <a:p>
+            <a:fld id="{330EA680-D336-4FF7-8B7A-9848BB0A1C32}" type="slidenum">
+              <a:rPr lang="en-US" smtClean="0"/>
+              <a:pPr/>
+              <a:t>8</a:t>
+            </a:fld>
+            <a:endParaRPr lang="en-US"/>
+          </a:p>
+        </p:txBody>
+      </p:sp>
+      <p:sp>
+        <p:nvSpPr>
+          <p:cNvPr id="6" name="TextBox 5">
+            <a:extLst>
+              <a:ext uri="{FF2B5EF4-FFF2-40B4-BE49-F238E27FC236}">
+                <a16:creationId xmlns:a16="http://schemas.microsoft.com/office/drawing/2014/main" id="{27FDA578-60F2-4A5E-BD94-10213F42A73A}"/>
+              </a:ext>
+            </a:extLst>
+          </p:cNvPr>
+          <p:cNvSpPr txBox="1"/>
+          <p:nvPr/>
+        </p:nvSpPr>
+        <p:spPr>
+          <a:xfrm>
+            <a:off x="10777491" y="186431"/>
+            <a:ext cx="883062" cy="369332"/>
+          </a:xfrm>
+          <a:prstGeom prst="rect">
+            <a:avLst/>
+          </a:prstGeom>
+          <a:noFill/>
+        </p:spPr>
+        <p:txBody>
+          <a:bodyPr wrap="square" rtlCol="0">
+            <a:spAutoFit/>
+          </a:bodyPr>
+          <a:lstStyle/>
+          <a:p>
+            <a:r>
+              <a:rPr lang="en-IN" dirty="0"/>
+              <a:t>(Cont..)</a:t>
+            </a:r>
+          </a:p>
+        </p:txBody>
+      </p:sp>
+    </p:spTree>
+    <p:extLst>
+      <p:ext uri="{BB962C8B-B14F-4D97-AF65-F5344CB8AC3E}">
+        <p14:creationId xmlns:p14="http://schemas.microsoft.com/office/powerpoint/2010/main" val="3395160387"/>
+      </p:ext>
+    </p:extLst>
+  </p:cSld>
+  <p:clrMapOvr>
+    <a:masterClrMapping/>
+  </p:clrMapOvr>
+</p:sld>
+</file>
+
+<file path=ppt/slides/slide9.xml><?xml version="1.0" encoding="utf-8"?>
+<p:sld xmlns:a="http://schemas.openxmlformats.org/drawingml/2006/main" xmlns:r="http://schemas.openxmlformats.org/officeDocument/2006/relationships" xmlns:p="http://schemas.openxmlformats.org/presentationml/2006/main">
+  <p:cSld>
+    <p:spTree>
+      <p:nvGrpSpPr>
+        <p:cNvPr id="1" name=""/>
+        <p:cNvGrpSpPr/>
+        <p:nvPr/>
+      </p:nvGrpSpPr>
+      <p:grpSpPr>
+        <a:xfrm>
+          <a:off x="0" y="0"/>
+          <a:ext cx="0" cy="0"/>
+          <a:chOff x="0" y="0"/>
+          <a:chExt cx="0" cy="0"/>
+        </a:xfrm>
+      </p:grpSpPr>
+      <p:sp>
+        <p:nvSpPr>
+          <p:cNvPr id="3" name="Content Placeholder 2"/>
+          <p:cNvSpPr>
+            <a:spLocks noGrp="1"/>
+          </p:cNvSpPr>
+          <p:nvPr>
+            <p:ph idx="1"/>
+          </p:nvPr>
+        </p:nvSpPr>
+        <p:spPr>
+          <a:xfrm>
+            <a:off x="838200" y="1154097"/>
+            <a:ext cx="10515600" cy="5022866"/>
+          </a:xfrm>
+        </p:spPr>
+        <p:txBody>
+          <a:bodyPr/>
+          <a:lstStyle/>
+          <a:p>
+            <a:pPr algn="just">
+              <a:buFont typeface="Wingdings" panose="05000000000000000000" pitchFamily="2" charset="2"/>
+              <a:buChar char="Ø"/>
+            </a:pPr>
+            <a:r>
+              <a:rPr lang="en-US" dirty="0"/>
+              <a:t>The faults in the power system will play a major role in the system stability</a:t>
+            </a:r>
+          </a:p>
+          <a:p>
+            <a:pPr algn="just">
+              <a:buFont typeface="Wingdings" panose="05000000000000000000" pitchFamily="2" charset="2"/>
+              <a:buChar char="Ø"/>
+            </a:pPr>
+            <a:r>
+              <a:rPr lang="en-US" dirty="0"/>
+              <a:t>Fault classification is important for the operation of the healthy phases.</a:t>
+            </a:r>
+          </a:p>
+          <a:p>
+            <a:pPr algn="just">
+              <a:buFont typeface="Wingdings" panose="05000000000000000000" pitchFamily="2" charset="2"/>
+              <a:buChar char="Ø"/>
+            </a:pPr>
+            <a:r>
+              <a:rPr lang="en-US" dirty="0"/>
+              <a:t>Power system reliability gets improved.</a:t>
+            </a:r>
+          </a:p>
+          <a:p>
+            <a:pPr algn="just">
+              <a:buFont typeface="Wingdings" panose="05000000000000000000" pitchFamily="2" charset="2"/>
+              <a:buChar char="Ø"/>
+            </a:pPr>
+            <a:endParaRPr lang="en-US" dirty="0"/>
+          </a:p>
+        </p:txBody>
+      </p:sp>
+      <p:sp>
+        <p:nvSpPr>
+          <p:cNvPr id="4" name="Date Placeholder 3"/>
+          <p:cNvSpPr>
+            <a:spLocks noGrp="1"/>
+          </p:cNvSpPr>
+          <p:nvPr>
+            <p:ph type="dt" sz="half" idx="10"/>
+          </p:nvPr>
+        </p:nvSpPr>
+        <p:spPr/>
+        <p:txBody>
+          <a:bodyPr/>
+          <a:lstStyle/>
+          <a:p>
+            <a:fld id="{7E3FDB0B-B014-4C47-949F-40696701F18D}" type="datetime1">
+              <a:rPr lang="en-US" smtClean="0"/>
+              <a:pPr/>
+              <a:t>19-Dec-19</a:t>
+            </a:fld>
+            <a:endParaRPr lang="en-US"/>
+          </a:p>
+        </p:txBody>
+      </p:sp>
+      <p:sp>
+        <p:nvSpPr>
+          <p:cNvPr id="5" name="Slide Number Placeholder 4"/>
+          <p:cNvSpPr>
+            <a:spLocks noGrp="1"/>
+          </p:cNvSpPr>
+          <p:nvPr>
+            <p:ph type="sldNum" sz="quarter" idx="12"/>
+          </p:nvPr>
+        </p:nvSpPr>
+        <p:spPr/>
+        <p:txBody>
+          <a:bodyPr/>
+          <a:lstStyle/>
+          <a:p>
+            <a:fld id="{330EA680-D336-4FF7-8B7A-9848BB0A1C32}" type="slidenum">
+              <a:rPr lang="en-US" smtClean="0"/>
+              <a:pPr/>
+              <a:t>9</a:t>
+            </a:fld>
+            <a:endParaRPr lang="en-US"/>
+          </a:p>
+        </p:txBody>
+      </p:sp>
+      <p:sp>
+        <p:nvSpPr>
+          <p:cNvPr id="6" name="TextBox 5">
+            <a:extLst>
+              <a:ext uri="{FF2B5EF4-FFF2-40B4-BE49-F238E27FC236}">
+                <a16:creationId xmlns:a16="http://schemas.microsoft.com/office/drawing/2014/main" id="{74347C76-4F23-44C2-8A76-7BCB3209A5F3}"/>
+              </a:ext>
+            </a:extLst>
+          </p:cNvPr>
+          <p:cNvSpPr txBox="1"/>
+          <p:nvPr/>
+        </p:nvSpPr>
+        <p:spPr>
+          <a:xfrm>
+            <a:off x="838200" y="347987"/>
+            <a:ext cx="10622872" cy="584775"/>
+          </a:xfrm>
+          <a:prstGeom prst="rect">
+            <a:avLst/>
+          </a:prstGeom>
+          <a:noFill/>
+        </p:spPr>
+        <p:txBody>
+          <a:bodyPr wrap="square" rtlCol="0">
+            <a:spAutoFit/>
+          </a:bodyPr>
+          <a:lstStyle/>
+          <a:p>
+            <a:pPr algn="ctr"/>
+            <a:r>
+              <a:rPr lang="en-IN" sz="3200" b="1" u="sng" dirty="0">
+                <a:solidFill>
+                  <a:srgbClr val="FF0000"/>
+                </a:solidFill>
+              </a:rPr>
+              <a:t>Societal Relevance </a:t>
+            </a:r>
+          </a:p>
+        </p:txBody>
+      </p:sp>
+    </p:spTree>
+    <p:extLst>
+      <p:ext uri="{BB962C8B-B14F-4D97-AF65-F5344CB8AC3E}">
+        <p14:creationId xmlns:p14="http://schemas.microsoft.com/office/powerpoint/2010/main" val="1906710318"/>
       </p:ext>
     </p:extLst>
   </p:cSld>

--- a/First Review/First Oral Presentation.pptx
+++ b/First Review/First Oral Presentation.pptx
@@ -17,9 +17,9 @@
     <p:sldId id="296" r:id="rId8"/>
     <p:sldId id="293" r:id="rId9"/>
     <p:sldId id="294" r:id="rId10"/>
-    <p:sldId id="261" r:id="rId11"/>
-    <p:sldId id="285" r:id="rId12"/>
-    <p:sldId id="286" r:id="rId13"/>
+    <p:sldId id="297" r:id="rId11"/>
+    <p:sldId id="261" r:id="rId12"/>
+    <p:sldId id="298" r:id="rId13"/>
   </p:sldIdLst>
   <p:sldSz cx="12192000" cy="6858000"/>
   <p:notesSz cx="6858000" cy="9144000"/>
@@ -4832,6 +4832,172 @@
       </p:grpSpPr>
       <p:sp>
         <p:nvSpPr>
+          <p:cNvPr id="3" name="Content Placeholder 2">
+            <a:extLst>
+              <a:ext uri="{FF2B5EF4-FFF2-40B4-BE49-F238E27FC236}">
+                <a16:creationId xmlns:a16="http://schemas.microsoft.com/office/drawing/2014/main" id="{A5CF9C68-F8E1-43F4-BDDF-866429EC9D1E}"/>
+              </a:ext>
+            </a:extLst>
+          </p:cNvPr>
+          <p:cNvSpPr>
+            <a:spLocks noGrp="1"/>
+          </p:cNvSpPr>
+          <p:nvPr>
+            <p:ph idx="1"/>
+          </p:nvPr>
+        </p:nvSpPr>
+        <p:spPr>
+          <a:xfrm>
+            <a:off x="838200" y="1074198"/>
+            <a:ext cx="10515600" cy="5102765"/>
+          </a:xfrm>
+        </p:spPr>
+        <p:txBody>
+          <a:bodyPr/>
+          <a:lstStyle/>
+          <a:p>
+            <a:pPr marL="0" indent="0" algn="just">
+              <a:buNone/>
+            </a:pPr>
+            <a:r>
+              <a:rPr lang="en-US" dirty="0"/>
+              <a:t>This  project is to develop a deep neural network so that the power system faults can be diagnosed. We will try to classify the as mush faults as possible using deep neural networks and further improvements in the in the project will be informed.</a:t>
+            </a:r>
+          </a:p>
+        </p:txBody>
+      </p:sp>
+      <p:sp>
+        <p:nvSpPr>
+          <p:cNvPr id="4" name="Date Placeholder 3">
+            <a:extLst>
+              <a:ext uri="{FF2B5EF4-FFF2-40B4-BE49-F238E27FC236}">
+                <a16:creationId xmlns:a16="http://schemas.microsoft.com/office/drawing/2014/main" id="{D76066D8-4017-49D3-A74C-39BDED6144EB}"/>
+              </a:ext>
+            </a:extLst>
+          </p:cNvPr>
+          <p:cNvSpPr>
+            <a:spLocks noGrp="1"/>
+          </p:cNvSpPr>
+          <p:nvPr>
+            <p:ph type="dt" sz="half" idx="10"/>
+          </p:nvPr>
+        </p:nvSpPr>
+        <p:spPr/>
+        <p:txBody>
+          <a:bodyPr/>
+          <a:lstStyle/>
+          <a:p>
+            <a:fld id="{7E3FDB0B-B014-4C47-949F-40696701F18D}" type="datetime1">
+              <a:rPr lang="en-US" smtClean="0"/>
+              <a:pPr/>
+              <a:t>19-Dec-19</a:t>
+            </a:fld>
+            <a:endParaRPr lang="en-US"/>
+          </a:p>
+        </p:txBody>
+      </p:sp>
+      <p:sp>
+        <p:nvSpPr>
+          <p:cNvPr id="5" name="Slide Number Placeholder 4">
+            <a:extLst>
+              <a:ext uri="{FF2B5EF4-FFF2-40B4-BE49-F238E27FC236}">
+                <a16:creationId xmlns:a16="http://schemas.microsoft.com/office/drawing/2014/main" id="{114D5F59-C1E5-4B1A-BA66-70D0B6F715EE}"/>
+              </a:ext>
+            </a:extLst>
+          </p:cNvPr>
+          <p:cNvSpPr>
+            <a:spLocks noGrp="1"/>
+          </p:cNvSpPr>
+          <p:nvPr>
+            <p:ph type="sldNum" sz="quarter" idx="12"/>
+          </p:nvPr>
+        </p:nvSpPr>
+        <p:spPr/>
+        <p:txBody>
+          <a:bodyPr/>
+          <a:lstStyle/>
+          <a:p>
+            <a:fld id="{330EA680-D336-4FF7-8B7A-9848BB0A1C32}" type="slidenum">
+              <a:rPr lang="en-US" smtClean="0"/>
+              <a:pPr/>
+              <a:t>10</a:t>
+            </a:fld>
+            <a:endParaRPr lang="en-US"/>
+          </a:p>
+        </p:txBody>
+      </p:sp>
+      <p:sp>
+        <p:nvSpPr>
+          <p:cNvPr id="6" name="TextBox 5">
+            <a:extLst>
+              <a:ext uri="{FF2B5EF4-FFF2-40B4-BE49-F238E27FC236}">
+                <a16:creationId xmlns:a16="http://schemas.microsoft.com/office/drawing/2014/main" id="{B6C99EC1-F94B-44CB-A3E1-D211B377218D}"/>
+              </a:ext>
+            </a:extLst>
+          </p:cNvPr>
+          <p:cNvSpPr txBox="1"/>
+          <p:nvPr/>
+        </p:nvSpPr>
+        <p:spPr>
+          <a:xfrm>
+            <a:off x="838200" y="339109"/>
+            <a:ext cx="10622872" cy="584775"/>
+          </a:xfrm>
+          <a:prstGeom prst="rect">
+            <a:avLst/>
+          </a:prstGeom>
+          <a:noFill/>
+        </p:spPr>
+        <p:txBody>
+          <a:bodyPr wrap="square" rtlCol="0">
+            <a:spAutoFit/>
+          </a:bodyPr>
+          <a:lstStyle/>
+          <a:p>
+            <a:pPr algn="ctr"/>
+            <a:r>
+              <a:rPr lang="en-IN" sz="3200" b="1" u="sng" dirty="0">
+                <a:solidFill>
+                  <a:srgbClr val="FF0000"/>
+                </a:solidFill>
+              </a:rPr>
+              <a:t>Conclusion </a:t>
+            </a:r>
+          </a:p>
+        </p:txBody>
+      </p:sp>
+    </p:spTree>
+    <p:extLst>
+      <p:ext uri="{BB962C8B-B14F-4D97-AF65-F5344CB8AC3E}">
+        <p14:creationId xmlns:p14="http://schemas.microsoft.com/office/powerpoint/2010/main" val="4028563155"/>
+      </p:ext>
+    </p:extLst>
+  </p:cSld>
+  <p:clrMapOvr>
+    <a:masterClrMapping/>
+  </p:clrMapOvr>
+</p:sld>
+</file>
+
+<file path=ppt/slides/slide11.xml><?xml version="1.0" encoding="utf-8"?>
+<p:sld xmlns:a="http://schemas.openxmlformats.org/drawingml/2006/main" xmlns:r="http://schemas.openxmlformats.org/officeDocument/2006/relationships" xmlns:p="http://schemas.openxmlformats.org/presentationml/2006/main">
+  <p:cSld>
+    <p:spTree>
+      <p:nvGrpSpPr>
+        <p:cNvPr id="1" name=""/>
+        <p:cNvGrpSpPr/>
+        <p:nvPr/>
+      </p:nvGrpSpPr>
+      <p:grpSpPr>
+        <a:xfrm>
+          <a:off x="0" y="0"/>
+          <a:ext cx="0" cy="0"/>
+          <a:chOff x="0" y="0"/>
+          <a:chExt cx="0" cy="0"/>
+        </a:xfrm>
+      </p:grpSpPr>
+      <p:sp>
+        <p:nvSpPr>
           <p:cNvPr id="4" name="TextBox 3">
             <a:extLst>
               <a:ext uri="{FF2B5EF4-FFF2-40B4-BE49-F238E27FC236}">
@@ -4924,7 +5090,7 @@
             <a:fld id="{330EA680-D336-4FF7-8B7A-9848BB0A1C32}" type="slidenum">
               <a:rPr lang="en-US" smtClean="0"/>
               <a:pPr/>
-              <a:t>10</a:t>
+              <a:t>11</a:t>
             </a:fld>
             <a:endParaRPr lang="en-US"/>
           </a:p>
@@ -6136,135 +6302,6 @@
 </p:sld>
 </file>
 
-<file path=ppt/slides/slide11.xml><?xml version="1.0" encoding="utf-8"?>
-<p:sld xmlns:a="http://schemas.openxmlformats.org/drawingml/2006/main" xmlns:r="http://schemas.openxmlformats.org/officeDocument/2006/relationships" xmlns:p="http://schemas.openxmlformats.org/presentationml/2006/main">
-  <p:cSld>
-    <p:spTree>
-      <p:nvGrpSpPr>
-        <p:cNvPr id="1" name=""/>
-        <p:cNvGrpSpPr/>
-        <p:nvPr/>
-      </p:nvGrpSpPr>
-      <p:grpSpPr>
-        <a:xfrm>
-          <a:off x="0" y="0"/>
-          <a:ext cx="0" cy="0"/>
-          <a:chOff x="0" y="0"/>
-          <a:chExt cx="0" cy="0"/>
-        </a:xfrm>
-      </p:grpSpPr>
-      <p:sp>
-        <p:nvSpPr>
-          <p:cNvPr id="2" name="Date Placeholder 1">
-            <a:extLst>
-              <a:ext uri="{FF2B5EF4-FFF2-40B4-BE49-F238E27FC236}">
-                <a16:creationId xmlns:a16="http://schemas.microsoft.com/office/drawing/2014/main" id="{2752D12B-75D7-4280-87B2-13DB7F24DD94}"/>
-              </a:ext>
-            </a:extLst>
-          </p:cNvPr>
-          <p:cNvSpPr>
-            <a:spLocks noGrp="1"/>
-          </p:cNvSpPr>
-          <p:nvPr>
-            <p:ph type="dt" sz="half" idx="10"/>
-          </p:nvPr>
-        </p:nvSpPr>
-        <p:spPr/>
-        <p:txBody>
-          <a:bodyPr/>
-          <a:lstStyle/>
-          <a:p>
-            <a:fld id="{3C36C040-CCB1-4266-9346-A8F110B24665}" type="datetime1">
-              <a:rPr lang="en-US" smtClean="0"/>
-              <a:pPr/>
-              <a:t>19-Dec-19</a:t>
-            </a:fld>
-            <a:endParaRPr lang="en-US"/>
-          </a:p>
-        </p:txBody>
-      </p:sp>
-      <p:sp>
-        <p:nvSpPr>
-          <p:cNvPr id="3" name="Slide Number Placeholder 2">
-            <a:extLst>
-              <a:ext uri="{FF2B5EF4-FFF2-40B4-BE49-F238E27FC236}">
-                <a16:creationId xmlns:a16="http://schemas.microsoft.com/office/drawing/2014/main" id="{232DBC90-0BB0-49DB-8AFC-29C09B37A4DC}"/>
-              </a:ext>
-            </a:extLst>
-          </p:cNvPr>
-          <p:cNvSpPr>
-            <a:spLocks noGrp="1"/>
-          </p:cNvSpPr>
-          <p:nvPr>
-            <p:ph type="sldNum" sz="quarter" idx="12"/>
-          </p:nvPr>
-        </p:nvSpPr>
-        <p:spPr/>
-        <p:txBody>
-          <a:bodyPr/>
-          <a:lstStyle/>
-          <a:p>
-            <a:fld id="{330EA680-D336-4FF7-8B7A-9848BB0A1C32}" type="slidenum">
-              <a:rPr lang="en-US" smtClean="0"/>
-              <a:pPr/>
-              <a:t>11</a:t>
-            </a:fld>
-            <a:endParaRPr lang="en-US"/>
-          </a:p>
-        </p:txBody>
-      </p:sp>
-      <p:pic>
-        <p:nvPicPr>
-          <p:cNvPr id="5" name="Picture 4">
-            <a:extLst>
-              <a:ext uri="{FF2B5EF4-FFF2-40B4-BE49-F238E27FC236}">
-                <a16:creationId xmlns:a16="http://schemas.microsoft.com/office/drawing/2014/main" id="{89C903F8-7767-47C2-97F4-3FF03FD50FD1}"/>
-              </a:ext>
-            </a:extLst>
-          </p:cNvPr>
-          <p:cNvPicPr>
-            <a:picLocks noChangeAspect="1"/>
-          </p:cNvPicPr>
-          <p:nvPr/>
-        </p:nvPicPr>
-        <p:blipFill>
-          <a:blip r:embed="rId2" cstate="print">
-            <a:extLst>
-              <a:ext uri="{28A0092B-C50C-407E-A947-70E740481C1C}">
-                <a14:useLocalDpi xmlns:a14="http://schemas.microsoft.com/office/drawing/2010/main" val="0"/>
-              </a:ext>
-              <a:ext uri="{837473B0-CC2E-450A-ABE3-18F120FF3D39}">
-                <a1611:picAttrSrcUrl xmlns:a1611="http://schemas.microsoft.com/office/drawing/2016/11/main" r:id="rId3"/>
-              </a:ext>
-            </a:extLst>
-          </a:blip>
-          <a:stretch>
-            <a:fillRect/>
-          </a:stretch>
-        </p:blipFill>
-        <p:spPr>
-          <a:xfrm>
-            <a:off x="0" y="0"/>
-            <a:ext cx="12192000" cy="6858000"/>
-          </a:xfrm>
-          <a:prstGeom prst="rect">
-            <a:avLst/>
-          </a:prstGeom>
-        </p:spPr>
-      </p:pic>
-    </p:spTree>
-    <p:extLst>
-      <p:ext uri="{BB962C8B-B14F-4D97-AF65-F5344CB8AC3E}">
-        <p14:creationId xmlns:p14="http://schemas.microsoft.com/office/powerpoint/2010/main" val="3377956916"/>
-      </p:ext>
-    </p:extLst>
-  </p:cSld>
-  <p:clrMapOvr>
-    <a:masterClrMapping/>
-  </p:clrMapOvr>
-</p:sld>
-</file>
-
 <file path=ppt/slides/slide12.xml><?xml version="1.0" encoding="utf-8"?>
 <p:sld xmlns:a="http://schemas.openxmlformats.org/drawingml/2006/main" xmlns:r="http://schemas.openxmlformats.org/officeDocument/2006/relationships" xmlns:p="http://schemas.openxmlformats.org/presentationml/2006/main">
   <p:cSld>
@@ -6284,10 +6321,10 @@
       </p:grpSpPr>
       <p:sp>
         <p:nvSpPr>
-          <p:cNvPr id="2" name="Date Placeholder 1">
+          <p:cNvPr id="2" name="Title 1">
             <a:extLst>
               <a:ext uri="{FF2B5EF4-FFF2-40B4-BE49-F238E27FC236}">
-                <a16:creationId xmlns:a16="http://schemas.microsoft.com/office/drawing/2014/main" id="{76BBC1CA-AF0C-4C92-98AB-EACE49AFF103}"/>
+                <a16:creationId xmlns:a16="http://schemas.microsoft.com/office/drawing/2014/main" id="{6DCB1159-D691-4B53-B1A6-D9B3A79BE525}"/>
               </a:ext>
             </a:extLst>
           </p:cNvPr>
@@ -6295,6 +6332,31 @@
             <a:spLocks noGrp="1"/>
           </p:cNvSpPr>
           <p:nvPr>
+            <p:ph type="title"/>
+          </p:nvPr>
+        </p:nvSpPr>
+        <p:spPr/>
+        <p:txBody>
+          <a:bodyPr/>
+          <a:lstStyle/>
+          <a:p>
+            <a:endParaRPr lang="en-US"/>
+          </a:p>
+        </p:txBody>
+      </p:sp>
+      <p:sp>
+        <p:nvSpPr>
+          <p:cNvPr id="3" name="Date Placeholder 2">
+            <a:extLst>
+              <a:ext uri="{FF2B5EF4-FFF2-40B4-BE49-F238E27FC236}">
+                <a16:creationId xmlns:a16="http://schemas.microsoft.com/office/drawing/2014/main" id="{6DEC8314-1F46-43E9-87EC-9D327CFD75A2}"/>
+              </a:ext>
+            </a:extLst>
+          </p:cNvPr>
+          <p:cNvSpPr>
+            <a:spLocks noGrp="1"/>
+          </p:cNvSpPr>
+          <p:nvPr>
             <p:ph type="dt" sz="half" idx="10"/>
           </p:nvPr>
         </p:nvSpPr>
@@ -6303,7 +6365,7 @@
           <a:bodyPr/>
           <a:lstStyle/>
           <a:p>
-            <a:fld id="{3C36C040-CCB1-4266-9346-A8F110B24665}" type="datetime1">
+            <a:fld id="{55429E5B-FFDD-47CA-AE66-D39F45E52B55}" type="datetime1">
               <a:rPr lang="en-US" smtClean="0"/>
               <a:pPr/>
               <a:t>19-Dec-19</a:t>
@@ -6314,10 +6376,10 @@
       </p:sp>
       <p:sp>
         <p:nvSpPr>
-          <p:cNvPr id="3" name="Slide Number Placeholder 2">
+          <p:cNvPr id="4" name="Slide Number Placeholder 3">
             <a:extLst>
               <a:ext uri="{FF2B5EF4-FFF2-40B4-BE49-F238E27FC236}">
-                <a16:creationId xmlns:a16="http://schemas.microsoft.com/office/drawing/2014/main" id="{9F242FC4-3A0D-4E7A-B0CD-53E533F83BDB}"/>
+                <a16:creationId xmlns:a16="http://schemas.microsoft.com/office/drawing/2014/main" id="{60585039-2C10-4B0D-ABFA-290767B07452}"/>
               </a:ext>
             </a:extLst>
           </p:cNvPr>
@@ -6344,10 +6406,10 @@
       </p:sp>
       <p:pic>
         <p:nvPicPr>
-          <p:cNvPr id="5" name="Picture 4">
+          <p:cNvPr id="8" name="Picture 7">
             <a:extLst>
               <a:ext uri="{FF2B5EF4-FFF2-40B4-BE49-F238E27FC236}">
-                <a16:creationId xmlns:a16="http://schemas.microsoft.com/office/drawing/2014/main" id="{8A51EAC4-A04B-4D0B-B796-664B52135BA8}"/>
+                <a16:creationId xmlns:a16="http://schemas.microsoft.com/office/drawing/2014/main" id="{63F881B9-BB6E-445C-BA3F-A72AD63B9124}"/>
               </a:ext>
             </a:extLst>
           </p:cNvPr>
@@ -6357,13 +6419,10 @@
           <p:nvPr/>
         </p:nvPicPr>
         <p:blipFill>
-          <a:blip r:embed="rId2" cstate="print">
+          <a:blip r:embed="rId2">
             <a:extLst>
               <a:ext uri="{28A0092B-C50C-407E-A947-70E740481C1C}">
                 <a14:useLocalDpi xmlns:a14="http://schemas.microsoft.com/office/drawing/2010/main" val="0"/>
-              </a:ext>
-              <a:ext uri="{837473B0-CC2E-450A-ABE3-18F120FF3D39}">
-                <a1611:picAttrSrcUrl xmlns:a1611="http://schemas.microsoft.com/office/drawing/2016/11/main" r:id="rId3"/>
               </a:ext>
             </a:extLst>
           </a:blip>
@@ -6373,8 +6432,8 @@
         </p:blipFill>
         <p:spPr>
           <a:xfrm>
-            <a:off x="0" y="1"/>
-            <a:ext cx="12191999" cy="6858000"/>
+            <a:off x="838200" y="365126"/>
+            <a:ext cx="10515600" cy="5991224"/>
           </a:xfrm>
           <a:prstGeom prst="rect">
             <a:avLst/>
@@ -6384,7 +6443,7 @@
     </p:spTree>
     <p:extLst>
       <p:ext uri="{BB962C8B-B14F-4D97-AF65-F5344CB8AC3E}">
-        <p14:creationId xmlns:p14="http://schemas.microsoft.com/office/powerpoint/2010/main" val="1616601520"/>
+        <p14:creationId xmlns:p14="http://schemas.microsoft.com/office/powerpoint/2010/main" val="3574002923"/>
       </p:ext>
     </p:extLst>
   </p:cSld>
@@ -7868,12 +7927,12 @@
           <a:p>
             <a:pPr algn="ctr"/>
             <a:r>
-              <a:rPr lang="en-IN" sz="3200" b="1" u="sng" dirty="0">
+              <a:rPr lang="en-IN" sz="3200" b="1" u="sng">
                 <a:solidFill>
                   <a:srgbClr val="FF0000"/>
                 </a:solidFill>
               </a:rPr>
-              <a:t>Societal Relevance </a:t>
+              <a:t>Applications</a:t>
             </a:r>
           </a:p>
         </p:txBody>

--- a/First Review/First Oral Presentation.pptx
+++ b/First Review/First Oral Presentation.pptx
@@ -7294,8 +7294,112 @@
           </a:xfrm>
         </p:spPr>
         <p:txBody>
-          <a:bodyPr/>
-          <a:lstStyle/>
+          <a:bodyPr>
+            <a:normAutofit lnSpcReduction="10000"/>
+          </a:bodyPr>
+          <a:lstStyle/>
+          <a:p>
+            <a:pPr algn="just">
+              <a:buFont typeface="Wingdings" panose="05000000000000000000" pitchFamily="2" charset="2"/>
+              <a:buChar char="Ø"/>
+            </a:pPr>
+            <a:r>
+              <a:rPr lang="en-US" dirty="0"/>
+              <a:t>In 2015, </a:t>
+            </a:r>
+            <a:r>
+              <a:rPr lang="en-IN" dirty="0"/>
+              <a:t>Majid Jamil, Sanjeev Kumar Sharma and </a:t>
+            </a:r>
+            <a:r>
+              <a:rPr lang="en-IN" dirty="0" err="1"/>
+              <a:t>Rajveer</a:t>
+            </a:r>
+            <a:r>
+              <a:rPr lang="en-IN" dirty="0"/>
+              <a:t> Singh published a paper to determine and classify the faults using back-propagation neural network.</a:t>
+            </a:r>
+          </a:p>
+          <a:p>
+            <a:pPr algn="just">
+              <a:buFont typeface="Wingdings" panose="05000000000000000000" pitchFamily="2" charset="2"/>
+              <a:buChar char="Ø"/>
+            </a:pPr>
+            <a:r>
+              <a:rPr lang="en-IN" dirty="0"/>
+              <a:t>In 2016, Y. Wang, M. Liu, Z. Bao published a paper for the power system fault diagnosis using stacked auto-encoders to train the deep neural network.</a:t>
+            </a:r>
+          </a:p>
+          <a:p>
+            <a:pPr algn="just">
+              <a:buFont typeface="Wingdings" panose="05000000000000000000" pitchFamily="2" charset="2"/>
+              <a:buChar char="Ø"/>
+            </a:pPr>
+            <a:r>
+              <a:rPr lang="en-IN" dirty="0"/>
+              <a:t>In 2017, Florian Rudin, Guo-</a:t>
+            </a:r>
+            <a:r>
+              <a:rPr lang="en-IN" dirty="0" err="1"/>
+              <a:t>Jie</a:t>
+            </a:r>
+            <a:r>
+              <a:rPr lang="en-IN" dirty="0"/>
+              <a:t> Li, </a:t>
+            </a:r>
+            <a:r>
+              <a:rPr lang="en-IN" dirty="0" err="1"/>
+              <a:t>Keyou</a:t>
+            </a:r>
+            <a:r>
+              <a:rPr lang="en-IN" dirty="0"/>
+              <a:t> Wang published a paper to use the Convolution Neural Networks for fault diagnosis.</a:t>
+            </a:r>
+          </a:p>
+          <a:p>
+            <a:pPr algn="just">
+              <a:buFont typeface="Wingdings" panose="05000000000000000000" pitchFamily="2" charset="2"/>
+              <a:buChar char="Ø"/>
+            </a:pPr>
+            <a:r>
+              <a:rPr lang="en-IN" dirty="0"/>
+              <a:t>In 2017, Gabriel </a:t>
+            </a:r>
+            <a:r>
+              <a:rPr lang="en-IN" dirty="0" err="1"/>
+              <a:t>Michau</a:t>
+            </a:r>
+            <a:r>
+              <a:rPr lang="en-IN" dirty="0"/>
+              <a:t>, Thomas Palm, Olga Fink published a paper on </a:t>
+            </a:r>
+            <a:r>
+              <a:rPr lang="en-IN" b="1" dirty="0"/>
+              <a:t>HELM </a:t>
+            </a:r>
+            <a:r>
+              <a:rPr lang="en-IN" dirty="0"/>
+              <a:t>for the power system fault diagnosis.</a:t>
+            </a:r>
+          </a:p>
+          <a:p>
+            <a:pPr algn="just">
+              <a:buFont typeface="Wingdings" panose="05000000000000000000" pitchFamily="2" charset="2"/>
+              <a:buChar char="Ø"/>
+            </a:pPr>
+            <a:r>
+              <a:rPr lang="en-IN" dirty="0"/>
+              <a:t>In 2017, </a:t>
+            </a:r>
+            <a:r>
+              <a:rPr lang="en-IN" dirty="0" err="1"/>
+              <a:t>Biswarup</a:t>
+            </a:r>
+            <a:r>
+              <a:rPr lang="en-IN" dirty="0"/>
+              <a:t> Bhattacharya, Abhishek Sinha published a paper on fault analysis using Recurrent Neural Networks. </a:t>
+            </a:r>
+          </a:p>
           <a:p>
             <a:pPr>
               <a:buFont typeface="Wingdings" panose="05000000000000000000" pitchFamily="2" charset="2"/>

--- a/First Review/First Oral Presentation.pptx
+++ b/First Review/First Oral Presentation.pptx
@@ -5,7 +5,7 @@
     <p:sldMasterId id="2147483684" r:id="rId1"/>
   </p:sldMasterIdLst>
   <p:notesMasterIdLst>
-    <p:notesMasterId r:id="rId14"/>
+    <p:notesMasterId r:id="rId15"/>
   </p:notesMasterIdLst>
   <p:sldIdLst>
     <p:sldId id="263" r:id="rId2"/>
@@ -18,8 +18,9 @@
     <p:sldId id="293" r:id="rId9"/>
     <p:sldId id="294" r:id="rId10"/>
     <p:sldId id="297" r:id="rId11"/>
-    <p:sldId id="261" r:id="rId12"/>
-    <p:sldId id="298" r:id="rId13"/>
+    <p:sldId id="299" r:id="rId12"/>
+    <p:sldId id="261" r:id="rId13"/>
+    <p:sldId id="298" r:id="rId14"/>
   </p:sldIdLst>
   <p:sldSz cx="12192000" cy="6858000"/>
   <p:notesSz cx="6858000" cy="9144000"/>
@@ -4861,7 +4862,7 @@
             </a:pPr>
             <a:r>
               <a:rPr lang="en-US" dirty="0"/>
-              <a:t>This  project is to develop a deep neural network so that the power system faults can be diagnosed. We will try to classify the as mush faults as possible using deep neural networks and further improvements in the in the project will be informed.</a:t>
+              <a:t>This project is to develop a deep neural network so that the power system faults can be diagnosed. We will try to classify them as mush faults as possible using deep neural networks and further improvements in the project will be informed.</a:t>
             </a:r>
           </a:p>
         </p:txBody>
@@ -4996,6 +4997,675 @@
           <a:chExt cx="0" cy="0"/>
         </a:xfrm>
       </p:grpSpPr>
+      <p:graphicFrame>
+        <p:nvGraphicFramePr>
+          <p:cNvPr id="7" name="Table 7">
+            <a:extLst>
+              <a:ext uri="{FF2B5EF4-FFF2-40B4-BE49-F238E27FC236}">
+                <a16:creationId xmlns:a16="http://schemas.microsoft.com/office/drawing/2014/main" id="{11DEA57D-B1FC-4BD2-993C-904B734E7F4C}"/>
+              </a:ext>
+            </a:extLst>
+          </p:cNvPr>
+          <p:cNvGraphicFramePr>
+            <a:graphicFrameLocks noGrp="1"/>
+          </p:cNvGraphicFramePr>
+          <p:nvPr>
+            <p:ph idx="1"/>
+            <p:extLst>
+              <p:ext uri="{D42A27DB-BD31-4B8C-83A1-F6EECF244321}">
+                <p14:modId xmlns:p14="http://schemas.microsoft.com/office/powerpoint/2010/main" val="211859919"/>
+              </p:ext>
+            </p:extLst>
+          </p:nvPr>
+        </p:nvGraphicFramePr>
+        <p:xfrm>
+          <a:off x="838200" y="1162974"/>
+          <a:ext cx="10515600" cy="4696288"/>
+        </p:xfrm>
+        <a:graphic>
+          <a:graphicData uri="http://schemas.openxmlformats.org/drawingml/2006/table">
+            <a:tbl>
+              <a:tblPr firstRow="1" bandRow="1">
+                <a:tableStyleId>{5C22544A-7EE6-4342-B048-85BDC9FD1C3A}</a:tableStyleId>
+              </a:tblPr>
+              <a:tblGrid>
+                <a:gridCol w="724270">
+                  <a:extLst>
+                    <a:ext uri="{9D8B030D-6E8A-4147-A177-3AD203B41FA5}">
+                      <a16:colId xmlns:a16="http://schemas.microsoft.com/office/drawing/2014/main" val="3854152555"/>
+                    </a:ext>
+                  </a:extLst>
+                </a:gridCol>
+                <a:gridCol w="6303146">
+                  <a:extLst>
+                    <a:ext uri="{9D8B030D-6E8A-4147-A177-3AD203B41FA5}">
+                      <a16:colId xmlns:a16="http://schemas.microsoft.com/office/drawing/2014/main" val="3066210890"/>
+                    </a:ext>
+                  </a:extLst>
+                </a:gridCol>
+                <a:gridCol w="1642368">
+                  <a:extLst>
+                    <a:ext uri="{9D8B030D-6E8A-4147-A177-3AD203B41FA5}">
+                      <a16:colId xmlns:a16="http://schemas.microsoft.com/office/drawing/2014/main" val="3823304465"/>
+                    </a:ext>
+                  </a:extLst>
+                </a:gridCol>
+                <a:gridCol w="1845816">
+                  <a:extLst>
+                    <a:ext uri="{9D8B030D-6E8A-4147-A177-3AD203B41FA5}">
+                      <a16:colId xmlns:a16="http://schemas.microsoft.com/office/drawing/2014/main" val="911038417"/>
+                    </a:ext>
+                  </a:extLst>
+                </a:gridCol>
+              </a:tblGrid>
+              <a:tr h="587036">
+                <a:tc>
+                  <a:txBody>
+                    <a:bodyPr/>
+                    <a:lstStyle/>
+                    <a:p>
+                      <a:r>
+                        <a:rPr lang="en-US" dirty="0" err="1"/>
+                        <a:t>S.No</a:t>
+                      </a:r>
+                      <a:endParaRPr lang="en-US" dirty="0"/>
+                    </a:p>
+                  </a:txBody>
+                  <a:tcPr/>
+                </a:tc>
+                <a:tc>
+                  <a:txBody>
+                    <a:bodyPr/>
+                    <a:lstStyle/>
+                    <a:p>
+                      <a:r>
+                        <a:rPr lang="en-US" dirty="0"/>
+                        <a:t>Work</a:t>
+                      </a:r>
+                    </a:p>
+                  </a:txBody>
+                  <a:tcPr/>
+                </a:tc>
+                <a:tc>
+                  <a:txBody>
+                    <a:bodyPr/>
+                    <a:lstStyle/>
+                    <a:p>
+                      <a:r>
+                        <a:rPr lang="en-US" dirty="0"/>
+                        <a:t>No. of Weeks</a:t>
+                      </a:r>
+                    </a:p>
+                  </a:txBody>
+                  <a:tcPr/>
+                </a:tc>
+                <a:tc>
+                  <a:txBody>
+                    <a:bodyPr/>
+                    <a:lstStyle/>
+                    <a:p>
+                      <a:r>
+                        <a:rPr lang="en-US" dirty="0"/>
+                        <a:t>Tentative Dates</a:t>
+                      </a:r>
+                    </a:p>
+                  </a:txBody>
+                  <a:tcPr/>
+                </a:tc>
+                <a:extLst>
+                  <a:ext uri="{0D108BD9-81ED-4DB2-BD59-A6C34878D82A}">
+                    <a16:rowId xmlns:a16="http://schemas.microsoft.com/office/drawing/2014/main" val="2164528051"/>
+                  </a:ext>
+                </a:extLst>
+              </a:tr>
+              <a:tr h="587036">
+                <a:tc>
+                  <a:txBody>
+                    <a:bodyPr/>
+                    <a:lstStyle/>
+                    <a:p>
+                      <a:r>
+                        <a:rPr lang="en-US" dirty="0"/>
+                        <a:t>1</a:t>
+                      </a:r>
+                    </a:p>
+                  </a:txBody>
+                  <a:tcPr/>
+                </a:tc>
+                <a:tc>
+                  <a:txBody>
+                    <a:bodyPr/>
+                    <a:lstStyle/>
+                    <a:p>
+                      <a:r>
+                        <a:rPr lang="en-US" dirty="0"/>
+                        <a:t>Commencement of Project Work</a:t>
+                      </a:r>
+                    </a:p>
+                  </a:txBody>
+                  <a:tcPr/>
+                </a:tc>
+                <a:tc>
+                  <a:txBody>
+                    <a:bodyPr/>
+                    <a:lstStyle/>
+                    <a:p>
+                      <a:pPr algn="ctr"/>
+                      <a:r>
+                        <a:rPr lang="en-US" dirty="0"/>
+                        <a:t>-</a:t>
+                      </a:r>
+                    </a:p>
+                  </a:txBody>
+                  <a:tcPr/>
+                </a:tc>
+                <a:tc>
+                  <a:txBody>
+                    <a:bodyPr/>
+                    <a:lstStyle/>
+                    <a:p>
+                      <a:r>
+                        <a:rPr lang="en-US" dirty="0"/>
+                        <a:t>02 – 12 – 2019</a:t>
+                      </a:r>
+                    </a:p>
+                  </a:txBody>
+                  <a:tcPr/>
+                </a:tc>
+                <a:extLst>
+                  <a:ext uri="{0D108BD9-81ED-4DB2-BD59-A6C34878D82A}">
+                    <a16:rowId xmlns:a16="http://schemas.microsoft.com/office/drawing/2014/main" val="1030150605"/>
+                  </a:ext>
+                </a:extLst>
+              </a:tr>
+              <a:tr h="587036">
+                <a:tc>
+                  <a:txBody>
+                    <a:bodyPr/>
+                    <a:lstStyle/>
+                    <a:p>
+                      <a:r>
+                        <a:rPr lang="en-US" dirty="0"/>
+                        <a:t>2</a:t>
+                      </a:r>
+                    </a:p>
+                  </a:txBody>
+                  <a:tcPr/>
+                </a:tc>
+                <a:tc>
+                  <a:txBody>
+                    <a:bodyPr/>
+                    <a:lstStyle/>
+                    <a:p>
+                      <a:r>
+                        <a:rPr lang="en-US" dirty="0"/>
+                        <a:t>Project tittle conformation and submission of Abstract</a:t>
+                      </a:r>
+                    </a:p>
+                  </a:txBody>
+                  <a:tcPr/>
+                </a:tc>
+                <a:tc>
+                  <a:txBody>
+                    <a:bodyPr/>
+                    <a:lstStyle/>
+                    <a:p>
+                      <a:r>
+                        <a:rPr lang="en-US" dirty="0"/>
+                        <a:t>2 weeks</a:t>
+                      </a:r>
+                    </a:p>
+                  </a:txBody>
+                  <a:tcPr/>
+                </a:tc>
+                <a:tc>
+                  <a:txBody>
+                    <a:bodyPr/>
+                    <a:lstStyle/>
+                    <a:p>
+                      <a:r>
+                        <a:rPr lang="en-US" dirty="0"/>
+                        <a:t>16 – 12 – 2019</a:t>
+                      </a:r>
+                    </a:p>
+                  </a:txBody>
+                  <a:tcPr/>
+                </a:tc>
+                <a:extLst>
+                  <a:ext uri="{0D108BD9-81ED-4DB2-BD59-A6C34878D82A}">
+                    <a16:rowId xmlns:a16="http://schemas.microsoft.com/office/drawing/2014/main" val="2759942567"/>
+                  </a:ext>
+                </a:extLst>
+              </a:tr>
+              <a:tr h="587036">
+                <a:tc>
+                  <a:txBody>
+                    <a:bodyPr/>
+                    <a:lstStyle/>
+                    <a:p>
+                      <a:r>
+                        <a:rPr lang="en-US" dirty="0"/>
+                        <a:t>3</a:t>
+                      </a:r>
+                    </a:p>
+                  </a:txBody>
+                  <a:tcPr/>
+                </a:tc>
+                <a:tc>
+                  <a:txBody>
+                    <a:bodyPr/>
+                    <a:lstStyle/>
+                    <a:p>
+                      <a:r>
+                        <a:rPr lang="en-US" dirty="0"/>
+                        <a:t>Literature Survey</a:t>
+                      </a:r>
+                    </a:p>
+                  </a:txBody>
+                  <a:tcPr/>
+                </a:tc>
+                <a:tc>
+                  <a:txBody>
+                    <a:bodyPr/>
+                    <a:lstStyle/>
+                    <a:p>
+                      <a:r>
+                        <a:rPr lang="en-US" dirty="0"/>
+                        <a:t>1 week</a:t>
+                      </a:r>
+                    </a:p>
+                  </a:txBody>
+                  <a:tcPr/>
+                </a:tc>
+                <a:tc>
+                  <a:txBody>
+                    <a:bodyPr/>
+                    <a:lstStyle/>
+                    <a:p>
+                      <a:r>
+                        <a:rPr lang="en-US" dirty="0"/>
+                        <a:t>23 – 12 – 2019</a:t>
+                      </a:r>
+                    </a:p>
+                  </a:txBody>
+                  <a:tcPr/>
+                </a:tc>
+                <a:extLst>
+                  <a:ext uri="{0D108BD9-81ED-4DB2-BD59-A6C34878D82A}">
+                    <a16:rowId xmlns:a16="http://schemas.microsoft.com/office/drawing/2014/main" val="1350085672"/>
+                  </a:ext>
+                </a:extLst>
+              </a:tr>
+              <a:tr h="587036">
+                <a:tc>
+                  <a:txBody>
+                    <a:bodyPr/>
+                    <a:lstStyle/>
+                    <a:p>
+                      <a:r>
+                        <a:rPr lang="en-US" dirty="0"/>
+                        <a:t>4</a:t>
+                      </a:r>
+                    </a:p>
+                  </a:txBody>
+                  <a:tcPr/>
+                </a:tc>
+                <a:tc>
+                  <a:txBody>
+                    <a:bodyPr/>
+                    <a:lstStyle/>
+                    <a:p>
+                      <a:r>
+                        <a:rPr lang="en-US" dirty="0"/>
+                        <a:t>Learning Neural Networks</a:t>
+                      </a:r>
+                    </a:p>
+                  </a:txBody>
+                  <a:tcPr/>
+                </a:tc>
+                <a:tc>
+                  <a:txBody>
+                    <a:bodyPr/>
+                    <a:lstStyle/>
+                    <a:p>
+                      <a:r>
+                        <a:rPr lang="en-US" dirty="0"/>
+                        <a:t>3 weeks</a:t>
+                      </a:r>
+                    </a:p>
+                  </a:txBody>
+                  <a:tcPr/>
+                </a:tc>
+                <a:tc>
+                  <a:txBody>
+                    <a:bodyPr/>
+                    <a:lstStyle/>
+                    <a:p>
+                      <a:r>
+                        <a:rPr lang="en-US" dirty="0"/>
+                        <a:t>13 – 12 – 2020</a:t>
+                      </a:r>
+                    </a:p>
+                  </a:txBody>
+                  <a:tcPr/>
+                </a:tc>
+                <a:extLst>
+                  <a:ext uri="{0D108BD9-81ED-4DB2-BD59-A6C34878D82A}">
+                    <a16:rowId xmlns:a16="http://schemas.microsoft.com/office/drawing/2014/main" val="81721364"/>
+                  </a:ext>
+                </a:extLst>
+              </a:tr>
+              <a:tr h="587036">
+                <a:tc>
+                  <a:txBody>
+                    <a:bodyPr/>
+                    <a:lstStyle/>
+                    <a:p>
+                      <a:r>
+                        <a:rPr lang="en-US" dirty="0"/>
+                        <a:t>5</a:t>
+                      </a:r>
+                    </a:p>
+                  </a:txBody>
+                  <a:tcPr/>
+                </a:tc>
+                <a:tc>
+                  <a:txBody>
+                    <a:bodyPr/>
+                    <a:lstStyle/>
+                    <a:p>
+                      <a:r>
+                        <a:rPr lang="en-US" dirty="0"/>
+                        <a:t>Learning Software</a:t>
+                      </a:r>
+                    </a:p>
+                  </a:txBody>
+                  <a:tcPr/>
+                </a:tc>
+                <a:tc>
+                  <a:txBody>
+                    <a:bodyPr/>
+                    <a:lstStyle/>
+                    <a:p>
+                      <a:r>
+                        <a:rPr lang="en-US" dirty="0"/>
+                        <a:t>3 weeks</a:t>
+                      </a:r>
+                    </a:p>
+                  </a:txBody>
+                  <a:tcPr/>
+                </a:tc>
+                <a:tc>
+                  <a:txBody>
+                    <a:bodyPr/>
+                    <a:lstStyle/>
+                    <a:p>
+                      <a:r>
+                        <a:rPr lang="en-US" dirty="0"/>
+                        <a:t>03 – 02 – 2020</a:t>
+                      </a:r>
+                    </a:p>
+                  </a:txBody>
+                  <a:tcPr/>
+                </a:tc>
+                <a:extLst>
+                  <a:ext uri="{0D108BD9-81ED-4DB2-BD59-A6C34878D82A}">
+                    <a16:rowId xmlns:a16="http://schemas.microsoft.com/office/drawing/2014/main" val="1497123852"/>
+                  </a:ext>
+                </a:extLst>
+              </a:tr>
+              <a:tr h="587036">
+                <a:tc>
+                  <a:txBody>
+                    <a:bodyPr/>
+                    <a:lstStyle/>
+                    <a:p>
+                      <a:r>
+                        <a:rPr lang="en-US" dirty="0"/>
+                        <a:t>6 </a:t>
+                      </a:r>
+                    </a:p>
+                  </a:txBody>
+                  <a:tcPr/>
+                </a:tc>
+                <a:tc>
+                  <a:txBody>
+                    <a:bodyPr/>
+                    <a:lstStyle/>
+                    <a:p>
+                      <a:r>
+                        <a:rPr lang="en-US" dirty="0"/>
+                        <a:t>Simulating the Neural Network</a:t>
+                      </a:r>
+                    </a:p>
+                  </a:txBody>
+                  <a:tcPr/>
+                </a:tc>
+                <a:tc>
+                  <a:txBody>
+                    <a:bodyPr/>
+                    <a:lstStyle/>
+                    <a:p>
+                      <a:r>
+                        <a:rPr lang="en-US" dirty="0"/>
+                        <a:t>6 weeks</a:t>
+                      </a:r>
+                    </a:p>
+                  </a:txBody>
+                  <a:tcPr/>
+                </a:tc>
+                <a:tc>
+                  <a:txBody>
+                    <a:bodyPr/>
+                    <a:lstStyle/>
+                    <a:p>
+                      <a:r>
+                        <a:rPr lang="en-US" dirty="0"/>
+                        <a:t>19 – 03 – 2020 </a:t>
+                      </a:r>
+                    </a:p>
+                  </a:txBody>
+                  <a:tcPr/>
+                </a:tc>
+                <a:extLst>
+                  <a:ext uri="{0D108BD9-81ED-4DB2-BD59-A6C34878D82A}">
+                    <a16:rowId xmlns:a16="http://schemas.microsoft.com/office/drawing/2014/main" val="1441460306"/>
+                  </a:ext>
+                </a:extLst>
+              </a:tr>
+              <a:tr h="587036">
+                <a:tc>
+                  <a:txBody>
+                    <a:bodyPr/>
+                    <a:lstStyle/>
+                    <a:p>
+                      <a:r>
+                        <a:rPr lang="en-US" dirty="0"/>
+                        <a:t>7 </a:t>
+                      </a:r>
+                    </a:p>
+                  </a:txBody>
+                  <a:tcPr/>
+                </a:tc>
+                <a:tc>
+                  <a:txBody>
+                    <a:bodyPr/>
+                    <a:lstStyle/>
+                    <a:p>
+                      <a:r>
+                        <a:rPr lang="en-US" dirty="0"/>
+                        <a:t>Submission of project thesis</a:t>
+                      </a:r>
+                    </a:p>
+                  </a:txBody>
+                  <a:tcPr/>
+                </a:tc>
+                <a:tc>
+                  <a:txBody>
+                    <a:bodyPr/>
+                    <a:lstStyle/>
+                    <a:p>
+                      <a:r>
+                        <a:rPr lang="en-US" dirty="0"/>
+                        <a:t>2 weeks</a:t>
+                      </a:r>
+                    </a:p>
+                  </a:txBody>
+                  <a:tcPr/>
+                </a:tc>
+                <a:tc>
+                  <a:txBody>
+                    <a:bodyPr/>
+                    <a:lstStyle/>
+                    <a:p>
+                      <a:r>
+                        <a:rPr lang="en-US" dirty="0"/>
+                        <a:t>30 – 03 – 2020</a:t>
+                      </a:r>
+                    </a:p>
+                  </a:txBody>
+                  <a:tcPr/>
+                </a:tc>
+                <a:extLst>
+                  <a:ext uri="{0D108BD9-81ED-4DB2-BD59-A6C34878D82A}">
+                    <a16:rowId xmlns:a16="http://schemas.microsoft.com/office/drawing/2014/main" val="1486239101"/>
+                  </a:ext>
+                </a:extLst>
+              </a:tr>
+            </a:tbl>
+          </a:graphicData>
+        </a:graphic>
+      </p:graphicFrame>
+      <p:sp>
+        <p:nvSpPr>
+          <p:cNvPr id="4" name="Date Placeholder 3">
+            <a:extLst>
+              <a:ext uri="{FF2B5EF4-FFF2-40B4-BE49-F238E27FC236}">
+                <a16:creationId xmlns:a16="http://schemas.microsoft.com/office/drawing/2014/main" id="{B8F27343-FA37-42AF-92DB-1DA83A1FD990}"/>
+              </a:ext>
+            </a:extLst>
+          </p:cNvPr>
+          <p:cNvSpPr>
+            <a:spLocks noGrp="1"/>
+          </p:cNvSpPr>
+          <p:nvPr>
+            <p:ph type="dt" sz="half" idx="10"/>
+          </p:nvPr>
+        </p:nvSpPr>
+        <p:spPr/>
+        <p:txBody>
+          <a:bodyPr/>
+          <a:lstStyle/>
+          <a:p>
+            <a:fld id="{7E3FDB0B-B014-4C47-949F-40696701F18D}" type="datetime1">
+              <a:rPr lang="en-US" smtClean="0"/>
+              <a:pPr/>
+              <a:t>19-Dec-19</a:t>
+            </a:fld>
+            <a:endParaRPr lang="en-US"/>
+          </a:p>
+        </p:txBody>
+      </p:sp>
+      <p:sp>
+        <p:nvSpPr>
+          <p:cNvPr id="5" name="Slide Number Placeholder 4">
+            <a:extLst>
+              <a:ext uri="{FF2B5EF4-FFF2-40B4-BE49-F238E27FC236}">
+                <a16:creationId xmlns:a16="http://schemas.microsoft.com/office/drawing/2014/main" id="{37859AA6-2603-4E99-AF1B-BA4EA2375B10}"/>
+              </a:ext>
+            </a:extLst>
+          </p:cNvPr>
+          <p:cNvSpPr>
+            <a:spLocks noGrp="1"/>
+          </p:cNvSpPr>
+          <p:nvPr>
+            <p:ph type="sldNum" sz="quarter" idx="12"/>
+          </p:nvPr>
+        </p:nvSpPr>
+        <p:spPr/>
+        <p:txBody>
+          <a:bodyPr/>
+          <a:lstStyle/>
+          <a:p>
+            <a:fld id="{330EA680-D336-4FF7-8B7A-9848BB0A1C32}" type="slidenum">
+              <a:rPr lang="en-US" smtClean="0"/>
+              <a:pPr/>
+              <a:t>11</a:t>
+            </a:fld>
+            <a:endParaRPr lang="en-US"/>
+          </a:p>
+        </p:txBody>
+      </p:sp>
+      <p:sp>
+        <p:nvSpPr>
+          <p:cNvPr id="6" name="TextBox 5">
+            <a:extLst>
+              <a:ext uri="{FF2B5EF4-FFF2-40B4-BE49-F238E27FC236}">
+                <a16:creationId xmlns:a16="http://schemas.microsoft.com/office/drawing/2014/main" id="{9AF18AF7-A108-47EF-B0AF-E1986998440B}"/>
+              </a:ext>
+            </a:extLst>
+          </p:cNvPr>
+          <p:cNvSpPr txBox="1"/>
+          <p:nvPr/>
+        </p:nvSpPr>
+        <p:spPr>
+          <a:xfrm>
+            <a:off x="838200" y="388649"/>
+            <a:ext cx="10622872" cy="584775"/>
+          </a:xfrm>
+          <a:prstGeom prst="rect">
+            <a:avLst/>
+          </a:prstGeom>
+          <a:noFill/>
+        </p:spPr>
+        <p:txBody>
+          <a:bodyPr wrap="square" rtlCol="0">
+            <a:spAutoFit/>
+          </a:bodyPr>
+          <a:lstStyle/>
+          <a:p>
+            <a:pPr algn="ctr"/>
+            <a:r>
+              <a:rPr lang="en-IN" sz="3200" b="1" u="sng" dirty="0">
+                <a:solidFill>
+                  <a:srgbClr val="FF0000"/>
+                </a:solidFill>
+              </a:rPr>
+              <a:t>Project Time Line </a:t>
+            </a:r>
+          </a:p>
+        </p:txBody>
+      </p:sp>
+    </p:spTree>
+    <p:extLst>
+      <p:ext uri="{BB962C8B-B14F-4D97-AF65-F5344CB8AC3E}">
+        <p14:creationId xmlns:p14="http://schemas.microsoft.com/office/powerpoint/2010/main" val="2710898706"/>
+      </p:ext>
+    </p:extLst>
+  </p:cSld>
+  <p:clrMapOvr>
+    <a:masterClrMapping/>
+  </p:clrMapOvr>
+</p:sld>
+</file>
+
+<file path=ppt/slides/slide12.xml><?xml version="1.0" encoding="utf-8"?>
+<p:sld xmlns:a="http://schemas.openxmlformats.org/drawingml/2006/main" xmlns:r="http://schemas.openxmlformats.org/officeDocument/2006/relationships" xmlns:p="http://schemas.openxmlformats.org/presentationml/2006/main">
+  <p:cSld>
+    <p:spTree>
+      <p:nvGrpSpPr>
+        <p:cNvPr id="1" name=""/>
+        <p:cNvGrpSpPr/>
+        <p:nvPr/>
+      </p:nvGrpSpPr>
+      <p:grpSpPr>
+        <a:xfrm>
+          <a:off x="0" y="0"/>
+          <a:ext cx="0" cy="0"/>
+          <a:chOff x="0" y="0"/>
+          <a:chExt cx="0" cy="0"/>
+        </a:xfrm>
+      </p:grpSpPr>
       <p:sp>
         <p:nvSpPr>
           <p:cNvPr id="4" name="TextBox 3">
@@ -5090,7 +5760,7 @@
             <a:fld id="{330EA680-D336-4FF7-8B7A-9848BB0A1C32}" type="slidenum">
               <a:rPr lang="en-US" smtClean="0"/>
               <a:pPr/>
-              <a:t>11</a:t>
+              <a:t>12</a:t>
             </a:fld>
             <a:endParaRPr lang="en-US"/>
           </a:p>
@@ -6302,7 +6972,7 @@
 </p:sld>
 </file>
 
-<file path=ppt/slides/slide12.xml><?xml version="1.0" encoding="utf-8"?>
+<file path=ppt/slides/slide13.xml><?xml version="1.0" encoding="utf-8"?>
 <p:sld xmlns:a="http://schemas.openxmlformats.org/drawingml/2006/main" xmlns:r="http://schemas.openxmlformats.org/officeDocument/2006/relationships" xmlns:p="http://schemas.openxmlformats.org/presentationml/2006/main">
   <p:cSld>
     <p:spTree>
@@ -6398,7 +7068,7 @@
             <a:fld id="{330EA680-D336-4FF7-8B7A-9848BB0A1C32}" type="slidenum">
               <a:rPr lang="en-US" smtClean="0"/>
               <a:pPr/>
-              <a:t>12</a:t>
+              <a:t>13</a:t>
             </a:fld>
             <a:endParaRPr lang="en-US"/>
           </a:p>
@@ -6821,7 +7491,7 @@
             </a:pPr>
             <a:r>
               <a:rPr lang="en-US" dirty="0"/>
-              <a:t>The objective of our project is to find out the faults in transmission line  and to  classify them using the neural networks.</a:t>
+              <a:t>The objective of our project is to find out the faults in the transmission line  and to  classify them using the neural networks.</a:t>
             </a:r>
           </a:p>
           <a:p>
@@ -6996,7 +7666,7 @@
             </a:pPr>
             <a:r>
               <a:rPr lang="en-IN" sz="2800" dirty="0"/>
-              <a:t>In recent years ,artificial intelligence technologies is becoming  more and more popular due to its amazing features.</a:t>
+              <a:t>In recent years, artificial intelligence technologies are becoming  more and more popular due to its amazing features.</a:t>
             </a:r>
           </a:p>
           <a:p>
@@ -7008,8 +7678,8 @@
               <a:buChar char="Ø"/>
             </a:pPr>
             <a:r>
-              <a:rPr lang="en-IN" sz="2800" dirty="0"/>
-              <a:t>Application of artificial intelligence techniques in electric power industry which is currently undergoing an extraordinary development.</a:t>
+              <a:rPr lang="en-US" sz="2800" dirty="0"/>
+              <a:t>Application of artificial intelligence techniques in the electric power industry which is currently undergoing extraordinary development.</a:t>
             </a:r>
           </a:p>
           <a:p>
@@ -7021,9 +7691,10 @@
               <a:buChar char="Ø"/>
             </a:pPr>
             <a:r>
-              <a:rPr lang="en-IN" sz="2800" dirty="0"/>
-              <a:t>One of the most thrilling and potentially cost-effective recent developments in this field is increasing usage of artificial intelligence techniques viz artificial neural network ,genetic algorithm ,fuzzy logic ,and expert systems.</a:t>
-            </a:r>
+              <a:rPr lang="en-US" sz="2800" dirty="0"/>
+              <a:t>One of the most thrilling and potentially cost-effective recent developments in this field is increasing usage of artificial intelligence techniques viz neural network, genetic algorithm, fuzzy logic, and expert systems.</a:t>
+            </a:r>
+            <a:endParaRPr lang="en-IN" sz="2800" dirty="0"/>
           </a:p>
         </p:txBody>
       </p:sp>
@@ -7153,7 +7824,7 @@
             </a:pPr>
             <a:r>
               <a:rPr lang="en-US" dirty="0"/>
-              <a:t>Deep learning also has great learning ability so it  focus in the field of machine learning and artificial intelligence.</a:t>
+              <a:t>Deep learning also has great learning ability so it focuses on the field of machine learning and artificial intelligence.</a:t>
             </a:r>
           </a:p>
         </p:txBody>
@@ -7290,122 +7961,103 @@
         <p:spPr>
           <a:xfrm>
             <a:off x="838200" y="1020932"/>
-            <a:ext cx="10515600" cy="5156031"/>
+            <a:ext cx="10515600" cy="5700543"/>
           </a:xfrm>
         </p:spPr>
         <p:txBody>
           <a:bodyPr>
-            <a:normAutofit lnSpcReduction="10000"/>
+            <a:normAutofit/>
           </a:bodyPr>
           <a:lstStyle/>
-          <a:p>
-            <a:pPr algn="just">
-              <a:buFont typeface="Wingdings" panose="05000000000000000000" pitchFamily="2" charset="2"/>
-              <a:buChar char="Ø"/>
-            </a:pPr>
-            <a:r>
-              <a:rPr lang="en-US" dirty="0"/>
-              <a:t>In 2015, </a:t>
-            </a:r>
-            <a:r>
-              <a:rPr lang="en-IN" dirty="0"/>
-              <a:t>Majid Jamil, Sanjeev Kumar Sharma and </a:t>
-            </a:r>
-            <a:r>
-              <a:rPr lang="en-IN" dirty="0" err="1"/>
-              <a:t>Rajveer</a:t>
-            </a:r>
-            <a:r>
-              <a:rPr lang="en-IN" dirty="0"/>
-              <a:t> Singh published a paper to determine and classify the faults using back-propagation neural network.</a:t>
-            </a:r>
-          </a:p>
-          <a:p>
-            <a:pPr algn="just">
-              <a:buFont typeface="Wingdings" panose="05000000000000000000" pitchFamily="2" charset="2"/>
-              <a:buChar char="Ø"/>
-            </a:pPr>
-            <a:r>
-              <a:rPr lang="en-IN" dirty="0"/>
-              <a:t>In 2016, Y. Wang, M. Liu, Z. Bao published a paper for the power system fault diagnosis using stacked auto-encoders to train the deep neural network.</a:t>
-            </a:r>
-          </a:p>
-          <a:p>
-            <a:pPr algn="just">
-              <a:buFont typeface="Wingdings" panose="05000000000000000000" pitchFamily="2" charset="2"/>
-              <a:buChar char="Ø"/>
-            </a:pPr>
-            <a:r>
-              <a:rPr lang="en-IN" dirty="0"/>
-              <a:t>In 2017, Florian Rudin, Guo-</a:t>
-            </a:r>
-            <a:r>
-              <a:rPr lang="en-IN" dirty="0" err="1"/>
-              <a:t>Jie</a:t>
-            </a:r>
-            <a:r>
-              <a:rPr lang="en-IN" dirty="0"/>
-              <a:t> Li, </a:t>
-            </a:r>
-            <a:r>
-              <a:rPr lang="en-IN" dirty="0" err="1"/>
-              <a:t>Keyou</a:t>
-            </a:r>
-            <a:r>
-              <a:rPr lang="en-IN" dirty="0"/>
-              <a:t> Wang published a paper to use the Convolution Neural Networks for fault diagnosis.</a:t>
-            </a:r>
-          </a:p>
-          <a:p>
-            <a:pPr algn="just">
-              <a:buFont typeface="Wingdings" panose="05000000000000000000" pitchFamily="2" charset="2"/>
-              <a:buChar char="Ø"/>
-            </a:pPr>
-            <a:r>
-              <a:rPr lang="en-IN" dirty="0"/>
-              <a:t>In 2017, Gabriel </a:t>
-            </a:r>
-            <a:r>
-              <a:rPr lang="en-IN" dirty="0" err="1"/>
-              <a:t>Michau</a:t>
-            </a:r>
-            <a:r>
-              <a:rPr lang="en-IN" dirty="0"/>
-              <a:t>, Thomas Palm, Olga Fink published a paper on </a:t>
-            </a:r>
-            <a:r>
-              <a:rPr lang="en-IN" b="1" dirty="0"/>
-              <a:t>HELM </a:t>
-            </a:r>
-            <a:r>
-              <a:rPr lang="en-IN" dirty="0"/>
-              <a:t>for the power system fault diagnosis.</a:t>
-            </a:r>
-          </a:p>
-          <a:p>
-            <a:pPr algn="just">
-              <a:buFont typeface="Wingdings" panose="05000000000000000000" pitchFamily="2" charset="2"/>
-              <a:buChar char="Ø"/>
-            </a:pPr>
-            <a:r>
-              <a:rPr lang="en-IN" dirty="0"/>
-              <a:t>In 2017, </a:t>
-            </a:r>
-            <a:r>
-              <a:rPr lang="en-IN" dirty="0" err="1"/>
-              <a:t>Biswarup</a:t>
-            </a:r>
-            <a:r>
-              <a:rPr lang="en-IN" dirty="0"/>
-              <a:t> Bhattacharya, Abhishek Sinha published a paper on fault analysis using Recurrent Neural Networks. </a:t>
-            </a:r>
-          </a:p>
           <a:p>
             <a:pPr>
               <a:buFont typeface="Wingdings" panose="05000000000000000000" pitchFamily="2" charset="2"/>
               <a:buChar char="Ø"/>
             </a:pPr>
-            <a:endParaRPr lang="en-US" dirty="0"/>
+            <a:r>
+              <a:rPr lang="en-US" dirty="0"/>
+              <a:t>In 2015, Majid Jamil, Sanjeev Kumar Sharma, and </a:t>
+            </a:r>
+            <a:r>
+              <a:rPr lang="en-US" dirty="0" err="1"/>
+              <a:t>Rajveer</a:t>
+            </a:r>
+            <a:r>
+              <a:rPr lang="en-US" dirty="0"/>
+              <a:t> Singh published a paper to determine and classify the faults using a back-propagation neural network.</a:t>
+            </a:r>
+          </a:p>
+          <a:p>
+            <a:pPr>
+              <a:buFont typeface="Wingdings" panose="05000000000000000000" pitchFamily="2" charset="2"/>
+              <a:buChar char="Ø"/>
+            </a:pPr>
+            <a:r>
+              <a:rPr lang="en-US" dirty="0"/>
+              <a:t>In 2016, Y. Wang, M. Liu, Z. Bao published a paper for the power system fault diagnosis using stacked auto-encoders to train the deep neural network.</a:t>
+            </a:r>
+          </a:p>
+          <a:p>
+            <a:pPr>
+              <a:buFont typeface="Wingdings" panose="05000000000000000000" pitchFamily="2" charset="2"/>
+              <a:buChar char="Ø"/>
+            </a:pPr>
+            <a:r>
+              <a:rPr lang="en-US" dirty="0"/>
+              <a:t>In 2017, Florian Rudin, Guo-</a:t>
+            </a:r>
+            <a:r>
+              <a:rPr lang="en-US" dirty="0" err="1"/>
+              <a:t>Jie</a:t>
+            </a:r>
+            <a:r>
+              <a:rPr lang="en-US" dirty="0"/>
+              <a:t> Li, </a:t>
+            </a:r>
+            <a:r>
+              <a:rPr lang="en-US" dirty="0" err="1"/>
+              <a:t>Keyou</a:t>
+            </a:r>
+            <a:r>
+              <a:rPr lang="en-US" dirty="0"/>
+              <a:t> Wang published a paper to use the Convolution Neural Networks for fault diagnosis.</a:t>
+            </a:r>
+          </a:p>
+          <a:p>
+            <a:pPr>
+              <a:buFont typeface="Wingdings" panose="05000000000000000000" pitchFamily="2" charset="2"/>
+              <a:buChar char="Ø"/>
+            </a:pPr>
+            <a:r>
+              <a:rPr lang="en-US" dirty="0"/>
+              <a:t>In 2017, Gabriel </a:t>
+            </a:r>
+            <a:r>
+              <a:rPr lang="en-US" dirty="0" err="1"/>
+              <a:t>Michau</a:t>
+            </a:r>
+            <a:r>
+              <a:rPr lang="en-US" dirty="0"/>
+              <a:t>, Thomas Palm, Olga Fink published a paper on HELM for the power system fault diagnosis.</a:t>
+            </a:r>
+          </a:p>
+          <a:p>
+            <a:pPr>
+              <a:buFont typeface="Wingdings" panose="05000000000000000000" pitchFamily="2" charset="2"/>
+              <a:buChar char="Ø"/>
+            </a:pPr>
+            <a:r>
+              <a:rPr lang="en-US" dirty="0"/>
+              <a:t>In 2017, </a:t>
+            </a:r>
+            <a:r>
+              <a:rPr lang="en-US" dirty="0" err="1"/>
+              <a:t>Biswarup</a:t>
+            </a:r>
+            <a:r>
+              <a:rPr lang="en-US" dirty="0"/>
+              <a:t> Bhattacharya, Abhishek Sinha published a paper on fault analysis using Recurrent Neural Networks. </a:t>
+            </a:r>
           </a:p>
         </p:txBody>
       </p:sp>
@@ -7483,7 +8135,7 @@
         </p:nvSpPr>
         <p:spPr>
           <a:xfrm>
-            <a:off x="838200" y="347987"/>
+            <a:off x="838200" y="339110"/>
             <a:ext cx="10622872" cy="584775"/>
           </a:xfrm>
           <a:prstGeom prst="rect">
@@ -7581,15 +8233,8 @@
             </a:pPr>
             <a:r>
               <a:rPr lang="en-US" dirty="0"/>
-              <a:t>There are many architectures of deep neural networks. In these networks some are application specific. </a:t>
-            </a:r>
-          </a:p>
-          <a:p>
-            <a:pPr>
-              <a:buFont typeface="Wingdings" panose="05000000000000000000" pitchFamily="2" charset="2"/>
-              <a:buChar char="Ø"/>
-            </a:pPr>
-            <a:endParaRPr lang="en-US" dirty="0"/>
+              <a:t>There are many architectures of deep neural networks. In these networks, some are application-specific. </a:t>
+            </a:r>
           </a:p>
         </p:txBody>
       </p:sp>

--- a/First Review/First Oral Presentation.pptx
+++ b/First Review/First Oral Presentation.pptx
@@ -580,7 +580,7 @@
             <a:fld id="{3D8249B7-5670-4B09-86B3-71E93B280144}" type="datetimeFigureOut">
               <a:rPr lang="en-IN" smtClean="0"/>
               <a:pPr/>
-              <a:t>19-12-2019</a:t>
+              <a:t>20-12-2019</a:t>
             </a:fld>
             <a:endParaRPr lang="en-IN"/>
           </a:p>
@@ -979,7 +979,7 @@
             <a:fld id="{7D1AF1CA-FD27-4437-9CAD-DD56B5418F4E}" type="datetime1">
               <a:rPr lang="en-US" smtClean="0"/>
               <a:pPr/>
-              <a:t>19-Dec-19</a:t>
+              <a:t>20-Dec-19</a:t>
             </a:fld>
             <a:endParaRPr lang="en-US"/>
           </a:p>
@@ -1152,7 +1152,7 @@
             <a:fld id="{B8BB03FA-AEC6-496F-8A81-D8B322B5D797}" type="datetime1">
               <a:rPr lang="en-US" smtClean="0"/>
               <a:pPr/>
-              <a:t>19-Dec-19</a:t>
+              <a:t>20-Dec-19</a:t>
             </a:fld>
             <a:endParaRPr lang="en-US"/>
           </a:p>
@@ -1335,7 +1335,7 @@
             <a:fld id="{0E6D40E8-755A-4A9E-8203-7D540D0C4D6C}" type="datetime1">
               <a:rPr lang="en-US" smtClean="0"/>
               <a:pPr/>
-              <a:t>19-Dec-19</a:t>
+              <a:t>20-Dec-19</a:t>
             </a:fld>
             <a:endParaRPr lang="en-US"/>
           </a:p>
@@ -1508,7 +1508,7 @@
             <a:fld id="{7E3FDB0B-B014-4C47-949F-40696701F18D}" type="datetime1">
               <a:rPr lang="en-US" smtClean="0"/>
               <a:pPr/>
-              <a:t>19-Dec-19</a:t>
+              <a:t>20-Dec-19</a:t>
             </a:fld>
             <a:endParaRPr lang="en-US"/>
           </a:p>
@@ -1758,7 +1758,7 @@
             <a:fld id="{56A4027D-C39B-4028-B8BF-317DD87D366F}" type="datetime1">
               <a:rPr lang="en-US" smtClean="0"/>
               <a:pPr/>
-              <a:t>19-Dec-19</a:t>
+              <a:t>20-Dec-19</a:t>
             </a:fld>
             <a:endParaRPr lang="en-US"/>
           </a:p>
@@ -1992,7 +1992,7 @@
             <a:fld id="{F929062A-9710-4020-9B03-34EA22284D0C}" type="datetime1">
               <a:rPr lang="en-US" smtClean="0"/>
               <a:pPr/>
-              <a:t>19-Dec-19</a:t>
+              <a:t>20-Dec-19</a:t>
             </a:fld>
             <a:endParaRPr lang="en-US"/>
           </a:p>
@@ -2361,7 +2361,7 @@
             <a:fld id="{4B2152DA-6FB1-4EDE-8BB4-888167B9355B}" type="datetime1">
               <a:rPr lang="en-US" smtClean="0"/>
               <a:pPr/>
-              <a:t>19-Dec-19</a:t>
+              <a:t>20-Dec-19</a:t>
             </a:fld>
             <a:endParaRPr lang="en-US"/>
           </a:p>
@@ -2483,7 +2483,7 @@
             <a:fld id="{55429E5B-FFDD-47CA-AE66-D39F45E52B55}" type="datetime1">
               <a:rPr lang="en-US" smtClean="0"/>
               <a:pPr/>
-              <a:t>19-Dec-19</a:t>
+              <a:t>20-Dec-19</a:t>
             </a:fld>
             <a:endParaRPr lang="en-US"/>
           </a:p>
@@ -2583,7 +2583,7 @@
             <a:fld id="{3C36C040-CCB1-4266-9346-A8F110B24665}" type="datetime1">
               <a:rPr lang="en-US" smtClean="0"/>
               <a:pPr/>
-              <a:t>19-Dec-19</a:t>
+              <a:t>20-Dec-19</a:t>
             </a:fld>
             <a:endParaRPr lang="en-US"/>
           </a:p>
@@ -2863,7 +2863,7 @@
             <a:fld id="{DDD8B0CE-3257-4B5B-B2F0-94303DB42A1F}" type="datetime1">
               <a:rPr lang="en-US" smtClean="0"/>
               <a:pPr/>
-              <a:t>19-Dec-19</a:t>
+              <a:t>20-Dec-19</a:t>
             </a:fld>
             <a:endParaRPr lang="en-US"/>
           </a:p>
@@ -3123,7 +3123,7 @@
             <a:fld id="{FCF577C3-74B1-42E7-853A-25836E4163F3}" type="datetime1">
               <a:rPr lang="en-US" smtClean="0"/>
               <a:pPr/>
-              <a:t>19-Dec-19</a:t>
+              <a:t>20-Dec-19</a:t>
             </a:fld>
             <a:endParaRPr lang="en-US"/>
           </a:p>
@@ -3342,7 +3342,7 @@
             <a:fld id="{AC29328E-BEF7-443D-BAE5-BD9F671E0CEA}" type="datetime1">
               <a:rPr lang="en-US" smtClean="0"/>
               <a:pPr/>
-              <a:t>19-Dec-19</a:t>
+              <a:t>20-Dec-19</a:t>
             </a:fld>
             <a:endParaRPr lang="en-US"/>
           </a:p>
@@ -3944,16 +3944,6 @@
               <a:t>Dr . S. Hemachandra </a:t>
             </a:r>
             <a:r>
-              <a:rPr lang="en-US" sz="1400" b="1" i="1" dirty="0" err="1">
-                <a:solidFill>
-                  <a:srgbClr val="000099"/>
-                </a:solidFill>
-                <a:latin typeface="Times New Roman" panose="02020603050405020304" pitchFamily="18" charset="0"/>
-                <a:cs typeface="Times New Roman" panose="02020603050405020304" pitchFamily="18" charset="0"/>
-              </a:rPr>
-              <a:t>M.Tech</a:t>
-            </a:r>
-            <a:r>
               <a:rPr lang="en-US" sz="1400" b="1" i="1" dirty="0">
                 <a:solidFill>
                   <a:srgbClr val="000099"/>
@@ -3961,7 +3951,7 @@
                 <a:latin typeface="Times New Roman" panose="02020603050405020304" pitchFamily="18" charset="0"/>
                 <a:cs typeface="Times New Roman" panose="02020603050405020304" pitchFamily="18" charset="0"/>
               </a:rPr>
-              <a:t>., Ph.D.</a:t>
+              <a:t>M.Tech., Ph.D.</a:t>
             </a:r>
           </a:p>
           <a:p>
@@ -4079,7 +4069,7 @@
                 </a:solidFill>
                 <a:latin typeface="Century Gothic" panose="020B0502020202020204"/>
               </a:rPr>
-              <a:t>(2018 –2019)</a:t>
+              <a:t>(2016 - 2020)</a:t>
             </a:r>
             <a:endParaRPr lang="en-US" sz="1400" dirty="0">
               <a:solidFill>
@@ -4155,7 +4145,7 @@
             <a:fld id="{5631755A-7F1F-43D1-B420-8FE5AAB03653}" type="datetime1">
               <a:rPr lang="en-US" smtClean="0"/>
               <a:pPr/>
-              <a:t>19-Dec-19</a:t>
+              <a:t>20-Dec-19</a:t>
             </a:fld>
             <a:endParaRPr lang="en-US"/>
           </a:p>
@@ -4862,7 +4852,7 @@
             </a:pPr>
             <a:r>
               <a:rPr lang="en-US" dirty="0"/>
-              <a:t>This project is to develop a deep neural network so that the power system faults can be diagnosed. We will try to classify them as mush faults as possible using deep neural networks and further improvements in the project will be informed.</a:t>
+              <a:t>This project is to develop a deep neural network so that the power system faults can be diagnosed. We will try to classify them as much faults as possible using deep neural networks and further improvements in the project will be informed.</a:t>
             </a:r>
           </a:p>
         </p:txBody>
@@ -4891,7 +4881,7 @@
             <a:fld id="{7E3FDB0B-B014-4C47-949F-40696701F18D}" type="datetime1">
               <a:rPr lang="en-US" smtClean="0"/>
               <a:pPr/>
-              <a:t>19-Dec-19</a:t>
+              <a:t>20-Dec-19</a:t>
             </a:fld>
             <a:endParaRPr lang="en-US"/>
           </a:p>
@@ -5013,7 +5003,7 @@
             <p:ph idx="1"/>
             <p:extLst>
               <p:ext uri="{D42A27DB-BD31-4B8C-83A1-F6EECF244321}">
-                <p14:modId xmlns:p14="http://schemas.microsoft.com/office/powerpoint/2010/main" val="211859919"/>
+                <p14:modId xmlns:p14="http://schemas.microsoft.com/office/powerpoint/2010/main" val="3480837079"/>
               </p:ext>
             </p:extLst>
           </p:nvPr>
@@ -5343,7 +5333,7 @@
                     <a:p>
                       <a:r>
                         <a:rPr lang="en-US" dirty="0"/>
-                        <a:t>13 – 12 – 2020</a:t>
+                        <a:t>13 – 01 – 2020</a:t>
                       </a:r>
                     </a:p>
                   </a:txBody>
@@ -5560,7 +5550,7 @@
             <a:fld id="{7E3FDB0B-B014-4C47-949F-40696701F18D}" type="datetime1">
               <a:rPr lang="en-US" smtClean="0"/>
               <a:pPr/>
-              <a:t>19-Dec-19</a:t>
+              <a:t>20-Dec-19</a:t>
             </a:fld>
             <a:endParaRPr lang="en-US"/>
           </a:p>
@@ -5730,7 +5720,7 @@
             <a:fld id="{7D3818A2-EEB7-4262-8046-02DC67F5AE89}" type="datetime1">
               <a:rPr lang="en-US" smtClean="0"/>
               <a:pPr/>
-              <a:t>19-Dec-19</a:t>
+              <a:t>20-Dec-19</a:t>
             </a:fld>
             <a:endParaRPr lang="en-US"/>
           </a:p>
@@ -7038,7 +7028,7 @@
             <a:fld id="{55429E5B-FFDD-47CA-AE66-D39F45E52B55}" type="datetime1">
               <a:rPr lang="en-US" smtClean="0"/>
               <a:pPr/>
-              <a:t>19-Dec-19</a:t>
+              <a:t>20-Dec-19</a:t>
             </a:fld>
             <a:endParaRPr lang="en-US"/>
           </a:p>
@@ -7335,7 +7325,7 @@
             <a:fld id="{46AE972D-E9C9-463C-B8F6-D09D8C3356F7}" type="datetime1">
               <a:rPr lang="en-US" smtClean="0"/>
               <a:pPr/>
-              <a:t>19-Dec-19</a:t>
+              <a:t>20-Dec-19</a:t>
             </a:fld>
             <a:endParaRPr lang="en-US"/>
           </a:p>
@@ -7529,7 +7519,7 @@
             <a:fld id="{7E3FDB0B-B014-4C47-949F-40696701F18D}" type="datetime1">
               <a:rPr lang="en-US" smtClean="0"/>
               <a:pPr/>
-              <a:t>19-Dec-19</a:t>
+              <a:t>20-Dec-19</a:t>
             </a:fld>
             <a:endParaRPr lang="en-US"/>
           </a:p>
@@ -7722,7 +7712,7 @@
             <a:fld id="{D7B85C41-A637-4317-A4DB-B59D3E1A9940}" type="datetime1">
               <a:rPr lang="en-US" smtClean="0"/>
               <a:pPr/>
-              <a:t>19-Dec-19</a:t>
+              <a:t>20-Dec-19</a:t>
             </a:fld>
             <a:endParaRPr lang="en-US"/>
           </a:p>
@@ -7847,7 +7837,7 @@
             <a:fld id="{7E3FDB0B-B014-4C47-949F-40696701F18D}" type="datetime1">
               <a:rPr lang="en-US" smtClean="0"/>
               <a:pPr/>
-              <a:t>19-Dec-19</a:t>
+              <a:t>20-Dec-19</a:t>
             </a:fld>
             <a:endParaRPr lang="en-US"/>
           </a:p>
@@ -8085,7 +8075,7 @@
             <a:fld id="{7E3FDB0B-B014-4C47-949F-40696701F18D}" type="datetime1">
               <a:rPr lang="en-US" smtClean="0"/>
               <a:pPr/>
-              <a:t>19-Dec-19</a:t>
+              <a:t>20-Dec-19</a:t>
             </a:fld>
             <a:endParaRPr lang="en-US"/>
           </a:p>
@@ -8262,7 +8252,7 @@
             <a:fld id="{7E3FDB0B-B014-4C47-949F-40696701F18D}" type="datetime1">
               <a:rPr lang="en-US" smtClean="0"/>
               <a:pPr/>
-              <a:t>19-Dec-19</a:t>
+              <a:t>20-Dec-19</a:t>
             </a:fld>
             <a:endParaRPr lang="en-US"/>
           </a:p>
@@ -8445,7 +8435,7 @@
             <a:fld id="{7E3FDB0B-B014-4C47-949F-40696701F18D}" type="datetime1">
               <a:rPr lang="en-US" smtClean="0"/>
               <a:pPr/>
-              <a:t>19-Dec-19</a:t>
+              <a:t>20-Dec-19</a:t>
             </a:fld>
             <a:endParaRPr lang="en-US"/>
           </a:p>
@@ -8616,7 +8606,7 @@
             <a:fld id="{7E3FDB0B-B014-4C47-949F-40696701F18D}" type="datetime1">
               <a:rPr lang="en-US" smtClean="0"/>
               <a:pPr/>
-              <a:t>19-Dec-19</a:t>
+              <a:t>20-Dec-19</a:t>
             </a:fld>
             <a:endParaRPr lang="en-US"/>
           </a:p>
